--- a/Website_TdA_2024.pptx
+++ b/Website_TdA_2024.pptx
@@ -133,7 +133,7 @@
 <file path=ppt/revisionInfo.xml><?xml version="1.0" encoding="utf-8"?>
 <p1510:revInfo xmlns:a="http://schemas.openxmlformats.org/drawingml/2006/main" xmlns:r="http://schemas.openxmlformats.org/officeDocument/2006/relationships" xmlns:p1510="http://schemas.microsoft.com/office/powerpoint/2015/10/main">
   <p1510:revLst>
-    <p1510:client id="{96D7FF0F-B081-4A9D-BD68-D3EBAC727EF5}" v="204" dt="2024-02-07T12:45:42.285"/>
+    <p1510:client id="{96D7FF0F-B081-4A9D-BD68-D3EBAC727EF5}" v="211" dt="2024-02-13T08:27:33.621"/>
   </p1510:revLst>
 </p1510:revInfo>
 </file>
@@ -143,7 +143,7 @@
   <pc:docChgLst>
     <pc:chgData name="Stapel, Frederic" userId="1abc07cd-784c-4ede-87bc-7246762e1d08" providerId="ADAL" clId="{96D7FF0F-B081-4A9D-BD68-D3EBAC727EF5}"/>
     <pc:docChg chg="undo redo custSel addSld delSld modSld sldOrd">
-      <pc:chgData name="Stapel, Frederic" userId="1abc07cd-784c-4ede-87bc-7246762e1d08" providerId="ADAL" clId="{96D7FF0F-B081-4A9D-BD68-D3EBAC727EF5}" dt="2024-02-07T12:46:01.414" v="3886" actId="1076"/>
+      <pc:chgData name="Stapel, Frederic" userId="1abc07cd-784c-4ede-87bc-7246762e1d08" providerId="ADAL" clId="{96D7FF0F-B081-4A9D-BD68-D3EBAC727EF5}" dt="2024-02-13T08:27:11.672" v="3994" actId="20577"/>
       <pc:docMkLst>
         <pc:docMk/>
       </pc:docMkLst>
@@ -209,7 +209,7 @@
         </pc:spChg>
       </pc:sldChg>
       <pc:sldChg chg="addSp delSp modSp new mod ord">
-        <pc:chgData name="Stapel, Frederic" userId="1abc07cd-784c-4ede-87bc-7246762e1d08" providerId="ADAL" clId="{96D7FF0F-B081-4A9D-BD68-D3EBAC727EF5}" dt="2024-01-22T12:39:52.814" v="1800" actId="20577"/>
+        <pc:chgData name="Stapel, Frederic" userId="1abc07cd-784c-4ede-87bc-7246762e1d08" providerId="ADAL" clId="{96D7FF0F-B081-4A9D-BD68-D3EBAC727EF5}" dt="2024-02-13T08:27:11.672" v="3994" actId="20577"/>
         <pc:sldMkLst>
           <pc:docMk/>
           <pc:sldMk cId="2805550147" sldId="259"/>
@@ -223,7 +223,7 @@
           </ac:spMkLst>
         </pc:spChg>
         <pc:spChg chg="mod">
-          <ac:chgData name="Stapel, Frederic" userId="1abc07cd-784c-4ede-87bc-7246762e1d08" providerId="ADAL" clId="{96D7FF0F-B081-4A9D-BD68-D3EBAC727EF5}" dt="2024-01-22T12:39:52.814" v="1800" actId="20577"/>
+          <ac:chgData name="Stapel, Frederic" userId="1abc07cd-784c-4ede-87bc-7246762e1d08" providerId="ADAL" clId="{96D7FF0F-B081-4A9D-BD68-D3EBAC727EF5}" dt="2024-02-13T08:27:11.672" v="3994" actId="20577"/>
           <ac:spMkLst>
             <pc:docMk/>
             <pc:sldMk cId="2805550147" sldId="259"/>
@@ -342,11 +342,19 @@
         </pc:spChg>
       </pc:sldChg>
       <pc:sldChg chg="addSp delSp modSp new mod">
-        <pc:chgData name="Stapel, Frederic" userId="1abc07cd-784c-4ede-87bc-7246762e1d08" providerId="ADAL" clId="{96D7FF0F-B081-4A9D-BD68-D3EBAC727EF5}" dt="2024-01-22T09:36:14.108" v="1026" actId="478"/>
+        <pc:chgData name="Stapel, Frederic" userId="1abc07cd-784c-4ede-87bc-7246762e1d08" providerId="ADAL" clId="{96D7FF0F-B081-4A9D-BD68-D3EBAC727EF5}" dt="2024-02-13T07:42:28.092" v="3951" actId="1076"/>
         <pc:sldMkLst>
           <pc:docMk/>
           <pc:sldMk cId="3375661274" sldId="262"/>
         </pc:sldMkLst>
+        <pc:spChg chg="add mod">
+          <ac:chgData name="Stapel, Frederic" userId="1abc07cd-784c-4ede-87bc-7246762e1d08" providerId="ADAL" clId="{96D7FF0F-B081-4A9D-BD68-D3EBAC727EF5}" dt="2024-02-13T07:42:28.092" v="3951" actId="1076"/>
+          <ac:spMkLst>
+            <pc:docMk/>
+            <pc:sldMk cId="3375661274" sldId="262"/>
+            <ac:spMk id="2" creationId="{29F0D2FF-399F-B96F-A9E1-06411514C1C7}"/>
+          </ac:spMkLst>
+        </pc:spChg>
         <pc:spChg chg="del">
           <ac:chgData name="Stapel, Frederic" userId="1abc07cd-784c-4ede-87bc-7246762e1d08" providerId="ADAL" clId="{96D7FF0F-B081-4A9D-BD68-D3EBAC727EF5}" dt="2024-01-22T09:36:14.108" v="1026" actId="478"/>
           <ac:spMkLst>
@@ -714,13 +722,13 @@
         </pc:picChg>
       </pc:sldChg>
       <pc:sldChg chg="modSp new mod">
-        <pc:chgData name="Stapel, Frederic" userId="1abc07cd-784c-4ede-87bc-7246762e1d08" providerId="ADAL" clId="{96D7FF0F-B081-4A9D-BD68-D3EBAC727EF5}" dt="2024-01-22T13:36:06.040" v="2117" actId="114"/>
+        <pc:chgData name="Stapel, Frederic" userId="1abc07cd-784c-4ede-87bc-7246762e1d08" providerId="ADAL" clId="{96D7FF0F-B081-4A9D-BD68-D3EBAC727EF5}" dt="2024-02-13T07:46:29.026" v="3964" actId="20577"/>
         <pc:sldMkLst>
           <pc:docMk/>
           <pc:sldMk cId="385142847" sldId="265"/>
         </pc:sldMkLst>
         <pc:spChg chg="mod">
-          <ac:chgData name="Stapel, Frederic" userId="1abc07cd-784c-4ede-87bc-7246762e1d08" providerId="ADAL" clId="{96D7FF0F-B081-4A9D-BD68-D3EBAC727EF5}" dt="2024-01-22T10:09:04.277" v="1407" actId="20577"/>
+          <ac:chgData name="Stapel, Frederic" userId="1abc07cd-784c-4ede-87bc-7246762e1d08" providerId="ADAL" clId="{96D7FF0F-B081-4A9D-BD68-D3EBAC727EF5}" dt="2024-02-13T07:46:29.026" v="3964" actId="20577"/>
           <ac:spMkLst>
             <pc:docMk/>
             <pc:sldMk cId="385142847" sldId="265"/>
@@ -870,11 +878,27 @@
         </pc:picChg>
       </pc:sldChg>
       <pc:sldChg chg="addSp delSp modSp add mod">
-        <pc:chgData name="Stapel, Frederic" userId="1abc07cd-784c-4ede-87bc-7246762e1d08" providerId="ADAL" clId="{96D7FF0F-B081-4A9D-BD68-D3EBAC727EF5}" dt="2024-02-07T09:29:56.595" v="2468" actId="14100"/>
+        <pc:chgData name="Stapel, Frederic" userId="1abc07cd-784c-4ede-87bc-7246762e1d08" providerId="ADAL" clId="{96D7FF0F-B081-4A9D-BD68-D3EBAC727EF5}" dt="2024-02-13T07:44:04.464" v="3954"/>
         <pc:sldMkLst>
           <pc:docMk/>
           <pc:sldMk cId="1179069388" sldId="269"/>
         </pc:sldMkLst>
+        <pc:spChg chg="add del mod">
+          <ac:chgData name="Stapel, Frederic" userId="1abc07cd-784c-4ede-87bc-7246762e1d08" providerId="ADAL" clId="{96D7FF0F-B081-4A9D-BD68-D3EBAC727EF5}" dt="2024-02-13T07:44:00.197" v="3953" actId="478"/>
+          <ac:spMkLst>
+            <pc:docMk/>
+            <pc:sldMk cId="1179069388" sldId="269"/>
+            <ac:spMk id="2" creationId="{F5EF86D2-C31E-D08C-72C7-D02D492A9A4A}"/>
+          </ac:spMkLst>
+        </pc:spChg>
+        <pc:spChg chg="add mod">
+          <ac:chgData name="Stapel, Frederic" userId="1abc07cd-784c-4ede-87bc-7246762e1d08" providerId="ADAL" clId="{96D7FF0F-B081-4A9D-BD68-D3EBAC727EF5}" dt="2024-02-13T07:44:04.464" v="3954"/>
+          <ac:spMkLst>
+            <pc:docMk/>
+            <pc:sldMk cId="1179069388" sldId="269"/>
+            <ac:spMk id="4" creationId="{99D6F540-8056-95F6-5D80-34D83A55A612}"/>
+          </ac:spMkLst>
+        </pc:spChg>
         <pc:picChg chg="mod">
           <ac:chgData name="Stapel, Frederic" userId="1abc07cd-784c-4ede-87bc-7246762e1d08" providerId="ADAL" clId="{96D7FF0F-B081-4A9D-BD68-D3EBAC727EF5}" dt="2024-02-07T09:29:30.853" v="2459" actId="1076"/>
           <ac:picMkLst>
@@ -2348,7 +2372,7 @@
           <a:p>
             <a:fld id="{326D799F-86D4-4539-9CF8-30237CED92B1}" type="datetimeFigureOut">
               <a:rPr lang="de-DE" smtClean="0"/>
-              <a:t>07.02.2024</a:t>
+              <a:t>13.02.2024</a:t>
             </a:fld>
             <a:endParaRPr lang="de-DE"/>
           </a:p>
@@ -2846,7 +2870,7 @@
           <a:p>
             <a:fld id="{5F34389D-718A-4B70-99B4-5B2AAB6EE550}" type="datetimeFigureOut">
               <a:rPr lang="de-DE" smtClean="0"/>
-              <a:t>07.02.2024</a:t>
+              <a:t>13.02.2024</a:t>
             </a:fld>
             <a:endParaRPr lang="de-DE"/>
           </a:p>
@@ -3044,7 +3068,7 @@
           <a:p>
             <a:fld id="{5F34389D-718A-4B70-99B4-5B2AAB6EE550}" type="datetimeFigureOut">
               <a:rPr lang="de-DE" smtClean="0"/>
-              <a:t>07.02.2024</a:t>
+              <a:t>13.02.2024</a:t>
             </a:fld>
             <a:endParaRPr lang="de-DE"/>
           </a:p>
@@ -3252,7 +3276,7 @@
           <a:p>
             <a:fld id="{5F34389D-718A-4B70-99B4-5B2AAB6EE550}" type="datetimeFigureOut">
               <a:rPr lang="de-DE" smtClean="0"/>
-              <a:t>07.02.2024</a:t>
+              <a:t>13.02.2024</a:t>
             </a:fld>
             <a:endParaRPr lang="de-DE"/>
           </a:p>
@@ -3450,7 +3474,7 @@
           <a:p>
             <a:fld id="{5F34389D-718A-4B70-99B4-5B2AAB6EE550}" type="datetimeFigureOut">
               <a:rPr lang="de-DE" smtClean="0"/>
-              <a:t>07.02.2024</a:t>
+              <a:t>13.02.2024</a:t>
             </a:fld>
             <a:endParaRPr lang="de-DE"/>
           </a:p>
@@ -3725,7 +3749,7 @@
           <a:p>
             <a:fld id="{5F34389D-718A-4B70-99B4-5B2AAB6EE550}" type="datetimeFigureOut">
               <a:rPr lang="de-DE" smtClean="0"/>
-              <a:t>07.02.2024</a:t>
+              <a:t>13.02.2024</a:t>
             </a:fld>
             <a:endParaRPr lang="de-DE"/>
           </a:p>
@@ -3990,7 +4014,7 @@
           <a:p>
             <a:fld id="{5F34389D-718A-4B70-99B4-5B2AAB6EE550}" type="datetimeFigureOut">
               <a:rPr lang="de-DE" smtClean="0"/>
-              <a:t>07.02.2024</a:t>
+              <a:t>13.02.2024</a:t>
             </a:fld>
             <a:endParaRPr lang="de-DE"/>
           </a:p>
@@ -4402,7 +4426,7 @@
           <a:p>
             <a:fld id="{5F34389D-718A-4B70-99B4-5B2AAB6EE550}" type="datetimeFigureOut">
               <a:rPr lang="de-DE" smtClean="0"/>
-              <a:t>07.02.2024</a:t>
+              <a:t>13.02.2024</a:t>
             </a:fld>
             <a:endParaRPr lang="de-DE"/>
           </a:p>
@@ -4543,7 +4567,7 @@
           <a:p>
             <a:fld id="{5F34389D-718A-4B70-99B4-5B2AAB6EE550}" type="datetimeFigureOut">
               <a:rPr lang="de-DE" smtClean="0"/>
-              <a:t>07.02.2024</a:t>
+              <a:t>13.02.2024</a:t>
             </a:fld>
             <a:endParaRPr lang="de-DE"/>
           </a:p>
@@ -4656,7 +4680,7 @@
           <a:p>
             <a:fld id="{5F34389D-718A-4B70-99B4-5B2AAB6EE550}" type="datetimeFigureOut">
               <a:rPr lang="de-DE" smtClean="0"/>
-              <a:t>07.02.2024</a:t>
+              <a:t>13.02.2024</a:t>
             </a:fld>
             <a:endParaRPr lang="de-DE"/>
           </a:p>
@@ -4967,7 +4991,7 @@
           <a:p>
             <a:fld id="{5F34389D-718A-4B70-99B4-5B2AAB6EE550}" type="datetimeFigureOut">
               <a:rPr lang="de-DE" smtClean="0"/>
-              <a:t>07.02.2024</a:t>
+              <a:t>13.02.2024</a:t>
             </a:fld>
             <a:endParaRPr lang="de-DE"/>
           </a:p>
@@ -5255,7 +5279,7 @@
           <a:p>
             <a:fld id="{5F34389D-718A-4B70-99B4-5B2AAB6EE550}" type="datetimeFigureOut">
               <a:rPr lang="de-DE" smtClean="0"/>
-              <a:t>07.02.2024</a:t>
+              <a:t>13.02.2024</a:t>
             </a:fld>
             <a:endParaRPr lang="de-DE"/>
           </a:p>
@@ -5496,7 +5520,7 @@
           <a:p>
             <a:fld id="{5F34389D-718A-4B70-99B4-5B2AAB6EE550}" type="datetimeFigureOut">
               <a:rPr lang="de-DE" smtClean="0"/>
-              <a:t>07.02.2024</a:t>
+              <a:t>13.02.2024</a:t>
             </a:fld>
             <a:endParaRPr lang="de-DE"/>
           </a:p>
@@ -6077,7 +6101,10 @@
               <a:rPr lang="de-DE" dirty="0" err="1"/>
               <a:t>Klickdummy</a:t>
             </a:r>
-            <a:endParaRPr lang="de-DE" dirty="0"/>
+            <a:r>
+              <a:rPr lang="de-DE" dirty="0"/>
+              <a:t> (V 0.1)</a:t>
+            </a:r>
           </a:p>
         </p:txBody>
       </p:sp>
@@ -8381,15 +8408,42 @@
           <a:p>
             <a:r>
               <a:rPr lang="de-DE" dirty="0"/>
+              <a:t>Repo auf </a:t>
+            </a:r>
+            <a:r>
+              <a:rPr lang="de-DE" dirty="0" err="1">
+                <a:hlinkClick r:id="rId2"/>
+              </a:rPr>
+              <a:t>Github</a:t>
+            </a:r>
+            <a:r>
+              <a:rPr lang="de-DE" dirty="0">
+                <a:hlinkClick r:id="rId2"/>
+              </a:rPr>
+              <a:t> Cloud</a:t>
+            </a:r>
+            <a:endParaRPr lang="de-DE" dirty="0"/>
+          </a:p>
+          <a:p>
+            <a:r>
+              <a:rPr lang="de-DE" dirty="0"/>
               <a:t>Deploy auf </a:t>
             </a:r>
             <a:r>
-              <a:rPr lang="de-DE" dirty="0" err="1"/>
+              <a:rPr lang="de-DE" dirty="0" err="1">
+                <a:hlinkClick r:id="rId3"/>
+              </a:rPr>
               <a:t>Github</a:t>
             </a:r>
             <a:r>
+              <a:rPr lang="de-DE" dirty="0">
+                <a:hlinkClick r:id="rId3"/>
+              </a:rPr>
+              <a:t>-Pages</a:t>
+            </a:r>
+            <a:r>
               <a:rPr lang="de-DE" dirty="0"/>
-              <a:t>-Pages (Public)</a:t>
+              <a:t> (Public)</a:t>
             </a:r>
           </a:p>
           <a:p>
@@ -8401,7 +8455,10 @@
               <a:rPr lang="de-DE" dirty="0" err="1"/>
               <a:t>wago.free.wifi</a:t>
             </a:r>
-            <a:endParaRPr lang="de-DE" dirty="0"/>
+            <a:r>
+              <a:rPr lang="de-DE" dirty="0"/>
+              <a:t> (ggf. QR-Code dafür?!)</a:t>
+            </a:r>
           </a:p>
         </p:txBody>
       </p:sp>
@@ -8465,6 +8522,44 @@
           </a:prstGeom>
         </p:spPr>
       </p:pic>
+      <p:sp>
+        <p:nvSpPr>
+          <p:cNvPr id="2" name="Textfeld 1">
+            <a:extLst>
+              <a:ext uri="{FF2B5EF4-FFF2-40B4-BE49-F238E27FC236}">
+                <a16:creationId xmlns:a16="http://schemas.microsoft.com/office/drawing/2014/main" id="{29F0D2FF-399F-B96F-A9E1-06411514C1C7}"/>
+              </a:ext>
+            </a:extLst>
+          </p:cNvPr>
+          <p:cNvSpPr txBox="1"/>
+          <p:nvPr/>
+        </p:nvSpPr>
+        <p:spPr>
+          <a:xfrm>
+            <a:off x="224589" y="224590"/>
+            <a:ext cx="2141621" cy="646331"/>
+          </a:xfrm>
+          <a:prstGeom prst="rect">
+            <a:avLst/>
+          </a:prstGeom>
+          <a:noFill/>
+        </p:spPr>
+        <p:txBody>
+          <a:bodyPr wrap="square" rtlCol="0">
+            <a:spAutoFit/>
+          </a:bodyPr>
+          <a:lstStyle/>
+          <a:p>
+            <a:r>
+              <a:rPr lang="de-DE" dirty="0">
+                <a:hlinkClick r:id="rId3"/>
+              </a:rPr>
+              <a:t>Lageplan Ausbildungszentrum</a:t>
+            </a:r>
+            <a:endParaRPr lang="de-DE" dirty="0"/>
+          </a:p>
+        </p:txBody>
+      </p:sp>
     </p:spTree>
     <p:extLst>
       <p:ext uri="{BB962C8B-B14F-4D97-AF65-F5344CB8AC3E}">
@@ -12227,6 +12322,44 @@
           </a:fontRef>
         </p:style>
       </p:cxnSp>
+      <p:sp>
+        <p:nvSpPr>
+          <p:cNvPr id="4" name="Textfeld 3">
+            <a:extLst>
+              <a:ext uri="{FF2B5EF4-FFF2-40B4-BE49-F238E27FC236}">
+                <a16:creationId xmlns:a16="http://schemas.microsoft.com/office/drawing/2014/main" id="{99D6F540-8056-95F6-5D80-34D83A55A612}"/>
+              </a:ext>
+            </a:extLst>
+          </p:cNvPr>
+          <p:cNvSpPr txBox="1"/>
+          <p:nvPr/>
+        </p:nvSpPr>
+        <p:spPr>
+          <a:xfrm>
+            <a:off x="224589" y="224590"/>
+            <a:ext cx="2141621" cy="646331"/>
+          </a:xfrm>
+          <a:prstGeom prst="rect">
+            <a:avLst/>
+          </a:prstGeom>
+          <a:noFill/>
+        </p:spPr>
+        <p:txBody>
+          <a:bodyPr wrap="square" rtlCol="0">
+            <a:spAutoFit/>
+          </a:bodyPr>
+          <a:lstStyle/>
+          <a:p>
+            <a:r>
+              <a:rPr lang="de-DE" dirty="0">
+                <a:hlinkClick r:id="rId3"/>
+              </a:rPr>
+              <a:t>Lageplan Ausbildungszentrum</a:t>
+            </a:r>
+            <a:endParaRPr lang="de-DE" dirty="0"/>
+          </a:p>
+        </p:txBody>
+      </p:sp>
     </p:spTree>
     <p:extLst>
       <p:ext uri="{BB962C8B-B14F-4D97-AF65-F5344CB8AC3E}">
@@ -18674,8 +18807,15 @@
           <a:p>
             <a:r>
               <a:rPr lang="de-DE" dirty="0"/>
-              <a:t>Farbauswahl; Auszug aus dem WAGO-Katalog für Automation</a:t>
+              <a:t>Farbauswahl; Auszug aus dem </a:t>
             </a:r>
+            <a:r>
+              <a:rPr lang="de-DE" dirty="0">
+                <a:hlinkClick r:id="rId3"/>
+              </a:rPr>
+              <a:t>WAGO-Katalog für Automation</a:t>
+            </a:r>
+            <a:endParaRPr lang="de-DE" dirty="0"/>
           </a:p>
         </p:txBody>
       </p:sp>

--- a/Website_TdA_2024.pptx
+++ b/Website_TdA_2024.pptx
@@ -133,7 +133,7 @@
 <file path=ppt/revisionInfo.xml><?xml version="1.0" encoding="utf-8"?>
 <p1510:revInfo xmlns:a="http://schemas.openxmlformats.org/drawingml/2006/main" xmlns:r="http://schemas.openxmlformats.org/officeDocument/2006/relationships" xmlns:p1510="http://schemas.microsoft.com/office/powerpoint/2015/10/main">
   <p1510:revLst>
-    <p1510:client id="{96D7FF0F-B081-4A9D-BD68-D3EBAC727EF5}" v="211" dt="2024-02-13T08:27:33.621"/>
+    <p1510:client id="{96D7FF0F-B081-4A9D-BD68-D3EBAC727EF5}" v="215" dt="2024-02-13T10:04:16.026"/>
   </p1510:revLst>
 </p1510:revInfo>
 </file>
@@ -143,7 +143,7 @@
   <pc:docChgLst>
     <pc:chgData name="Stapel, Frederic" userId="1abc07cd-784c-4ede-87bc-7246762e1d08" providerId="ADAL" clId="{96D7FF0F-B081-4A9D-BD68-D3EBAC727EF5}"/>
     <pc:docChg chg="undo redo custSel addSld delSld modSld sldOrd">
-      <pc:chgData name="Stapel, Frederic" userId="1abc07cd-784c-4ede-87bc-7246762e1d08" providerId="ADAL" clId="{96D7FF0F-B081-4A9D-BD68-D3EBAC727EF5}" dt="2024-02-13T08:27:11.672" v="3994" actId="20577"/>
+      <pc:chgData name="Stapel, Frederic" userId="1abc07cd-784c-4ede-87bc-7246762e1d08" providerId="ADAL" clId="{96D7FF0F-B081-4A9D-BD68-D3EBAC727EF5}" dt="2024-02-13T10:05:53.810" v="4180" actId="20577"/>
       <pc:docMkLst>
         <pc:docMk/>
       </pc:docMkLst>
@@ -1704,11 +1704,19 @@
         </pc:picChg>
       </pc:sldChg>
       <pc:sldChg chg="addSp delSp modSp add mod modNotesTx">
-        <pc:chgData name="Stapel, Frederic" userId="1abc07cd-784c-4ede-87bc-7246762e1d08" providerId="ADAL" clId="{96D7FF0F-B081-4A9D-BD68-D3EBAC727EF5}" dt="2024-02-07T12:46:01.414" v="3886" actId="1076"/>
+        <pc:chgData name="Stapel, Frederic" userId="1abc07cd-784c-4ede-87bc-7246762e1d08" providerId="ADAL" clId="{96D7FF0F-B081-4A9D-BD68-D3EBAC727EF5}" dt="2024-02-13T10:05:53.810" v="4180" actId="20577"/>
         <pc:sldMkLst>
           <pc:docMk/>
           <pc:sldMk cId="459294818" sldId="274"/>
         </pc:sldMkLst>
+        <pc:spChg chg="add mod">
+          <ac:chgData name="Stapel, Frederic" userId="1abc07cd-784c-4ede-87bc-7246762e1d08" providerId="ADAL" clId="{96D7FF0F-B081-4A9D-BD68-D3EBAC727EF5}" dt="2024-02-13T10:05:40.849" v="4175" actId="14100"/>
+          <ac:spMkLst>
+            <pc:docMk/>
+            <pc:sldMk cId="459294818" sldId="274"/>
+            <ac:spMk id="2" creationId="{1DAC0F08-B900-7188-34CC-B2718E8582A5}"/>
+          </ac:spMkLst>
+        </pc:spChg>
         <pc:spChg chg="add del mod">
           <ac:chgData name="Stapel, Frederic" userId="1abc07cd-784c-4ede-87bc-7246762e1d08" providerId="ADAL" clId="{96D7FF0F-B081-4A9D-BD68-D3EBAC727EF5}" dt="2024-02-07T09:54:07.739" v="2587" actId="478"/>
           <ac:spMkLst>
@@ -1726,6 +1734,14 @@
           </ac:spMkLst>
         </pc:spChg>
         <pc:spChg chg="add del mod">
+          <ac:chgData name="Stapel, Frederic" userId="1abc07cd-784c-4ede-87bc-7246762e1d08" providerId="ADAL" clId="{96D7FF0F-B081-4A9D-BD68-D3EBAC727EF5}" dt="2024-02-13T10:04:03.506" v="4169" actId="478"/>
+          <ac:spMkLst>
+            <pc:docMk/>
+            <pc:sldMk cId="459294818" sldId="274"/>
+            <ac:spMk id="10" creationId="{094ACB5F-4F1C-A3E6-2623-CA8909773B01}"/>
+          </ac:spMkLst>
+        </pc:spChg>
+        <pc:spChg chg="add del mod">
           <ac:chgData name="Stapel, Frederic" userId="1abc07cd-784c-4ede-87bc-7246762e1d08" providerId="ADAL" clId="{96D7FF0F-B081-4A9D-BD68-D3EBAC727EF5}" dt="2024-02-07T09:45:25.543" v="2499" actId="478"/>
           <ac:spMkLst>
             <pc:docMk/>
@@ -1877,8 +1893,8 @@
             <ac:spMk id="38" creationId="{79F88E2C-0694-8198-3CAF-21385E3DDC9C}"/>
           </ac:spMkLst>
         </pc:spChg>
-        <pc:spChg chg="add mod">
-          <ac:chgData name="Stapel, Frederic" userId="1abc07cd-784c-4ede-87bc-7246762e1d08" providerId="ADAL" clId="{96D7FF0F-B081-4A9D-BD68-D3EBAC727EF5}" dt="2024-02-07T10:16:07.612" v="2921" actId="207"/>
+        <pc:spChg chg="add del mod">
+          <ac:chgData name="Stapel, Frederic" userId="1abc07cd-784c-4ede-87bc-7246762e1d08" providerId="ADAL" clId="{96D7FF0F-B081-4A9D-BD68-D3EBAC727EF5}" dt="2024-02-13T09:11:01.818" v="4077" actId="478"/>
           <ac:spMkLst>
             <pc:docMk/>
             <pc:sldMk cId="459294818" sldId="274"/>
@@ -1886,7 +1902,7 @@
           </ac:spMkLst>
         </pc:spChg>
         <pc:spChg chg="add mod">
-          <ac:chgData name="Stapel, Frederic" userId="1abc07cd-784c-4ede-87bc-7246762e1d08" providerId="ADAL" clId="{96D7FF0F-B081-4A9D-BD68-D3EBAC727EF5}" dt="2024-02-07T10:16:07.612" v="2921" actId="207"/>
+          <ac:chgData name="Stapel, Frederic" userId="1abc07cd-784c-4ede-87bc-7246762e1d08" providerId="ADAL" clId="{96D7FF0F-B081-4A9D-BD68-D3EBAC727EF5}" dt="2024-02-13T09:11:11.839" v="4079" actId="207"/>
           <ac:spMkLst>
             <pc:docMk/>
             <pc:sldMk cId="459294818" sldId="274"/>
@@ -1894,15 +1910,15 @@
           </ac:spMkLst>
         </pc:spChg>
         <pc:spChg chg="add mod">
-          <ac:chgData name="Stapel, Frederic" userId="1abc07cd-784c-4ede-87bc-7246762e1d08" providerId="ADAL" clId="{96D7FF0F-B081-4A9D-BD68-D3EBAC727EF5}" dt="2024-02-07T10:16:07.612" v="2921" actId="207"/>
+          <ac:chgData name="Stapel, Frederic" userId="1abc07cd-784c-4ede-87bc-7246762e1d08" providerId="ADAL" clId="{96D7FF0F-B081-4A9D-BD68-D3EBAC727EF5}" dt="2024-02-13T09:50:17.143" v="4153" actId="14100"/>
           <ac:spMkLst>
             <pc:docMk/>
             <pc:sldMk cId="459294818" sldId="274"/>
             <ac:spMk id="44" creationId="{EC2FA0C8-F00D-B447-ABFD-A7CB45A08D4D}"/>
           </ac:spMkLst>
         </pc:spChg>
-        <pc:spChg chg="add mod">
-          <ac:chgData name="Stapel, Frederic" userId="1abc07cd-784c-4ede-87bc-7246762e1d08" providerId="ADAL" clId="{96D7FF0F-B081-4A9D-BD68-D3EBAC727EF5}" dt="2024-02-07T10:16:07.612" v="2921" actId="207"/>
+        <pc:spChg chg="add del mod">
+          <ac:chgData name="Stapel, Frederic" userId="1abc07cd-784c-4ede-87bc-7246762e1d08" providerId="ADAL" clId="{96D7FF0F-B081-4A9D-BD68-D3EBAC727EF5}" dt="2024-02-13T09:50:12.280" v="4152" actId="478"/>
           <ac:spMkLst>
             <pc:docMk/>
             <pc:sldMk cId="459294818" sldId="274"/>
@@ -1918,7 +1934,7 @@
           </ac:spMkLst>
         </pc:spChg>
         <pc:spChg chg="add mod">
-          <ac:chgData name="Stapel, Frederic" userId="1abc07cd-784c-4ede-87bc-7246762e1d08" providerId="ADAL" clId="{96D7FF0F-B081-4A9D-BD68-D3EBAC727EF5}" dt="2024-02-07T10:16:07.612" v="2921" actId="207"/>
+          <ac:chgData name="Stapel, Frederic" userId="1abc07cd-784c-4ede-87bc-7246762e1d08" providerId="ADAL" clId="{96D7FF0F-B081-4A9D-BD68-D3EBAC727EF5}" dt="2024-02-13T09:09:13.568" v="4023" actId="207"/>
           <ac:spMkLst>
             <pc:docMk/>
             <pc:sldMk cId="459294818" sldId="274"/>
@@ -1942,7 +1958,7 @@
           </ac:spMkLst>
         </pc:spChg>
         <pc:spChg chg="add mod">
-          <ac:chgData name="Stapel, Frederic" userId="1abc07cd-784c-4ede-87bc-7246762e1d08" providerId="ADAL" clId="{96D7FF0F-B081-4A9D-BD68-D3EBAC727EF5}" dt="2024-02-07T10:16:07.612" v="2921" actId="207"/>
+          <ac:chgData name="Stapel, Frederic" userId="1abc07cd-784c-4ede-87bc-7246762e1d08" providerId="ADAL" clId="{96D7FF0F-B081-4A9D-BD68-D3EBAC727EF5}" dt="2024-02-13T09:13:18.128" v="4082" actId="207"/>
           <ac:spMkLst>
             <pc:docMk/>
             <pc:sldMk cId="459294818" sldId="274"/>
@@ -1973,8 +1989,8 @@
             <ac:spMk id="58" creationId="{FA182DDA-6C39-6FF2-5BFF-1FFA3B1C7280}"/>
           </ac:spMkLst>
         </pc:spChg>
-        <pc:spChg chg="add mod">
-          <ac:chgData name="Stapel, Frederic" userId="1abc07cd-784c-4ede-87bc-7246762e1d08" providerId="ADAL" clId="{96D7FF0F-B081-4A9D-BD68-D3EBAC727EF5}" dt="2024-02-07T10:22:58.521" v="2980" actId="1076"/>
+        <pc:spChg chg="add del mod">
+          <ac:chgData name="Stapel, Frederic" userId="1abc07cd-784c-4ede-87bc-7246762e1d08" providerId="ADAL" clId="{96D7FF0F-B081-4A9D-BD68-D3EBAC727EF5}" dt="2024-02-13T09:10:32.925" v="4051" actId="478"/>
           <ac:spMkLst>
             <pc:docMk/>
             <pc:sldMk cId="459294818" sldId="274"/>
@@ -1982,7 +1998,7 @@
           </ac:spMkLst>
         </pc:spChg>
         <pc:spChg chg="add mod">
-          <ac:chgData name="Stapel, Frederic" userId="1abc07cd-784c-4ede-87bc-7246762e1d08" providerId="ADAL" clId="{96D7FF0F-B081-4A9D-BD68-D3EBAC727EF5}" dt="2024-02-07T10:22:34.928" v="2974" actId="1076"/>
+          <ac:chgData name="Stapel, Frederic" userId="1abc07cd-784c-4ede-87bc-7246762e1d08" providerId="ADAL" clId="{96D7FF0F-B081-4A9D-BD68-D3EBAC727EF5}" dt="2024-02-13T09:11:21.658" v="4080" actId="1076"/>
           <ac:spMkLst>
             <pc:docMk/>
             <pc:sldMk cId="459294818" sldId="274"/>
@@ -1990,15 +2006,15 @@
           </ac:spMkLst>
         </pc:spChg>
         <pc:spChg chg="add mod">
-          <ac:chgData name="Stapel, Frederic" userId="1abc07cd-784c-4ede-87bc-7246762e1d08" providerId="ADAL" clId="{96D7FF0F-B081-4A9D-BD68-D3EBAC727EF5}" dt="2024-02-07T10:23:50.425" v="3038" actId="20577"/>
+          <ac:chgData name="Stapel, Frederic" userId="1abc07cd-784c-4ede-87bc-7246762e1d08" providerId="ADAL" clId="{96D7FF0F-B081-4A9D-BD68-D3EBAC727EF5}" dt="2024-02-13T09:50:24.810" v="4155" actId="6549"/>
           <ac:spMkLst>
             <pc:docMk/>
             <pc:sldMk cId="459294818" sldId="274"/>
             <ac:spMk id="64" creationId="{796F748F-5F07-7497-08C0-6BADB8CDCB0C}"/>
           </ac:spMkLst>
         </pc:spChg>
-        <pc:spChg chg="add mod">
-          <ac:chgData name="Stapel, Frederic" userId="1abc07cd-784c-4ede-87bc-7246762e1d08" providerId="ADAL" clId="{96D7FF0F-B081-4A9D-BD68-D3EBAC727EF5}" dt="2024-02-07T10:24:13.680" v="3074" actId="1076"/>
+        <pc:spChg chg="add del mod">
+          <ac:chgData name="Stapel, Frederic" userId="1abc07cd-784c-4ede-87bc-7246762e1d08" providerId="ADAL" clId="{96D7FF0F-B081-4A9D-BD68-D3EBAC727EF5}" dt="2024-02-13T09:09:39.855" v="4025" actId="478"/>
           <ac:spMkLst>
             <pc:docMk/>
             <pc:sldMk cId="459294818" sldId="274"/>
@@ -2006,7 +2022,7 @@
           </ac:spMkLst>
         </pc:spChg>
         <pc:spChg chg="add mod">
-          <ac:chgData name="Stapel, Frederic" userId="1abc07cd-784c-4ede-87bc-7246762e1d08" providerId="ADAL" clId="{96D7FF0F-B081-4A9D-BD68-D3EBAC727EF5}" dt="2024-02-07T10:24:30.785" v="3098" actId="1076"/>
+          <ac:chgData name="Stapel, Frederic" userId="1abc07cd-784c-4ede-87bc-7246762e1d08" providerId="ADAL" clId="{96D7FF0F-B081-4A9D-BD68-D3EBAC727EF5}" dt="2024-02-13T09:10:05.818" v="4049" actId="20577"/>
           <ac:spMkLst>
             <pc:docMk/>
             <pc:sldMk cId="459294818" sldId="274"/>
@@ -2014,7 +2030,7 @@
           </ac:spMkLst>
         </pc:spChg>
         <pc:spChg chg="add mod">
-          <ac:chgData name="Stapel, Frederic" userId="1abc07cd-784c-4ede-87bc-7246762e1d08" providerId="ADAL" clId="{96D7FF0F-B081-4A9D-BD68-D3EBAC727EF5}" dt="2024-02-07T10:35:23.781" v="3420" actId="20577"/>
+          <ac:chgData name="Stapel, Frederic" userId="1abc07cd-784c-4ede-87bc-7246762e1d08" providerId="ADAL" clId="{96D7FF0F-B081-4A9D-BD68-D3EBAC727EF5}" dt="2024-02-13T10:05:44.152" v="4176" actId="20577"/>
           <ac:spMkLst>
             <pc:docMk/>
             <pc:sldMk cId="459294818" sldId="274"/>
@@ -2022,7 +2038,7 @@
           </ac:spMkLst>
         </pc:spChg>
         <pc:spChg chg="add mod">
-          <ac:chgData name="Stapel, Frederic" userId="1abc07cd-784c-4ede-87bc-7246762e1d08" providerId="ADAL" clId="{96D7FF0F-B081-4A9D-BD68-D3EBAC727EF5}" dt="2024-02-07T10:32:03.692" v="3392" actId="1076"/>
+          <ac:chgData name="Stapel, Frederic" userId="1abc07cd-784c-4ede-87bc-7246762e1d08" providerId="ADAL" clId="{96D7FF0F-B081-4A9D-BD68-D3EBAC727EF5}" dt="2024-02-13T10:05:53.810" v="4180" actId="20577"/>
           <ac:spMkLst>
             <pc:docMk/>
             <pc:sldMk cId="459294818" sldId="274"/>
@@ -2038,7 +2054,7 @@
           </ac:spMkLst>
         </pc:spChg>
         <pc:spChg chg="add mod ord">
-          <ac:chgData name="Stapel, Frederic" userId="1abc07cd-784c-4ede-87bc-7246762e1d08" providerId="ADAL" clId="{96D7FF0F-B081-4A9D-BD68-D3EBAC727EF5}" dt="2024-02-07T12:02:26.519" v="3876" actId="1076"/>
+          <ac:chgData name="Stapel, Frederic" userId="1abc07cd-784c-4ede-87bc-7246762e1d08" providerId="ADAL" clId="{96D7FF0F-B081-4A9D-BD68-D3EBAC727EF5}" dt="2024-02-13T09:51:24.943" v="4160" actId="1076"/>
           <ac:spMkLst>
             <pc:docMk/>
             <pc:sldMk cId="459294818" sldId="274"/>
@@ -2142,7 +2158,7 @@
           </ac:picMkLst>
         </pc:picChg>
         <pc:picChg chg="add mod">
-          <ac:chgData name="Stapel, Frederic" userId="1abc07cd-784c-4ede-87bc-7246762e1d08" providerId="ADAL" clId="{96D7FF0F-B081-4A9D-BD68-D3EBAC727EF5}" dt="2024-02-07T12:45:57.952" v="3885" actId="1076"/>
+          <ac:chgData name="Stapel, Frederic" userId="1abc07cd-784c-4ede-87bc-7246762e1d08" providerId="ADAL" clId="{96D7FF0F-B081-4A9D-BD68-D3EBAC727EF5}" dt="2024-02-13T09:51:42.527" v="4161" actId="1076"/>
           <ac:picMkLst>
             <pc:docMk/>
             <pc:sldMk cId="459294818" sldId="274"/>
@@ -2166,19 +2182,43 @@
           </ac:picMkLst>
         </pc:picChg>
         <pc:picChg chg="add mod">
-          <ac:chgData name="Stapel, Frederic" userId="1abc07cd-784c-4ede-87bc-7246762e1d08" providerId="ADAL" clId="{96D7FF0F-B081-4A9D-BD68-D3EBAC727EF5}" dt="2024-02-07T12:45:54.360" v="3883" actId="1076"/>
+          <ac:chgData name="Stapel, Frederic" userId="1abc07cd-784c-4ede-87bc-7246762e1d08" providerId="ADAL" clId="{96D7FF0F-B081-4A9D-BD68-D3EBAC727EF5}" dt="2024-02-13T09:52:04.079" v="4163" actId="1076"/>
           <ac:picMkLst>
             <pc:docMk/>
             <pc:sldMk cId="459294818" sldId="274"/>
             <ac:picMk id="98" creationId="{CAC8E3A7-DA80-02D5-127E-7C96C7362F83}"/>
           </ac:picMkLst>
         </pc:picChg>
+        <pc:cxnChg chg="add mod">
+          <ac:chgData name="Stapel, Frederic" userId="1abc07cd-784c-4ede-87bc-7246762e1d08" providerId="ADAL" clId="{96D7FF0F-B081-4A9D-BD68-D3EBAC727EF5}" dt="2024-02-13T10:04:25.545" v="4173" actId="14100"/>
+          <ac:cxnSpMkLst>
+            <pc:docMk/>
+            <pc:sldMk cId="459294818" sldId="274"/>
+            <ac:cxnSpMk id="20" creationId="{82E1057E-61EA-591F-E268-17D10D0ED1BB}"/>
+          </ac:cxnSpMkLst>
+        </pc:cxnChg>
         <pc:cxnChg chg="mod">
-          <ac:chgData name="Stapel, Frederic" userId="1abc07cd-784c-4ede-87bc-7246762e1d08" providerId="ADAL" clId="{96D7FF0F-B081-4A9D-BD68-D3EBAC727EF5}" dt="2024-02-07T09:30:38.484" v="2474" actId="1076"/>
+          <ac:chgData name="Stapel, Frederic" userId="1abc07cd-784c-4ede-87bc-7246762e1d08" providerId="ADAL" clId="{96D7FF0F-B081-4A9D-BD68-D3EBAC727EF5}" dt="2024-02-13T09:50:34.145" v="4156" actId="14100"/>
+          <ac:cxnSpMkLst>
+            <pc:docMk/>
+            <pc:sldMk cId="459294818" sldId="274"/>
+            <ac:cxnSpMk id="111" creationId="{9EB0980A-C117-731F-914B-B3BC7663EEA5}"/>
+          </ac:cxnSpMkLst>
+        </pc:cxnChg>
+        <pc:cxnChg chg="mod">
+          <ac:chgData name="Stapel, Frederic" userId="1abc07cd-784c-4ede-87bc-7246762e1d08" providerId="ADAL" clId="{96D7FF0F-B081-4A9D-BD68-D3EBAC727EF5}" dt="2024-02-13T10:04:10.660" v="4170" actId="14100"/>
           <ac:cxnSpMkLst>
             <pc:docMk/>
             <pc:sldMk cId="459294818" sldId="274"/>
             <ac:cxnSpMk id="121" creationId="{5004A604-AE84-BA07-A194-C78F746F6203}"/>
+          </ac:cxnSpMkLst>
+        </pc:cxnChg>
+        <pc:cxnChg chg="del">
+          <ac:chgData name="Stapel, Frederic" userId="1abc07cd-784c-4ede-87bc-7246762e1d08" providerId="ADAL" clId="{96D7FF0F-B081-4A9D-BD68-D3EBAC727EF5}" dt="2024-02-13T09:09:21.806" v="4024" actId="478"/>
+          <ac:cxnSpMkLst>
+            <pc:docMk/>
+            <pc:sldMk cId="459294818" sldId="274"/>
+            <ac:cxnSpMk id="133" creationId="{55F08750-2D40-7EDD-3A64-3DF116D43DD4}"/>
           </ac:cxnSpMkLst>
         </pc:cxnChg>
         <pc:cxnChg chg="mod">
@@ -14423,9 +14463,9 @@
           <p:nvPr/>
         </p:nvCxnSpPr>
         <p:spPr>
-          <a:xfrm>
-            <a:off x="4110824" y="4031311"/>
-            <a:ext cx="7953" cy="152400"/>
+          <a:xfrm flipH="1">
+            <a:off x="4110823" y="4031311"/>
+            <a:ext cx="1" cy="166823"/>
           </a:xfrm>
           <a:prstGeom prst="line">
             <a:avLst/>
@@ -14597,7 +14637,7 @@
         <p:spPr>
           <a:xfrm flipV="1">
             <a:off x="5110036" y="1436205"/>
-            <a:ext cx="0" cy="1012797"/>
+            <a:ext cx="0" cy="794965"/>
           </a:xfrm>
           <a:prstGeom prst="line">
             <a:avLst/>
@@ -14726,49 +14766,6 @@
         <p:spPr>
           <a:xfrm>
             <a:off x="4110824" y="3135133"/>
-            <a:ext cx="683811" cy="0"/>
-          </a:xfrm>
-          <a:prstGeom prst="line">
-            <a:avLst/>
-          </a:prstGeom>
-          <a:ln w="28575">
-            <a:solidFill>
-              <a:srgbClr val="7EC635"/>
-            </a:solidFill>
-          </a:ln>
-        </p:spPr>
-        <p:style>
-          <a:lnRef idx="1">
-            <a:schemeClr val="accent1"/>
-          </a:lnRef>
-          <a:fillRef idx="0">
-            <a:schemeClr val="accent1"/>
-          </a:fillRef>
-          <a:effectRef idx="0">
-            <a:schemeClr val="accent1"/>
-          </a:effectRef>
-          <a:fontRef idx="minor">
-            <a:schemeClr val="tx1"/>
-          </a:fontRef>
-        </p:style>
-      </p:cxnSp>
-      <p:cxnSp>
-        <p:nvCxnSpPr>
-          <p:cNvPr id="133" name="Gerader Verbinder 132">
-            <a:extLst>
-              <a:ext uri="{FF2B5EF4-FFF2-40B4-BE49-F238E27FC236}">
-                <a16:creationId xmlns:a16="http://schemas.microsoft.com/office/drawing/2014/main" id="{55F08750-2D40-7EDD-3A64-3DF116D43DD4}"/>
-              </a:ext>
-            </a:extLst>
-          </p:cNvPr>
-          <p:cNvCxnSpPr>
-            <a:cxnSpLocks/>
-          </p:cNvCxnSpPr>
-          <p:nvPr/>
-        </p:nvCxnSpPr>
-        <p:spPr>
-          <a:xfrm>
-            <a:off x="4118777" y="3496255"/>
             <a:ext cx="683811" cy="0"/>
           </a:xfrm>
           <a:prstGeom prst="line">
@@ -17344,10 +17341,10 @@
       </p:sp>
       <p:sp>
         <p:nvSpPr>
-          <p:cNvPr id="40" name="Rechteck 39">
-            <a:extLst>
-              <a:ext uri="{FF2B5EF4-FFF2-40B4-BE49-F238E27FC236}">
-                <a16:creationId xmlns:a16="http://schemas.microsoft.com/office/drawing/2014/main" id="{74451B0E-4D0D-7579-00A1-C8953959F170}"/>
+          <p:cNvPr id="43" name="Rechteck 42">
+            <a:extLst>
+              <a:ext uri="{FF2B5EF4-FFF2-40B4-BE49-F238E27FC236}">
+                <a16:creationId xmlns:a16="http://schemas.microsoft.com/office/drawing/2014/main" id="{1B09FA5A-F7DB-4131-0036-80183B2184D2}"/>
               </a:ext>
             </a:extLst>
           </p:cNvPr>
@@ -17356,8 +17353,62 @@
         </p:nvSpPr>
         <p:spPr>
           <a:xfrm>
-            <a:off x="6154046" y="1622952"/>
-            <a:ext cx="652270" cy="291987"/>
+            <a:off x="6826925" y="1626392"/>
+            <a:ext cx="633387" cy="291987"/>
+          </a:xfrm>
+          <a:prstGeom prst="rect">
+            <a:avLst/>
+          </a:prstGeom>
+          <a:solidFill>
+            <a:srgbClr val="E4F0D5">
+              <a:alpha val="80000"/>
+            </a:srgbClr>
+          </a:solidFill>
+          <a:ln>
+            <a:noFill/>
+          </a:ln>
+        </p:spPr>
+        <p:style>
+          <a:lnRef idx="2">
+            <a:schemeClr val="accent1">
+              <a:shade val="15000"/>
+            </a:schemeClr>
+          </a:lnRef>
+          <a:fillRef idx="1">
+            <a:schemeClr val="accent1"/>
+          </a:fillRef>
+          <a:effectRef idx="0">
+            <a:schemeClr val="accent1"/>
+          </a:effectRef>
+          <a:fontRef idx="minor">
+            <a:schemeClr val="lt1"/>
+          </a:fontRef>
+        </p:style>
+        <p:txBody>
+          <a:bodyPr rtlCol="0" anchor="ctr"/>
+          <a:lstStyle/>
+          <a:p>
+            <a:pPr algn="ctr"/>
+            <a:endParaRPr lang="de-DE"/>
+          </a:p>
+        </p:txBody>
+      </p:sp>
+      <p:sp>
+        <p:nvSpPr>
+          <p:cNvPr id="44" name="Rechteck 43">
+            <a:extLst>
+              <a:ext uri="{FF2B5EF4-FFF2-40B4-BE49-F238E27FC236}">
+                <a16:creationId xmlns:a16="http://schemas.microsoft.com/office/drawing/2014/main" id="{EC2FA0C8-F00D-B447-ABFD-A7CB45A08D4D}"/>
+              </a:ext>
+            </a:extLst>
+          </p:cNvPr>
+          <p:cNvSpPr/>
+          <p:nvPr/>
+        </p:nvSpPr>
+        <p:spPr>
+          <a:xfrm>
+            <a:off x="4123207" y="3144084"/>
+            <a:ext cx="671086" cy="653155"/>
           </a:xfrm>
           <a:prstGeom prst="rect">
             <a:avLst/>
@@ -17398,10 +17449,10 @@
       </p:sp>
       <p:sp>
         <p:nvSpPr>
-          <p:cNvPr id="43" name="Rechteck 42">
-            <a:extLst>
-              <a:ext uri="{FF2B5EF4-FFF2-40B4-BE49-F238E27FC236}">
-                <a16:creationId xmlns:a16="http://schemas.microsoft.com/office/drawing/2014/main" id="{1B09FA5A-F7DB-4131-0036-80183B2184D2}"/>
+          <p:cNvPr id="47" name="Rechteck 46">
+            <a:extLst>
+              <a:ext uri="{FF2B5EF4-FFF2-40B4-BE49-F238E27FC236}">
+                <a16:creationId xmlns:a16="http://schemas.microsoft.com/office/drawing/2014/main" id="{99F0F0FE-59A1-2FB0-5C69-A2C7DB44C1CD}"/>
               </a:ext>
             </a:extLst>
           </p:cNvPr>
@@ -17410,62 +17461,8 @@
         </p:nvSpPr>
         <p:spPr>
           <a:xfrm>
-            <a:off x="6826925" y="1626392"/>
-            <a:ext cx="633387" cy="291987"/>
-          </a:xfrm>
-          <a:prstGeom prst="rect">
-            <a:avLst/>
-          </a:prstGeom>
-          <a:solidFill>
-            <a:srgbClr val="85C695">
-              <a:alpha val="80000"/>
-            </a:srgbClr>
-          </a:solidFill>
-          <a:ln>
-            <a:noFill/>
-          </a:ln>
-        </p:spPr>
-        <p:style>
-          <a:lnRef idx="2">
-            <a:schemeClr val="accent1">
-              <a:shade val="15000"/>
-            </a:schemeClr>
-          </a:lnRef>
-          <a:fillRef idx="1">
-            <a:schemeClr val="accent1"/>
-          </a:fillRef>
-          <a:effectRef idx="0">
-            <a:schemeClr val="accent1"/>
-          </a:effectRef>
-          <a:fontRef idx="minor">
-            <a:schemeClr val="lt1"/>
-          </a:fontRef>
-        </p:style>
-        <p:txBody>
-          <a:bodyPr rtlCol="0" anchor="ctr"/>
-          <a:lstStyle/>
-          <a:p>
-            <a:pPr algn="ctr"/>
-            <a:endParaRPr lang="de-DE"/>
-          </a:p>
-        </p:txBody>
-      </p:sp>
-      <p:sp>
-        <p:nvSpPr>
-          <p:cNvPr id="44" name="Rechteck 43">
-            <a:extLst>
-              <a:ext uri="{FF2B5EF4-FFF2-40B4-BE49-F238E27FC236}">
-                <a16:creationId xmlns:a16="http://schemas.microsoft.com/office/drawing/2014/main" id="{EC2FA0C8-F00D-B447-ABFD-A7CB45A08D4D}"/>
-              </a:ext>
-            </a:extLst>
-          </p:cNvPr>
-          <p:cNvSpPr/>
-          <p:nvPr/>
-        </p:nvSpPr>
-        <p:spPr>
-          <a:xfrm>
-            <a:off x="4123207" y="3144085"/>
-            <a:ext cx="671086" cy="344542"/>
+            <a:off x="4124543" y="3820112"/>
+            <a:ext cx="671086" cy="198212"/>
           </a:xfrm>
           <a:prstGeom prst="rect">
             <a:avLst/>
@@ -17506,10 +17503,10 @@
       </p:sp>
       <p:sp>
         <p:nvSpPr>
-          <p:cNvPr id="46" name="Rechteck 45">
-            <a:extLst>
-              <a:ext uri="{FF2B5EF4-FFF2-40B4-BE49-F238E27FC236}">
-                <a16:creationId xmlns:a16="http://schemas.microsoft.com/office/drawing/2014/main" id="{44CB937A-41E9-A1AD-BAD8-E1C1A5590E3A}"/>
+          <p:cNvPr id="49" name="Rechteck 48">
+            <a:extLst>
+              <a:ext uri="{FF2B5EF4-FFF2-40B4-BE49-F238E27FC236}">
+                <a16:creationId xmlns:a16="http://schemas.microsoft.com/office/drawing/2014/main" id="{B4D17CA4-AF39-C0AA-725D-B74322FC9648}"/>
               </a:ext>
             </a:extLst>
           </p:cNvPr>
@@ -17518,8 +17515,8 @@
         </p:nvSpPr>
         <p:spPr>
           <a:xfrm>
-            <a:off x="4125310" y="3508140"/>
-            <a:ext cx="671086" cy="291583"/>
+            <a:off x="4125340" y="2771981"/>
+            <a:ext cx="676413" cy="349234"/>
           </a:xfrm>
           <a:prstGeom prst="rect">
             <a:avLst/>
@@ -17560,10 +17557,10 @@
       </p:sp>
       <p:sp>
         <p:nvSpPr>
-          <p:cNvPr id="47" name="Rechteck 46">
-            <a:extLst>
-              <a:ext uri="{FF2B5EF4-FFF2-40B4-BE49-F238E27FC236}">
-                <a16:creationId xmlns:a16="http://schemas.microsoft.com/office/drawing/2014/main" id="{99F0F0FE-59A1-2FB0-5C69-A2C7DB44C1CD}"/>
+          <p:cNvPr id="50" name="Rechteck 49">
+            <a:extLst>
+              <a:ext uri="{FF2B5EF4-FFF2-40B4-BE49-F238E27FC236}">
+                <a16:creationId xmlns:a16="http://schemas.microsoft.com/office/drawing/2014/main" id="{B6FE92C4-084D-40B7-40B1-0BDDB5C6B66F}"/>
               </a:ext>
             </a:extLst>
           </p:cNvPr>
@@ -17572,8 +17569,116 @@
         </p:nvSpPr>
         <p:spPr>
           <a:xfrm>
-            <a:off x="4124543" y="3820112"/>
-            <a:ext cx="671086" cy="198212"/>
+            <a:off x="7655118" y="2104449"/>
+            <a:ext cx="483038" cy="329976"/>
+          </a:xfrm>
+          <a:prstGeom prst="rect">
+            <a:avLst/>
+          </a:prstGeom>
+          <a:solidFill>
+            <a:srgbClr val="DEDFE1">
+              <a:alpha val="80000"/>
+            </a:srgbClr>
+          </a:solidFill>
+          <a:ln>
+            <a:noFill/>
+          </a:ln>
+        </p:spPr>
+        <p:style>
+          <a:lnRef idx="2">
+            <a:schemeClr val="accent1">
+              <a:shade val="15000"/>
+            </a:schemeClr>
+          </a:lnRef>
+          <a:fillRef idx="1">
+            <a:schemeClr val="accent1"/>
+          </a:fillRef>
+          <a:effectRef idx="0">
+            <a:schemeClr val="accent1"/>
+          </a:effectRef>
+          <a:fontRef idx="minor">
+            <a:schemeClr val="lt1"/>
+          </a:fontRef>
+        </p:style>
+        <p:txBody>
+          <a:bodyPr rtlCol="0" anchor="ctr"/>
+          <a:lstStyle/>
+          <a:p>
+            <a:pPr algn="ctr"/>
+            <a:endParaRPr lang="de-DE"/>
+          </a:p>
+        </p:txBody>
+      </p:sp>
+      <p:sp>
+        <p:nvSpPr>
+          <p:cNvPr id="52" name="Rechteck 51">
+            <a:extLst>
+              <a:ext uri="{FF2B5EF4-FFF2-40B4-BE49-F238E27FC236}">
+                <a16:creationId xmlns:a16="http://schemas.microsoft.com/office/drawing/2014/main" id="{3D018EC0-D3C8-50A3-2C7B-A0361C6C3684}"/>
+              </a:ext>
+            </a:extLst>
+          </p:cNvPr>
+          <p:cNvSpPr/>
+          <p:nvPr/>
+        </p:nvSpPr>
+        <p:spPr>
+          <a:xfrm>
+            <a:off x="7655118" y="2461237"/>
+            <a:ext cx="483036" cy="298859"/>
+          </a:xfrm>
+          <a:prstGeom prst="rect">
+            <a:avLst/>
+          </a:prstGeom>
+          <a:solidFill>
+            <a:srgbClr val="DEDFE1">
+              <a:alpha val="80000"/>
+            </a:srgbClr>
+          </a:solidFill>
+          <a:ln>
+            <a:noFill/>
+          </a:ln>
+        </p:spPr>
+        <p:style>
+          <a:lnRef idx="2">
+            <a:schemeClr val="accent1">
+              <a:shade val="15000"/>
+            </a:schemeClr>
+          </a:lnRef>
+          <a:fillRef idx="1">
+            <a:schemeClr val="accent1"/>
+          </a:fillRef>
+          <a:effectRef idx="0">
+            <a:schemeClr val="accent1"/>
+          </a:effectRef>
+          <a:fontRef idx="minor">
+            <a:schemeClr val="lt1"/>
+          </a:fontRef>
+        </p:style>
+        <p:txBody>
+          <a:bodyPr rtlCol="0" anchor="ctr"/>
+          <a:lstStyle/>
+          <a:p>
+            <a:pPr algn="ctr"/>
+            <a:endParaRPr lang="de-DE"/>
+          </a:p>
+        </p:txBody>
+      </p:sp>
+      <p:sp>
+        <p:nvSpPr>
+          <p:cNvPr id="53" name="Rechteck 52">
+            <a:extLst>
+              <a:ext uri="{FF2B5EF4-FFF2-40B4-BE49-F238E27FC236}">
+                <a16:creationId xmlns:a16="http://schemas.microsoft.com/office/drawing/2014/main" id="{49BEE2ED-7679-93D1-6926-FEDD1DD9E602}"/>
+              </a:ext>
+            </a:extLst>
+          </p:cNvPr>
+          <p:cNvSpPr/>
+          <p:nvPr/>
+        </p:nvSpPr>
+        <p:spPr>
+          <a:xfrm>
+            <a:off x="7650640" y="2779413"/>
+            <a:ext cx="487514" cy="700189"/>
           </a:xfrm>
           <a:prstGeom prst="rect">
             <a:avLst/>
@@ -17614,10 +17719,10 @@
       </p:sp>
       <p:sp>
         <p:nvSpPr>
-          <p:cNvPr id="49" name="Rechteck 48">
-            <a:extLst>
-              <a:ext uri="{FF2B5EF4-FFF2-40B4-BE49-F238E27FC236}">
-                <a16:creationId xmlns:a16="http://schemas.microsoft.com/office/drawing/2014/main" id="{B4D17CA4-AF39-C0AA-725D-B74322FC9648}"/>
+          <p:cNvPr id="54" name="Rechteck 53">
+            <a:extLst>
+              <a:ext uri="{FF2B5EF4-FFF2-40B4-BE49-F238E27FC236}">
+                <a16:creationId xmlns:a16="http://schemas.microsoft.com/office/drawing/2014/main" id="{522CDFBD-5100-FC5F-27E4-FEE918000471}"/>
               </a:ext>
             </a:extLst>
           </p:cNvPr>
@@ -17626,62 +17731,8 @@
         </p:nvSpPr>
         <p:spPr>
           <a:xfrm>
-            <a:off x="4125340" y="2771981"/>
-            <a:ext cx="676413" cy="349234"/>
-          </a:xfrm>
-          <a:prstGeom prst="rect">
-            <a:avLst/>
-          </a:prstGeom>
-          <a:solidFill>
-            <a:srgbClr val="85C695">
-              <a:alpha val="80000"/>
-            </a:srgbClr>
-          </a:solidFill>
-          <a:ln>
-            <a:noFill/>
-          </a:ln>
-        </p:spPr>
-        <p:style>
-          <a:lnRef idx="2">
-            <a:schemeClr val="accent1">
-              <a:shade val="15000"/>
-            </a:schemeClr>
-          </a:lnRef>
-          <a:fillRef idx="1">
-            <a:schemeClr val="accent1"/>
-          </a:fillRef>
-          <a:effectRef idx="0">
-            <a:schemeClr val="accent1"/>
-          </a:effectRef>
-          <a:fontRef idx="minor">
-            <a:schemeClr val="lt1"/>
-          </a:fontRef>
-        </p:style>
-        <p:txBody>
-          <a:bodyPr rtlCol="0" anchor="ctr"/>
-          <a:lstStyle/>
-          <a:p>
-            <a:pPr algn="ctr"/>
-            <a:endParaRPr lang="de-DE"/>
-          </a:p>
-        </p:txBody>
-      </p:sp>
-      <p:sp>
-        <p:nvSpPr>
-          <p:cNvPr id="50" name="Rechteck 49">
-            <a:extLst>
-              <a:ext uri="{FF2B5EF4-FFF2-40B4-BE49-F238E27FC236}">
-                <a16:creationId xmlns:a16="http://schemas.microsoft.com/office/drawing/2014/main" id="{B6FE92C4-084D-40B7-40B1-0BDDB5C6B66F}"/>
-              </a:ext>
-            </a:extLst>
-          </p:cNvPr>
-          <p:cNvSpPr/>
-          <p:nvPr/>
-        </p:nvSpPr>
-        <p:spPr>
-          <a:xfrm>
-            <a:off x="7655118" y="2104449"/>
-            <a:ext cx="483038" cy="329976"/>
+            <a:off x="7655118" y="3509817"/>
+            <a:ext cx="483036" cy="282204"/>
           </a:xfrm>
           <a:prstGeom prst="rect">
             <a:avLst/>
@@ -17722,10 +17773,10 @@
       </p:sp>
       <p:sp>
         <p:nvSpPr>
-          <p:cNvPr id="52" name="Rechteck 51">
-            <a:extLst>
-              <a:ext uri="{FF2B5EF4-FFF2-40B4-BE49-F238E27FC236}">
-                <a16:creationId xmlns:a16="http://schemas.microsoft.com/office/drawing/2014/main" id="{3D018EC0-D3C8-50A3-2C7B-A0361C6C3684}"/>
+          <p:cNvPr id="56" name="Rechteck 55">
+            <a:extLst>
+              <a:ext uri="{FF2B5EF4-FFF2-40B4-BE49-F238E27FC236}">
+                <a16:creationId xmlns:a16="http://schemas.microsoft.com/office/drawing/2014/main" id="{A88DC59B-0D25-157B-FB50-D6815E3B122C}"/>
               </a:ext>
             </a:extLst>
           </p:cNvPr>
@@ -17734,8 +17785,8 @@
         </p:nvSpPr>
         <p:spPr>
           <a:xfrm>
-            <a:off x="7655118" y="2461237"/>
-            <a:ext cx="483036" cy="298859"/>
+            <a:off x="7655118" y="3820111"/>
+            <a:ext cx="483036" cy="623913"/>
           </a:xfrm>
           <a:prstGeom prst="rect">
             <a:avLst/>
@@ -17776,10 +17827,10 @@
       </p:sp>
       <p:sp>
         <p:nvSpPr>
-          <p:cNvPr id="53" name="Rechteck 52">
-            <a:extLst>
-              <a:ext uri="{FF2B5EF4-FFF2-40B4-BE49-F238E27FC236}">
-                <a16:creationId xmlns:a16="http://schemas.microsoft.com/office/drawing/2014/main" id="{49BEE2ED-7679-93D1-6926-FEDD1DD9E602}"/>
+          <p:cNvPr id="58" name="Rechteck 57">
+            <a:extLst>
+              <a:ext uri="{FF2B5EF4-FFF2-40B4-BE49-F238E27FC236}">
+                <a16:creationId xmlns:a16="http://schemas.microsoft.com/office/drawing/2014/main" id="{FA182DDA-6C39-6FF2-5BFF-1FFA3B1C7280}"/>
               </a:ext>
             </a:extLst>
           </p:cNvPr>
@@ -17788,8 +17839,8 @@
         </p:nvSpPr>
         <p:spPr>
           <a:xfrm>
-            <a:off x="7650640" y="2779413"/>
-            <a:ext cx="487514" cy="700189"/>
+            <a:off x="7641202" y="1087756"/>
+            <a:ext cx="153059" cy="381147"/>
           </a:xfrm>
           <a:prstGeom prst="rect">
             <a:avLst/>
@@ -17830,182 +17881,20 @@
       </p:sp>
       <p:sp>
         <p:nvSpPr>
-          <p:cNvPr id="54" name="Rechteck 53">
-            <a:extLst>
-              <a:ext uri="{FF2B5EF4-FFF2-40B4-BE49-F238E27FC236}">
-                <a16:creationId xmlns:a16="http://schemas.microsoft.com/office/drawing/2014/main" id="{522CDFBD-5100-FC5F-27E4-FEE918000471}"/>
-              </a:ext>
-            </a:extLst>
-          </p:cNvPr>
-          <p:cNvSpPr/>
+          <p:cNvPr id="62" name="Textfeld 61">
+            <a:extLst>
+              <a:ext uri="{FF2B5EF4-FFF2-40B4-BE49-F238E27FC236}">
+                <a16:creationId xmlns:a16="http://schemas.microsoft.com/office/drawing/2014/main" id="{C5E65DAC-E2C1-D062-D371-7765BC5E1116}"/>
+              </a:ext>
+            </a:extLst>
+          </p:cNvPr>
+          <p:cNvSpPr txBox="1"/>
           <p:nvPr/>
         </p:nvSpPr>
         <p:spPr>
           <a:xfrm>
-            <a:off x="7655118" y="3509817"/>
-            <a:ext cx="483036" cy="282204"/>
-          </a:xfrm>
-          <a:prstGeom prst="rect">
-            <a:avLst/>
-          </a:prstGeom>
-          <a:solidFill>
-            <a:srgbClr val="DEDFE1">
-              <a:alpha val="80000"/>
-            </a:srgbClr>
-          </a:solidFill>
-          <a:ln>
-            <a:noFill/>
-          </a:ln>
-        </p:spPr>
-        <p:style>
-          <a:lnRef idx="2">
-            <a:schemeClr val="accent1">
-              <a:shade val="15000"/>
-            </a:schemeClr>
-          </a:lnRef>
-          <a:fillRef idx="1">
-            <a:schemeClr val="accent1"/>
-          </a:fillRef>
-          <a:effectRef idx="0">
-            <a:schemeClr val="accent1"/>
-          </a:effectRef>
-          <a:fontRef idx="minor">
-            <a:schemeClr val="lt1"/>
-          </a:fontRef>
-        </p:style>
-        <p:txBody>
-          <a:bodyPr rtlCol="0" anchor="ctr"/>
-          <a:lstStyle/>
-          <a:p>
-            <a:pPr algn="ctr"/>
-            <a:endParaRPr lang="de-DE"/>
-          </a:p>
-        </p:txBody>
-      </p:sp>
-      <p:sp>
-        <p:nvSpPr>
-          <p:cNvPr id="56" name="Rechteck 55">
-            <a:extLst>
-              <a:ext uri="{FF2B5EF4-FFF2-40B4-BE49-F238E27FC236}">
-                <a16:creationId xmlns:a16="http://schemas.microsoft.com/office/drawing/2014/main" id="{A88DC59B-0D25-157B-FB50-D6815E3B122C}"/>
-              </a:ext>
-            </a:extLst>
-          </p:cNvPr>
-          <p:cNvSpPr/>
-          <p:nvPr/>
-        </p:nvSpPr>
-        <p:spPr>
-          <a:xfrm>
-            <a:off x="7655118" y="3820111"/>
-            <a:ext cx="483036" cy="623913"/>
-          </a:xfrm>
-          <a:prstGeom prst="rect">
-            <a:avLst/>
-          </a:prstGeom>
-          <a:solidFill>
-            <a:srgbClr val="DEDFE1">
-              <a:alpha val="80000"/>
-            </a:srgbClr>
-          </a:solidFill>
-          <a:ln>
-            <a:noFill/>
-          </a:ln>
-        </p:spPr>
-        <p:style>
-          <a:lnRef idx="2">
-            <a:schemeClr val="accent1">
-              <a:shade val="15000"/>
-            </a:schemeClr>
-          </a:lnRef>
-          <a:fillRef idx="1">
-            <a:schemeClr val="accent1"/>
-          </a:fillRef>
-          <a:effectRef idx="0">
-            <a:schemeClr val="accent1"/>
-          </a:effectRef>
-          <a:fontRef idx="minor">
-            <a:schemeClr val="lt1"/>
-          </a:fontRef>
-        </p:style>
-        <p:txBody>
-          <a:bodyPr rtlCol="0" anchor="ctr"/>
-          <a:lstStyle/>
-          <a:p>
-            <a:pPr algn="ctr"/>
-            <a:endParaRPr lang="de-DE"/>
-          </a:p>
-        </p:txBody>
-      </p:sp>
-      <p:sp>
-        <p:nvSpPr>
-          <p:cNvPr id="58" name="Rechteck 57">
-            <a:extLst>
-              <a:ext uri="{FF2B5EF4-FFF2-40B4-BE49-F238E27FC236}">
-                <a16:creationId xmlns:a16="http://schemas.microsoft.com/office/drawing/2014/main" id="{FA182DDA-6C39-6FF2-5BFF-1FFA3B1C7280}"/>
-              </a:ext>
-            </a:extLst>
-          </p:cNvPr>
-          <p:cNvSpPr/>
-          <p:nvPr/>
-        </p:nvSpPr>
-        <p:spPr>
-          <a:xfrm>
-            <a:off x="7641202" y="1087756"/>
-            <a:ext cx="153059" cy="381147"/>
-          </a:xfrm>
-          <a:prstGeom prst="rect">
-            <a:avLst/>
-          </a:prstGeom>
-          <a:solidFill>
-            <a:srgbClr val="DEDFE1">
-              <a:alpha val="80000"/>
-            </a:srgbClr>
-          </a:solidFill>
-          <a:ln>
-            <a:noFill/>
-          </a:ln>
-        </p:spPr>
-        <p:style>
-          <a:lnRef idx="2">
-            <a:schemeClr val="accent1">
-              <a:shade val="15000"/>
-            </a:schemeClr>
-          </a:lnRef>
-          <a:fillRef idx="1">
-            <a:schemeClr val="accent1"/>
-          </a:fillRef>
-          <a:effectRef idx="0">
-            <a:schemeClr val="accent1"/>
-          </a:effectRef>
-          <a:fontRef idx="minor">
-            <a:schemeClr val="lt1"/>
-          </a:fontRef>
-        </p:style>
-        <p:txBody>
-          <a:bodyPr rtlCol="0" anchor="ctr"/>
-          <a:lstStyle/>
-          <a:p>
-            <a:pPr algn="ctr"/>
-            <a:endParaRPr lang="de-DE"/>
-          </a:p>
-        </p:txBody>
-      </p:sp>
-      <p:sp>
-        <p:nvSpPr>
-          <p:cNvPr id="61" name="Textfeld 60">
-            <a:extLst>
-              <a:ext uri="{FF2B5EF4-FFF2-40B4-BE49-F238E27FC236}">
-                <a16:creationId xmlns:a16="http://schemas.microsoft.com/office/drawing/2014/main" id="{309C088E-C785-C4FA-3BF4-1434C9552439}"/>
-              </a:ext>
-            </a:extLst>
-          </p:cNvPr>
-          <p:cNvSpPr txBox="1"/>
-          <p:nvPr/>
-        </p:nvSpPr>
-        <p:spPr>
-          <a:xfrm>
-            <a:off x="6181321" y="1663341"/>
-            <a:ext cx="714356" cy="200055"/>
+            <a:off x="6813635" y="1622152"/>
+            <a:ext cx="901611" cy="307777"/>
           </a:xfrm>
           <a:prstGeom prst="rect">
             <a:avLst/>
@@ -18023,17 +17912,17 @@
                 <a:latin typeface="Arial" panose="020B0604020202020204" pitchFamily="34" charset="0"/>
                 <a:cs typeface="Arial" panose="020B0604020202020204" pitchFamily="34" charset="0"/>
               </a:rPr>
-              <a:t>Informatik</a:t>
+              <a:t>Angebot für Kinder</a:t>
             </a:r>
           </a:p>
         </p:txBody>
       </p:sp>
       <p:sp>
         <p:nvSpPr>
-          <p:cNvPr id="62" name="Textfeld 61">
-            <a:extLst>
-              <a:ext uri="{FF2B5EF4-FFF2-40B4-BE49-F238E27FC236}">
-                <a16:creationId xmlns:a16="http://schemas.microsoft.com/office/drawing/2014/main" id="{C5E65DAC-E2C1-D062-D371-7765BC5E1116}"/>
+          <p:cNvPr id="64" name="Textfeld 63">
+            <a:extLst>
+              <a:ext uri="{FF2B5EF4-FFF2-40B4-BE49-F238E27FC236}">
+                <a16:creationId xmlns:a16="http://schemas.microsoft.com/office/drawing/2014/main" id="{796F748F-5F07-7497-08C0-6BADB8CDCB0C}"/>
               </a:ext>
             </a:extLst>
           </p:cNvPr>
@@ -18042,8 +17931,8 @@
         </p:nvSpPr>
         <p:spPr>
           <a:xfrm>
-            <a:off x="6768085" y="1663759"/>
-            <a:ext cx="901611" cy="200055"/>
+            <a:off x="4055416" y="2733986"/>
+            <a:ext cx="842837" cy="307777"/>
           </a:xfrm>
           <a:prstGeom prst="rect">
             <a:avLst/>
@@ -18061,17 +17950,17 @@
                 <a:latin typeface="Arial" panose="020B0604020202020204" pitchFamily="34" charset="0"/>
                 <a:cs typeface="Arial" panose="020B0604020202020204" pitchFamily="34" charset="0"/>
               </a:rPr>
-              <a:t>Elektrotechnik</a:t>
+              <a:t>Industrie-kaufleute</a:t>
             </a:r>
           </a:p>
         </p:txBody>
       </p:sp>
       <p:sp>
         <p:nvSpPr>
-          <p:cNvPr id="64" name="Textfeld 63">
-            <a:extLst>
-              <a:ext uri="{FF2B5EF4-FFF2-40B4-BE49-F238E27FC236}">
-                <a16:creationId xmlns:a16="http://schemas.microsoft.com/office/drawing/2014/main" id="{796F748F-5F07-7497-08C0-6BADB8CDCB0C}"/>
+          <p:cNvPr id="67" name="Textfeld 66">
+            <a:extLst>
+              <a:ext uri="{FF2B5EF4-FFF2-40B4-BE49-F238E27FC236}">
+                <a16:creationId xmlns:a16="http://schemas.microsoft.com/office/drawing/2014/main" id="{F54D3290-0038-156A-BB00-68D6C4C35774}"/>
               </a:ext>
             </a:extLst>
           </p:cNvPr>
@@ -18080,8 +17969,8 @@
         </p:nvSpPr>
         <p:spPr>
           <a:xfrm>
-            <a:off x="4055416" y="2733986"/>
-            <a:ext cx="842837" cy="415498"/>
+            <a:off x="4096248" y="3274799"/>
+            <a:ext cx="842837" cy="307777"/>
           </a:xfrm>
           <a:prstGeom prst="rect">
             <a:avLst/>
@@ -18099,130 +17988,45 @@
                 <a:latin typeface="Arial" panose="020B0604020202020204" pitchFamily="34" charset="0"/>
                 <a:cs typeface="Arial" panose="020B0604020202020204" pitchFamily="34" charset="0"/>
               </a:rPr>
-              <a:t>Wirtschafts-ingenieure/</a:t>
+              <a:t>Studiengänge bei WAGO</a:t>
             </a:r>
           </a:p>
+        </p:txBody>
+      </p:sp>
+      <p:sp>
+        <p:nvSpPr>
+          <p:cNvPr id="68" name="Textfeld 67">
+            <a:extLst>
+              <a:ext uri="{FF2B5EF4-FFF2-40B4-BE49-F238E27FC236}">
+                <a16:creationId xmlns:a16="http://schemas.microsoft.com/office/drawing/2014/main" id="{F14EB7DC-1E87-A70C-20D1-D3FA99F2A368}"/>
+              </a:ext>
+            </a:extLst>
+          </p:cNvPr>
+          <p:cNvSpPr txBox="1"/>
+          <p:nvPr/>
+        </p:nvSpPr>
+        <p:spPr>
+          <a:xfrm>
+            <a:off x="5159210" y="3526333"/>
+            <a:ext cx="1254424" cy="954107"/>
+          </a:xfrm>
+          <a:prstGeom prst="rect">
+            <a:avLst/>
+          </a:prstGeom>
+          <a:noFill/>
+        </p:spPr>
+        <p:txBody>
+          <a:bodyPr wrap="square" rtlCol="0">
+            <a:spAutoFit/>
+          </a:bodyPr>
+          <a:lstStyle/>
           <a:p>
             <a:r>
               <a:rPr lang="de-DE" sz="700" dirty="0">
                 <a:latin typeface="Arial" panose="020B0604020202020204" pitchFamily="34" charset="0"/>
                 <a:cs typeface="Arial" panose="020B0604020202020204" pitchFamily="34" charset="0"/>
               </a:rPr>
-              <a:t>Maschinenbau</a:t>
-            </a:r>
-          </a:p>
-        </p:txBody>
-      </p:sp>
-      <p:sp>
-        <p:nvSpPr>
-          <p:cNvPr id="65" name="Textfeld 64">
-            <a:extLst>
-              <a:ext uri="{FF2B5EF4-FFF2-40B4-BE49-F238E27FC236}">
-                <a16:creationId xmlns:a16="http://schemas.microsoft.com/office/drawing/2014/main" id="{C30C816E-60D1-6745-F1D7-4C62C6620095}"/>
-              </a:ext>
-            </a:extLst>
-          </p:cNvPr>
-          <p:cNvSpPr txBox="1"/>
-          <p:nvPr/>
-        </p:nvSpPr>
-        <p:spPr>
-          <a:xfrm>
-            <a:off x="4086641" y="3163846"/>
-            <a:ext cx="842837" cy="307777"/>
-          </a:xfrm>
-          <a:prstGeom prst="rect">
-            <a:avLst/>
-          </a:prstGeom>
-          <a:noFill/>
-        </p:spPr>
-        <p:txBody>
-          <a:bodyPr wrap="square" rtlCol="0">
-            <a:spAutoFit/>
-          </a:bodyPr>
-          <a:lstStyle/>
-          <a:p>
-            <a:r>
-              <a:rPr lang="de-DE" sz="700" dirty="0">
-                <a:latin typeface="Arial" panose="020B0604020202020204" pitchFamily="34" charset="0"/>
-                <a:cs typeface="Arial" panose="020B0604020202020204" pitchFamily="34" charset="0"/>
-              </a:rPr>
-              <a:t>Technisches Produktdesign</a:t>
-            </a:r>
-          </a:p>
-        </p:txBody>
-      </p:sp>
-      <p:sp>
-        <p:nvSpPr>
-          <p:cNvPr id="67" name="Textfeld 66">
-            <a:extLst>
-              <a:ext uri="{FF2B5EF4-FFF2-40B4-BE49-F238E27FC236}">
-                <a16:creationId xmlns:a16="http://schemas.microsoft.com/office/drawing/2014/main" id="{F54D3290-0038-156A-BB00-68D6C4C35774}"/>
-              </a:ext>
-            </a:extLst>
-          </p:cNvPr>
-          <p:cNvSpPr txBox="1"/>
-          <p:nvPr/>
-        </p:nvSpPr>
-        <p:spPr>
-          <a:xfrm>
-            <a:off x="4096248" y="3505860"/>
-            <a:ext cx="842837" cy="307777"/>
-          </a:xfrm>
-          <a:prstGeom prst="rect">
-            <a:avLst/>
-          </a:prstGeom>
-          <a:noFill/>
-        </p:spPr>
-        <p:txBody>
-          <a:bodyPr wrap="square" rtlCol="0">
-            <a:spAutoFit/>
-          </a:bodyPr>
-          <a:lstStyle/>
-          <a:p>
-            <a:r>
-              <a:rPr lang="de-DE" sz="700" dirty="0">
-                <a:latin typeface="Arial" panose="020B0604020202020204" pitchFamily="34" charset="0"/>
-                <a:cs typeface="Arial" panose="020B0604020202020204" pitchFamily="34" charset="0"/>
-              </a:rPr>
-              <a:t>Industriekauf-leute</a:t>
-            </a:r>
-          </a:p>
-        </p:txBody>
-      </p:sp>
-      <p:sp>
-        <p:nvSpPr>
-          <p:cNvPr id="68" name="Textfeld 67">
-            <a:extLst>
-              <a:ext uri="{FF2B5EF4-FFF2-40B4-BE49-F238E27FC236}">
-                <a16:creationId xmlns:a16="http://schemas.microsoft.com/office/drawing/2014/main" id="{F14EB7DC-1E87-A70C-20D1-D3FA99F2A368}"/>
-              </a:ext>
-            </a:extLst>
-          </p:cNvPr>
-          <p:cNvSpPr txBox="1"/>
-          <p:nvPr/>
-        </p:nvSpPr>
-        <p:spPr>
-          <a:xfrm>
-            <a:off x="5159210" y="3526333"/>
-            <a:ext cx="1254424" cy="846386"/>
-          </a:xfrm>
-          <a:prstGeom prst="rect">
-            <a:avLst/>
-          </a:prstGeom>
-          <a:noFill/>
-        </p:spPr>
-        <p:txBody>
-          <a:bodyPr wrap="square" rtlCol="0">
-            <a:spAutoFit/>
-          </a:bodyPr>
-          <a:lstStyle/>
-          <a:p>
-            <a:r>
-              <a:rPr lang="de-DE" sz="700" dirty="0">
-                <a:latin typeface="Arial" panose="020B0604020202020204" pitchFamily="34" charset="0"/>
-                <a:cs typeface="Arial" panose="020B0604020202020204" pitchFamily="34" charset="0"/>
-              </a:rPr>
-              <a:t>Elektroniker für</a:t>
+              <a:t>Elektroniker* für</a:t>
             </a:r>
           </a:p>
           <a:p>
@@ -18280,6 +18084,15 @@
                 <a:latin typeface="Arial" panose="020B0604020202020204" pitchFamily="34" charset="0"/>
                 <a:cs typeface="Arial" panose="020B0604020202020204" pitchFamily="34" charset="0"/>
               </a:rPr>
+              <a:t>Industrieelektriker*</a:t>
+            </a:r>
+          </a:p>
+          <a:p>
+            <a:r>
+              <a:rPr lang="de-DE" sz="700" dirty="0">
+                <a:latin typeface="Arial" panose="020B0604020202020204" pitchFamily="34" charset="0"/>
+                <a:cs typeface="Arial" panose="020B0604020202020204" pitchFamily="34" charset="0"/>
+              </a:rPr>
               <a:t>Mechatronik</a:t>
             </a:r>
           </a:p>
@@ -18322,7 +18135,7 @@
                 <a:latin typeface="Arial" panose="020B0604020202020204" pitchFamily="34" charset="0"/>
                 <a:cs typeface="Arial" panose="020B0604020202020204" pitchFamily="34" charset="0"/>
               </a:rPr>
-              <a:t>Werkzeugmechaniker</a:t>
+              <a:t>Werkzeugmechaniker*</a:t>
             </a:r>
           </a:p>
           <a:p>
@@ -18335,7 +18148,7 @@
                 <a:latin typeface="Arial" panose="020B0604020202020204" pitchFamily="34" charset="0"/>
                 <a:cs typeface="Arial" panose="020B0604020202020204" pitchFamily="34" charset="0"/>
               </a:rPr>
-              <a:t>Industriemechaniker</a:t>
+              <a:t>Industriemechaniker*</a:t>
             </a:r>
           </a:p>
           <a:p>
@@ -18348,7 +18161,7 @@
                 <a:latin typeface="Arial" panose="020B0604020202020204" pitchFamily="34" charset="0"/>
                 <a:cs typeface="Arial" panose="020B0604020202020204" pitchFamily="34" charset="0"/>
               </a:rPr>
-              <a:t>Maschinen- und Anlagenführer</a:t>
+              <a:t>Maschinen- und Anlagenführer*</a:t>
             </a:r>
           </a:p>
           <a:p>
@@ -18361,7 +18174,7 @@
                 <a:latin typeface="Arial" panose="020B0604020202020204" pitchFamily="34" charset="0"/>
                 <a:cs typeface="Arial" panose="020B0604020202020204" pitchFamily="34" charset="0"/>
               </a:rPr>
-              <a:t>Fachlagerist</a:t>
+              <a:t>Fachlagerist*</a:t>
             </a:r>
           </a:p>
           <a:p>
@@ -18543,8 +18356,8 @@
         </p:blipFill>
         <p:spPr>
           <a:xfrm>
-            <a:off x="1892106" y="2777156"/>
-            <a:ext cx="307777" cy="307777"/>
+            <a:off x="5320148" y="2186130"/>
+            <a:ext cx="279824" cy="279824"/>
           </a:xfrm>
           <a:prstGeom prst="rect">
             <a:avLst/>
@@ -18660,14 +18473,95 @@
         </p:blipFill>
         <p:spPr>
           <a:xfrm>
-            <a:off x="1364639" y="2745625"/>
-            <a:ext cx="358005" cy="358005"/>
+            <a:off x="5998074" y="2125458"/>
+            <a:ext cx="324069" cy="324069"/>
           </a:xfrm>
           <a:prstGeom prst="rect">
             <a:avLst/>
           </a:prstGeom>
         </p:spPr>
       </p:pic>
+      <p:sp>
+        <p:nvSpPr>
+          <p:cNvPr id="2" name="Textfeld 1">
+            <a:extLst>
+              <a:ext uri="{FF2B5EF4-FFF2-40B4-BE49-F238E27FC236}">
+                <a16:creationId xmlns:a16="http://schemas.microsoft.com/office/drawing/2014/main" id="{1DAC0F08-B900-7188-34CC-B2718E8582A5}"/>
+              </a:ext>
+            </a:extLst>
+          </p:cNvPr>
+          <p:cNvSpPr txBox="1"/>
+          <p:nvPr/>
+        </p:nvSpPr>
+        <p:spPr>
+          <a:xfrm>
+            <a:off x="7600487" y="2887096"/>
+            <a:ext cx="612885" cy="523220"/>
+          </a:xfrm>
+          <a:prstGeom prst="rect">
+            <a:avLst/>
+          </a:prstGeom>
+          <a:noFill/>
+        </p:spPr>
+        <p:txBody>
+          <a:bodyPr wrap="square" rtlCol="0">
+            <a:spAutoFit/>
+          </a:bodyPr>
+          <a:lstStyle/>
+          <a:p>
+            <a:r>
+              <a:rPr lang="de-DE" sz="700" dirty="0">
+                <a:latin typeface="Arial" panose="020B0604020202020204" pitchFamily="34" charset="0"/>
+                <a:cs typeface="Arial" panose="020B0604020202020204" pitchFamily="34" charset="0"/>
+              </a:rPr>
+              <a:t>techni-sche Produkt-designer*</a:t>
+            </a:r>
+          </a:p>
+        </p:txBody>
+      </p:sp>
+      <p:cxnSp>
+        <p:nvCxnSpPr>
+          <p:cNvPr id="20" name="Gerader Verbinder 19">
+            <a:extLst>
+              <a:ext uri="{FF2B5EF4-FFF2-40B4-BE49-F238E27FC236}">
+                <a16:creationId xmlns:a16="http://schemas.microsoft.com/office/drawing/2014/main" id="{82E1057E-61EA-591F-E268-17D10D0ED1BB}"/>
+              </a:ext>
+            </a:extLst>
+          </p:cNvPr>
+          <p:cNvCxnSpPr>
+            <a:cxnSpLocks/>
+          </p:cNvCxnSpPr>
+          <p:nvPr/>
+        </p:nvCxnSpPr>
+        <p:spPr>
+          <a:xfrm flipV="1">
+            <a:off x="5110036" y="2326042"/>
+            <a:ext cx="0" cy="135195"/>
+          </a:xfrm>
+          <a:prstGeom prst="line">
+            <a:avLst/>
+          </a:prstGeom>
+          <a:ln w="28575">
+            <a:solidFill>
+              <a:srgbClr val="7EC635"/>
+            </a:solidFill>
+          </a:ln>
+        </p:spPr>
+        <p:style>
+          <a:lnRef idx="1">
+            <a:schemeClr val="accent1"/>
+          </a:lnRef>
+          <a:fillRef idx="0">
+            <a:schemeClr val="accent1"/>
+          </a:fillRef>
+          <a:effectRef idx="0">
+            <a:schemeClr val="accent1"/>
+          </a:effectRef>
+          <a:fontRef idx="minor">
+            <a:schemeClr val="tx1"/>
+          </a:fontRef>
+        </p:style>
+      </p:cxnSp>
     </p:spTree>
     <p:extLst>
       <p:ext uri="{BB962C8B-B14F-4D97-AF65-F5344CB8AC3E}">

--- a/Website_TdA_2024.pptx
+++ b/Website_TdA_2024.pptx
@@ -133,7 +133,7 @@
 <file path=ppt/revisionInfo.xml><?xml version="1.0" encoding="utf-8"?>
 <p1510:revInfo xmlns:a="http://schemas.openxmlformats.org/drawingml/2006/main" xmlns:r="http://schemas.openxmlformats.org/officeDocument/2006/relationships" xmlns:p1510="http://schemas.microsoft.com/office/powerpoint/2015/10/main">
   <p1510:revLst>
-    <p1510:client id="{96D7FF0F-B081-4A9D-BD68-D3EBAC727EF5}" v="215" dt="2024-02-13T10:04:16.026"/>
+    <p1510:client id="{96D7FF0F-B081-4A9D-BD68-D3EBAC727EF5}" v="216" dt="2024-02-16T07:30:18.316"/>
   </p1510:revLst>
 </p1510:revInfo>
 </file>
@@ -143,7 +143,7 @@
   <pc:docChgLst>
     <pc:chgData name="Stapel, Frederic" userId="1abc07cd-784c-4ede-87bc-7246762e1d08" providerId="ADAL" clId="{96D7FF0F-B081-4A9D-BD68-D3EBAC727EF5}"/>
     <pc:docChg chg="undo redo custSel addSld delSld modSld sldOrd">
-      <pc:chgData name="Stapel, Frederic" userId="1abc07cd-784c-4ede-87bc-7246762e1d08" providerId="ADAL" clId="{96D7FF0F-B081-4A9D-BD68-D3EBAC727EF5}" dt="2024-02-13T10:05:53.810" v="4180" actId="20577"/>
+      <pc:chgData name="Stapel, Frederic" userId="1abc07cd-784c-4ede-87bc-7246762e1d08" providerId="ADAL" clId="{96D7FF0F-B081-4A9D-BD68-D3EBAC727EF5}" dt="2024-02-16T07:30:30.575" v="4190" actId="1076"/>
       <pc:docMkLst>
         <pc:docMk/>
       </pc:docMkLst>
@@ -1704,7 +1704,7 @@
         </pc:picChg>
       </pc:sldChg>
       <pc:sldChg chg="addSp delSp modSp add mod modNotesTx">
-        <pc:chgData name="Stapel, Frederic" userId="1abc07cd-784c-4ede-87bc-7246762e1d08" providerId="ADAL" clId="{96D7FF0F-B081-4A9D-BD68-D3EBAC727EF5}" dt="2024-02-13T10:05:53.810" v="4180" actId="20577"/>
+        <pc:chgData name="Stapel, Frederic" userId="1abc07cd-784c-4ede-87bc-7246762e1d08" providerId="ADAL" clId="{96D7FF0F-B081-4A9D-BD68-D3EBAC727EF5}" dt="2024-02-16T07:30:30.575" v="4190" actId="1076"/>
         <pc:sldMkLst>
           <pc:docMk/>
           <pc:sldMk cId="459294818" sldId="274"/>
@@ -1723,6 +1723,14 @@
             <pc:docMk/>
             <pc:sldMk cId="459294818" sldId="274"/>
             <ac:spMk id="6" creationId="{18CF9B01-BEE6-68F4-E019-97EFB0BBC02C}"/>
+          </ac:spMkLst>
+        </pc:spChg>
+        <pc:spChg chg="add mod">
+          <ac:chgData name="Stapel, Frederic" userId="1abc07cd-784c-4ede-87bc-7246762e1d08" providerId="ADAL" clId="{96D7FF0F-B081-4A9D-BD68-D3EBAC727EF5}" dt="2024-02-16T07:30:30.575" v="4190" actId="1076"/>
+          <ac:spMkLst>
+            <pc:docMk/>
+            <pc:sldMk cId="459294818" sldId="274"/>
+            <ac:spMk id="6" creationId="{AE90D8D0-467D-5F3B-2565-D53FB5A4F58D}"/>
           </ac:spMkLst>
         </pc:spChg>
         <pc:spChg chg="add mod">
@@ -2412,7 +2420,7 @@
           <a:p>
             <a:fld id="{326D799F-86D4-4539-9CF8-30237CED92B1}" type="datetimeFigureOut">
               <a:rPr lang="de-DE" smtClean="0"/>
-              <a:t>13.02.2024</a:t>
+              <a:t>16.02.2024</a:t>
             </a:fld>
             <a:endParaRPr lang="de-DE"/>
           </a:p>
@@ -2910,7 +2918,7 @@
           <a:p>
             <a:fld id="{5F34389D-718A-4B70-99B4-5B2AAB6EE550}" type="datetimeFigureOut">
               <a:rPr lang="de-DE" smtClean="0"/>
-              <a:t>13.02.2024</a:t>
+              <a:t>16.02.2024</a:t>
             </a:fld>
             <a:endParaRPr lang="de-DE"/>
           </a:p>
@@ -3108,7 +3116,7 @@
           <a:p>
             <a:fld id="{5F34389D-718A-4B70-99B4-5B2AAB6EE550}" type="datetimeFigureOut">
               <a:rPr lang="de-DE" smtClean="0"/>
-              <a:t>13.02.2024</a:t>
+              <a:t>16.02.2024</a:t>
             </a:fld>
             <a:endParaRPr lang="de-DE"/>
           </a:p>
@@ -3316,7 +3324,7 @@
           <a:p>
             <a:fld id="{5F34389D-718A-4B70-99B4-5B2AAB6EE550}" type="datetimeFigureOut">
               <a:rPr lang="de-DE" smtClean="0"/>
-              <a:t>13.02.2024</a:t>
+              <a:t>16.02.2024</a:t>
             </a:fld>
             <a:endParaRPr lang="de-DE"/>
           </a:p>
@@ -3514,7 +3522,7 @@
           <a:p>
             <a:fld id="{5F34389D-718A-4B70-99B4-5B2AAB6EE550}" type="datetimeFigureOut">
               <a:rPr lang="de-DE" smtClean="0"/>
-              <a:t>13.02.2024</a:t>
+              <a:t>16.02.2024</a:t>
             </a:fld>
             <a:endParaRPr lang="de-DE"/>
           </a:p>
@@ -3789,7 +3797,7 @@
           <a:p>
             <a:fld id="{5F34389D-718A-4B70-99B4-5B2AAB6EE550}" type="datetimeFigureOut">
               <a:rPr lang="de-DE" smtClean="0"/>
-              <a:t>13.02.2024</a:t>
+              <a:t>16.02.2024</a:t>
             </a:fld>
             <a:endParaRPr lang="de-DE"/>
           </a:p>
@@ -4054,7 +4062,7 @@
           <a:p>
             <a:fld id="{5F34389D-718A-4B70-99B4-5B2AAB6EE550}" type="datetimeFigureOut">
               <a:rPr lang="de-DE" smtClean="0"/>
-              <a:t>13.02.2024</a:t>
+              <a:t>16.02.2024</a:t>
             </a:fld>
             <a:endParaRPr lang="de-DE"/>
           </a:p>
@@ -4466,7 +4474,7 @@
           <a:p>
             <a:fld id="{5F34389D-718A-4B70-99B4-5B2AAB6EE550}" type="datetimeFigureOut">
               <a:rPr lang="de-DE" smtClean="0"/>
-              <a:t>13.02.2024</a:t>
+              <a:t>16.02.2024</a:t>
             </a:fld>
             <a:endParaRPr lang="de-DE"/>
           </a:p>
@@ -4607,7 +4615,7 @@
           <a:p>
             <a:fld id="{5F34389D-718A-4B70-99B4-5B2AAB6EE550}" type="datetimeFigureOut">
               <a:rPr lang="de-DE" smtClean="0"/>
-              <a:t>13.02.2024</a:t>
+              <a:t>16.02.2024</a:t>
             </a:fld>
             <a:endParaRPr lang="de-DE"/>
           </a:p>
@@ -4720,7 +4728,7 @@
           <a:p>
             <a:fld id="{5F34389D-718A-4B70-99B4-5B2AAB6EE550}" type="datetimeFigureOut">
               <a:rPr lang="de-DE" smtClean="0"/>
-              <a:t>13.02.2024</a:t>
+              <a:t>16.02.2024</a:t>
             </a:fld>
             <a:endParaRPr lang="de-DE"/>
           </a:p>
@@ -5031,7 +5039,7 @@
           <a:p>
             <a:fld id="{5F34389D-718A-4B70-99B4-5B2AAB6EE550}" type="datetimeFigureOut">
               <a:rPr lang="de-DE" smtClean="0"/>
-              <a:t>13.02.2024</a:t>
+              <a:t>16.02.2024</a:t>
             </a:fld>
             <a:endParaRPr lang="de-DE"/>
           </a:p>
@@ -5319,7 +5327,7 @@
           <a:p>
             <a:fld id="{5F34389D-718A-4B70-99B4-5B2AAB6EE550}" type="datetimeFigureOut">
               <a:rPr lang="de-DE" smtClean="0"/>
-              <a:t>13.02.2024</a:t>
+              <a:t>16.02.2024</a:t>
             </a:fld>
             <a:endParaRPr lang="de-DE"/>
           </a:p>
@@ -5560,7 +5568,7 @@
           <a:p>
             <a:fld id="{5F34389D-718A-4B70-99B4-5B2AAB6EE550}" type="datetimeFigureOut">
               <a:rPr lang="de-DE" smtClean="0"/>
-              <a:t>13.02.2024</a:t>
+              <a:t>16.02.2024</a:t>
             </a:fld>
             <a:endParaRPr lang="de-DE"/>
           </a:p>
@@ -18562,6 +18570,44 @@
           </a:fontRef>
         </p:style>
       </p:cxnSp>
+      <p:sp>
+        <p:nvSpPr>
+          <p:cNvPr id="6" name="Textfeld 5">
+            <a:extLst>
+              <a:ext uri="{FF2B5EF4-FFF2-40B4-BE49-F238E27FC236}">
+                <a16:creationId xmlns:a16="http://schemas.microsoft.com/office/drawing/2014/main" id="{AE90D8D0-467D-5F3B-2565-D53FB5A4F58D}"/>
+              </a:ext>
+            </a:extLst>
+          </p:cNvPr>
+          <p:cNvSpPr txBox="1"/>
+          <p:nvPr/>
+        </p:nvSpPr>
+        <p:spPr>
+          <a:xfrm>
+            <a:off x="7854363" y="1631082"/>
+            <a:ext cx="901611" cy="200055"/>
+          </a:xfrm>
+          <a:prstGeom prst="rect">
+            <a:avLst/>
+          </a:prstGeom>
+          <a:noFill/>
+        </p:spPr>
+        <p:txBody>
+          <a:bodyPr wrap="square" rtlCol="0">
+            <a:spAutoFit/>
+          </a:bodyPr>
+          <a:lstStyle/>
+          <a:p>
+            <a:r>
+              <a:rPr lang="de-DE" sz="700" dirty="0">
+                <a:latin typeface="Arial" panose="020B0604020202020204" pitchFamily="34" charset="0"/>
+                <a:cs typeface="Arial" panose="020B0604020202020204" pitchFamily="34" charset="0"/>
+              </a:rPr>
+              <a:t>Eingang</a:t>
+            </a:r>
+          </a:p>
+        </p:txBody>
+      </p:sp>
     </p:spTree>
     <p:extLst>
       <p:ext uri="{BB962C8B-B14F-4D97-AF65-F5344CB8AC3E}">

--- a/Website_TdA_2024.pptx
+++ b/Website_TdA_2024.pptx
@@ -2420,7 +2420,7 @@
           <a:p>
             <a:fld id="{326D799F-86D4-4539-9CF8-30237CED92B1}" type="datetimeFigureOut">
               <a:rPr lang="de-DE" smtClean="0"/>
-              <a:t>16.02.2024</a:t>
+              <a:t>29.08.2024</a:t>
             </a:fld>
             <a:endParaRPr lang="de-DE"/>
           </a:p>
@@ -2918,7 +2918,7 @@
           <a:p>
             <a:fld id="{5F34389D-718A-4B70-99B4-5B2AAB6EE550}" type="datetimeFigureOut">
               <a:rPr lang="de-DE" smtClean="0"/>
-              <a:t>16.02.2024</a:t>
+              <a:t>29.08.2024</a:t>
             </a:fld>
             <a:endParaRPr lang="de-DE"/>
           </a:p>
@@ -3116,7 +3116,7 @@
           <a:p>
             <a:fld id="{5F34389D-718A-4B70-99B4-5B2AAB6EE550}" type="datetimeFigureOut">
               <a:rPr lang="de-DE" smtClean="0"/>
-              <a:t>16.02.2024</a:t>
+              <a:t>29.08.2024</a:t>
             </a:fld>
             <a:endParaRPr lang="de-DE"/>
           </a:p>
@@ -3324,7 +3324,7 @@
           <a:p>
             <a:fld id="{5F34389D-718A-4B70-99B4-5B2AAB6EE550}" type="datetimeFigureOut">
               <a:rPr lang="de-DE" smtClean="0"/>
-              <a:t>16.02.2024</a:t>
+              <a:t>29.08.2024</a:t>
             </a:fld>
             <a:endParaRPr lang="de-DE"/>
           </a:p>
@@ -3522,7 +3522,7 @@
           <a:p>
             <a:fld id="{5F34389D-718A-4B70-99B4-5B2AAB6EE550}" type="datetimeFigureOut">
               <a:rPr lang="de-DE" smtClean="0"/>
-              <a:t>16.02.2024</a:t>
+              <a:t>29.08.2024</a:t>
             </a:fld>
             <a:endParaRPr lang="de-DE"/>
           </a:p>
@@ -3797,7 +3797,7 @@
           <a:p>
             <a:fld id="{5F34389D-718A-4B70-99B4-5B2AAB6EE550}" type="datetimeFigureOut">
               <a:rPr lang="de-DE" smtClean="0"/>
-              <a:t>16.02.2024</a:t>
+              <a:t>29.08.2024</a:t>
             </a:fld>
             <a:endParaRPr lang="de-DE"/>
           </a:p>
@@ -4062,7 +4062,7 @@
           <a:p>
             <a:fld id="{5F34389D-718A-4B70-99B4-5B2AAB6EE550}" type="datetimeFigureOut">
               <a:rPr lang="de-DE" smtClean="0"/>
-              <a:t>16.02.2024</a:t>
+              <a:t>29.08.2024</a:t>
             </a:fld>
             <a:endParaRPr lang="de-DE"/>
           </a:p>
@@ -4474,7 +4474,7 @@
           <a:p>
             <a:fld id="{5F34389D-718A-4B70-99B4-5B2AAB6EE550}" type="datetimeFigureOut">
               <a:rPr lang="de-DE" smtClean="0"/>
-              <a:t>16.02.2024</a:t>
+              <a:t>29.08.2024</a:t>
             </a:fld>
             <a:endParaRPr lang="de-DE"/>
           </a:p>
@@ -4615,7 +4615,7 @@
           <a:p>
             <a:fld id="{5F34389D-718A-4B70-99B4-5B2AAB6EE550}" type="datetimeFigureOut">
               <a:rPr lang="de-DE" smtClean="0"/>
-              <a:t>16.02.2024</a:t>
+              <a:t>29.08.2024</a:t>
             </a:fld>
             <a:endParaRPr lang="de-DE"/>
           </a:p>
@@ -4728,7 +4728,7 @@
           <a:p>
             <a:fld id="{5F34389D-718A-4B70-99B4-5B2AAB6EE550}" type="datetimeFigureOut">
               <a:rPr lang="de-DE" smtClean="0"/>
-              <a:t>16.02.2024</a:t>
+              <a:t>29.08.2024</a:t>
             </a:fld>
             <a:endParaRPr lang="de-DE"/>
           </a:p>
@@ -5039,7 +5039,7 @@
           <a:p>
             <a:fld id="{5F34389D-718A-4B70-99B4-5B2AAB6EE550}" type="datetimeFigureOut">
               <a:rPr lang="de-DE" smtClean="0"/>
-              <a:t>16.02.2024</a:t>
+              <a:t>29.08.2024</a:t>
             </a:fld>
             <a:endParaRPr lang="de-DE"/>
           </a:p>
@@ -5327,7 +5327,7 @@
           <a:p>
             <a:fld id="{5F34389D-718A-4B70-99B4-5B2AAB6EE550}" type="datetimeFigureOut">
               <a:rPr lang="de-DE" smtClean="0"/>
-              <a:t>16.02.2024</a:t>
+              <a:t>29.08.2024</a:t>
             </a:fld>
             <a:endParaRPr lang="de-DE"/>
           </a:p>
@@ -5568,7 +5568,7 @@
           <a:p>
             <a:fld id="{5F34389D-718A-4B70-99B4-5B2AAB6EE550}" type="datetimeFigureOut">
               <a:rPr lang="de-DE" smtClean="0"/>
-              <a:t>16.02.2024</a:t>
+              <a:t>29.08.2024</a:t>
             </a:fld>
             <a:endParaRPr lang="de-DE"/>
           </a:p>
@@ -12494,7 +12494,7 @@
           <a:lstStyle/>
           <a:p>
             <a:pPr algn="ctr"/>
-            <a:endParaRPr lang="de-DE"/>
+            <a:endParaRPr lang="de-DE" dirty="0"/>
           </a:p>
         </p:txBody>
       </p:sp>
@@ -15447,49 +15447,6 @@
       </p:cxnSp>
       <p:cxnSp>
         <p:nvCxnSpPr>
-          <p:cNvPr id="169" name="Gerader Verbinder 168">
-            <a:extLst>
-              <a:ext uri="{FF2B5EF4-FFF2-40B4-BE49-F238E27FC236}">
-                <a16:creationId xmlns:a16="http://schemas.microsoft.com/office/drawing/2014/main" id="{A7A8BDAC-0B6B-E2FF-A953-B8233753BC4B}"/>
-              </a:ext>
-            </a:extLst>
-          </p:cNvPr>
-          <p:cNvCxnSpPr>
-            <a:cxnSpLocks/>
-          </p:cNvCxnSpPr>
-          <p:nvPr/>
-        </p:nvCxnSpPr>
-        <p:spPr>
-          <a:xfrm flipH="1">
-            <a:off x="6816253" y="2778153"/>
-            <a:ext cx="11262" cy="538370"/>
-          </a:xfrm>
-          <a:prstGeom prst="line">
-            <a:avLst/>
-          </a:prstGeom>
-          <a:ln w="28575">
-            <a:solidFill>
-              <a:srgbClr val="7EC635"/>
-            </a:solidFill>
-          </a:ln>
-        </p:spPr>
-        <p:style>
-          <a:lnRef idx="1">
-            <a:schemeClr val="accent1"/>
-          </a:lnRef>
-          <a:fillRef idx="0">
-            <a:schemeClr val="accent1"/>
-          </a:fillRef>
-          <a:effectRef idx="0">
-            <a:schemeClr val="accent1"/>
-          </a:effectRef>
-          <a:fontRef idx="minor">
-            <a:schemeClr val="tx1"/>
-          </a:fontRef>
-        </p:style>
-      </p:cxnSp>
-      <p:cxnSp>
-        <p:nvCxnSpPr>
           <p:cNvPr id="170" name="Gerader Verbinder 169">
             <a:extLst>
               <a:ext uri="{FF2B5EF4-FFF2-40B4-BE49-F238E27FC236}">
@@ -17177,11 +17134,55 @@
           </a:fontRef>
         </p:style>
         <p:txBody>
-          <a:bodyPr rtlCol="0" anchor="ctr"/>
+          <a:bodyPr lIns="72000" tIns="108000" rIns="0" bIns="0" rtlCol="0" anchor="t"/>
           <a:lstStyle/>
           <a:p>
-            <a:pPr algn="ctr"/>
-            <a:endParaRPr lang="de-DE"/>
+            <a:pPr marL="171450" indent="-171450">
+              <a:buFont typeface="Arial" panose="020B0604020202020204" pitchFamily="34" charset="0"/>
+              <a:buChar char="•"/>
+            </a:pPr>
+            <a:r>
+              <a:rPr lang="de-DE" sz="700" dirty="0">
+                <a:solidFill>
+                  <a:schemeClr val="tx1"/>
+                </a:solidFill>
+                <a:latin typeface="Arial" panose="020B0604020202020204" pitchFamily="34" charset="0"/>
+                <a:cs typeface="Arial" panose="020B0604020202020204" pitchFamily="34" charset="0"/>
+              </a:rPr>
+              <a:t>Elektroniker*</a:t>
+            </a:r>
+          </a:p>
+          <a:p>
+            <a:pPr marL="171450" indent="-171450">
+              <a:buFont typeface="Arial" panose="020B0604020202020204" pitchFamily="34" charset="0"/>
+              <a:buChar char="•"/>
+            </a:pPr>
+            <a:r>
+              <a:rPr lang="de-DE" sz="700" dirty="0">
+                <a:solidFill>
+                  <a:schemeClr val="tx1"/>
+                </a:solidFill>
+                <a:latin typeface="Arial" panose="020B0604020202020204" pitchFamily="34" charset="0"/>
+                <a:cs typeface="Arial" panose="020B0604020202020204" pitchFamily="34" charset="0"/>
+              </a:rPr>
+              <a:t>Industrieelektriker*</a:t>
+            </a:r>
+          </a:p>
+          <a:p>
+            <a:pPr marL="171450" indent="-171450">
+              <a:buFont typeface="Arial" panose="020B0604020202020204" pitchFamily="34" charset="0"/>
+              <a:buChar char="•"/>
+            </a:pPr>
+            <a:r>
+              <a:rPr lang="de-DE" sz="700" dirty="0">
+                <a:solidFill>
+                  <a:schemeClr val="tx1"/>
+                </a:solidFill>
+                <a:latin typeface="Arial" panose="020B0604020202020204" pitchFamily="34" charset="0"/>
+                <a:cs typeface="Arial" panose="020B0604020202020204" pitchFamily="34" charset="0"/>
+              </a:rPr>
+              <a:t>Mechatroniker*</a:t>
+            </a:r>
           </a:p>
         </p:txBody>
       </p:sp>
@@ -17288,8 +17289,88 @@
           <a:bodyPr rtlCol="0" anchor="ctr"/>
           <a:lstStyle/>
           <a:p>
+            <a:pPr marL="171450" indent="-171450">
+              <a:buFont typeface="Arial" panose="020B0604020202020204" pitchFamily="34" charset="0"/>
+              <a:buChar char="•"/>
+            </a:pPr>
+            <a:r>
+              <a:rPr lang="de-DE" sz="700" dirty="0">
+                <a:solidFill>
+                  <a:schemeClr val="tx1"/>
+                </a:solidFill>
+                <a:latin typeface="Arial" panose="020B0604020202020204" pitchFamily="34" charset="0"/>
+                <a:cs typeface="Arial" panose="020B0604020202020204" pitchFamily="34" charset="0"/>
+              </a:rPr>
+              <a:t>Werkzeugmechaniker*</a:t>
+            </a:r>
+          </a:p>
+          <a:p>
+            <a:pPr marL="171450" indent="-171450">
+              <a:buFont typeface="Arial" panose="020B0604020202020204" pitchFamily="34" charset="0"/>
+              <a:buChar char="•"/>
+            </a:pPr>
+            <a:r>
+              <a:rPr lang="de-DE" sz="700" dirty="0">
+                <a:solidFill>
+                  <a:schemeClr val="tx1"/>
+                </a:solidFill>
+                <a:latin typeface="Arial" panose="020B0604020202020204" pitchFamily="34" charset="0"/>
+                <a:cs typeface="Arial" panose="020B0604020202020204" pitchFamily="34" charset="0"/>
+              </a:rPr>
+              <a:t>Industriemechaniker*</a:t>
+            </a:r>
+          </a:p>
+          <a:p>
+            <a:pPr marL="171450" indent="-171450">
+              <a:buFont typeface="Arial" panose="020B0604020202020204" pitchFamily="34" charset="0"/>
+              <a:buChar char="•"/>
+            </a:pPr>
+            <a:r>
+              <a:rPr lang="de-DE" sz="700" dirty="0">
+                <a:solidFill>
+                  <a:schemeClr val="tx1"/>
+                </a:solidFill>
+                <a:latin typeface="Arial" panose="020B0604020202020204" pitchFamily="34" charset="0"/>
+                <a:cs typeface="Arial" panose="020B0604020202020204" pitchFamily="34" charset="0"/>
+              </a:rPr>
+              <a:t>Maschinen- und Anlagenführer*</a:t>
+            </a:r>
+          </a:p>
+          <a:p>
+            <a:pPr marL="171450" indent="-171450">
+              <a:buFont typeface="Arial" panose="020B0604020202020204" pitchFamily="34" charset="0"/>
+              <a:buChar char="•"/>
+            </a:pPr>
+            <a:r>
+              <a:rPr lang="de-DE" sz="700" dirty="0">
+                <a:solidFill>
+                  <a:schemeClr val="tx1"/>
+                </a:solidFill>
+                <a:latin typeface="Arial" panose="020B0604020202020204" pitchFamily="34" charset="0"/>
+                <a:cs typeface="Arial" panose="020B0604020202020204" pitchFamily="34" charset="0"/>
+              </a:rPr>
+              <a:t>Kunststoff- und Kautschuktechnologen*</a:t>
+            </a:r>
+          </a:p>
+          <a:p>
+            <a:pPr marL="171450" indent="-171450">
+              <a:buFont typeface="Arial" panose="020B0604020202020204" pitchFamily="34" charset="0"/>
+              <a:buChar char="•"/>
+            </a:pPr>
+            <a:r>
+              <a:rPr lang="de-DE" sz="700" dirty="0">
+                <a:solidFill>
+                  <a:schemeClr val="tx1"/>
+                </a:solidFill>
+                <a:latin typeface="Arial" panose="020B0604020202020204" pitchFamily="34" charset="0"/>
+                <a:cs typeface="Arial" panose="020B0604020202020204" pitchFamily="34" charset="0"/>
+              </a:rPr>
+              <a:t>Fachlagerist*</a:t>
+            </a:r>
+          </a:p>
+          <a:p>
             <a:pPr algn="ctr"/>
-            <a:endParaRPr lang="de-DE"/>
+            <a:endParaRPr lang="de-DE" dirty="0"/>
           </a:p>
         </p:txBody>
       </p:sp>
@@ -17307,8 +17388,8 @@
         </p:nvSpPr>
         <p:spPr>
           <a:xfrm>
-            <a:off x="6152872" y="6130679"/>
-            <a:ext cx="1312480" cy="368208"/>
+            <a:off x="6152872" y="6129923"/>
+            <a:ext cx="1312480" cy="375314"/>
           </a:xfrm>
           <a:prstGeom prst="rect">
             <a:avLst/>
@@ -17349,60 +17430,6 @@
       </p:sp>
       <p:sp>
         <p:nvSpPr>
-          <p:cNvPr id="43" name="Rechteck 42">
-            <a:extLst>
-              <a:ext uri="{FF2B5EF4-FFF2-40B4-BE49-F238E27FC236}">
-                <a16:creationId xmlns:a16="http://schemas.microsoft.com/office/drawing/2014/main" id="{1B09FA5A-F7DB-4131-0036-80183B2184D2}"/>
-              </a:ext>
-            </a:extLst>
-          </p:cNvPr>
-          <p:cNvSpPr/>
-          <p:nvPr/>
-        </p:nvSpPr>
-        <p:spPr>
-          <a:xfrm>
-            <a:off x="6826925" y="1626392"/>
-            <a:ext cx="633387" cy="291987"/>
-          </a:xfrm>
-          <a:prstGeom prst="rect">
-            <a:avLst/>
-          </a:prstGeom>
-          <a:solidFill>
-            <a:srgbClr val="E4F0D5">
-              <a:alpha val="80000"/>
-            </a:srgbClr>
-          </a:solidFill>
-          <a:ln>
-            <a:noFill/>
-          </a:ln>
-        </p:spPr>
-        <p:style>
-          <a:lnRef idx="2">
-            <a:schemeClr val="accent1">
-              <a:shade val="15000"/>
-            </a:schemeClr>
-          </a:lnRef>
-          <a:fillRef idx="1">
-            <a:schemeClr val="accent1"/>
-          </a:fillRef>
-          <a:effectRef idx="0">
-            <a:schemeClr val="accent1"/>
-          </a:effectRef>
-          <a:fontRef idx="minor">
-            <a:schemeClr val="lt1"/>
-          </a:fontRef>
-        </p:style>
-        <p:txBody>
-          <a:bodyPr rtlCol="0" anchor="ctr"/>
-          <a:lstStyle/>
-          <a:p>
-            <a:pPr algn="ctr"/>
-            <a:endParaRPr lang="de-DE"/>
-          </a:p>
-        </p:txBody>
-      </p:sp>
-      <p:sp>
-        <p:nvSpPr>
           <p:cNvPr id="44" name="Rechteck 43">
             <a:extLst>
               <a:ext uri="{FF2B5EF4-FFF2-40B4-BE49-F238E27FC236}">
@@ -17447,11 +17474,20 @@
           </a:fontRef>
         </p:style>
         <p:txBody>
-          <a:bodyPr rtlCol="0" anchor="ctr"/>
+          <a:bodyPr lIns="0" tIns="0" rIns="0" bIns="0" rtlCol="0" anchor="ctr"/>
           <a:lstStyle/>
           <a:p>
             <a:pPr algn="ctr"/>
-            <a:endParaRPr lang="de-DE"/>
+            <a:r>
+              <a:rPr lang="de-DE" sz="700" dirty="0">
+                <a:solidFill>
+                  <a:schemeClr val="tx1"/>
+                </a:solidFill>
+                <a:latin typeface="Arial" panose="020B0604020202020204" pitchFamily="34" charset="0"/>
+                <a:cs typeface="Arial" panose="020B0604020202020204" pitchFamily="34" charset="0"/>
+              </a:rPr>
+              <a:t>Studiengänge bei WAGO</a:t>
+            </a:r>
           </a:p>
         </p:txBody>
       </p:sp>
@@ -17469,8 +17505,8 @@
         </p:nvSpPr>
         <p:spPr>
           <a:xfrm>
-            <a:off x="4124543" y="3820112"/>
-            <a:ext cx="671086" cy="198212"/>
+            <a:off x="6156483" y="1630372"/>
+            <a:ext cx="643598" cy="281937"/>
           </a:xfrm>
           <a:prstGeom prst="rect">
             <a:avLst/>
@@ -17501,11 +17537,25 @@
           </a:fontRef>
         </p:style>
         <p:txBody>
-          <a:bodyPr rtlCol="0" anchor="ctr"/>
+          <a:bodyPr lIns="36000" rIns="36000" rtlCol="0" anchor="ctr"/>
           <a:lstStyle/>
           <a:p>
             <a:pPr algn="ctr"/>
-            <a:endParaRPr lang="de-DE"/>
+            <a:r>
+              <a:rPr lang="de-DE" sz="700" dirty="0">
+                <a:solidFill>
+                  <a:schemeClr val="tx1"/>
+                </a:solidFill>
+                <a:latin typeface="Arial" panose="020B0604020202020204" pitchFamily="34" charset="0"/>
+                <a:cs typeface="Arial" panose="020B0604020202020204" pitchFamily="34" charset="0"/>
+              </a:rPr>
+              <a:t>Fach-informatiker*</a:t>
+            </a:r>
+            <a:endParaRPr lang="de-DE" sz="1600" dirty="0">
+              <a:solidFill>
+                <a:schemeClr val="tx1"/>
+              </a:solidFill>
+            </a:endParaRPr>
           </a:p>
         </p:txBody>
       </p:sp>
@@ -17523,8 +17573,8 @@
         </p:nvSpPr>
         <p:spPr>
           <a:xfrm>
-            <a:off x="4125340" y="2771981"/>
-            <a:ext cx="676413" cy="349234"/>
+            <a:off x="4125341" y="2771981"/>
+            <a:ext cx="671260" cy="349234"/>
           </a:xfrm>
           <a:prstGeom prst="rect">
             <a:avLst/>
@@ -17559,7 +17609,16 @@
           <a:lstStyle/>
           <a:p>
             <a:pPr algn="ctr"/>
-            <a:endParaRPr lang="de-DE"/>
+            <a:r>
+              <a:rPr lang="de-DE" sz="700" dirty="0">
+                <a:solidFill>
+                  <a:schemeClr val="tx1"/>
+                </a:solidFill>
+                <a:latin typeface="Arial" panose="020B0604020202020204" pitchFamily="34" charset="0"/>
+                <a:cs typeface="Arial" panose="020B0604020202020204" pitchFamily="34" charset="0"/>
+              </a:rPr>
+              <a:t>Industrie-kaufleute</a:t>
+            </a:r>
           </a:p>
         </p:txBody>
       </p:sp>
@@ -17717,11 +17776,20 @@
           </a:fontRef>
         </p:style>
         <p:txBody>
-          <a:bodyPr rtlCol="0" anchor="ctr"/>
+          <a:bodyPr lIns="0" tIns="0" rIns="0" bIns="0" rtlCol="0" anchor="ctr"/>
           <a:lstStyle/>
           <a:p>
             <a:pPr algn="ctr"/>
-            <a:endParaRPr lang="de-DE"/>
+            <a:r>
+              <a:rPr lang="de-DE" sz="700" dirty="0">
+                <a:solidFill>
+                  <a:schemeClr val="tx1"/>
+                </a:solidFill>
+                <a:latin typeface="Arial" panose="020B0604020202020204" pitchFamily="34" charset="0"/>
+                <a:cs typeface="Arial" panose="020B0604020202020204" pitchFamily="34" charset="0"/>
+              </a:rPr>
+              <a:t>Technische Produkt-designer*</a:t>
+            </a:r>
           </a:p>
         </p:txBody>
       </p:sp>
@@ -17739,8 +17807,8 @@
         </p:nvSpPr>
         <p:spPr>
           <a:xfrm>
-            <a:off x="7655118" y="3509817"/>
-            <a:ext cx="483036" cy="282204"/>
+            <a:off x="7655118" y="3509816"/>
+            <a:ext cx="483036" cy="288501"/>
           </a:xfrm>
           <a:prstGeom prst="rect">
             <a:avLst/>
@@ -17887,12 +17955,51 @@
           </a:p>
         </p:txBody>
       </p:sp>
+      <p:pic>
+        <p:nvPicPr>
+          <p:cNvPr id="74" name="Grafik 73" descr="Kaffee Silhouette">
+            <a:extLst>
+              <a:ext uri="{FF2B5EF4-FFF2-40B4-BE49-F238E27FC236}">
+                <a16:creationId xmlns:a16="http://schemas.microsoft.com/office/drawing/2014/main" id="{EE00CF92-7D32-03FE-33A8-E95BB060EE80}"/>
+              </a:ext>
+            </a:extLst>
+          </p:cNvPr>
+          <p:cNvPicPr>
+            <a:picLocks noChangeAspect="1"/>
+          </p:cNvPicPr>
+          <p:nvPr/>
+        </p:nvPicPr>
+        <p:blipFill>
+          <a:blip r:embed="rId7">
+            <a:extLst>
+              <a:ext uri="{28A0092B-C50C-407E-A947-70E740481C1C}">
+                <a14:useLocalDpi xmlns:a14="http://schemas.microsoft.com/office/drawing/2010/main" val="0"/>
+              </a:ext>
+              <a:ext uri="{96DAC541-7B7A-43D3-8B79-37D633B846F1}">
+                <asvg:svgBlip xmlns:asvg="http://schemas.microsoft.com/office/drawing/2016/SVG/main" r:embed="rId8"/>
+              </a:ext>
+            </a:extLst>
+          </a:blip>
+          <a:stretch>
+            <a:fillRect/>
+          </a:stretch>
+        </p:blipFill>
+        <p:spPr>
+          <a:xfrm>
+            <a:off x="5298219" y="1825980"/>
+            <a:ext cx="353502" cy="353502"/>
+          </a:xfrm>
+          <a:prstGeom prst="rect">
+            <a:avLst/>
+          </a:prstGeom>
+        </p:spPr>
+      </p:pic>
       <p:sp>
         <p:nvSpPr>
-          <p:cNvPr id="62" name="Textfeld 61">
-            <a:extLst>
-              <a:ext uri="{FF2B5EF4-FFF2-40B4-BE49-F238E27FC236}">
-                <a16:creationId xmlns:a16="http://schemas.microsoft.com/office/drawing/2014/main" id="{C5E65DAC-E2C1-D062-D371-7765BC5E1116}"/>
+          <p:cNvPr id="86" name="Textfeld 85">
+            <a:extLst>
+              <a:ext uri="{FF2B5EF4-FFF2-40B4-BE49-F238E27FC236}">
+                <a16:creationId xmlns:a16="http://schemas.microsoft.com/office/drawing/2014/main" id="{BA214D04-5F29-61B2-19CF-E4D2E74BC7E3}"/>
               </a:ext>
             </a:extLst>
           </p:cNvPr>
@@ -17901,8 +18008,8 @@
         </p:nvSpPr>
         <p:spPr>
           <a:xfrm>
-            <a:off x="6813635" y="1622152"/>
-            <a:ext cx="901611" cy="307777"/>
+            <a:off x="101196" y="4169797"/>
+            <a:ext cx="3038762" cy="2585323"/>
           </a:xfrm>
           <a:prstGeom prst="rect">
             <a:avLst/>
@@ -17916,21 +18023,238 @@
           <a:lstStyle/>
           <a:p>
             <a:r>
-              <a:rPr lang="de-DE" sz="700" dirty="0">
-                <a:latin typeface="Arial" panose="020B0604020202020204" pitchFamily="34" charset="0"/>
-                <a:cs typeface="Arial" panose="020B0604020202020204" pitchFamily="34" charset="0"/>
-              </a:rPr>
-              <a:t>Angebot für Kinder</a:t>
+              <a:rPr lang="de-DE" dirty="0"/>
+              <a:t>HINWEIS: </a:t>
+            </a:r>
+          </a:p>
+          <a:p>
+            <a:r>
+              <a:rPr lang="de-DE" dirty="0"/>
+              <a:t>Auf der untersten Ebene liegt hinter den Gebäudeumrissen ein weißer Hintergrund</a:t>
+            </a:r>
+          </a:p>
+          <a:p>
+            <a:endParaRPr lang="de-DE" dirty="0"/>
+          </a:p>
+          <a:p>
+            <a:r>
+              <a:rPr lang="de-DE" dirty="0"/>
+              <a:t>EXPORT: </a:t>
+            </a:r>
+          </a:p>
+          <a:p>
+            <a:r>
+              <a:rPr lang="de-DE" dirty="0"/>
+              <a:t>Lageplan vollständig markieren &gt; Rechtsklick &gt; als Grafik speichern &gt; SVG</a:t>
             </a:r>
           </a:p>
         </p:txBody>
       </p:sp>
+      <p:pic>
+        <p:nvPicPr>
+          <p:cNvPr id="89" name="Grafik 88" descr="Messer und Gabel Silhouette">
+            <a:extLst>
+              <a:ext uri="{FF2B5EF4-FFF2-40B4-BE49-F238E27FC236}">
+                <a16:creationId xmlns:a16="http://schemas.microsoft.com/office/drawing/2014/main" id="{6ED0CFFA-8608-229E-E6B5-850EEA52A8D6}"/>
+              </a:ext>
+            </a:extLst>
+          </p:cNvPr>
+          <p:cNvPicPr>
+            <a:picLocks noChangeAspect="1"/>
+          </p:cNvPicPr>
+          <p:nvPr/>
+        </p:nvPicPr>
+        <p:blipFill>
+          <a:blip r:embed="rId9">
+            <a:extLst>
+              <a:ext uri="{28A0092B-C50C-407E-A947-70E740481C1C}">
+                <a14:useLocalDpi xmlns:a14="http://schemas.microsoft.com/office/drawing/2010/main" val="0"/>
+              </a:ext>
+              <a:ext uri="{96DAC541-7B7A-43D3-8B79-37D633B846F1}">
+                <asvg:svgBlip xmlns:asvg="http://schemas.microsoft.com/office/drawing/2016/SVG/main" r:embed="rId10"/>
+              </a:ext>
+            </a:extLst>
+          </a:blip>
+          <a:stretch>
+            <a:fillRect/>
+          </a:stretch>
+        </p:blipFill>
+        <p:spPr>
+          <a:xfrm>
+            <a:off x="5320148" y="2186130"/>
+            <a:ext cx="279824" cy="279824"/>
+          </a:xfrm>
+          <a:prstGeom prst="rect">
+            <a:avLst/>
+          </a:prstGeom>
+        </p:spPr>
+      </p:pic>
+      <p:pic>
+        <p:nvPicPr>
+          <p:cNvPr id="92" name="Grafik 91" descr="präsentieren Silhouette">
+            <a:extLst>
+              <a:ext uri="{FF2B5EF4-FFF2-40B4-BE49-F238E27FC236}">
+                <a16:creationId xmlns:a16="http://schemas.microsoft.com/office/drawing/2014/main" id="{1A82407E-4693-1683-A44A-3F5476D4BA9D}"/>
+              </a:ext>
+            </a:extLst>
+          </p:cNvPr>
+          <p:cNvPicPr>
+            <a:picLocks noChangeAspect="1"/>
+          </p:cNvPicPr>
+          <p:nvPr/>
+        </p:nvPicPr>
+        <p:blipFill>
+          <a:blip r:embed="rId11">
+            <a:extLst>
+              <a:ext uri="{28A0092B-C50C-407E-A947-70E740481C1C}">
+                <a14:useLocalDpi xmlns:a14="http://schemas.microsoft.com/office/drawing/2010/main" val="0"/>
+              </a:ext>
+              <a:ext uri="{96DAC541-7B7A-43D3-8B79-37D633B846F1}">
+                <asvg:svgBlip xmlns:asvg="http://schemas.microsoft.com/office/drawing/2016/SVG/main" r:embed="rId12"/>
+              </a:ext>
+            </a:extLst>
+          </a:blip>
+          <a:stretch>
+            <a:fillRect/>
+          </a:stretch>
+        </p:blipFill>
+        <p:spPr>
+          <a:xfrm>
+            <a:off x="1853566" y="3138000"/>
+            <a:ext cx="346300" cy="346300"/>
+          </a:xfrm>
+          <a:prstGeom prst="rect">
+            <a:avLst/>
+          </a:prstGeom>
+        </p:spPr>
+      </p:pic>
+      <p:pic>
+        <p:nvPicPr>
+          <p:cNvPr id="95" name="Grafik 94" descr="Ticket Silhouette">
+            <a:extLst>
+              <a:ext uri="{FF2B5EF4-FFF2-40B4-BE49-F238E27FC236}">
+                <a16:creationId xmlns:a16="http://schemas.microsoft.com/office/drawing/2014/main" id="{2B9708F6-FE2F-6B80-B35E-B65B981B2206}"/>
+              </a:ext>
+            </a:extLst>
+          </p:cNvPr>
+          <p:cNvPicPr>
+            <a:picLocks noChangeAspect="1"/>
+          </p:cNvPicPr>
+          <p:nvPr/>
+        </p:nvPicPr>
+        <p:blipFill>
+          <a:blip r:embed="rId13">
+            <a:extLst>
+              <a:ext uri="{28A0092B-C50C-407E-A947-70E740481C1C}">
+                <a14:useLocalDpi xmlns:a14="http://schemas.microsoft.com/office/drawing/2010/main" val="0"/>
+              </a:ext>
+              <a:ext uri="{96DAC541-7B7A-43D3-8B79-37D633B846F1}">
+                <asvg:svgBlip xmlns:asvg="http://schemas.microsoft.com/office/drawing/2016/SVG/main" r:embed="rId14"/>
+              </a:ext>
+            </a:extLst>
+          </a:blip>
+          <a:stretch>
+            <a:fillRect/>
+          </a:stretch>
+        </p:blipFill>
+        <p:spPr>
+          <a:xfrm>
+            <a:off x="1339879" y="3144085"/>
+            <a:ext cx="408066" cy="408066"/>
+          </a:xfrm>
+          <a:prstGeom prst="rect">
+            <a:avLst/>
+          </a:prstGeom>
+        </p:spPr>
+      </p:pic>
+      <p:pic>
+        <p:nvPicPr>
+          <p:cNvPr id="98" name="Grafik 97" descr="Trophäe Silhouette">
+            <a:extLst>
+              <a:ext uri="{FF2B5EF4-FFF2-40B4-BE49-F238E27FC236}">
+                <a16:creationId xmlns:a16="http://schemas.microsoft.com/office/drawing/2014/main" id="{CAC8E3A7-DA80-02D5-127E-7C96C7362F83}"/>
+              </a:ext>
+            </a:extLst>
+          </p:cNvPr>
+          <p:cNvPicPr>
+            <a:picLocks noChangeAspect="1"/>
+          </p:cNvPicPr>
+          <p:nvPr/>
+        </p:nvPicPr>
+        <p:blipFill>
+          <a:blip r:embed="rId15">
+            <a:extLst>
+              <a:ext uri="{28A0092B-C50C-407E-A947-70E740481C1C}">
+                <a14:useLocalDpi xmlns:a14="http://schemas.microsoft.com/office/drawing/2010/main" val="0"/>
+              </a:ext>
+              <a:ext uri="{96DAC541-7B7A-43D3-8B79-37D633B846F1}">
+                <asvg:svgBlip xmlns:asvg="http://schemas.microsoft.com/office/drawing/2016/SVG/main" r:embed="rId16"/>
+              </a:ext>
+            </a:extLst>
+          </a:blip>
+          <a:stretch>
+            <a:fillRect/>
+          </a:stretch>
+        </p:blipFill>
+        <p:spPr>
+          <a:xfrm>
+            <a:off x="5998074" y="2125458"/>
+            <a:ext cx="324069" cy="324069"/>
+          </a:xfrm>
+          <a:prstGeom prst="rect">
+            <a:avLst/>
+          </a:prstGeom>
+        </p:spPr>
+      </p:pic>
+      <p:cxnSp>
+        <p:nvCxnSpPr>
+          <p:cNvPr id="20" name="Gerader Verbinder 19">
+            <a:extLst>
+              <a:ext uri="{FF2B5EF4-FFF2-40B4-BE49-F238E27FC236}">
+                <a16:creationId xmlns:a16="http://schemas.microsoft.com/office/drawing/2014/main" id="{82E1057E-61EA-591F-E268-17D10D0ED1BB}"/>
+              </a:ext>
+            </a:extLst>
+          </p:cNvPr>
+          <p:cNvCxnSpPr>
+            <a:cxnSpLocks/>
+          </p:cNvCxnSpPr>
+          <p:nvPr/>
+        </p:nvCxnSpPr>
+        <p:spPr>
+          <a:xfrm flipV="1">
+            <a:off x="5110036" y="2326042"/>
+            <a:ext cx="0" cy="135195"/>
+          </a:xfrm>
+          <a:prstGeom prst="line">
+            <a:avLst/>
+          </a:prstGeom>
+          <a:ln w="28575">
+            <a:solidFill>
+              <a:srgbClr val="7EC635"/>
+            </a:solidFill>
+          </a:ln>
+        </p:spPr>
+        <p:style>
+          <a:lnRef idx="1">
+            <a:schemeClr val="accent1"/>
+          </a:lnRef>
+          <a:fillRef idx="0">
+            <a:schemeClr val="accent1"/>
+          </a:fillRef>
+          <a:effectRef idx="0">
+            <a:schemeClr val="accent1"/>
+          </a:effectRef>
+          <a:fontRef idx="minor">
+            <a:schemeClr val="tx1"/>
+          </a:fontRef>
+        </p:style>
+      </p:cxnSp>
       <p:sp>
         <p:nvSpPr>
-          <p:cNvPr id="64" name="Textfeld 63">
-            <a:extLst>
-              <a:ext uri="{FF2B5EF4-FFF2-40B4-BE49-F238E27FC236}">
-                <a16:creationId xmlns:a16="http://schemas.microsoft.com/office/drawing/2014/main" id="{796F748F-5F07-7497-08C0-6BADB8CDCB0C}"/>
+          <p:cNvPr id="6" name="Textfeld 5">
+            <a:extLst>
+              <a:ext uri="{FF2B5EF4-FFF2-40B4-BE49-F238E27FC236}">
+                <a16:creationId xmlns:a16="http://schemas.microsoft.com/office/drawing/2014/main" id="{AE90D8D0-467D-5F3B-2565-D53FB5A4F58D}"/>
               </a:ext>
             </a:extLst>
           </p:cNvPr>
@@ -17939,8 +18263,8 @@
         </p:nvSpPr>
         <p:spPr>
           <a:xfrm>
-            <a:off x="4055416" y="2733986"/>
-            <a:ext cx="842837" cy="307777"/>
+            <a:off x="7829875" y="1621841"/>
+            <a:ext cx="567696" cy="307777"/>
           </a:xfrm>
           <a:prstGeom prst="rect">
             <a:avLst/>
@@ -17958,17 +18282,62 @@
                 <a:latin typeface="Arial" panose="020B0604020202020204" pitchFamily="34" charset="0"/>
                 <a:cs typeface="Arial" panose="020B0604020202020204" pitchFamily="34" charset="0"/>
               </a:rPr>
-              <a:t>Industrie-kaufleute</a:t>
+              <a:t>Ein- und Ausgang</a:t>
             </a:r>
           </a:p>
         </p:txBody>
       </p:sp>
+      <p:pic>
+        <p:nvPicPr>
+          <p:cNvPr id="1026" name="Picture 2" descr="Lötkolben Symbol, Elektrischer Lötkolben Vektor-Kunst ...">
+            <a:extLst>
+              <a:ext uri="{FF2B5EF4-FFF2-40B4-BE49-F238E27FC236}">
+                <a16:creationId xmlns:a16="http://schemas.microsoft.com/office/drawing/2014/main" id="{5237C555-1367-EC86-08FC-B4C13AD686FC}"/>
+              </a:ext>
+            </a:extLst>
+          </p:cNvPr>
+          <p:cNvPicPr>
+            <a:picLocks noChangeAspect="1" noChangeArrowheads="1"/>
+          </p:cNvPicPr>
+          <p:nvPr/>
+        </p:nvPicPr>
+        <p:blipFill rotWithShape="1">
+          <a:blip r:embed="rId17">
+            <a:extLst>
+              <a:ext uri="{28A0092B-C50C-407E-A947-70E740481C1C}">
+                <a14:useLocalDpi xmlns:a14="http://schemas.microsoft.com/office/drawing/2010/main" val="0"/>
+              </a:ext>
+            </a:extLst>
+          </a:blip>
+          <a:srcRect l="17812" t="16527" r="11312" b="20801"/>
+          <a:stretch/>
+        </p:blipFill>
+        <p:spPr bwMode="auto">
+          <a:xfrm>
+            <a:off x="6511934" y="2811809"/>
+            <a:ext cx="220355" cy="208353"/>
+          </a:xfrm>
+          <a:prstGeom prst="rect">
+            <a:avLst/>
+          </a:prstGeom>
+          <a:noFill/>
+          <a:extLst>
+            <a:ext uri="{909E8E84-426E-40DD-AFC4-6F175D3DCCD1}">
+              <a14:hiddenFill xmlns:a14="http://schemas.microsoft.com/office/drawing/2010/main">
+                <a:solidFill>
+                  <a:srgbClr val="FFFFFF"/>
+                </a:solidFill>
+              </a14:hiddenFill>
+            </a:ext>
+          </a:extLst>
+        </p:spPr>
+      </p:pic>
       <p:sp>
         <p:nvSpPr>
-          <p:cNvPr id="67" name="Textfeld 66">
-            <a:extLst>
-              <a:ext uri="{FF2B5EF4-FFF2-40B4-BE49-F238E27FC236}">
-                <a16:creationId xmlns:a16="http://schemas.microsoft.com/office/drawing/2014/main" id="{F54D3290-0038-156A-BB00-68D6C4C35774}"/>
+          <p:cNvPr id="10" name="Textfeld 9">
+            <a:extLst>
+              <a:ext uri="{FF2B5EF4-FFF2-40B4-BE49-F238E27FC236}">
+                <a16:creationId xmlns:a16="http://schemas.microsoft.com/office/drawing/2014/main" id="{53032959-59A4-77A4-7963-83C21BA8A11A}"/>
               </a:ext>
             </a:extLst>
           </p:cNvPr>
@@ -17977,8 +18346,8 @@
         </p:nvSpPr>
         <p:spPr>
           <a:xfrm>
-            <a:off x="4096248" y="3274799"/>
-            <a:ext cx="842837" cy="307777"/>
+            <a:off x="6621371" y="2921742"/>
+            <a:ext cx="597420" cy="415498"/>
           </a:xfrm>
           <a:prstGeom prst="rect">
             <a:avLst/>
@@ -17996,17 +18365,80 @@
                 <a:latin typeface="Arial" panose="020B0604020202020204" pitchFamily="34" charset="0"/>
                 <a:cs typeface="Arial" panose="020B0604020202020204" pitchFamily="34" charset="0"/>
               </a:rPr>
-              <a:t>Studiengänge bei WAGO</a:t>
+              <a:t>E-Technik für Groß und Klein</a:t>
             </a:r>
           </a:p>
         </p:txBody>
       </p:sp>
       <p:sp>
         <p:nvSpPr>
-          <p:cNvPr id="68" name="Textfeld 67">
-            <a:extLst>
-              <a:ext uri="{FF2B5EF4-FFF2-40B4-BE49-F238E27FC236}">
-                <a16:creationId xmlns:a16="http://schemas.microsoft.com/office/drawing/2014/main" id="{F14EB7DC-1E87-A70C-20D1-D3FA99F2A368}"/>
+          <p:cNvPr id="12" name="Rechteck 11">
+            <a:extLst>
+              <a:ext uri="{FF2B5EF4-FFF2-40B4-BE49-F238E27FC236}">
+                <a16:creationId xmlns:a16="http://schemas.microsoft.com/office/drawing/2014/main" id="{F5DA6E81-EAD8-505B-979F-E919F6C35CE5}"/>
+              </a:ext>
+            </a:extLst>
+          </p:cNvPr>
+          <p:cNvSpPr/>
+          <p:nvPr/>
+        </p:nvSpPr>
+        <p:spPr>
+          <a:xfrm>
+            <a:off x="6829180" y="1629973"/>
+            <a:ext cx="633424" cy="283351"/>
+          </a:xfrm>
+          <a:prstGeom prst="rect">
+            <a:avLst/>
+          </a:prstGeom>
+          <a:solidFill>
+            <a:srgbClr val="FFF696">
+              <a:alpha val="80000"/>
+            </a:srgbClr>
+          </a:solidFill>
+          <a:ln>
+            <a:noFill/>
+          </a:ln>
+        </p:spPr>
+        <p:style>
+          <a:lnRef idx="2">
+            <a:schemeClr val="accent1">
+              <a:shade val="15000"/>
+            </a:schemeClr>
+          </a:lnRef>
+          <a:fillRef idx="1">
+            <a:schemeClr val="accent1"/>
+          </a:fillRef>
+          <a:effectRef idx="0">
+            <a:schemeClr val="accent1"/>
+          </a:effectRef>
+          <a:fontRef idx="minor">
+            <a:schemeClr val="lt1"/>
+          </a:fontRef>
+        </p:style>
+        <p:txBody>
+          <a:bodyPr rtlCol="0" anchor="ctr"/>
+          <a:lstStyle/>
+          <a:p>
+            <a:pPr algn="ctr"/>
+            <a:r>
+              <a:rPr lang="de-DE" sz="700" dirty="0">
+                <a:solidFill>
+                  <a:schemeClr val="tx1"/>
+                </a:solidFill>
+                <a:latin typeface="Arial" panose="020B0604020202020204" pitchFamily="34" charset="0"/>
+                <a:cs typeface="Arial" panose="020B0604020202020204" pitchFamily="34" charset="0"/>
+              </a:rPr>
+              <a:t>Medien-gestalter*</a:t>
+            </a:r>
+          </a:p>
+        </p:txBody>
+      </p:sp>
+      <p:sp>
+        <p:nvSpPr>
+          <p:cNvPr id="40" name="Textfeld 39">
+            <a:extLst>
+              <a:ext uri="{FF2B5EF4-FFF2-40B4-BE49-F238E27FC236}">
+                <a16:creationId xmlns:a16="http://schemas.microsoft.com/office/drawing/2014/main" id="{6A0DC39F-B3BF-F023-7C82-EACD5FFBEC04}"/>
               </a:ext>
             </a:extLst>
           </p:cNvPr>
@@ -18015,8 +18447,8 @@
         </p:nvSpPr>
         <p:spPr>
           <a:xfrm>
-            <a:off x="5159210" y="3526333"/>
-            <a:ext cx="1254424" cy="954107"/>
+            <a:off x="5967649" y="2437708"/>
+            <a:ext cx="496601" cy="307777"/>
           </a:xfrm>
           <a:prstGeom prst="rect">
             <a:avLst/>
@@ -18034,576 +18466,221 @@
                 <a:latin typeface="Arial" panose="020B0604020202020204" pitchFamily="34" charset="0"/>
                 <a:cs typeface="Arial" panose="020B0604020202020204" pitchFamily="34" charset="0"/>
               </a:rPr>
-              <a:t>Elektroniker* für</a:t>
+              <a:t>Gewinn-spiel</a:t>
             </a:r>
           </a:p>
-          <a:p>
-            <a:pPr marL="171450" indent="-171450">
-              <a:buFont typeface="Arial" panose="020B0604020202020204" pitchFamily="34" charset="0"/>
-              <a:buChar char="•"/>
-            </a:pPr>
+        </p:txBody>
+      </p:sp>
+      <p:sp>
+        <p:nvSpPr>
+          <p:cNvPr id="41" name="Rechteck 40">
+            <a:extLst>
+              <a:ext uri="{FF2B5EF4-FFF2-40B4-BE49-F238E27FC236}">
+                <a16:creationId xmlns:a16="http://schemas.microsoft.com/office/drawing/2014/main" id="{0156FA97-E23C-1699-BF35-878662AB247C}"/>
+              </a:ext>
+            </a:extLst>
+          </p:cNvPr>
+          <p:cNvSpPr/>
+          <p:nvPr/>
+        </p:nvSpPr>
+        <p:spPr>
+          <a:xfrm>
+            <a:off x="4122091" y="3819121"/>
+            <a:ext cx="666565" cy="196087"/>
+          </a:xfrm>
+          <a:prstGeom prst="rect">
+            <a:avLst/>
+          </a:prstGeom>
+          <a:solidFill>
+            <a:srgbClr val="DEDFE1">
+              <a:alpha val="80000"/>
+            </a:srgbClr>
+          </a:solidFill>
+          <a:ln>
+            <a:noFill/>
+          </a:ln>
+        </p:spPr>
+        <p:style>
+          <a:lnRef idx="2">
+            <a:schemeClr val="accent1">
+              <a:shade val="15000"/>
+            </a:schemeClr>
+          </a:lnRef>
+          <a:fillRef idx="1">
+            <a:schemeClr val="accent1"/>
+          </a:fillRef>
+          <a:effectRef idx="0">
+            <a:schemeClr val="accent1"/>
+          </a:effectRef>
+          <a:fontRef idx="minor">
+            <a:schemeClr val="lt1"/>
+          </a:fontRef>
+        </p:style>
+        <p:txBody>
+          <a:bodyPr rtlCol="0" anchor="ctr"/>
+          <a:lstStyle/>
+          <a:p>
+            <a:pPr algn="ctr"/>
+            <a:endParaRPr lang="de-DE"/>
+          </a:p>
+        </p:txBody>
+      </p:sp>
+      <p:sp>
+        <p:nvSpPr>
+          <p:cNvPr id="46" name="Rechteck 45">
+            <a:extLst>
+              <a:ext uri="{FF2B5EF4-FFF2-40B4-BE49-F238E27FC236}">
+                <a16:creationId xmlns:a16="http://schemas.microsoft.com/office/drawing/2014/main" id="{F30F2D83-A852-833B-09C2-8A5C57507A23}"/>
+              </a:ext>
+            </a:extLst>
+          </p:cNvPr>
+          <p:cNvSpPr/>
+          <p:nvPr/>
+        </p:nvSpPr>
+        <p:spPr>
+          <a:xfrm>
+            <a:off x="5963885" y="4102176"/>
+            <a:ext cx="483038" cy="351501"/>
+          </a:xfrm>
+          <a:prstGeom prst="rect">
+            <a:avLst/>
+          </a:prstGeom>
+          <a:solidFill>
+            <a:schemeClr val="bg1"/>
+          </a:solidFill>
+          <a:ln>
+            <a:noFill/>
+          </a:ln>
+        </p:spPr>
+        <p:style>
+          <a:lnRef idx="2">
+            <a:schemeClr val="accent1">
+              <a:shade val="15000"/>
+            </a:schemeClr>
+          </a:lnRef>
+          <a:fillRef idx="1">
+            <a:schemeClr val="accent1"/>
+          </a:fillRef>
+          <a:effectRef idx="0">
+            <a:schemeClr val="accent1"/>
+          </a:effectRef>
+          <a:fontRef idx="minor">
+            <a:schemeClr val="lt1"/>
+          </a:fontRef>
+        </p:style>
+        <p:txBody>
+          <a:bodyPr lIns="0" tIns="0" rIns="0" bIns="0" rtlCol="0" anchor="ctr"/>
+          <a:lstStyle/>
+          <a:p>
+            <a:pPr algn="ctr"/>
+            <a:r>
+              <a:rPr lang="de-DE" sz="700" dirty="0">
+                <a:solidFill>
+                  <a:schemeClr val="tx1"/>
+                </a:solidFill>
+              </a:rPr>
+              <a:t>Mensch ärger dich nicht!</a:t>
+            </a:r>
+          </a:p>
+        </p:txBody>
+      </p:sp>
+      <p:pic>
+        <p:nvPicPr>
+          <p:cNvPr id="1032" name="Picture 8">
+            <a:extLst>
+              <a:ext uri="{FF2B5EF4-FFF2-40B4-BE49-F238E27FC236}">
+                <a16:creationId xmlns:a16="http://schemas.microsoft.com/office/drawing/2014/main" id="{AA25B4A9-8DC0-B20E-543E-5BA05E9909CA}"/>
+              </a:ext>
+            </a:extLst>
+          </p:cNvPr>
+          <p:cNvPicPr>
+            <a:picLocks noChangeAspect="1" noChangeArrowheads="1"/>
+          </p:cNvPicPr>
+          <p:nvPr/>
+        </p:nvPicPr>
+        <p:blipFill>
+          <a:blip r:embed="rId18">
+            <a:extLst>
+              <a:ext uri="{BEBA8EAE-BF5A-486C-A8C5-ECC9F3942E4B}">
+                <a14:imgProps xmlns:a14="http://schemas.microsoft.com/office/drawing/2010/main">
+                  <a14:imgLayer r:embed="rId19">
+                    <a14:imgEffect>
+                      <a14:colorTemperature colorTemp="6127"/>
+                    </a14:imgEffect>
+                    <a14:imgEffect>
+                      <a14:saturation sat="400000"/>
+                    </a14:imgEffect>
+                    <a14:imgEffect>
+                      <a14:brightnessContrast bright="-100000"/>
+                    </a14:imgEffect>
+                  </a14:imgLayer>
+                </a14:imgProps>
+              </a:ext>
+              <a:ext uri="{28A0092B-C50C-407E-A947-70E740481C1C}">
+                <a14:useLocalDpi xmlns:a14="http://schemas.microsoft.com/office/drawing/2010/main" val="0"/>
+              </a:ext>
+            </a:extLst>
+          </a:blip>
+          <a:srcRect/>
+          <a:stretch>
+            <a:fillRect/>
+          </a:stretch>
+        </p:blipFill>
+        <p:spPr bwMode="auto">
+          <a:xfrm>
+            <a:off x="6740850" y="2209189"/>
+            <a:ext cx="438444" cy="158206"/>
+          </a:xfrm>
+          <a:prstGeom prst="rect">
+            <a:avLst/>
+          </a:prstGeom>
+          <a:noFill/>
+          <a:extLst>
+            <a:ext uri="{909E8E84-426E-40DD-AFC4-6F175D3DCCD1}">
+              <a14:hiddenFill xmlns:a14="http://schemas.microsoft.com/office/drawing/2010/main">
+                <a:solidFill>
+                  <a:srgbClr val="FFFFFF"/>
+                </a:solidFill>
+              </a14:hiddenFill>
+            </a:ext>
+          </a:extLst>
+        </p:spPr>
+      </p:pic>
+      <p:sp>
+        <p:nvSpPr>
+          <p:cNvPr id="61" name="Textfeld 60">
+            <a:extLst>
+              <a:ext uri="{FF2B5EF4-FFF2-40B4-BE49-F238E27FC236}">
+                <a16:creationId xmlns:a16="http://schemas.microsoft.com/office/drawing/2014/main" id="{A6737877-D058-5F1A-D049-575571DEBC8E}"/>
+              </a:ext>
+            </a:extLst>
+          </p:cNvPr>
+          <p:cNvSpPr txBox="1"/>
+          <p:nvPr/>
+        </p:nvSpPr>
+        <p:spPr>
+          <a:xfrm>
+            <a:off x="6596007" y="2319432"/>
+            <a:ext cx="738670" cy="307777"/>
+          </a:xfrm>
+          <a:prstGeom prst="rect">
+            <a:avLst/>
+          </a:prstGeom>
+          <a:noFill/>
+        </p:spPr>
+        <p:txBody>
+          <a:bodyPr wrap="square" rtlCol="0">
+            <a:spAutoFit/>
+          </a:bodyPr>
+          <a:lstStyle/>
+          <a:p>
+            <a:pPr algn="ctr"/>
             <a:r>
               <a:rPr lang="de-DE" sz="700" dirty="0">
                 <a:latin typeface="Arial" panose="020B0604020202020204" pitchFamily="34" charset="0"/>
                 <a:cs typeface="Arial" panose="020B0604020202020204" pitchFamily="34" charset="0"/>
               </a:rPr>
-              <a:t>Geräte u. Systeme</a:t>
-            </a:r>
-          </a:p>
-          <a:p>
-            <a:pPr marL="171450" indent="-171450">
-              <a:buFont typeface="Arial" panose="020B0604020202020204" pitchFamily="34" charset="0"/>
-              <a:buChar char="•"/>
-            </a:pPr>
-            <a:r>
-              <a:rPr lang="de-DE" sz="700" dirty="0">
-                <a:latin typeface="Arial" panose="020B0604020202020204" pitchFamily="34" charset="0"/>
-                <a:cs typeface="Arial" panose="020B0604020202020204" pitchFamily="34" charset="0"/>
-              </a:rPr>
-              <a:t>Betriebstechnik</a:t>
-            </a:r>
-          </a:p>
-          <a:p>
-            <a:pPr marL="171450" indent="-171450">
-              <a:buFont typeface="Arial" panose="020B0604020202020204" pitchFamily="34" charset="0"/>
-              <a:buChar char="•"/>
-            </a:pPr>
-            <a:r>
-              <a:rPr lang="de-DE" sz="700" dirty="0">
-                <a:latin typeface="Arial" panose="020B0604020202020204" pitchFamily="34" charset="0"/>
-                <a:cs typeface="Arial" panose="020B0604020202020204" pitchFamily="34" charset="0"/>
-              </a:rPr>
-              <a:t>Automatisierungstechnik</a:t>
-            </a:r>
-          </a:p>
-          <a:p>
-            <a:pPr marL="171450" indent="-171450">
-              <a:buFont typeface="Arial" panose="020B0604020202020204" pitchFamily="34" charset="0"/>
-              <a:buChar char="•"/>
-            </a:pPr>
-            <a:endParaRPr lang="de-DE" sz="700" dirty="0">
-              <a:latin typeface="Arial" panose="020B0604020202020204" pitchFamily="34" charset="0"/>
-              <a:cs typeface="Arial" panose="020B0604020202020204" pitchFamily="34" charset="0"/>
-            </a:endParaRPr>
-          </a:p>
-          <a:p>
-            <a:r>
-              <a:rPr lang="de-DE" sz="700" dirty="0">
-                <a:latin typeface="Arial" panose="020B0604020202020204" pitchFamily="34" charset="0"/>
-                <a:cs typeface="Arial" panose="020B0604020202020204" pitchFamily="34" charset="0"/>
-              </a:rPr>
-              <a:t>Industrieelektriker*</a:t>
-            </a:r>
-          </a:p>
-          <a:p>
-            <a:r>
-              <a:rPr lang="de-DE" sz="700" dirty="0">
-                <a:latin typeface="Arial" panose="020B0604020202020204" pitchFamily="34" charset="0"/>
-                <a:cs typeface="Arial" panose="020B0604020202020204" pitchFamily="34" charset="0"/>
-              </a:rPr>
-              <a:t>Mechatronik</a:t>
-            </a:r>
-          </a:p>
-        </p:txBody>
-      </p:sp>
-      <p:sp>
-        <p:nvSpPr>
-          <p:cNvPr id="69" name="Textfeld 68">
-            <a:extLst>
-              <a:ext uri="{FF2B5EF4-FFF2-40B4-BE49-F238E27FC236}">
-                <a16:creationId xmlns:a16="http://schemas.microsoft.com/office/drawing/2014/main" id="{3D95745F-4ABB-134A-ADD6-A353BB588416}"/>
-              </a:ext>
-            </a:extLst>
-          </p:cNvPr>
-          <p:cNvSpPr txBox="1"/>
-          <p:nvPr/>
-        </p:nvSpPr>
-        <p:spPr>
-          <a:xfrm>
-            <a:off x="6460303" y="4687541"/>
-            <a:ext cx="1359805" cy="846386"/>
-          </a:xfrm>
-          <a:prstGeom prst="rect">
-            <a:avLst/>
-          </a:prstGeom>
-          <a:noFill/>
-        </p:spPr>
-        <p:txBody>
-          <a:bodyPr wrap="square" rtlCol="0">
-            <a:spAutoFit/>
-          </a:bodyPr>
-          <a:lstStyle/>
-          <a:p>
-            <a:pPr marL="171450" indent="-171450">
-              <a:buFont typeface="Arial" panose="020B0604020202020204" pitchFamily="34" charset="0"/>
-              <a:buChar char="•"/>
-            </a:pPr>
-            <a:r>
-              <a:rPr lang="de-DE" sz="700" dirty="0">
-                <a:latin typeface="Arial" panose="020B0604020202020204" pitchFamily="34" charset="0"/>
-                <a:cs typeface="Arial" panose="020B0604020202020204" pitchFamily="34" charset="0"/>
-              </a:rPr>
-              <a:t>Werkzeugmechaniker*</a:t>
-            </a:r>
-          </a:p>
-          <a:p>
-            <a:pPr marL="171450" indent="-171450">
-              <a:buFont typeface="Arial" panose="020B0604020202020204" pitchFamily="34" charset="0"/>
-              <a:buChar char="•"/>
-            </a:pPr>
-            <a:r>
-              <a:rPr lang="de-DE" sz="700" dirty="0">
-                <a:latin typeface="Arial" panose="020B0604020202020204" pitchFamily="34" charset="0"/>
-                <a:cs typeface="Arial" panose="020B0604020202020204" pitchFamily="34" charset="0"/>
-              </a:rPr>
-              <a:t>Industriemechaniker*</a:t>
-            </a:r>
-          </a:p>
-          <a:p>
-            <a:pPr marL="171450" indent="-171450">
-              <a:buFont typeface="Arial" panose="020B0604020202020204" pitchFamily="34" charset="0"/>
-              <a:buChar char="•"/>
-            </a:pPr>
-            <a:r>
-              <a:rPr lang="de-DE" sz="700" dirty="0">
-                <a:latin typeface="Arial" panose="020B0604020202020204" pitchFamily="34" charset="0"/>
-                <a:cs typeface="Arial" panose="020B0604020202020204" pitchFamily="34" charset="0"/>
-              </a:rPr>
-              <a:t>Maschinen- und Anlagenführer*</a:t>
-            </a:r>
-          </a:p>
-          <a:p>
-            <a:pPr marL="171450" indent="-171450">
-              <a:buFont typeface="Arial" panose="020B0604020202020204" pitchFamily="34" charset="0"/>
-              <a:buChar char="•"/>
-            </a:pPr>
-            <a:r>
-              <a:rPr lang="de-DE" sz="700" dirty="0">
-                <a:latin typeface="Arial" panose="020B0604020202020204" pitchFamily="34" charset="0"/>
-                <a:cs typeface="Arial" panose="020B0604020202020204" pitchFamily="34" charset="0"/>
-              </a:rPr>
-              <a:t>Fachlagerist*</a:t>
-            </a:r>
-          </a:p>
-          <a:p>
-            <a:pPr marL="171450" indent="-171450">
-              <a:buFont typeface="Arial" panose="020B0604020202020204" pitchFamily="34" charset="0"/>
-              <a:buChar char="•"/>
-            </a:pPr>
-            <a:r>
-              <a:rPr lang="de-DE" sz="700" dirty="0">
-                <a:latin typeface="Arial" panose="020B0604020202020204" pitchFamily="34" charset="0"/>
-                <a:cs typeface="Arial" panose="020B0604020202020204" pitchFamily="34" charset="0"/>
-              </a:rPr>
-              <a:t>Kunststoff- und Kautschuktechnologie</a:t>
-            </a:r>
-          </a:p>
-        </p:txBody>
-      </p:sp>
-      <p:sp>
-        <p:nvSpPr>
-          <p:cNvPr id="71" name="Textfeld 70">
-            <a:extLst>
-              <a:ext uri="{FF2B5EF4-FFF2-40B4-BE49-F238E27FC236}">
-                <a16:creationId xmlns:a16="http://schemas.microsoft.com/office/drawing/2014/main" id="{4B196201-F460-59A7-1FDA-6170FBA50FF9}"/>
-              </a:ext>
-            </a:extLst>
-          </p:cNvPr>
-          <p:cNvSpPr txBox="1"/>
-          <p:nvPr/>
-        </p:nvSpPr>
-        <p:spPr>
-          <a:xfrm>
-            <a:off x="4080550" y="3820111"/>
-            <a:ext cx="842837" cy="200055"/>
-          </a:xfrm>
-          <a:prstGeom prst="rect">
-            <a:avLst/>
-          </a:prstGeom>
-          <a:noFill/>
-        </p:spPr>
-        <p:txBody>
-          <a:bodyPr wrap="square" rtlCol="0">
-            <a:spAutoFit/>
-          </a:bodyPr>
-          <a:lstStyle/>
-          <a:p>
-            <a:r>
-              <a:rPr lang="de-DE" sz="700" dirty="0">
-                <a:latin typeface="Arial" panose="020B0604020202020204" pitchFamily="34" charset="0"/>
-                <a:cs typeface="Arial" panose="020B0604020202020204" pitchFamily="34" charset="0"/>
-              </a:rPr>
-              <a:t>Fachinformatik</a:t>
-            </a:r>
-          </a:p>
-        </p:txBody>
-      </p:sp>
-      <p:pic>
-        <p:nvPicPr>
-          <p:cNvPr id="74" name="Grafik 73" descr="Kaffee Silhouette">
-            <a:extLst>
-              <a:ext uri="{FF2B5EF4-FFF2-40B4-BE49-F238E27FC236}">
-                <a16:creationId xmlns:a16="http://schemas.microsoft.com/office/drawing/2014/main" id="{EE00CF92-7D32-03FE-33A8-E95BB060EE80}"/>
-              </a:ext>
-            </a:extLst>
-          </p:cNvPr>
-          <p:cNvPicPr>
-            <a:picLocks noChangeAspect="1"/>
-          </p:cNvPicPr>
-          <p:nvPr/>
-        </p:nvPicPr>
-        <p:blipFill>
-          <a:blip r:embed="rId7">
-            <a:extLst>
-              <a:ext uri="{28A0092B-C50C-407E-A947-70E740481C1C}">
-                <a14:useLocalDpi xmlns:a14="http://schemas.microsoft.com/office/drawing/2010/main" val="0"/>
-              </a:ext>
-              <a:ext uri="{96DAC541-7B7A-43D3-8B79-37D633B846F1}">
-                <asvg:svgBlip xmlns:asvg="http://schemas.microsoft.com/office/drawing/2016/SVG/main" r:embed="rId8"/>
-              </a:ext>
-            </a:extLst>
-          </a:blip>
-          <a:stretch>
-            <a:fillRect/>
-          </a:stretch>
-        </p:blipFill>
-        <p:spPr>
-          <a:xfrm>
-            <a:off x="5298219" y="1825980"/>
-            <a:ext cx="353502" cy="353502"/>
-          </a:xfrm>
-          <a:prstGeom prst="rect">
-            <a:avLst/>
-          </a:prstGeom>
-        </p:spPr>
-      </p:pic>
-      <p:sp>
-        <p:nvSpPr>
-          <p:cNvPr id="86" name="Textfeld 85">
-            <a:extLst>
-              <a:ext uri="{FF2B5EF4-FFF2-40B4-BE49-F238E27FC236}">
-                <a16:creationId xmlns:a16="http://schemas.microsoft.com/office/drawing/2014/main" id="{BA214D04-5F29-61B2-19CF-E4D2E74BC7E3}"/>
-              </a:ext>
-            </a:extLst>
-          </p:cNvPr>
-          <p:cNvSpPr txBox="1"/>
-          <p:nvPr/>
-        </p:nvSpPr>
-        <p:spPr>
-          <a:xfrm>
-            <a:off x="101196" y="4169797"/>
-            <a:ext cx="3038762" cy="2585323"/>
-          </a:xfrm>
-          <a:prstGeom prst="rect">
-            <a:avLst/>
-          </a:prstGeom>
-          <a:noFill/>
-        </p:spPr>
-        <p:txBody>
-          <a:bodyPr wrap="square" rtlCol="0">
-            <a:spAutoFit/>
-          </a:bodyPr>
-          <a:lstStyle/>
-          <a:p>
-            <a:r>
-              <a:rPr lang="de-DE" dirty="0"/>
-              <a:t>HINWEIS: </a:t>
-            </a:r>
-          </a:p>
-          <a:p>
-            <a:r>
-              <a:rPr lang="de-DE" dirty="0"/>
-              <a:t>Auf der untersten Ebene liegt hinter den Gebäudeumrissen ein weißer Hintergrund</a:t>
-            </a:r>
-          </a:p>
-          <a:p>
-            <a:endParaRPr lang="de-DE" dirty="0"/>
-          </a:p>
-          <a:p>
-            <a:r>
-              <a:rPr lang="de-DE" dirty="0"/>
-              <a:t>EXPORT: </a:t>
-            </a:r>
-          </a:p>
-          <a:p>
-            <a:r>
-              <a:rPr lang="de-DE" dirty="0"/>
-              <a:t>Lageplan vollständig markieren &gt; Rechtsklick &gt; als Grafik speichern &gt; SVG</a:t>
-            </a:r>
-          </a:p>
-        </p:txBody>
-      </p:sp>
-      <p:pic>
-        <p:nvPicPr>
-          <p:cNvPr id="89" name="Grafik 88" descr="Messer und Gabel Silhouette">
-            <a:extLst>
-              <a:ext uri="{FF2B5EF4-FFF2-40B4-BE49-F238E27FC236}">
-                <a16:creationId xmlns:a16="http://schemas.microsoft.com/office/drawing/2014/main" id="{6ED0CFFA-8608-229E-E6B5-850EEA52A8D6}"/>
-              </a:ext>
-            </a:extLst>
-          </p:cNvPr>
-          <p:cNvPicPr>
-            <a:picLocks noChangeAspect="1"/>
-          </p:cNvPicPr>
-          <p:nvPr/>
-        </p:nvPicPr>
-        <p:blipFill>
-          <a:blip r:embed="rId9">
-            <a:extLst>
-              <a:ext uri="{28A0092B-C50C-407E-A947-70E740481C1C}">
-                <a14:useLocalDpi xmlns:a14="http://schemas.microsoft.com/office/drawing/2010/main" val="0"/>
-              </a:ext>
-              <a:ext uri="{96DAC541-7B7A-43D3-8B79-37D633B846F1}">
-                <asvg:svgBlip xmlns:asvg="http://schemas.microsoft.com/office/drawing/2016/SVG/main" r:embed="rId10"/>
-              </a:ext>
-            </a:extLst>
-          </a:blip>
-          <a:stretch>
-            <a:fillRect/>
-          </a:stretch>
-        </p:blipFill>
-        <p:spPr>
-          <a:xfrm>
-            <a:off x="5320148" y="2186130"/>
-            <a:ext cx="279824" cy="279824"/>
-          </a:xfrm>
-          <a:prstGeom prst="rect">
-            <a:avLst/>
-          </a:prstGeom>
-        </p:spPr>
-      </p:pic>
-      <p:pic>
-        <p:nvPicPr>
-          <p:cNvPr id="92" name="Grafik 91" descr="präsentieren Silhouette">
-            <a:extLst>
-              <a:ext uri="{FF2B5EF4-FFF2-40B4-BE49-F238E27FC236}">
-                <a16:creationId xmlns:a16="http://schemas.microsoft.com/office/drawing/2014/main" id="{1A82407E-4693-1683-A44A-3F5476D4BA9D}"/>
-              </a:ext>
-            </a:extLst>
-          </p:cNvPr>
-          <p:cNvPicPr>
-            <a:picLocks noChangeAspect="1"/>
-          </p:cNvPicPr>
-          <p:nvPr/>
-        </p:nvPicPr>
-        <p:blipFill>
-          <a:blip r:embed="rId11">
-            <a:extLst>
-              <a:ext uri="{28A0092B-C50C-407E-A947-70E740481C1C}">
-                <a14:useLocalDpi xmlns:a14="http://schemas.microsoft.com/office/drawing/2010/main" val="0"/>
-              </a:ext>
-              <a:ext uri="{96DAC541-7B7A-43D3-8B79-37D633B846F1}">
-                <asvg:svgBlip xmlns:asvg="http://schemas.microsoft.com/office/drawing/2016/SVG/main" r:embed="rId12"/>
-              </a:ext>
-            </a:extLst>
-          </a:blip>
-          <a:stretch>
-            <a:fillRect/>
-          </a:stretch>
-        </p:blipFill>
-        <p:spPr>
-          <a:xfrm>
-            <a:off x="1853566" y="3138000"/>
-            <a:ext cx="346300" cy="346300"/>
-          </a:xfrm>
-          <a:prstGeom prst="rect">
-            <a:avLst/>
-          </a:prstGeom>
-        </p:spPr>
-      </p:pic>
-      <p:pic>
-        <p:nvPicPr>
-          <p:cNvPr id="95" name="Grafik 94" descr="Ticket Silhouette">
-            <a:extLst>
-              <a:ext uri="{FF2B5EF4-FFF2-40B4-BE49-F238E27FC236}">
-                <a16:creationId xmlns:a16="http://schemas.microsoft.com/office/drawing/2014/main" id="{2B9708F6-FE2F-6B80-B35E-B65B981B2206}"/>
-              </a:ext>
-            </a:extLst>
-          </p:cNvPr>
-          <p:cNvPicPr>
-            <a:picLocks noChangeAspect="1"/>
-          </p:cNvPicPr>
-          <p:nvPr/>
-        </p:nvPicPr>
-        <p:blipFill>
-          <a:blip r:embed="rId13">
-            <a:extLst>
-              <a:ext uri="{28A0092B-C50C-407E-A947-70E740481C1C}">
-                <a14:useLocalDpi xmlns:a14="http://schemas.microsoft.com/office/drawing/2010/main" val="0"/>
-              </a:ext>
-              <a:ext uri="{96DAC541-7B7A-43D3-8B79-37D633B846F1}">
-                <asvg:svgBlip xmlns:asvg="http://schemas.microsoft.com/office/drawing/2016/SVG/main" r:embed="rId14"/>
-              </a:ext>
-            </a:extLst>
-          </a:blip>
-          <a:stretch>
-            <a:fillRect/>
-          </a:stretch>
-        </p:blipFill>
-        <p:spPr>
-          <a:xfrm>
-            <a:off x="1339879" y="3144085"/>
-            <a:ext cx="408066" cy="408066"/>
-          </a:xfrm>
-          <a:prstGeom prst="rect">
-            <a:avLst/>
-          </a:prstGeom>
-        </p:spPr>
-      </p:pic>
-      <p:pic>
-        <p:nvPicPr>
-          <p:cNvPr id="98" name="Grafik 97" descr="Trophäe Silhouette">
-            <a:extLst>
-              <a:ext uri="{FF2B5EF4-FFF2-40B4-BE49-F238E27FC236}">
-                <a16:creationId xmlns:a16="http://schemas.microsoft.com/office/drawing/2014/main" id="{CAC8E3A7-DA80-02D5-127E-7C96C7362F83}"/>
-              </a:ext>
-            </a:extLst>
-          </p:cNvPr>
-          <p:cNvPicPr>
-            <a:picLocks noChangeAspect="1"/>
-          </p:cNvPicPr>
-          <p:nvPr/>
-        </p:nvPicPr>
-        <p:blipFill>
-          <a:blip r:embed="rId15">
-            <a:extLst>
-              <a:ext uri="{28A0092B-C50C-407E-A947-70E740481C1C}">
-                <a14:useLocalDpi xmlns:a14="http://schemas.microsoft.com/office/drawing/2010/main" val="0"/>
-              </a:ext>
-              <a:ext uri="{96DAC541-7B7A-43D3-8B79-37D633B846F1}">
-                <asvg:svgBlip xmlns:asvg="http://schemas.microsoft.com/office/drawing/2016/SVG/main" r:embed="rId16"/>
-              </a:ext>
-            </a:extLst>
-          </a:blip>
-          <a:stretch>
-            <a:fillRect/>
-          </a:stretch>
-        </p:blipFill>
-        <p:spPr>
-          <a:xfrm>
-            <a:off x="5998074" y="2125458"/>
-            <a:ext cx="324069" cy="324069"/>
-          </a:xfrm>
-          <a:prstGeom prst="rect">
-            <a:avLst/>
-          </a:prstGeom>
-        </p:spPr>
-      </p:pic>
-      <p:sp>
-        <p:nvSpPr>
-          <p:cNvPr id="2" name="Textfeld 1">
-            <a:extLst>
-              <a:ext uri="{FF2B5EF4-FFF2-40B4-BE49-F238E27FC236}">
-                <a16:creationId xmlns:a16="http://schemas.microsoft.com/office/drawing/2014/main" id="{1DAC0F08-B900-7188-34CC-B2718E8582A5}"/>
-              </a:ext>
-            </a:extLst>
-          </p:cNvPr>
-          <p:cNvSpPr txBox="1"/>
-          <p:nvPr/>
-        </p:nvSpPr>
-        <p:spPr>
-          <a:xfrm>
-            <a:off x="7600487" y="2887096"/>
-            <a:ext cx="612885" cy="523220"/>
-          </a:xfrm>
-          <a:prstGeom prst="rect">
-            <a:avLst/>
-          </a:prstGeom>
-          <a:noFill/>
-        </p:spPr>
-        <p:txBody>
-          <a:bodyPr wrap="square" rtlCol="0">
-            <a:spAutoFit/>
-          </a:bodyPr>
-          <a:lstStyle/>
-          <a:p>
-            <a:r>
-              <a:rPr lang="de-DE" sz="700" dirty="0">
-                <a:latin typeface="Arial" panose="020B0604020202020204" pitchFamily="34" charset="0"/>
-                <a:cs typeface="Arial" panose="020B0604020202020204" pitchFamily="34" charset="0"/>
-              </a:rPr>
-              <a:t>techni-sche Produkt-designer*</a:t>
-            </a:r>
-          </a:p>
-        </p:txBody>
-      </p:sp>
-      <p:cxnSp>
-        <p:nvCxnSpPr>
-          <p:cNvPr id="20" name="Gerader Verbinder 19">
-            <a:extLst>
-              <a:ext uri="{FF2B5EF4-FFF2-40B4-BE49-F238E27FC236}">
-                <a16:creationId xmlns:a16="http://schemas.microsoft.com/office/drawing/2014/main" id="{82E1057E-61EA-591F-E268-17D10D0ED1BB}"/>
-              </a:ext>
-            </a:extLst>
-          </p:cNvPr>
-          <p:cNvCxnSpPr>
-            <a:cxnSpLocks/>
-          </p:cNvCxnSpPr>
-          <p:nvPr/>
-        </p:nvCxnSpPr>
-        <p:spPr>
-          <a:xfrm flipV="1">
-            <a:off x="5110036" y="2326042"/>
-            <a:ext cx="0" cy="135195"/>
-          </a:xfrm>
-          <a:prstGeom prst="line">
-            <a:avLst/>
-          </a:prstGeom>
-          <a:ln w="28575">
-            <a:solidFill>
-              <a:srgbClr val="7EC635"/>
-            </a:solidFill>
-          </a:ln>
-        </p:spPr>
-        <p:style>
-          <a:lnRef idx="1">
-            <a:schemeClr val="accent1"/>
-          </a:lnRef>
-          <a:fillRef idx="0">
-            <a:schemeClr val="accent1"/>
-          </a:fillRef>
-          <a:effectRef idx="0">
-            <a:schemeClr val="accent1"/>
-          </a:effectRef>
-          <a:fontRef idx="minor">
-            <a:schemeClr val="tx1"/>
-          </a:fontRef>
-        </p:style>
-      </p:cxnSp>
-      <p:sp>
-        <p:nvSpPr>
-          <p:cNvPr id="6" name="Textfeld 5">
-            <a:extLst>
-              <a:ext uri="{FF2B5EF4-FFF2-40B4-BE49-F238E27FC236}">
-                <a16:creationId xmlns:a16="http://schemas.microsoft.com/office/drawing/2014/main" id="{AE90D8D0-467D-5F3B-2565-D53FB5A4F58D}"/>
-              </a:ext>
-            </a:extLst>
-          </p:cNvPr>
-          <p:cNvSpPr txBox="1"/>
-          <p:nvPr/>
-        </p:nvSpPr>
-        <p:spPr>
-          <a:xfrm>
-            <a:off x="7854363" y="1631082"/>
-            <a:ext cx="901611" cy="200055"/>
-          </a:xfrm>
-          <a:prstGeom prst="rect">
-            <a:avLst/>
-          </a:prstGeom>
-          <a:noFill/>
-        </p:spPr>
-        <p:txBody>
-          <a:bodyPr wrap="square" rtlCol="0">
-            <a:spAutoFit/>
-          </a:bodyPr>
-          <a:lstStyle/>
-          <a:p>
-            <a:r>
-              <a:rPr lang="de-DE" sz="700" dirty="0">
-                <a:latin typeface="Arial" panose="020B0604020202020204" pitchFamily="34" charset="0"/>
-                <a:cs typeface="Arial" panose="020B0604020202020204" pitchFamily="34" charset="0"/>
-              </a:rPr>
-              <a:t>Eingang</a:t>
+              <a:t>Ausstellungs-fläche</a:t>
             </a:r>
           </a:p>
         </p:txBody>

--- a/Website_TdA_2024.pptx
+++ b/Website_TdA_2024.pptx
@@ -17349,7 +17349,7 @@
                 <a:latin typeface="Arial" panose="020B0604020202020204" pitchFamily="34" charset="0"/>
                 <a:cs typeface="Arial" panose="020B0604020202020204" pitchFamily="34" charset="0"/>
               </a:rPr>
-              <a:t>Kunststoff- und Kautschuktechnologen*</a:t>
+              <a:t>Kunststoff- und Kautschuktechnologe*</a:t>
             </a:r>
           </a:p>
           <a:p>

--- a/Website_TdA_2024.pptx
+++ b/Website_TdA_2024.pptx
@@ -2420,7 +2420,7 @@
           <a:p>
             <a:fld id="{326D799F-86D4-4539-9CF8-30237CED92B1}" type="datetimeFigureOut">
               <a:rPr lang="de-DE" smtClean="0"/>
-              <a:t>29.08.2024</a:t>
+              <a:t>30.08.2024</a:t>
             </a:fld>
             <a:endParaRPr lang="de-DE"/>
           </a:p>
@@ -2918,7 +2918,7 @@
           <a:p>
             <a:fld id="{5F34389D-718A-4B70-99B4-5B2AAB6EE550}" type="datetimeFigureOut">
               <a:rPr lang="de-DE" smtClean="0"/>
-              <a:t>29.08.2024</a:t>
+              <a:t>30.08.2024</a:t>
             </a:fld>
             <a:endParaRPr lang="de-DE"/>
           </a:p>
@@ -3116,7 +3116,7 @@
           <a:p>
             <a:fld id="{5F34389D-718A-4B70-99B4-5B2AAB6EE550}" type="datetimeFigureOut">
               <a:rPr lang="de-DE" smtClean="0"/>
-              <a:t>29.08.2024</a:t>
+              <a:t>30.08.2024</a:t>
             </a:fld>
             <a:endParaRPr lang="de-DE"/>
           </a:p>
@@ -3324,7 +3324,7 @@
           <a:p>
             <a:fld id="{5F34389D-718A-4B70-99B4-5B2AAB6EE550}" type="datetimeFigureOut">
               <a:rPr lang="de-DE" smtClean="0"/>
-              <a:t>29.08.2024</a:t>
+              <a:t>30.08.2024</a:t>
             </a:fld>
             <a:endParaRPr lang="de-DE"/>
           </a:p>
@@ -3522,7 +3522,7 @@
           <a:p>
             <a:fld id="{5F34389D-718A-4B70-99B4-5B2AAB6EE550}" type="datetimeFigureOut">
               <a:rPr lang="de-DE" smtClean="0"/>
-              <a:t>29.08.2024</a:t>
+              <a:t>30.08.2024</a:t>
             </a:fld>
             <a:endParaRPr lang="de-DE"/>
           </a:p>
@@ -3797,7 +3797,7 @@
           <a:p>
             <a:fld id="{5F34389D-718A-4B70-99B4-5B2AAB6EE550}" type="datetimeFigureOut">
               <a:rPr lang="de-DE" smtClean="0"/>
-              <a:t>29.08.2024</a:t>
+              <a:t>30.08.2024</a:t>
             </a:fld>
             <a:endParaRPr lang="de-DE"/>
           </a:p>
@@ -4062,7 +4062,7 @@
           <a:p>
             <a:fld id="{5F34389D-718A-4B70-99B4-5B2AAB6EE550}" type="datetimeFigureOut">
               <a:rPr lang="de-DE" smtClean="0"/>
-              <a:t>29.08.2024</a:t>
+              <a:t>30.08.2024</a:t>
             </a:fld>
             <a:endParaRPr lang="de-DE"/>
           </a:p>
@@ -4474,7 +4474,7 @@
           <a:p>
             <a:fld id="{5F34389D-718A-4B70-99B4-5B2AAB6EE550}" type="datetimeFigureOut">
               <a:rPr lang="de-DE" smtClean="0"/>
-              <a:t>29.08.2024</a:t>
+              <a:t>30.08.2024</a:t>
             </a:fld>
             <a:endParaRPr lang="de-DE"/>
           </a:p>
@@ -4615,7 +4615,7 @@
           <a:p>
             <a:fld id="{5F34389D-718A-4B70-99B4-5B2AAB6EE550}" type="datetimeFigureOut">
               <a:rPr lang="de-DE" smtClean="0"/>
-              <a:t>29.08.2024</a:t>
+              <a:t>30.08.2024</a:t>
             </a:fld>
             <a:endParaRPr lang="de-DE"/>
           </a:p>
@@ -4728,7 +4728,7 @@
           <a:p>
             <a:fld id="{5F34389D-718A-4B70-99B4-5B2AAB6EE550}" type="datetimeFigureOut">
               <a:rPr lang="de-DE" smtClean="0"/>
-              <a:t>29.08.2024</a:t>
+              <a:t>30.08.2024</a:t>
             </a:fld>
             <a:endParaRPr lang="de-DE"/>
           </a:p>
@@ -5039,7 +5039,7 @@
           <a:p>
             <a:fld id="{5F34389D-718A-4B70-99B4-5B2AAB6EE550}" type="datetimeFigureOut">
               <a:rPr lang="de-DE" smtClean="0"/>
-              <a:t>29.08.2024</a:t>
+              <a:t>30.08.2024</a:t>
             </a:fld>
             <a:endParaRPr lang="de-DE"/>
           </a:p>
@@ -5327,7 +5327,7 @@
           <a:p>
             <a:fld id="{5F34389D-718A-4B70-99B4-5B2AAB6EE550}" type="datetimeFigureOut">
               <a:rPr lang="de-DE" smtClean="0"/>
-              <a:t>29.08.2024</a:t>
+              <a:t>30.08.2024</a:t>
             </a:fld>
             <a:endParaRPr lang="de-DE"/>
           </a:p>
@@ -5568,7 +5568,7 @@
           <a:p>
             <a:fld id="{5F34389D-718A-4B70-99B4-5B2AAB6EE550}" type="datetimeFigureOut">
               <a:rPr lang="de-DE" smtClean="0"/>
-              <a:t>29.08.2024</a:t>
+              <a:t>30.08.2024</a:t>
             </a:fld>
             <a:endParaRPr lang="de-DE"/>
           </a:p>
@@ -17022,7 +17022,7 @@
             <a:avLst/>
           </a:prstGeom>
           <a:solidFill>
-            <a:srgbClr val="E4F0D5"/>
+            <a:schemeClr val="accent2"/>
           </a:solidFill>
           <a:ln>
             <a:noFill/>
@@ -17136,6 +17136,19 @@
         <p:txBody>
           <a:bodyPr lIns="72000" tIns="108000" rIns="0" bIns="0" rtlCol="0" anchor="t"/>
           <a:lstStyle/>
+          <a:p>
+            <a:pPr marL="171450" indent="-171450">
+              <a:buFont typeface="Arial" panose="020B0604020202020204" pitchFamily="34" charset="0"/>
+              <a:buChar char="•"/>
+            </a:pPr>
+            <a:endParaRPr lang="de-DE" sz="700" dirty="0">
+              <a:solidFill>
+                <a:schemeClr val="tx1"/>
+              </a:solidFill>
+              <a:latin typeface="Arial" panose="020B0604020202020204" pitchFamily="34" charset="0"/>
+              <a:cs typeface="Arial" panose="020B0604020202020204" pitchFamily="34" charset="0"/>
+            </a:endParaRPr>
+          </a:p>
           <a:p>
             <a:pPr marL="171450" indent="-171450">
               <a:buFont typeface="Arial" panose="020B0604020202020204" pitchFamily="34" charset="0"/>
@@ -17201,7 +17214,7 @@
         <p:spPr>
           <a:xfrm>
             <a:off x="6469159" y="3513793"/>
-            <a:ext cx="1159691" cy="961549"/>
+            <a:ext cx="1159691" cy="960119"/>
           </a:xfrm>
           <a:prstGeom prst="rect">
             <a:avLst/>
@@ -17242,10 +17255,10 @@
       </p:sp>
       <p:sp>
         <p:nvSpPr>
-          <p:cNvPr id="37" name="Rechteck 36">
-            <a:extLst>
-              <a:ext uri="{FF2B5EF4-FFF2-40B4-BE49-F238E27FC236}">
-                <a16:creationId xmlns:a16="http://schemas.microsoft.com/office/drawing/2014/main" id="{F5615F85-D030-E21C-12C4-2CB92DC79D81}"/>
+          <p:cNvPr id="38" name="Rechteck 37">
+            <a:extLst>
+              <a:ext uri="{FF2B5EF4-FFF2-40B4-BE49-F238E27FC236}">
+                <a16:creationId xmlns:a16="http://schemas.microsoft.com/office/drawing/2014/main" id="{79F88E2C-0694-8198-3CAF-21385E3DDC9C}"/>
               </a:ext>
             </a:extLst>
           </p:cNvPr>
@@ -17254,142 +17267,8 @@
         </p:nvSpPr>
         <p:spPr>
           <a:xfrm>
-            <a:off x="6152871" y="4473913"/>
-            <a:ext cx="1985289" cy="1658165"/>
-          </a:xfrm>
-          <a:prstGeom prst="rect">
-            <a:avLst/>
-          </a:prstGeom>
-          <a:solidFill>
-            <a:srgbClr val="EB4B30">
-              <a:alpha val="80000"/>
-            </a:srgbClr>
-          </a:solidFill>
-          <a:ln>
-            <a:noFill/>
-          </a:ln>
-        </p:spPr>
-        <p:style>
-          <a:lnRef idx="2">
-            <a:schemeClr val="accent1">
-              <a:shade val="15000"/>
-            </a:schemeClr>
-          </a:lnRef>
-          <a:fillRef idx="1">
-            <a:schemeClr val="accent1"/>
-          </a:fillRef>
-          <a:effectRef idx="0">
-            <a:schemeClr val="accent1"/>
-          </a:effectRef>
-          <a:fontRef idx="minor">
-            <a:schemeClr val="lt1"/>
-          </a:fontRef>
-        </p:style>
-        <p:txBody>
-          <a:bodyPr rtlCol="0" anchor="ctr"/>
-          <a:lstStyle/>
-          <a:p>
-            <a:pPr marL="171450" indent="-171450">
-              <a:buFont typeface="Arial" panose="020B0604020202020204" pitchFamily="34" charset="0"/>
-              <a:buChar char="•"/>
-            </a:pPr>
-            <a:r>
-              <a:rPr lang="de-DE" sz="700" dirty="0">
-                <a:solidFill>
-                  <a:schemeClr val="tx1"/>
-                </a:solidFill>
-                <a:latin typeface="Arial" panose="020B0604020202020204" pitchFamily="34" charset="0"/>
-                <a:cs typeface="Arial" panose="020B0604020202020204" pitchFamily="34" charset="0"/>
-              </a:rPr>
-              <a:t>Werkzeugmechaniker*</a:t>
-            </a:r>
-          </a:p>
-          <a:p>
-            <a:pPr marL="171450" indent="-171450">
-              <a:buFont typeface="Arial" panose="020B0604020202020204" pitchFamily="34" charset="0"/>
-              <a:buChar char="•"/>
-            </a:pPr>
-            <a:r>
-              <a:rPr lang="de-DE" sz="700" dirty="0">
-                <a:solidFill>
-                  <a:schemeClr val="tx1"/>
-                </a:solidFill>
-                <a:latin typeface="Arial" panose="020B0604020202020204" pitchFamily="34" charset="0"/>
-                <a:cs typeface="Arial" panose="020B0604020202020204" pitchFamily="34" charset="0"/>
-              </a:rPr>
-              <a:t>Industriemechaniker*</a:t>
-            </a:r>
-          </a:p>
-          <a:p>
-            <a:pPr marL="171450" indent="-171450">
-              <a:buFont typeface="Arial" panose="020B0604020202020204" pitchFamily="34" charset="0"/>
-              <a:buChar char="•"/>
-            </a:pPr>
-            <a:r>
-              <a:rPr lang="de-DE" sz="700" dirty="0">
-                <a:solidFill>
-                  <a:schemeClr val="tx1"/>
-                </a:solidFill>
-                <a:latin typeface="Arial" panose="020B0604020202020204" pitchFamily="34" charset="0"/>
-                <a:cs typeface="Arial" panose="020B0604020202020204" pitchFamily="34" charset="0"/>
-              </a:rPr>
-              <a:t>Maschinen- und Anlagenführer*</a:t>
-            </a:r>
-          </a:p>
-          <a:p>
-            <a:pPr marL="171450" indent="-171450">
-              <a:buFont typeface="Arial" panose="020B0604020202020204" pitchFamily="34" charset="0"/>
-              <a:buChar char="•"/>
-            </a:pPr>
-            <a:r>
-              <a:rPr lang="de-DE" sz="700" dirty="0">
-                <a:solidFill>
-                  <a:schemeClr val="tx1"/>
-                </a:solidFill>
-                <a:latin typeface="Arial" panose="020B0604020202020204" pitchFamily="34" charset="0"/>
-                <a:cs typeface="Arial" panose="020B0604020202020204" pitchFamily="34" charset="0"/>
-              </a:rPr>
-              <a:t>Kunststoff- und Kautschuktechnologe*</a:t>
-            </a:r>
-          </a:p>
-          <a:p>
-            <a:pPr marL="171450" indent="-171450">
-              <a:buFont typeface="Arial" panose="020B0604020202020204" pitchFamily="34" charset="0"/>
-              <a:buChar char="•"/>
-            </a:pPr>
-            <a:r>
-              <a:rPr lang="de-DE" sz="700" dirty="0">
-                <a:solidFill>
-                  <a:schemeClr val="tx1"/>
-                </a:solidFill>
-                <a:latin typeface="Arial" panose="020B0604020202020204" pitchFamily="34" charset="0"/>
-                <a:cs typeface="Arial" panose="020B0604020202020204" pitchFamily="34" charset="0"/>
-              </a:rPr>
-              <a:t>Fachlagerist*</a:t>
-            </a:r>
-          </a:p>
-          <a:p>
-            <a:pPr algn="ctr"/>
-            <a:endParaRPr lang="de-DE" dirty="0"/>
-          </a:p>
-        </p:txBody>
-      </p:sp>
-      <p:sp>
-        <p:nvSpPr>
-          <p:cNvPr id="38" name="Rechteck 37">
-            <a:extLst>
-              <a:ext uri="{FF2B5EF4-FFF2-40B4-BE49-F238E27FC236}">
-                <a16:creationId xmlns:a16="http://schemas.microsoft.com/office/drawing/2014/main" id="{79F88E2C-0694-8198-3CAF-21385E3DDC9C}"/>
-              </a:ext>
-            </a:extLst>
-          </p:cNvPr>
-          <p:cNvSpPr/>
-          <p:nvPr/>
-        </p:nvSpPr>
-        <p:spPr>
-          <a:xfrm>
-            <a:off x="6152872" y="6129923"/>
-            <a:ext cx="1312480" cy="375314"/>
+            <a:off x="6152872" y="6129922"/>
+            <a:ext cx="1312480" cy="375315"/>
           </a:xfrm>
           <a:prstGeom prst="rect">
             <a:avLst/>
@@ -17744,14 +17623,14 @@
         </p:nvSpPr>
         <p:spPr>
           <a:xfrm>
-            <a:off x="7650640" y="2779413"/>
-            <a:ext cx="487514" cy="700189"/>
+            <a:off x="7652879" y="2784572"/>
+            <a:ext cx="487514" cy="700741"/>
           </a:xfrm>
           <a:prstGeom prst="rect">
             <a:avLst/>
           </a:prstGeom>
           <a:solidFill>
-            <a:srgbClr val="FFF696">
+            <a:srgbClr val="ED7D31">
               <a:alpha val="80000"/>
             </a:srgbClr>
           </a:solidFill>
@@ -18681,6 +18560,215 @@
                 <a:cs typeface="Arial" panose="020B0604020202020204" pitchFamily="34" charset="0"/>
               </a:rPr>
               <a:t>Ausstellungs-fläche</a:t>
+            </a:r>
+          </a:p>
+        </p:txBody>
+      </p:sp>
+      <p:sp>
+        <p:nvSpPr>
+          <p:cNvPr id="37" name="Rechteck 36">
+            <a:extLst>
+              <a:ext uri="{FF2B5EF4-FFF2-40B4-BE49-F238E27FC236}">
+                <a16:creationId xmlns:a16="http://schemas.microsoft.com/office/drawing/2014/main" id="{F5615F85-D030-E21C-12C4-2CB92DC79D81}"/>
+              </a:ext>
+            </a:extLst>
+          </p:cNvPr>
+          <p:cNvSpPr/>
+          <p:nvPr/>
+        </p:nvSpPr>
+        <p:spPr>
+          <a:xfrm>
+            <a:off x="6152871" y="4473913"/>
+            <a:ext cx="1985289" cy="1658165"/>
+          </a:xfrm>
+          <a:prstGeom prst="rect">
+            <a:avLst/>
+          </a:prstGeom>
+          <a:solidFill>
+            <a:srgbClr val="EB4B30">
+              <a:alpha val="80000"/>
+            </a:srgbClr>
+          </a:solidFill>
+          <a:ln>
+            <a:noFill/>
+          </a:ln>
+        </p:spPr>
+        <p:style>
+          <a:lnRef idx="2">
+            <a:schemeClr val="accent1">
+              <a:shade val="15000"/>
+            </a:schemeClr>
+          </a:lnRef>
+          <a:fillRef idx="1">
+            <a:schemeClr val="accent1"/>
+          </a:fillRef>
+          <a:effectRef idx="0">
+            <a:schemeClr val="accent1"/>
+          </a:effectRef>
+          <a:fontRef idx="minor">
+            <a:schemeClr val="lt1"/>
+          </a:fontRef>
+        </p:style>
+        <p:txBody>
+          <a:bodyPr rtlCol="0" anchor="ctr"/>
+          <a:lstStyle/>
+          <a:p>
+            <a:pPr marL="171450" indent="-171450">
+              <a:buFont typeface="Arial" panose="020B0604020202020204" pitchFamily="34" charset="0"/>
+              <a:buChar char="•"/>
+            </a:pPr>
+            <a:r>
+              <a:rPr lang="de-DE" sz="700" dirty="0">
+                <a:solidFill>
+                  <a:schemeClr val="tx1"/>
+                </a:solidFill>
+                <a:latin typeface="Arial" panose="020B0604020202020204" pitchFamily="34" charset="0"/>
+                <a:cs typeface="Arial" panose="020B0604020202020204" pitchFamily="34" charset="0"/>
+              </a:rPr>
+              <a:t>Werkzeugmechaniker*</a:t>
+            </a:r>
+          </a:p>
+          <a:p>
+            <a:pPr marL="171450" indent="-171450">
+              <a:buFont typeface="Arial" panose="020B0604020202020204" pitchFamily="34" charset="0"/>
+              <a:buChar char="•"/>
+            </a:pPr>
+            <a:r>
+              <a:rPr lang="de-DE" sz="700" dirty="0">
+                <a:solidFill>
+                  <a:schemeClr val="tx1"/>
+                </a:solidFill>
+                <a:latin typeface="Arial" panose="020B0604020202020204" pitchFamily="34" charset="0"/>
+                <a:cs typeface="Arial" panose="020B0604020202020204" pitchFamily="34" charset="0"/>
+              </a:rPr>
+              <a:t>Industriemechaniker*</a:t>
+            </a:r>
+          </a:p>
+          <a:p>
+            <a:pPr marL="171450" indent="-171450">
+              <a:buFont typeface="Arial" panose="020B0604020202020204" pitchFamily="34" charset="0"/>
+              <a:buChar char="•"/>
+            </a:pPr>
+            <a:r>
+              <a:rPr lang="de-DE" sz="700" dirty="0">
+                <a:solidFill>
+                  <a:schemeClr val="tx1"/>
+                </a:solidFill>
+                <a:latin typeface="Arial" panose="020B0604020202020204" pitchFamily="34" charset="0"/>
+                <a:cs typeface="Arial" panose="020B0604020202020204" pitchFamily="34" charset="0"/>
+              </a:rPr>
+              <a:t>Maschinen- und Anlagenführer*</a:t>
+            </a:r>
+          </a:p>
+          <a:p>
+            <a:pPr marL="171450" indent="-171450">
+              <a:buFont typeface="Arial" panose="020B0604020202020204" pitchFamily="34" charset="0"/>
+              <a:buChar char="•"/>
+            </a:pPr>
+            <a:r>
+              <a:rPr lang="de-DE" sz="700" dirty="0">
+                <a:solidFill>
+                  <a:schemeClr val="tx1"/>
+                </a:solidFill>
+                <a:latin typeface="Arial" panose="020B0604020202020204" pitchFamily="34" charset="0"/>
+                <a:cs typeface="Arial" panose="020B0604020202020204" pitchFamily="34" charset="0"/>
+              </a:rPr>
+              <a:t>Kunststoff- und Kautschuktechnologe*</a:t>
+            </a:r>
+          </a:p>
+          <a:p>
+            <a:pPr algn="ctr"/>
+            <a:endParaRPr lang="de-DE" dirty="0"/>
+          </a:p>
+        </p:txBody>
+      </p:sp>
+      <p:pic>
+        <p:nvPicPr>
+          <p:cNvPr id="64" name="Grafik 63">
+            <a:extLst>
+              <a:ext uri="{FF2B5EF4-FFF2-40B4-BE49-F238E27FC236}">
+                <a16:creationId xmlns:a16="http://schemas.microsoft.com/office/drawing/2014/main" id="{A7313C81-925A-ED20-2E96-705E69666450}"/>
+              </a:ext>
+            </a:extLst>
+          </p:cNvPr>
+          <p:cNvPicPr>
+            <a:picLocks noChangeAspect="1"/>
+          </p:cNvPicPr>
+          <p:nvPr/>
+        </p:nvPicPr>
+        <p:blipFill>
+          <a:blip r:embed="rId20"/>
+          <a:stretch>
+            <a:fillRect/>
+          </a:stretch>
+        </p:blipFill>
+        <p:spPr>
+          <a:xfrm>
+            <a:off x="934181" y="2878070"/>
+            <a:ext cx="237025" cy="237025"/>
+          </a:xfrm>
+          <a:prstGeom prst="rect">
+            <a:avLst/>
+          </a:prstGeom>
+        </p:spPr>
+      </p:pic>
+      <p:sp>
+        <p:nvSpPr>
+          <p:cNvPr id="65" name="Rechteck 64">
+            <a:extLst>
+              <a:ext uri="{FF2B5EF4-FFF2-40B4-BE49-F238E27FC236}">
+                <a16:creationId xmlns:a16="http://schemas.microsoft.com/office/drawing/2014/main" id="{FE7DA7D9-CEF4-91DD-9E25-10AEC30D47C7}"/>
+              </a:ext>
+            </a:extLst>
+          </p:cNvPr>
+          <p:cNvSpPr/>
+          <p:nvPr/>
+        </p:nvSpPr>
+        <p:spPr>
+          <a:xfrm>
+            <a:off x="4814264" y="3322814"/>
+            <a:ext cx="325216" cy="474425"/>
+          </a:xfrm>
+          <a:prstGeom prst="rect">
+            <a:avLst/>
+          </a:prstGeom>
+          <a:solidFill>
+            <a:srgbClr val="EB4B30">
+              <a:alpha val="80000"/>
+            </a:srgbClr>
+          </a:solidFill>
+          <a:ln>
+            <a:noFill/>
+          </a:ln>
+        </p:spPr>
+        <p:style>
+          <a:lnRef idx="2">
+            <a:schemeClr val="accent1">
+              <a:shade val="15000"/>
+            </a:schemeClr>
+          </a:lnRef>
+          <a:fillRef idx="1">
+            <a:schemeClr val="accent1"/>
+          </a:fillRef>
+          <a:effectRef idx="0">
+            <a:schemeClr val="accent1"/>
+          </a:effectRef>
+          <a:fontRef idx="minor">
+            <a:schemeClr val="lt1"/>
+          </a:fontRef>
+        </p:style>
+        <p:txBody>
+          <a:bodyPr lIns="0" tIns="0" rIns="0" bIns="0" rtlCol="0" anchor="ctr"/>
+          <a:lstStyle/>
+          <a:p>
+            <a:pPr algn="ctr"/>
+            <a:r>
+              <a:rPr lang="de-DE" sz="700" dirty="0">
+                <a:solidFill>
+                  <a:schemeClr val="tx1"/>
+                </a:solidFill>
+              </a:rPr>
+              <a:t>Fach-lagerist*</a:t>
             </a:r>
           </a:p>
         </p:txBody>

--- a/Website_TdA_2024.pptx
+++ b/Website_TdA_2024.pptx
@@ -19587,7 +19587,10 @@
           </a:bodyPr>
           <a:lstStyle/>
           <a:p>
-            <a:endParaRPr lang="de-DE"/>
+            <a:endParaRPr lang="de-DE">
+              <a:latin typeface="Arial" panose="020B0604020202020204" pitchFamily="34" charset="0"/>
+              <a:cs typeface="Arial" panose="020B0604020202020204" pitchFamily="34" charset="0"/>
+            </a:endParaRPr>
           </a:p>
         </p:txBody>
       </p:sp>
@@ -19645,7 +19648,10 @@
           </a:bodyPr>
           <a:lstStyle/>
           <a:p>
-            <a:endParaRPr lang="de-DE"/>
+            <a:endParaRPr lang="de-DE">
+              <a:latin typeface="Arial" panose="020B0604020202020204" pitchFamily="34" charset="0"/>
+              <a:cs typeface="Arial" panose="020B0604020202020204" pitchFamily="34" charset="0"/>
+            </a:endParaRPr>
           </a:p>
         </p:txBody>
       </p:sp>
@@ -19713,7 +19719,10 @@
             </a:bodyPr>
             <a:lstStyle/>
             <a:p>
-              <a:endParaRPr lang="de-DE"/>
+              <a:endParaRPr lang="de-DE">
+                <a:latin typeface="Arial" panose="020B0604020202020204" pitchFamily="34" charset="0"/>
+                <a:cs typeface="Arial" panose="020B0604020202020204" pitchFamily="34" charset="0"/>
+              </a:endParaRPr>
             </a:p>
           </p:txBody>
         </p:sp>
@@ -19807,7 +19816,10 @@
           </a:bodyPr>
           <a:lstStyle/>
           <a:p>
-            <a:endParaRPr lang="de-DE"/>
+            <a:endParaRPr lang="de-DE">
+              <a:latin typeface="Arial" panose="020B0604020202020204" pitchFamily="34" charset="0"/>
+              <a:cs typeface="Arial" panose="020B0604020202020204" pitchFamily="34" charset="0"/>
+            </a:endParaRPr>
           </a:p>
         </p:txBody>
       </p:sp>
@@ -19865,7 +19877,10 @@
           </a:bodyPr>
           <a:lstStyle/>
           <a:p>
-            <a:endParaRPr lang="de-DE"/>
+            <a:endParaRPr lang="de-DE">
+              <a:latin typeface="Arial" panose="020B0604020202020204" pitchFamily="34" charset="0"/>
+              <a:cs typeface="Arial" panose="020B0604020202020204" pitchFamily="34" charset="0"/>
+            </a:endParaRPr>
           </a:p>
         </p:txBody>
       </p:sp>
@@ -19913,7 +19928,7 @@
           </a:fontRef>
         </p:style>
         <p:txBody>
-          <a:bodyPr rot="0" spcFirstLastPara="0" vert="horz" wrap="square" lIns="36000" tIns="0" rIns="0" bIns="0" numCol="1" spcCol="0" rtlCol="0" fromWordArt="0" anchor="ctr" anchorCtr="0" forceAA="0" compatLnSpc="1">
+          <a:bodyPr rot="0" spcFirstLastPara="0" vert="horz" wrap="square" lIns="108000" tIns="0" rIns="108000" bIns="0" numCol="1" spcCol="0" rtlCol="0" fromWordArt="0" anchor="ctr" anchorCtr="0" forceAA="0" compatLnSpc="1">
             <a:prstTxWarp prst="textNoShape">
               <a:avLst/>
             </a:prstTxWarp>
@@ -19923,7 +19938,7 @@
           <a:p>
             <a:pPr algn="ctr"/>
             <a:r>
-              <a:rPr kumimoji="0" lang="de-DE" altLang="de-DE" sz="900" b="0" i="0" u="none" strike="noStrike" cap="none" normalizeH="0" baseline="0" dirty="0">
+              <a:rPr kumimoji="0" lang="de-DE" altLang="de-DE" sz="1100" b="0" i="0" u="none" strike="noStrike" cap="none" normalizeH="0" baseline="0" dirty="0">
                 <a:ln>
                   <a:noFill/>
                 </a:ln>
@@ -19931,13 +19946,13 @@
                   <a:schemeClr val="tx1"/>
                 </a:solidFill>
                 <a:effectLst/>
-                <a:latin typeface="Arial Black" panose="020B0A04020102020204" pitchFamily="34" charset="0"/>
+                <a:latin typeface="Arial" panose="020B0604020202020204" pitchFamily="34" charset="0"/>
                 <a:ea typeface="Aptos" panose="020B0004020202020204" pitchFamily="34" charset="0"/>
                 <a:cs typeface="Arial" panose="020B0604020202020204" pitchFamily="34" charset="0"/>
               </a:rPr>
-              <a:t>Technischer Produkt-designer*</a:t>
+              <a:t>Technischer Produkt--designer*</a:t>
             </a:r>
-            <a:endParaRPr kumimoji="0" lang="de-DE" altLang="de-DE" sz="900" b="0" i="0" u="none" strike="noStrike" cap="none" normalizeH="0" baseline="0" dirty="0">
+            <a:endParaRPr kumimoji="0" lang="de-DE" altLang="de-DE" sz="1100" b="0" i="0" u="none" strike="noStrike" cap="none" normalizeH="0" baseline="0" dirty="0">
               <a:ln>
                 <a:noFill/>
               </a:ln>
@@ -19946,6 +19961,7 @@
               </a:solidFill>
               <a:effectLst/>
               <a:latin typeface="Arial" panose="020B0604020202020204" pitchFamily="34" charset="0"/>
+              <a:cs typeface="Arial" panose="020B0604020202020204" pitchFamily="34" charset="0"/>
             </a:endParaRPr>
           </a:p>
         </p:txBody>
@@ -20014,7 +20030,10 @@
             </a:bodyPr>
             <a:lstStyle/>
             <a:p>
-              <a:endParaRPr lang="de-DE"/>
+              <a:endParaRPr lang="de-DE">
+                <a:latin typeface="Arial" panose="020B0604020202020204" pitchFamily="34" charset="0"/>
+                <a:cs typeface="Arial" panose="020B0604020202020204" pitchFamily="34" charset="0"/>
+              </a:endParaRPr>
             </a:p>
           </p:txBody>
         </p:sp>
@@ -20120,7 +20139,10 @@
             </a:bodyPr>
             <a:lstStyle/>
             <a:p>
-              <a:endParaRPr lang="de-DE"/>
+              <a:endParaRPr lang="de-DE">
+                <a:latin typeface="Arial" panose="020B0604020202020204" pitchFamily="34" charset="0"/>
+                <a:cs typeface="Arial" panose="020B0604020202020204" pitchFamily="34" charset="0"/>
+              </a:endParaRPr>
             </a:p>
           </p:txBody>
         </p:sp>
@@ -20226,7 +20248,10 @@
             </a:bodyPr>
             <a:lstStyle/>
             <a:p>
-              <a:endParaRPr lang="de-DE"/>
+              <a:endParaRPr lang="de-DE">
+                <a:latin typeface="Arial" panose="020B0604020202020204" pitchFamily="34" charset="0"/>
+                <a:cs typeface="Arial" panose="020B0604020202020204" pitchFamily="34" charset="0"/>
+              </a:endParaRPr>
             </a:p>
           </p:txBody>
         </p:sp>
@@ -20334,67 +20359,7 @@
                 <a:ea typeface="Aptos" panose="020B0004020202020204" pitchFamily="34" charset="0"/>
                 <a:cs typeface="Arial" panose="020B0604020202020204" pitchFamily="34" charset="0"/>
               </a:rPr>
-              <a:t>E-Technik f</a:t>
-            </a:r>
-            <a:r>
-              <a:rPr kumimoji="0" lang="de-DE" altLang="de-DE" sz="900" b="0" i="0" u="none" strike="noStrike" cap="none" normalizeH="0" baseline="0" dirty="0">
-                <a:ln>
-                  <a:noFill/>
-                </a:ln>
-                <a:solidFill>
-                  <a:schemeClr val="tx1"/>
-                </a:solidFill>
-                <a:effectLst/>
-                <a:latin typeface="Aptos" panose="020B0004020202020204" pitchFamily="34" charset="0"/>
-                <a:ea typeface="Aptos" panose="020B0004020202020204" pitchFamily="34" charset="0"/>
-                <a:cs typeface="Arial" panose="020B0604020202020204" pitchFamily="34" charset="0"/>
-              </a:rPr>
-              <a:t>ü</a:t>
-            </a:r>
-            <a:r>
-              <a:rPr kumimoji="0" lang="de-DE" altLang="de-DE" sz="900" b="0" i="0" u="none" strike="noStrike" cap="none" normalizeH="0" baseline="0" dirty="0">
-                <a:ln>
-                  <a:noFill/>
-                </a:ln>
-                <a:solidFill>
-                  <a:schemeClr val="tx1"/>
-                </a:solidFill>
-                <a:effectLst/>
-                <a:latin typeface="Arial" panose="020B0604020202020204" pitchFamily="34" charset="0"/>
-                <a:ea typeface="Aptos" panose="020B0004020202020204" pitchFamily="34" charset="0"/>
-                <a:cs typeface="Arial" panose="020B0604020202020204" pitchFamily="34" charset="0"/>
-              </a:rPr>
-              <a:t>r Gro</a:t>
-            </a:r>
-            <a:r>
-              <a:rPr kumimoji="0" lang="de-DE" altLang="de-DE" sz="900" b="0" i="0" u="none" strike="noStrike" cap="none" normalizeH="0" baseline="0" dirty="0">
-                <a:ln>
-                  <a:noFill/>
-                </a:ln>
-                <a:solidFill>
-                  <a:schemeClr val="tx1"/>
-                </a:solidFill>
-                <a:effectLst/>
-                <a:latin typeface="Aptos" panose="020B0004020202020204" pitchFamily="34" charset="0"/>
-                <a:ea typeface="Aptos" panose="020B0004020202020204" pitchFamily="34" charset="0"/>
-                <a:cs typeface="Arial" panose="020B0604020202020204" pitchFamily="34" charset="0"/>
-              </a:rPr>
-              <a:t>ß</a:t>
-            </a:r>
-            <a:r>
-              <a:rPr kumimoji="0" lang="de-DE" altLang="de-DE" sz="900" b="0" i="0" u="none" strike="noStrike" cap="none" normalizeH="0" baseline="0" dirty="0">
-                <a:ln>
-                  <a:noFill/>
-                </a:ln>
-                <a:solidFill>
-                  <a:schemeClr val="tx1"/>
-                </a:solidFill>
-                <a:effectLst/>
-                <a:latin typeface="Arial" panose="020B0604020202020204" pitchFamily="34" charset="0"/>
-                <a:ea typeface="Aptos" panose="020B0004020202020204" pitchFamily="34" charset="0"/>
-                <a:cs typeface="Arial" panose="020B0604020202020204" pitchFamily="34" charset="0"/>
-              </a:rPr>
-              <a:t> und Klein</a:t>
+              <a:t>E-Technik für Groß und Klein</a:t>
             </a:r>
             <a:endParaRPr kumimoji="0" lang="de-DE" altLang="de-DE" sz="900" b="0" i="0" u="none" strike="noStrike" cap="none" normalizeH="0" baseline="0" dirty="0">
               <a:ln>
@@ -20405,6 +20370,7 @@
               </a:solidFill>
               <a:effectLst/>
               <a:latin typeface="Arial" panose="020B0604020202020204" pitchFamily="34" charset="0"/>
+              <a:cs typeface="Arial" panose="020B0604020202020204" pitchFamily="34" charset="0"/>
             </a:endParaRPr>
           </a:p>
         </p:txBody>
@@ -20463,7 +20429,10 @@
           </a:bodyPr>
           <a:lstStyle/>
           <a:p>
-            <a:endParaRPr lang="de-DE"/>
+            <a:endParaRPr lang="de-DE">
+              <a:latin typeface="Arial" panose="020B0604020202020204" pitchFamily="34" charset="0"/>
+              <a:cs typeface="Arial" panose="020B0604020202020204" pitchFamily="34" charset="0"/>
+            </a:endParaRPr>
           </a:p>
         </p:txBody>
       </p:sp>
@@ -20519,7 +20488,11 @@
           </a:bodyPr>
           <a:lstStyle/>
           <a:p>
-            <a:endParaRPr lang="de-DE"/>
+            <a:pPr algn="ctr"/>
+            <a:endParaRPr lang="de-DE" dirty="0">
+              <a:latin typeface="Arial" panose="020B0604020202020204" pitchFamily="34" charset="0"/>
+              <a:cs typeface="Arial" panose="020B0604020202020204" pitchFamily="34" charset="0"/>
+            </a:endParaRPr>
           </a:p>
         </p:txBody>
       </p:sp>
@@ -20577,7 +20550,10 @@
           </a:bodyPr>
           <a:lstStyle/>
           <a:p>
-            <a:endParaRPr lang="de-DE"/>
+            <a:endParaRPr lang="de-DE">
+              <a:latin typeface="Arial" panose="020B0604020202020204" pitchFamily="34" charset="0"/>
+              <a:cs typeface="Arial" panose="020B0604020202020204" pitchFamily="34" charset="0"/>
+            </a:endParaRPr>
           </a:p>
         </p:txBody>
       </p:sp>
@@ -20635,11 +20611,11 @@
           <a:p>
             <a:pPr algn="ctr"/>
             <a:r>
-              <a:rPr lang="de-DE" altLang="de-DE" sz="900" dirty="0">
+              <a:rPr lang="de-DE" altLang="de-DE" sz="1100" dirty="0">
                 <a:solidFill>
                   <a:schemeClr val="tx1"/>
                 </a:solidFill>
-                <a:latin typeface="Arial Black" panose="020B0A04020102020204" pitchFamily="34" charset="0"/>
+                <a:latin typeface="Arial" panose="020B0604020202020204" pitchFamily="34" charset="0"/>
                 <a:cs typeface="Arial" panose="020B0604020202020204" pitchFamily="34" charset="0"/>
               </a:rPr>
               <a:t>Mediengestalter*</a:t>
@@ -20711,7 +20687,10 @@
             </a:bodyPr>
             <a:lstStyle/>
             <a:p>
-              <a:endParaRPr lang="de-DE"/>
+              <a:endParaRPr lang="de-DE">
+                <a:latin typeface="Arial" panose="020B0604020202020204" pitchFamily="34" charset="0"/>
+                <a:cs typeface="Arial" panose="020B0604020202020204" pitchFamily="34" charset="0"/>
+              </a:endParaRPr>
             </a:p>
           </p:txBody>
         </p:sp>
@@ -20807,7 +20786,7 @@
           <a:p>
             <a:pPr algn="ctr"/>
             <a:r>
-              <a:rPr kumimoji="0" lang="de-DE" altLang="de-DE" sz="900" b="0" i="0" u="none" strike="noStrike" cap="none" normalizeH="0" baseline="0" dirty="0">
+              <a:rPr kumimoji="0" lang="de-DE" altLang="de-DE" sz="1100" b="0" i="0" u="none" strike="noStrike" cap="none" normalizeH="0" baseline="0" dirty="0">
                 <a:ln>
                   <a:noFill/>
                 </a:ln>
@@ -20815,13 +20794,13 @@
                   <a:schemeClr val="tx1"/>
                 </a:solidFill>
                 <a:effectLst/>
-                <a:latin typeface="Arial Black" panose="020B0A04020102020204" pitchFamily="34" charset="0"/>
+                <a:latin typeface="Arial" panose="020B0604020202020204" pitchFamily="34" charset="0"/>
                 <a:ea typeface="Aptos" panose="020B0004020202020204" pitchFamily="34" charset="0"/>
                 <a:cs typeface="Arial" panose="020B0604020202020204" pitchFamily="34" charset="0"/>
               </a:rPr>
               <a:t>Fachinformatiker*</a:t>
             </a:r>
-            <a:endParaRPr kumimoji="0" lang="de-DE" altLang="de-DE" sz="900" b="0" i="0" u="none" strike="noStrike" cap="none" normalizeH="0" baseline="0" dirty="0">
+            <a:endParaRPr kumimoji="0" lang="de-DE" altLang="de-DE" sz="1100" b="0" i="0" u="none" strike="noStrike" cap="none" normalizeH="0" baseline="0" dirty="0">
               <a:ln>
                 <a:noFill/>
               </a:ln>
@@ -20830,6 +20809,7 @@
               </a:solidFill>
               <a:effectLst/>
               <a:latin typeface="Arial" panose="020B0604020202020204" pitchFamily="34" charset="0"/>
+              <a:cs typeface="Arial" panose="020B0604020202020204" pitchFamily="34" charset="0"/>
             </a:endParaRPr>
           </a:p>
         </p:txBody>
@@ -20898,7 +20878,10 @@
             </a:bodyPr>
             <a:lstStyle/>
             <a:p>
-              <a:endParaRPr lang="de-DE"/>
+              <a:endParaRPr lang="de-DE">
+                <a:latin typeface="Arial" panose="020B0604020202020204" pitchFamily="34" charset="0"/>
+                <a:cs typeface="Arial" panose="020B0604020202020204" pitchFamily="34" charset="0"/>
+              </a:endParaRPr>
             </a:p>
           </p:txBody>
         </p:sp>
@@ -21004,7 +20987,10 @@
             </a:bodyPr>
             <a:lstStyle/>
             <a:p>
-              <a:endParaRPr lang="de-DE"/>
+              <a:endParaRPr lang="de-DE">
+                <a:latin typeface="Arial" panose="020B0604020202020204" pitchFamily="34" charset="0"/>
+                <a:cs typeface="Arial" panose="020B0604020202020204" pitchFamily="34" charset="0"/>
+              </a:endParaRPr>
             </a:p>
           </p:txBody>
         </p:sp>
@@ -21100,7 +21086,10 @@
           </a:bodyPr>
           <a:lstStyle/>
           <a:p>
-            <a:endParaRPr lang="de-DE"/>
+            <a:endParaRPr lang="de-DE">
+              <a:latin typeface="Arial" panose="020B0604020202020204" pitchFamily="34" charset="0"/>
+              <a:cs typeface="Arial" panose="020B0604020202020204" pitchFamily="34" charset="0"/>
+            </a:endParaRPr>
           </a:p>
         </p:txBody>
       </p:sp>
@@ -21158,17 +21147,17 @@
           <a:p>
             <a:pPr algn="ctr"/>
             <a:r>
-              <a:rPr lang="de-DE" altLang="de-DE" sz="900" dirty="0">
+              <a:rPr lang="de-DE" altLang="de-DE" sz="1100" dirty="0">
                 <a:solidFill>
                   <a:schemeClr val="tx1"/>
                 </a:solidFill>
-                <a:latin typeface="Arial Black" panose="020B0A04020102020204" pitchFamily="34" charset="0"/>
+                <a:latin typeface="Arial" panose="020B0604020202020204" pitchFamily="34" charset="0"/>
                 <a:cs typeface="Arial" panose="020B0604020202020204" pitchFamily="34" charset="0"/>
               </a:rPr>
               <a:t>WAGO</a:t>
             </a:r>
             <a:r>
-              <a:rPr kumimoji="0" lang="de-DE" altLang="de-DE" sz="900" b="0" i="0" u="none" strike="noStrike" cap="none" normalizeH="0" baseline="0" dirty="0">
+              <a:rPr kumimoji="0" lang="de-DE" altLang="de-DE" sz="1100" b="0" i="0" u="none" strike="noStrike" cap="none" normalizeH="0" baseline="0" dirty="0">
                 <a:ln>
                   <a:noFill/>
                 </a:ln>
@@ -21176,24 +21165,24 @@
                   <a:schemeClr val="tx1"/>
                 </a:solidFill>
                 <a:effectLst/>
-                <a:latin typeface="Arial Black" panose="020B0A04020102020204" pitchFamily="34" charset="0"/>
+                <a:latin typeface="Arial" panose="020B0604020202020204" pitchFamily="34" charset="0"/>
                 <a:ea typeface="Aptos" panose="020B0004020202020204" pitchFamily="34" charset="0"/>
                 <a:cs typeface="Arial" panose="020B0604020202020204" pitchFamily="34" charset="0"/>
               </a:rPr>
               <a:t> </a:t>
             </a:r>
             <a:r>
-              <a:rPr lang="de-DE" altLang="de-DE" sz="900" dirty="0">
+              <a:rPr lang="de-DE" altLang="de-DE" sz="1100" dirty="0">
                 <a:solidFill>
                   <a:schemeClr val="tx1"/>
                 </a:solidFill>
-                <a:latin typeface="Arial Black" panose="020B0A04020102020204" pitchFamily="34" charset="0"/>
+                <a:latin typeface="Arial" panose="020B0604020202020204" pitchFamily="34" charset="0"/>
                 <a:cs typeface="Arial" panose="020B0604020202020204" pitchFamily="34" charset="0"/>
               </a:rPr>
               <a:t>Studiengänge</a:t>
             </a:r>
             <a:r>
-              <a:rPr kumimoji="0" lang="de-DE" altLang="de-DE" sz="900" b="0" i="0" u="none" strike="noStrike" cap="none" normalizeH="0" baseline="0" dirty="0">
+              <a:rPr kumimoji="0" lang="de-DE" altLang="de-DE" sz="1100" b="0" i="0" u="none" strike="noStrike" cap="none" normalizeH="0" baseline="0" dirty="0">
                 <a:ln>
                   <a:noFill/>
                 </a:ln>
@@ -21201,13 +21190,13 @@
                   <a:schemeClr val="tx1"/>
                 </a:solidFill>
                 <a:effectLst/>
-                <a:latin typeface="Arial Black" panose="020B0A04020102020204" pitchFamily="34" charset="0"/>
+                <a:latin typeface="Arial" panose="020B0604020202020204" pitchFamily="34" charset="0"/>
                 <a:ea typeface="Aptos" panose="020B0004020202020204" pitchFamily="34" charset="0"/>
                 <a:cs typeface="Arial" panose="020B0604020202020204" pitchFamily="34" charset="0"/>
               </a:rPr>
               <a:t> </a:t>
             </a:r>
-            <a:endParaRPr kumimoji="0" lang="de-DE" altLang="de-DE" sz="900" b="0" i="0" u="none" strike="noStrike" cap="none" normalizeH="0" baseline="0" dirty="0">
+            <a:endParaRPr kumimoji="0" lang="de-DE" altLang="de-DE" sz="1100" b="0" i="0" u="none" strike="noStrike" cap="none" normalizeH="0" baseline="0" dirty="0">
               <a:ln>
                 <a:noFill/>
               </a:ln>
@@ -21216,6 +21205,7 @@
               </a:solidFill>
               <a:effectLst/>
               <a:latin typeface="Arial" panose="020B0604020202020204" pitchFamily="34" charset="0"/>
+              <a:cs typeface="Arial" panose="020B0604020202020204" pitchFamily="34" charset="0"/>
             </a:endParaRPr>
           </a:p>
         </p:txBody>
@@ -21274,7 +21264,10 @@
           </a:bodyPr>
           <a:lstStyle/>
           <a:p>
-            <a:endParaRPr lang="de-DE"/>
+            <a:endParaRPr lang="de-DE">
+              <a:latin typeface="Arial" panose="020B0604020202020204" pitchFamily="34" charset="0"/>
+              <a:cs typeface="Arial" panose="020B0604020202020204" pitchFamily="34" charset="0"/>
+            </a:endParaRPr>
           </a:p>
         </p:txBody>
       </p:sp>
@@ -21332,7 +21325,7 @@
           <a:p>
             <a:pPr algn="ctr"/>
             <a:r>
-              <a:rPr kumimoji="0" lang="de-DE" altLang="de-DE" sz="900" b="0" i="0" u="none" strike="noStrike" cap="none" normalizeH="0" baseline="0" dirty="0">
+              <a:rPr kumimoji="0" lang="de-DE" altLang="de-DE" sz="1100" b="0" i="0" u="none" strike="noStrike" cap="none" normalizeH="0" baseline="0" dirty="0">
                 <a:ln>
                   <a:noFill/>
                 </a:ln>
@@ -21340,13 +21333,16 @@
                   <a:schemeClr val="tx1"/>
                 </a:solidFill>
                 <a:effectLst/>
-                <a:latin typeface="Arial Black" panose="020B0A04020102020204" pitchFamily="34" charset="0"/>
+                <a:latin typeface="Arial" panose="020B0604020202020204" pitchFamily="34" charset="0"/>
                 <a:ea typeface="Aptos" panose="020B0004020202020204" pitchFamily="34" charset="0"/>
                 <a:cs typeface="Arial" panose="020B0604020202020204" pitchFamily="34" charset="0"/>
               </a:rPr>
               <a:t>Mensa</a:t>
             </a:r>
-            <a:endParaRPr lang="de-DE" sz="900" dirty="0"/>
+            <a:endParaRPr lang="de-DE" sz="900" dirty="0">
+              <a:latin typeface="Arial" panose="020B0604020202020204" pitchFamily="34" charset="0"/>
+              <a:cs typeface="Arial" panose="020B0604020202020204" pitchFamily="34" charset="0"/>
+            </a:endParaRPr>
           </a:p>
         </p:txBody>
       </p:sp>
@@ -21404,7 +21400,10 @@
           </a:bodyPr>
           <a:lstStyle/>
           <a:p>
-            <a:endParaRPr lang="de-DE"/>
+            <a:endParaRPr lang="de-DE">
+              <a:latin typeface="Arial" panose="020B0604020202020204" pitchFamily="34" charset="0"/>
+              <a:cs typeface="Arial" panose="020B0604020202020204" pitchFamily="34" charset="0"/>
+            </a:endParaRPr>
           </a:p>
         </p:txBody>
       </p:sp>
@@ -21462,7 +21461,10 @@
           </a:bodyPr>
           <a:lstStyle/>
           <a:p>
-            <a:endParaRPr lang="de-DE"/>
+            <a:endParaRPr lang="de-DE">
+              <a:latin typeface="Arial" panose="020B0604020202020204" pitchFamily="34" charset="0"/>
+              <a:cs typeface="Arial" panose="020B0604020202020204" pitchFamily="34" charset="0"/>
+            </a:endParaRPr>
           </a:p>
         </p:txBody>
       </p:sp>
@@ -21520,7 +21522,10 @@
           </a:bodyPr>
           <a:lstStyle/>
           <a:p>
-            <a:endParaRPr lang="de-DE"/>
+            <a:endParaRPr lang="de-DE">
+              <a:latin typeface="Arial" panose="020B0604020202020204" pitchFamily="34" charset="0"/>
+              <a:cs typeface="Arial" panose="020B0604020202020204" pitchFamily="34" charset="0"/>
+            </a:endParaRPr>
           </a:p>
         </p:txBody>
       </p:sp>
@@ -21578,7 +21583,10 @@
           </a:bodyPr>
           <a:lstStyle/>
           <a:p>
-            <a:endParaRPr lang="de-DE"/>
+            <a:endParaRPr lang="de-DE">
+              <a:latin typeface="Arial" panose="020B0604020202020204" pitchFamily="34" charset="0"/>
+              <a:cs typeface="Arial" panose="020B0604020202020204" pitchFamily="34" charset="0"/>
+            </a:endParaRPr>
           </a:p>
         </p:txBody>
       </p:sp>
@@ -21634,7 +21642,10 @@
           </a:bodyPr>
           <a:lstStyle/>
           <a:p>
-            <a:endParaRPr lang="de-DE" dirty="0"/>
+            <a:endParaRPr lang="de-DE" dirty="0">
+              <a:latin typeface="Arial" panose="020B0604020202020204" pitchFamily="34" charset="0"/>
+              <a:cs typeface="Arial" panose="020B0604020202020204" pitchFamily="34" charset="0"/>
+            </a:endParaRPr>
           </a:p>
         </p:txBody>
       </p:sp>
@@ -21690,7 +21701,10 @@
           </a:bodyPr>
           <a:lstStyle/>
           <a:p>
-            <a:endParaRPr lang="de-DE"/>
+            <a:endParaRPr lang="de-DE">
+              <a:latin typeface="Arial" panose="020B0604020202020204" pitchFamily="34" charset="0"/>
+              <a:cs typeface="Arial" panose="020B0604020202020204" pitchFamily="34" charset="0"/>
+            </a:endParaRPr>
           </a:p>
         </p:txBody>
       </p:sp>
@@ -21746,7 +21760,10 @@
           </a:bodyPr>
           <a:lstStyle/>
           <a:p>
-            <a:endParaRPr lang="de-DE" dirty="0"/>
+            <a:endParaRPr lang="de-DE" dirty="0">
+              <a:latin typeface="Arial" panose="020B0604020202020204" pitchFamily="34" charset="0"/>
+              <a:cs typeface="Arial" panose="020B0604020202020204" pitchFamily="34" charset="0"/>
+            </a:endParaRPr>
           </a:p>
         </p:txBody>
       </p:sp>
@@ -22596,7 +22613,10 @@
           </a:bodyPr>
           <a:lstStyle/>
           <a:p>
-            <a:endParaRPr lang="de-DE"/>
+            <a:endParaRPr lang="de-DE">
+              <a:latin typeface="Arial" panose="020B0604020202020204" pitchFamily="34" charset="0"/>
+              <a:cs typeface="Arial" panose="020B0604020202020204" pitchFamily="34" charset="0"/>
+            </a:endParaRPr>
           </a:p>
         </p:txBody>
       </p:sp>
@@ -22696,7 +22716,10 @@
           </a:bodyPr>
           <a:lstStyle/>
           <a:p>
-            <a:endParaRPr lang="de-DE"/>
+            <a:endParaRPr lang="de-DE">
+              <a:latin typeface="Arial" panose="020B0604020202020204" pitchFamily="34" charset="0"/>
+              <a:cs typeface="Arial" panose="020B0604020202020204" pitchFamily="34" charset="0"/>
+            </a:endParaRPr>
           </a:p>
         </p:txBody>
       </p:sp>
@@ -22769,7 +22792,7 @@
               <a:tabLst/>
             </a:pPr>
             <a:r>
-              <a:rPr kumimoji="0" lang="de-DE" altLang="de-DE" sz="900" b="0" i="0" u="none" strike="noStrike" cap="none" normalizeH="0" baseline="0" dirty="0">
+              <a:rPr kumimoji="0" lang="de-DE" altLang="de-DE" sz="1100" b="0" i="0" u="none" strike="noStrike" cap="none" normalizeH="0" baseline="0" dirty="0">
                 <a:ln>
                   <a:noFill/>
                 </a:ln>
@@ -22777,13 +22800,13 @@
                   <a:schemeClr val="tx1"/>
                 </a:solidFill>
                 <a:effectLst/>
-                <a:latin typeface="Arial Black" panose="020B0A04020102020204" pitchFamily="34" charset="0"/>
+                <a:latin typeface="Arial" panose="020B0604020202020204" pitchFamily="34" charset="0"/>
                 <a:ea typeface="Aptos" panose="020B0004020202020204" pitchFamily="34" charset="0"/>
                 <a:cs typeface="Arial" panose="020B0604020202020204" pitchFamily="34" charset="0"/>
               </a:rPr>
               <a:t>Elektroniker*</a:t>
             </a:r>
-            <a:endParaRPr kumimoji="0" lang="de-DE" altLang="de-DE" sz="900" b="0" i="0" u="none" strike="noStrike" cap="none" normalizeH="0" baseline="0" dirty="0">
+            <a:endParaRPr kumimoji="0" lang="de-DE" altLang="de-DE" sz="1100" b="0" i="0" u="none" strike="noStrike" cap="none" normalizeH="0" baseline="0" dirty="0">
               <a:ln>
                 <a:noFill/>
               </a:ln>
@@ -22791,6 +22814,8 @@
                 <a:schemeClr val="tx1"/>
               </a:solidFill>
               <a:effectLst/>
+              <a:latin typeface="Arial" panose="020B0604020202020204" pitchFamily="34" charset="0"/>
+              <a:cs typeface="Arial" panose="020B0604020202020204" pitchFamily="34" charset="0"/>
             </a:endParaRPr>
           </a:p>
           <a:p>
@@ -22811,7 +22836,7 @@
               <a:tabLst/>
             </a:pPr>
             <a:r>
-              <a:rPr kumimoji="0" lang="de-DE" altLang="de-DE" sz="900" b="0" i="0" u="none" strike="noStrike" cap="none" normalizeH="0" baseline="0" dirty="0">
+              <a:rPr kumimoji="0" lang="de-DE" altLang="de-DE" sz="1100" b="0" i="0" u="none" strike="noStrike" cap="none" normalizeH="0" baseline="0" dirty="0">
                 <a:ln>
                   <a:noFill/>
                 </a:ln>
@@ -22819,13 +22844,13 @@
                   <a:schemeClr val="tx1"/>
                 </a:solidFill>
                 <a:effectLst/>
-                <a:latin typeface="Arial Black" panose="020B0A04020102020204" pitchFamily="34" charset="0"/>
+                <a:latin typeface="Arial" panose="020B0604020202020204" pitchFamily="34" charset="0"/>
                 <a:ea typeface="Aptos" panose="020B0004020202020204" pitchFamily="34" charset="0"/>
                 <a:cs typeface="Arial" panose="020B0604020202020204" pitchFamily="34" charset="0"/>
               </a:rPr>
               <a:t>Industrieelektriker*</a:t>
             </a:r>
-            <a:endParaRPr kumimoji="0" lang="de-DE" altLang="de-DE" sz="900" b="0" i="0" u="none" strike="noStrike" cap="none" normalizeH="0" baseline="0" dirty="0">
+            <a:endParaRPr kumimoji="0" lang="de-DE" altLang="de-DE" sz="1100" b="0" i="0" u="none" strike="noStrike" cap="none" normalizeH="0" baseline="0" dirty="0">
               <a:ln>
                 <a:noFill/>
               </a:ln>
@@ -22833,6 +22858,8 @@
                 <a:schemeClr val="tx1"/>
               </a:solidFill>
               <a:effectLst/>
+              <a:latin typeface="Arial" panose="020B0604020202020204" pitchFamily="34" charset="0"/>
+              <a:cs typeface="Arial" panose="020B0604020202020204" pitchFamily="34" charset="0"/>
             </a:endParaRPr>
           </a:p>
           <a:p>
@@ -22853,7 +22880,7 @@
               <a:tabLst/>
             </a:pPr>
             <a:r>
-              <a:rPr kumimoji="0" lang="de-DE" altLang="de-DE" sz="900" b="0" i="0" u="none" strike="noStrike" cap="none" normalizeH="0" baseline="0" dirty="0">
+              <a:rPr kumimoji="0" lang="de-DE" altLang="de-DE" sz="1100" b="0" i="0" u="none" strike="noStrike" cap="none" normalizeH="0" baseline="0" dirty="0">
                 <a:ln>
                   <a:noFill/>
                 </a:ln>
@@ -22861,13 +22888,13 @@
                   <a:schemeClr val="tx1"/>
                 </a:solidFill>
                 <a:effectLst/>
-                <a:latin typeface="Arial Black" panose="020B0A04020102020204" pitchFamily="34" charset="0"/>
+                <a:latin typeface="Arial" panose="020B0604020202020204" pitchFamily="34" charset="0"/>
                 <a:ea typeface="Aptos" panose="020B0004020202020204" pitchFamily="34" charset="0"/>
                 <a:cs typeface="Arial" panose="020B0604020202020204" pitchFamily="34" charset="0"/>
               </a:rPr>
               <a:t>Mechatroniker*</a:t>
             </a:r>
-            <a:endParaRPr kumimoji="0" lang="de-DE" altLang="de-DE" sz="900" b="0" i="0" u="none" strike="noStrike" cap="none" normalizeH="0" baseline="0" dirty="0">
+            <a:endParaRPr kumimoji="0" lang="de-DE" altLang="de-DE" sz="1100" b="0" i="0" u="none" strike="noStrike" cap="none" normalizeH="0" baseline="0" dirty="0">
               <a:ln>
                 <a:noFill/>
               </a:ln>
@@ -22875,10 +22902,15 @@
                 <a:schemeClr val="tx1"/>
               </a:solidFill>
               <a:effectLst/>
+              <a:latin typeface="Arial" panose="020B0604020202020204" pitchFamily="34" charset="0"/>
+              <a:cs typeface="Arial" panose="020B0604020202020204" pitchFamily="34" charset="0"/>
             </a:endParaRPr>
           </a:p>
           <a:p>
-            <a:endParaRPr lang="de-DE" sz="900" dirty="0"/>
+            <a:endParaRPr lang="de-DE" sz="1100" dirty="0">
+              <a:latin typeface="Arial" panose="020B0604020202020204" pitchFamily="34" charset="0"/>
+              <a:cs typeface="Arial" panose="020B0604020202020204" pitchFamily="34" charset="0"/>
+            </a:endParaRPr>
           </a:p>
         </p:txBody>
       </p:sp>
@@ -22936,16 +22968,16 @@
           <a:p>
             <a:pPr algn="ctr"/>
             <a:r>
-              <a:rPr lang="de-DE" altLang="de-DE" sz="900" dirty="0">
+              <a:rPr lang="de-DE" altLang="de-DE" sz="1100" dirty="0">
                 <a:solidFill>
                   <a:schemeClr val="tx1"/>
                 </a:solidFill>
-                <a:latin typeface="Arial Black" panose="020B0A04020102020204" pitchFamily="34" charset="0"/>
+                <a:latin typeface="Arial" panose="020B0604020202020204" pitchFamily="34" charset="0"/>
                 <a:cs typeface="Arial" panose="020B0604020202020204" pitchFamily="34" charset="0"/>
               </a:rPr>
               <a:t>Industriekaufleute</a:t>
             </a:r>
-            <a:endParaRPr kumimoji="0" lang="de-DE" altLang="de-DE" sz="4400" b="0" i="0" u="none" strike="noStrike" cap="none" normalizeH="0" baseline="0" dirty="0">
+            <a:endParaRPr kumimoji="0" lang="de-DE" altLang="de-DE" sz="1100" b="0" i="0" u="none" strike="noStrike" cap="none" normalizeH="0" baseline="0" dirty="0">
               <a:ln>
                 <a:noFill/>
               </a:ln>
@@ -22954,6 +22986,7 @@
               </a:solidFill>
               <a:effectLst/>
               <a:latin typeface="Arial" panose="020B0604020202020204" pitchFamily="34" charset="0"/>
+              <a:cs typeface="Arial" panose="020B0604020202020204" pitchFamily="34" charset="0"/>
             </a:endParaRPr>
           </a:p>
         </p:txBody>
@@ -23012,7 +23045,10 @@
           </a:bodyPr>
           <a:lstStyle/>
           <a:p>
-            <a:endParaRPr lang="de-DE"/>
+            <a:endParaRPr lang="de-DE">
+              <a:latin typeface="Arial" panose="020B0604020202020204" pitchFamily="34" charset="0"/>
+              <a:cs typeface="Arial" panose="020B0604020202020204" pitchFamily="34" charset="0"/>
+            </a:endParaRPr>
           </a:p>
         </p:txBody>
       </p:sp>
@@ -23070,7 +23106,10 @@
           </a:bodyPr>
           <a:lstStyle/>
           <a:p>
-            <a:endParaRPr lang="de-DE"/>
+            <a:endParaRPr lang="de-DE">
+              <a:latin typeface="Arial" panose="020B0604020202020204" pitchFamily="34" charset="0"/>
+              <a:cs typeface="Arial" panose="020B0604020202020204" pitchFamily="34" charset="0"/>
+            </a:endParaRPr>
           </a:p>
         </p:txBody>
       </p:sp>
@@ -23128,7 +23167,10 @@
           </a:bodyPr>
           <a:lstStyle/>
           <a:p>
-            <a:endParaRPr lang="de-DE"/>
+            <a:endParaRPr lang="de-DE">
+              <a:latin typeface="Arial" panose="020B0604020202020204" pitchFamily="34" charset="0"/>
+              <a:cs typeface="Arial" panose="020B0604020202020204" pitchFamily="34" charset="0"/>
+            </a:endParaRPr>
           </a:p>
         </p:txBody>
       </p:sp>
@@ -23184,7 +23226,10 @@
           </a:bodyPr>
           <a:lstStyle/>
           <a:p>
-            <a:endParaRPr lang="de-DE"/>
+            <a:endParaRPr lang="de-DE">
+              <a:latin typeface="Arial" panose="020B0604020202020204" pitchFamily="34" charset="0"/>
+              <a:cs typeface="Arial" panose="020B0604020202020204" pitchFamily="34" charset="0"/>
+            </a:endParaRPr>
           </a:p>
         </p:txBody>
       </p:sp>
@@ -23240,7 +23285,10 @@
           </a:bodyPr>
           <a:lstStyle/>
           <a:p>
-            <a:endParaRPr lang="de-DE" dirty="0"/>
+            <a:endParaRPr lang="de-DE" dirty="0">
+              <a:latin typeface="Arial" panose="020B0604020202020204" pitchFamily="34" charset="0"/>
+              <a:cs typeface="Arial" panose="020B0604020202020204" pitchFamily="34" charset="0"/>
+            </a:endParaRPr>
           </a:p>
         </p:txBody>
       </p:sp>
@@ -23296,7 +23344,10 @@
           </a:bodyPr>
           <a:lstStyle/>
           <a:p>
-            <a:endParaRPr lang="de-DE" dirty="0"/>
+            <a:endParaRPr lang="de-DE" dirty="0">
+              <a:latin typeface="Arial" panose="020B0604020202020204" pitchFamily="34" charset="0"/>
+              <a:cs typeface="Arial" panose="020B0604020202020204" pitchFamily="34" charset="0"/>
+            </a:endParaRPr>
           </a:p>
         </p:txBody>
       </p:sp>
@@ -23352,7 +23403,10 @@
           </a:bodyPr>
           <a:lstStyle/>
           <a:p>
-            <a:endParaRPr lang="de-DE"/>
+            <a:endParaRPr lang="de-DE">
+              <a:latin typeface="Arial" panose="020B0604020202020204" pitchFamily="34" charset="0"/>
+              <a:cs typeface="Arial" panose="020B0604020202020204" pitchFamily="34" charset="0"/>
+            </a:endParaRPr>
           </a:p>
         </p:txBody>
       </p:sp>
@@ -23408,7 +23462,10 @@
           </a:bodyPr>
           <a:lstStyle/>
           <a:p>
-            <a:endParaRPr lang="de-DE"/>
+            <a:endParaRPr lang="de-DE">
+              <a:latin typeface="Arial" panose="020B0604020202020204" pitchFamily="34" charset="0"/>
+              <a:cs typeface="Arial" panose="020B0604020202020204" pitchFamily="34" charset="0"/>
+            </a:endParaRPr>
           </a:p>
         </p:txBody>
       </p:sp>
@@ -23465,6 +23522,21 @@
           <a:lstStyle/>
           <a:p>
             <a:pPr algn="ctr"/>
+            <a:r>
+              <a:rPr kumimoji="0" lang="de-DE" altLang="de-DE" sz="1100" b="0" i="0" u="none" strike="noStrike" cap="none" normalizeH="0" baseline="0" dirty="0">
+                <a:ln>
+                  <a:noFill/>
+                </a:ln>
+                <a:solidFill>
+                  <a:schemeClr val="tx1"/>
+                </a:solidFill>
+                <a:effectLst/>
+                <a:latin typeface="Arial" panose="020B0604020202020204" pitchFamily="34" charset="0"/>
+                <a:ea typeface="Aptos" panose="020B0004020202020204" pitchFamily="34" charset="0"/>
+                <a:cs typeface="Arial" panose="020B0604020202020204" pitchFamily="34" charset="0"/>
+              </a:rPr>
+              <a:t>Fachlagerist</a:t>
+            </a:r>
             <a:r>
               <a:rPr kumimoji="0" lang="de-DE" altLang="de-DE" sz="900" b="0" i="0" u="none" strike="noStrike" cap="none" normalizeH="0" baseline="0" dirty="0">
                 <a:ln>
@@ -23474,11 +23546,11 @@
                   <a:schemeClr val="tx1"/>
                 </a:solidFill>
                 <a:effectLst/>
-                <a:latin typeface="Arial Black" panose="020B0A04020102020204" pitchFamily="34" charset="0"/>
+                <a:latin typeface="Arial" panose="020B0604020202020204" pitchFamily="34" charset="0"/>
                 <a:ea typeface="Aptos" panose="020B0004020202020204" pitchFamily="34" charset="0"/>
                 <a:cs typeface="Arial" panose="020B0604020202020204" pitchFamily="34" charset="0"/>
               </a:rPr>
-              <a:t>Fachlagerist*</a:t>
+              <a:t>*</a:t>
             </a:r>
             <a:endParaRPr kumimoji="0" lang="de-DE" altLang="de-DE" sz="900" b="0" i="0" u="none" strike="noStrike" cap="none" normalizeH="0" baseline="0" dirty="0">
               <a:ln>
@@ -23489,6 +23561,7 @@
               </a:solidFill>
               <a:effectLst/>
               <a:latin typeface="Arial" panose="020B0604020202020204" pitchFamily="34" charset="0"/>
+              <a:cs typeface="Arial" panose="020B0604020202020204" pitchFamily="34" charset="0"/>
             </a:endParaRPr>
           </a:p>
         </p:txBody>
@@ -24158,7 +24231,10 @@
           </a:bodyPr>
           <a:lstStyle/>
           <a:p>
-            <a:endParaRPr lang="de-DE"/>
+            <a:endParaRPr lang="de-DE">
+              <a:latin typeface="Arial" panose="020B0604020202020204" pitchFamily="34" charset="0"/>
+              <a:cs typeface="Arial" panose="020B0604020202020204" pitchFamily="34" charset="0"/>
+            </a:endParaRPr>
           </a:p>
         </p:txBody>
       </p:sp>
@@ -24215,1559 +24291,6 @@
             </a:prstTxWarp>
           </a:bodyPr>
           <a:lstStyle/>
-          <a:p>
-            <a:pPr marL="0" marR="0" lvl="0" indent="0" algn="l" defTabSz="914400" rtl="0" eaLnBrk="0" fontAlgn="base" latinLnBrk="0" hangingPunct="0">
-              <a:lnSpc>
-                <a:spcPct val="100000"/>
-              </a:lnSpc>
-              <a:spcBef>
-                <a:spcPct val="0"/>
-              </a:spcBef>
-              <a:spcAft>
-                <a:spcPct val="0"/>
-              </a:spcAft>
-              <a:buClrTx/>
-              <a:buSzTx/>
-              <a:buFontTx/>
-              <a:buNone/>
-              <a:tabLst/>
-            </a:pPr>
-            <a:r>
-              <a:rPr kumimoji="0" lang="de-DE" altLang="de-DE" sz="800" b="0" i="0" u="none" strike="noStrike" cap="none" normalizeH="0" baseline="0" dirty="0">
-                <a:ln>
-                  <a:noFill/>
-                </a:ln>
-                <a:solidFill>
-                  <a:schemeClr val="tx1"/>
-                </a:solidFill>
-                <a:effectLst/>
-                <a:latin typeface="Arial" panose="020B0604020202020204" pitchFamily="34" charset="0"/>
-                <a:ea typeface="Aptos" panose="020B0004020202020204" pitchFamily="34" charset="0"/>
-                <a:cs typeface="Arial" panose="020B0604020202020204" pitchFamily="34" charset="0"/>
-              </a:rPr>
-              <a:t>Gewinnspiel + Give-Away </a:t>
-            </a:r>
-            <a:r>
-              <a:rPr kumimoji="0" lang="de-DE" altLang="de-DE" sz="800" b="0" i="0" u="none" strike="noStrike" cap="none" normalizeH="0" baseline="0" dirty="0">
-                <a:ln>
-                  <a:noFill/>
-                </a:ln>
-                <a:solidFill>
-                  <a:schemeClr val="tx1"/>
-                </a:solidFill>
-                <a:effectLst/>
-                <a:latin typeface="Aptos" panose="020B0004020202020204" pitchFamily="34" charset="0"/>
-                <a:ea typeface="Aptos" panose="020B0004020202020204" pitchFamily="34" charset="0"/>
-                <a:cs typeface="Arial" panose="020B0604020202020204" pitchFamily="34" charset="0"/>
-              </a:rPr>
-              <a:t>„</a:t>
-            </a:r>
-            <a:r>
-              <a:rPr kumimoji="0" lang="de-DE" altLang="de-DE" sz="800" b="0" i="0" u="none" strike="noStrike" cap="none" normalizeH="0" baseline="0" dirty="0">
-                <a:ln>
-                  <a:noFill/>
-                </a:ln>
-                <a:solidFill>
-                  <a:schemeClr val="tx1"/>
-                </a:solidFill>
-                <a:effectLst/>
-                <a:latin typeface="Arial" panose="020B0604020202020204" pitchFamily="34" charset="0"/>
-                <a:ea typeface="Aptos" panose="020B0004020202020204" pitchFamily="34" charset="0"/>
-                <a:cs typeface="Arial" panose="020B0604020202020204" pitchFamily="34" charset="0"/>
-              </a:rPr>
-              <a:t>Labyrinth</a:t>
-            </a:r>
-            <a:r>
-              <a:rPr kumimoji="0" lang="de-DE" altLang="de-DE" sz="800" b="0" i="0" u="none" strike="noStrike" cap="none" normalizeH="0" baseline="0" dirty="0">
-                <a:ln>
-                  <a:noFill/>
-                </a:ln>
-                <a:solidFill>
-                  <a:schemeClr val="tx1"/>
-                </a:solidFill>
-                <a:effectLst/>
-                <a:latin typeface="Aptos" panose="020B0004020202020204" pitchFamily="34" charset="0"/>
-                <a:ea typeface="Aptos" panose="020B0004020202020204" pitchFamily="34" charset="0"/>
-                <a:cs typeface="Arial" panose="020B0604020202020204" pitchFamily="34" charset="0"/>
-              </a:rPr>
-              <a:t>“</a:t>
-            </a:r>
-            <a:endParaRPr kumimoji="0" lang="de-DE" altLang="de-DE" sz="1800" b="0" i="0" u="none" strike="noStrike" cap="none" normalizeH="0" baseline="0" dirty="0">
-              <a:ln>
-                <a:noFill/>
-              </a:ln>
-              <a:solidFill>
-                <a:schemeClr val="tx1"/>
-              </a:solidFill>
-              <a:effectLst/>
-              <a:latin typeface="Arial" panose="020B0604020202020204" pitchFamily="34" charset="0"/>
-            </a:endParaRPr>
-          </a:p>
-        </p:txBody>
-      </p:sp>
-      <p:sp>
-        <p:nvSpPr>
-          <p:cNvPr id="3327" name="Text Box 377">
-            <a:extLst>
-              <a:ext uri="{FF2B5EF4-FFF2-40B4-BE49-F238E27FC236}">
-                <a16:creationId xmlns:a16="http://schemas.microsoft.com/office/drawing/2014/main" id="{2193A440-7AD2-6315-5DEA-4B6764FD1961}"/>
-              </a:ext>
-            </a:extLst>
-          </p:cNvPr>
-          <p:cNvSpPr txBox="1">
-            <a:spLocks noChangeArrowheads="1"/>
-          </p:cNvSpPr>
-          <p:nvPr/>
-        </p:nvSpPr>
-        <p:spPr bwMode="auto">
-          <a:xfrm>
-            <a:off x="2901720" y="6516255"/>
-            <a:ext cx="876300" cy="485775"/>
-          </a:xfrm>
-          <a:prstGeom prst="rect">
-            <a:avLst/>
-          </a:prstGeom>
-          <a:noFill/>
-          <a:ln>
-            <a:noFill/>
-          </a:ln>
-          <a:extLst>
-            <a:ext uri="{909E8E84-426E-40DD-AFC4-6F175D3DCCD1}">
-              <a14:hiddenFill xmlns:a14="http://schemas.microsoft.com/office/drawing/2010/main">
-                <a:solidFill>
-                  <a:srgbClr val="FFFFFF"/>
-                </a:solidFill>
-              </a14:hiddenFill>
-            </a:ext>
-            <a:ext uri="{91240B29-F687-4F45-9708-019B960494DF}">
-              <a14:hiddenLine xmlns:a14="http://schemas.microsoft.com/office/drawing/2010/main" w="9525">
-                <a:solidFill>
-                  <a:srgbClr val="000000"/>
-                </a:solidFill>
-                <a:miter lim="800000"/>
-                <a:headEnd/>
-                <a:tailEnd/>
-              </a14:hiddenLine>
-            </a:ext>
-          </a:extLst>
-        </p:spPr>
-        <p:txBody>
-          <a:bodyPr vert="horz" wrap="square" lIns="91440" tIns="45720" rIns="91440" bIns="45720" numCol="1" anchor="t" anchorCtr="0" compatLnSpc="1">
-            <a:prstTxWarp prst="textNoShape">
-              <a:avLst/>
-            </a:prstTxWarp>
-          </a:bodyPr>
-          <a:lstStyle/>
-          <a:p>
-            <a:pPr marL="0" marR="0" lvl="0" indent="0" algn="l" defTabSz="914400" rtl="0" eaLnBrk="0" fontAlgn="base" latinLnBrk="0" hangingPunct="0">
-              <a:lnSpc>
-                <a:spcPct val="100000"/>
-              </a:lnSpc>
-              <a:spcBef>
-                <a:spcPct val="0"/>
-              </a:spcBef>
-              <a:spcAft>
-                <a:spcPct val="0"/>
-              </a:spcAft>
-              <a:buClrTx/>
-              <a:buSzTx/>
-              <a:buFontTx/>
-              <a:buNone/>
-              <a:tabLst/>
-            </a:pPr>
-            <a:r>
-              <a:rPr kumimoji="0" lang="de-DE" altLang="de-DE" sz="800" b="0" i="0" u="none" strike="noStrike" cap="none" normalizeH="0" baseline="0" dirty="0">
-                <a:ln>
-                  <a:noFill/>
-                </a:ln>
-                <a:solidFill>
-                  <a:schemeClr val="tx1"/>
-                </a:solidFill>
-                <a:effectLst/>
-                <a:latin typeface="Arial" panose="020B0604020202020204" pitchFamily="34" charset="0"/>
-                <a:ea typeface="Aptos" panose="020B0004020202020204" pitchFamily="34" charset="0"/>
-                <a:cs typeface="Arial" panose="020B0604020202020204" pitchFamily="34" charset="0"/>
-              </a:rPr>
-              <a:t>Reaktions- spiel</a:t>
-            </a:r>
-            <a:endParaRPr kumimoji="0" lang="de-DE" altLang="de-DE" sz="1800" b="0" i="0" u="none" strike="noStrike" cap="none" normalizeH="0" baseline="0" dirty="0">
-              <a:ln>
-                <a:noFill/>
-              </a:ln>
-              <a:solidFill>
-                <a:schemeClr val="tx1"/>
-              </a:solidFill>
-              <a:effectLst/>
-              <a:latin typeface="Arial" panose="020B0604020202020204" pitchFamily="34" charset="0"/>
-            </a:endParaRPr>
-          </a:p>
-        </p:txBody>
-      </p:sp>
-      <p:sp>
-        <p:nvSpPr>
-          <p:cNvPr id="3329" name="Text Box 375">
-            <a:extLst>
-              <a:ext uri="{FF2B5EF4-FFF2-40B4-BE49-F238E27FC236}">
-                <a16:creationId xmlns:a16="http://schemas.microsoft.com/office/drawing/2014/main" id="{D4F646C8-0C5B-6E5F-61C4-BE3616C60BAE}"/>
-              </a:ext>
-            </a:extLst>
-          </p:cNvPr>
-          <p:cNvSpPr txBox="1">
-            <a:spLocks noChangeArrowheads="1"/>
-          </p:cNvSpPr>
-          <p:nvPr/>
-        </p:nvSpPr>
-        <p:spPr bwMode="auto">
-          <a:xfrm>
-            <a:off x="5824886" y="12806622"/>
-            <a:ext cx="1304925" cy="504825"/>
-          </a:xfrm>
-          <a:prstGeom prst="rect">
-            <a:avLst/>
-          </a:prstGeom>
-          <a:noFill/>
-          <a:ln>
-            <a:noFill/>
-          </a:ln>
-          <a:extLst>
-            <a:ext uri="{909E8E84-426E-40DD-AFC4-6F175D3DCCD1}">
-              <a14:hiddenFill xmlns:a14="http://schemas.microsoft.com/office/drawing/2010/main">
-                <a:solidFill>
-                  <a:srgbClr val="FFFFFF"/>
-                </a:solidFill>
-              </a14:hiddenFill>
-            </a:ext>
-            <a:ext uri="{91240B29-F687-4F45-9708-019B960494DF}">
-              <a14:hiddenLine xmlns:a14="http://schemas.microsoft.com/office/drawing/2010/main" w="9525">
-                <a:solidFill>
-                  <a:srgbClr val="000000"/>
-                </a:solidFill>
-                <a:miter lim="800000"/>
-                <a:headEnd/>
-                <a:tailEnd/>
-              </a14:hiddenLine>
-            </a:ext>
-          </a:extLst>
-        </p:spPr>
-        <p:txBody>
-          <a:bodyPr vert="horz" wrap="square" lIns="91440" tIns="45720" rIns="91440" bIns="45720" numCol="1" anchor="t" anchorCtr="0" compatLnSpc="1">
-            <a:prstTxWarp prst="textNoShape">
-              <a:avLst/>
-            </a:prstTxWarp>
-          </a:bodyPr>
-          <a:lstStyle/>
-          <a:p>
-            <a:pPr marL="0" marR="0" lvl="0" indent="0" algn="l" defTabSz="914400" rtl="0" eaLnBrk="0" fontAlgn="base" latinLnBrk="0" hangingPunct="0">
-              <a:lnSpc>
-                <a:spcPct val="100000"/>
-              </a:lnSpc>
-              <a:spcBef>
-                <a:spcPct val="0"/>
-              </a:spcBef>
-              <a:spcAft>
-                <a:spcPct val="0"/>
-              </a:spcAft>
-              <a:buClrTx/>
-              <a:buSzTx/>
-              <a:buFontTx/>
-              <a:buNone/>
-              <a:tabLst/>
-            </a:pPr>
-            <a:r>
-              <a:rPr kumimoji="0" lang="de-DE" altLang="de-DE" sz="800" b="0" i="0" u="none" strike="noStrike" cap="none" normalizeH="0" baseline="0" dirty="0">
-                <a:ln>
-                  <a:noFill/>
-                </a:ln>
-                <a:solidFill>
-                  <a:schemeClr val="tx1"/>
-                </a:solidFill>
-                <a:effectLst/>
-                <a:latin typeface="Arial" panose="020B0604020202020204" pitchFamily="34" charset="0"/>
-                <a:ea typeface="Aptos" panose="020B0004020202020204" pitchFamily="34" charset="0"/>
-                <a:cs typeface="Arial" panose="020B0604020202020204" pitchFamily="34" charset="0"/>
-              </a:rPr>
-              <a:t>Give-Away </a:t>
-            </a:r>
-            <a:r>
-              <a:rPr kumimoji="0" lang="de-DE" altLang="de-DE" sz="800" b="0" i="0" u="none" strike="noStrike" cap="none" normalizeH="0" baseline="0" dirty="0">
-                <a:ln>
-                  <a:noFill/>
-                </a:ln>
-                <a:solidFill>
-                  <a:schemeClr val="tx1"/>
-                </a:solidFill>
-                <a:effectLst/>
-                <a:latin typeface="Aptos" panose="020B0004020202020204" pitchFamily="34" charset="0"/>
-                <a:ea typeface="Aptos" panose="020B0004020202020204" pitchFamily="34" charset="0"/>
-                <a:cs typeface="Arial" panose="020B0604020202020204" pitchFamily="34" charset="0"/>
-              </a:rPr>
-              <a:t>„</a:t>
-            </a:r>
-            <a:r>
-              <a:rPr kumimoji="0" lang="de-DE" altLang="de-DE" sz="800" b="0" i="0" u="none" strike="noStrike" cap="none" normalizeH="0" baseline="0" dirty="0">
-                <a:ln>
-                  <a:noFill/>
-                </a:ln>
-                <a:solidFill>
-                  <a:schemeClr val="tx1"/>
-                </a:solidFill>
-                <a:effectLst/>
-                <a:latin typeface="Arial" panose="020B0604020202020204" pitchFamily="34" charset="0"/>
-                <a:ea typeface="Aptos" panose="020B0004020202020204" pitchFamily="34" charset="0"/>
-                <a:cs typeface="Arial" panose="020B0604020202020204" pitchFamily="34" charset="0"/>
-              </a:rPr>
-              <a:t>W</a:t>
-            </a:r>
-            <a:r>
-              <a:rPr kumimoji="0" lang="de-DE" altLang="de-DE" sz="800" b="0" i="0" u="none" strike="noStrike" cap="none" normalizeH="0" baseline="0" dirty="0">
-                <a:ln>
-                  <a:noFill/>
-                </a:ln>
-                <a:solidFill>
-                  <a:schemeClr val="tx1"/>
-                </a:solidFill>
-                <a:effectLst/>
-                <a:latin typeface="Aptos" panose="020B0004020202020204" pitchFamily="34" charset="0"/>
-                <a:ea typeface="Aptos" panose="020B0004020202020204" pitchFamily="34" charset="0"/>
-                <a:cs typeface="Arial" panose="020B0604020202020204" pitchFamily="34" charset="0"/>
-              </a:rPr>
-              <a:t>ü</a:t>
-            </a:r>
-            <a:r>
-              <a:rPr kumimoji="0" lang="de-DE" altLang="de-DE" sz="800" b="0" i="0" u="none" strike="noStrike" cap="none" normalizeH="0" baseline="0" dirty="0">
-                <a:ln>
-                  <a:noFill/>
-                </a:ln>
-                <a:solidFill>
-                  <a:schemeClr val="tx1"/>
-                </a:solidFill>
-                <a:effectLst/>
-                <a:latin typeface="Arial" panose="020B0604020202020204" pitchFamily="34" charset="0"/>
-                <a:ea typeface="Aptos" panose="020B0004020202020204" pitchFamily="34" charset="0"/>
-                <a:cs typeface="Arial" panose="020B0604020202020204" pitchFamily="34" charset="0"/>
-              </a:rPr>
-              <a:t>rfel im W</a:t>
-            </a:r>
-            <a:r>
-              <a:rPr kumimoji="0" lang="de-DE" altLang="de-DE" sz="800" b="0" i="0" u="none" strike="noStrike" cap="none" normalizeH="0" baseline="0" dirty="0">
-                <a:ln>
-                  <a:noFill/>
-                </a:ln>
-                <a:solidFill>
-                  <a:schemeClr val="tx1"/>
-                </a:solidFill>
-                <a:effectLst/>
-                <a:latin typeface="Aptos" panose="020B0004020202020204" pitchFamily="34" charset="0"/>
-                <a:ea typeface="Aptos" panose="020B0004020202020204" pitchFamily="34" charset="0"/>
-                <a:cs typeface="Arial" panose="020B0604020202020204" pitchFamily="34" charset="0"/>
-              </a:rPr>
-              <a:t>ü</a:t>
-            </a:r>
-            <a:r>
-              <a:rPr kumimoji="0" lang="de-DE" altLang="de-DE" sz="800" b="0" i="0" u="none" strike="noStrike" cap="none" normalizeH="0" baseline="0" dirty="0">
-                <a:ln>
-                  <a:noFill/>
-                </a:ln>
-                <a:solidFill>
-                  <a:schemeClr val="tx1"/>
-                </a:solidFill>
-                <a:effectLst/>
-                <a:latin typeface="Arial" panose="020B0604020202020204" pitchFamily="34" charset="0"/>
-                <a:ea typeface="Aptos" panose="020B0004020202020204" pitchFamily="34" charset="0"/>
-                <a:cs typeface="Arial" panose="020B0604020202020204" pitchFamily="34" charset="0"/>
-              </a:rPr>
-              <a:t>rfel</a:t>
-            </a:r>
-            <a:r>
-              <a:rPr kumimoji="0" lang="de-DE" altLang="de-DE" sz="800" b="0" i="0" u="none" strike="noStrike" cap="none" normalizeH="0" baseline="0" dirty="0">
-                <a:ln>
-                  <a:noFill/>
-                </a:ln>
-                <a:solidFill>
-                  <a:schemeClr val="tx1"/>
-                </a:solidFill>
-                <a:effectLst/>
-                <a:latin typeface="Aptos" panose="020B0004020202020204" pitchFamily="34" charset="0"/>
-                <a:ea typeface="Aptos" panose="020B0004020202020204" pitchFamily="34" charset="0"/>
-                <a:cs typeface="Arial" panose="020B0604020202020204" pitchFamily="34" charset="0"/>
-              </a:rPr>
-              <a:t>“</a:t>
-            </a:r>
-            <a:endParaRPr kumimoji="0" lang="de-DE" altLang="de-DE" sz="1800" b="0" i="0" u="none" strike="noStrike" cap="none" normalizeH="0" baseline="0" dirty="0">
-              <a:ln>
-                <a:noFill/>
-              </a:ln>
-              <a:solidFill>
-                <a:schemeClr val="tx1"/>
-              </a:solidFill>
-              <a:effectLst/>
-              <a:latin typeface="Arial" panose="020B0604020202020204" pitchFamily="34" charset="0"/>
-            </a:endParaRPr>
-          </a:p>
-        </p:txBody>
-      </p:sp>
-      <p:sp>
-        <p:nvSpPr>
-          <p:cNvPr id="3330" name="Text Box 374">
-            <a:extLst>
-              <a:ext uri="{FF2B5EF4-FFF2-40B4-BE49-F238E27FC236}">
-                <a16:creationId xmlns:a16="http://schemas.microsoft.com/office/drawing/2014/main" id="{988E2919-13E0-67F7-364B-C11C4AEC4AF4}"/>
-              </a:ext>
-            </a:extLst>
-          </p:cNvPr>
-          <p:cNvSpPr txBox="1">
-            <a:spLocks noChangeArrowheads="1"/>
-          </p:cNvSpPr>
-          <p:nvPr/>
-        </p:nvSpPr>
-        <p:spPr bwMode="auto">
-          <a:xfrm>
-            <a:off x="7064519" y="10978515"/>
-            <a:ext cx="885825" cy="504825"/>
-          </a:xfrm>
-          <a:prstGeom prst="rect">
-            <a:avLst/>
-          </a:prstGeom>
-          <a:noFill/>
-          <a:ln>
-            <a:noFill/>
-          </a:ln>
-          <a:extLst>
-            <a:ext uri="{909E8E84-426E-40DD-AFC4-6F175D3DCCD1}">
-              <a14:hiddenFill xmlns:a14="http://schemas.microsoft.com/office/drawing/2010/main">
-                <a:solidFill>
-                  <a:srgbClr val="FFFFFF"/>
-                </a:solidFill>
-              </a14:hiddenFill>
-            </a:ext>
-            <a:ext uri="{91240B29-F687-4F45-9708-019B960494DF}">
-              <a14:hiddenLine xmlns:a14="http://schemas.microsoft.com/office/drawing/2010/main" w="9525">
-                <a:solidFill>
-                  <a:srgbClr val="000000"/>
-                </a:solidFill>
-                <a:miter lim="800000"/>
-                <a:headEnd/>
-                <a:tailEnd/>
-              </a14:hiddenLine>
-            </a:ext>
-          </a:extLst>
-        </p:spPr>
-        <p:txBody>
-          <a:bodyPr vert="horz" wrap="square" lIns="91440" tIns="45720" rIns="91440" bIns="45720" numCol="1" anchor="t" anchorCtr="0" compatLnSpc="1">
-            <a:prstTxWarp prst="textNoShape">
-              <a:avLst/>
-            </a:prstTxWarp>
-          </a:bodyPr>
-          <a:lstStyle/>
-          <a:p>
-            <a:pPr marL="0" marR="0" lvl="0" indent="0" algn="l" defTabSz="914400" rtl="0" eaLnBrk="0" fontAlgn="base" latinLnBrk="0" hangingPunct="0">
-              <a:lnSpc>
-                <a:spcPct val="100000"/>
-              </a:lnSpc>
-              <a:spcBef>
-                <a:spcPct val="0"/>
-              </a:spcBef>
-              <a:spcAft>
-                <a:spcPct val="0"/>
-              </a:spcAft>
-              <a:buClrTx/>
-              <a:buSzTx/>
-              <a:buFontTx/>
-              <a:buNone/>
-              <a:tabLst/>
-            </a:pPr>
-            <a:r>
-              <a:rPr kumimoji="0" lang="de-DE" altLang="de-DE" sz="800" b="0" i="0" u="none" strike="noStrike" cap="none" normalizeH="0" baseline="0" dirty="0">
-                <a:ln>
-                  <a:noFill/>
-                </a:ln>
-                <a:solidFill>
-                  <a:schemeClr val="tx1"/>
-                </a:solidFill>
-                <a:effectLst/>
-                <a:latin typeface="Arial" panose="020B0604020202020204" pitchFamily="34" charset="0"/>
-                <a:ea typeface="Aptos" panose="020B0004020202020204" pitchFamily="34" charset="0"/>
-                <a:cs typeface="Arial" panose="020B0604020202020204" pitchFamily="34" charset="0"/>
-              </a:rPr>
-              <a:t>Give-Away </a:t>
-            </a:r>
-            <a:r>
-              <a:rPr kumimoji="0" lang="de-DE" altLang="de-DE" sz="800" b="0" i="0" u="none" strike="noStrike" cap="none" normalizeH="0" baseline="0" dirty="0">
-                <a:ln>
-                  <a:noFill/>
-                </a:ln>
-                <a:solidFill>
-                  <a:schemeClr val="tx1"/>
-                </a:solidFill>
-                <a:effectLst/>
-                <a:latin typeface="Aptos" panose="020B0004020202020204" pitchFamily="34" charset="0"/>
-                <a:ea typeface="Aptos" panose="020B0004020202020204" pitchFamily="34" charset="0"/>
-                <a:cs typeface="Arial" panose="020B0604020202020204" pitchFamily="34" charset="0"/>
-              </a:rPr>
-              <a:t>„</a:t>
-            </a:r>
-            <a:r>
-              <a:rPr kumimoji="0" lang="de-DE" altLang="de-DE" sz="800" b="0" i="0" u="none" strike="noStrike" cap="none" normalizeH="0" baseline="0" dirty="0">
-                <a:ln>
-                  <a:noFill/>
-                </a:ln>
-                <a:solidFill>
-                  <a:schemeClr val="tx1"/>
-                </a:solidFill>
-                <a:effectLst/>
-                <a:latin typeface="Arial" panose="020B0604020202020204" pitchFamily="34" charset="0"/>
-                <a:ea typeface="Aptos" panose="020B0004020202020204" pitchFamily="34" charset="0"/>
-                <a:cs typeface="Arial" panose="020B0604020202020204" pitchFamily="34" charset="0"/>
-              </a:rPr>
-              <a:t>Multitool</a:t>
-            </a:r>
-            <a:r>
-              <a:rPr kumimoji="0" lang="de-DE" altLang="de-DE" sz="800" b="0" i="0" u="none" strike="noStrike" cap="none" normalizeH="0" baseline="0" dirty="0">
-                <a:ln>
-                  <a:noFill/>
-                </a:ln>
-                <a:solidFill>
-                  <a:schemeClr val="tx1"/>
-                </a:solidFill>
-                <a:effectLst/>
-                <a:latin typeface="Aptos" panose="020B0004020202020204" pitchFamily="34" charset="0"/>
-                <a:ea typeface="Aptos" panose="020B0004020202020204" pitchFamily="34" charset="0"/>
-                <a:cs typeface="Arial" panose="020B0604020202020204" pitchFamily="34" charset="0"/>
-              </a:rPr>
-              <a:t>“</a:t>
-            </a:r>
-            <a:endParaRPr kumimoji="0" lang="de-DE" altLang="de-DE" sz="1800" b="0" i="0" u="none" strike="noStrike" cap="none" normalizeH="0" baseline="0" dirty="0">
-              <a:ln>
-                <a:noFill/>
-              </a:ln>
-              <a:solidFill>
-                <a:schemeClr val="tx1"/>
-              </a:solidFill>
-              <a:effectLst/>
-              <a:latin typeface="Arial" panose="020B0604020202020204" pitchFamily="34" charset="0"/>
-            </a:endParaRPr>
-          </a:p>
-        </p:txBody>
-      </p:sp>
-      <p:cxnSp>
-        <p:nvCxnSpPr>
-          <p:cNvPr id="3331" name="Gerader Verbinder 3330">
-            <a:extLst>
-              <a:ext uri="{FF2B5EF4-FFF2-40B4-BE49-F238E27FC236}">
-                <a16:creationId xmlns:a16="http://schemas.microsoft.com/office/drawing/2014/main" id="{F066C2E5-C7F2-D5AA-D89F-1E016D928C6A}"/>
-              </a:ext>
-            </a:extLst>
-          </p:cNvPr>
-          <p:cNvCxnSpPr/>
-          <p:nvPr/>
-        </p:nvCxnSpPr>
-        <p:spPr>
-          <a:xfrm flipV="1">
-            <a:off x="2214245" y="3923030"/>
-            <a:ext cx="616585" cy="1270"/>
-          </a:xfrm>
-          <a:prstGeom prst="line">
-            <a:avLst/>
-          </a:prstGeom>
-          <a:ln w="57150">
-            <a:solidFill>
-              <a:schemeClr val="tx1">
-                <a:lumMod val="65000"/>
-                <a:lumOff val="35000"/>
-              </a:schemeClr>
-            </a:solidFill>
-          </a:ln>
-        </p:spPr>
-        <p:style>
-          <a:lnRef idx="1">
-            <a:schemeClr val="accent2"/>
-          </a:lnRef>
-          <a:fillRef idx="0">
-            <a:schemeClr val="accent2"/>
-          </a:fillRef>
-          <a:effectRef idx="0">
-            <a:schemeClr val="accent2"/>
-          </a:effectRef>
-          <a:fontRef idx="minor">
-            <a:schemeClr val="tx1"/>
-          </a:fontRef>
-        </p:style>
-      </p:cxnSp>
-      <p:cxnSp>
-        <p:nvCxnSpPr>
-          <p:cNvPr id="3332" name="Gerader Verbinder 3331">
-            <a:extLst>
-              <a:ext uri="{FF2B5EF4-FFF2-40B4-BE49-F238E27FC236}">
-                <a16:creationId xmlns:a16="http://schemas.microsoft.com/office/drawing/2014/main" id="{92DB118C-84BE-23DA-CB82-53F9F67599C8}"/>
-              </a:ext>
-            </a:extLst>
-          </p:cNvPr>
-          <p:cNvCxnSpPr/>
-          <p:nvPr/>
-        </p:nvCxnSpPr>
-        <p:spPr>
-          <a:xfrm>
-            <a:off x="719455" y="5570220"/>
-            <a:ext cx="1485265" cy="0"/>
-          </a:xfrm>
-          <a:prstGeom prst="line">
-            <a:avLst/>
-          </a:prstGeom>
-          <a:ln w="57150">
-            <a:solidFill>
-              <a:schemeClr val="tx1">
-                <a:lumMod val="65000"/>
-                <a:lumOff val="35000"/>
-              </a:schemeClr>
-            </a:solidFill>
-          </a:ln>
-        </p:spPr>
-        <p:style>
-          <a:lnRef idx="1">
-            <a:schemeClr val="accent2"/>
-          </a:lnRef>
-          <a:fillRef idx="0">
-            <a:schemeClr val="accent2"/>
-          </a:fillRef>
-          <a:effectRef idx="0">
-            <a:schemeClr val="accent2"/>
-          </a:effectRef>
-          <a:fontRef idx="minor">
-            <a:schemeClr val="tx1"/>
-          </a:fontRef>
-        </p:style>
-      </p:cxnSp>
-      <p:cxnSp>
-        <p:nvCxnSpPr>
-          <p:cNvPr id="3333" name="Gerader Verbinder 3332">
-            <a:extLst>
-              <a:ext uri="{FF2B5EF4-FFF2-40B4-BE49-F238E27FC236}">
-                <a16:creationId xmlns:a16="http://schemas.microsoft.com/office/drawing/2014/main" id="{92317C77-5242-CC6F-6B3C-97CA509A50FE}"/>
-              </a:ext>
-            </a:extLst>
-          </p:cNvPr>
-          <p:cNvCxnSpPr/>
-          <p:nvPr/>
-        </p:nvCxnSpPr>
-        <p:spPr>
-          <a:xfrm flipV="1">
-            <a:off x="8660765" y="8893810"/>
-            <a:ext cx="1162050" cy="0"/>
-          </a:xfrm>
-          <a:prstGeom prst="line">
-            <a:avLst/>
-          </a:prstGeom>
-          <a:ln w="57150">
-            <a:solidFill>
-              <a:schemeClr val="tx1">
-                <a:lumMod val="65000"/>
-                <a:lumOff val="35000"/>
-              </a:schemeClr>
-            </a:solidFill>
-          </a:ln>
-        </p:spPr>
-        <p:style>
-          <a:lnRef idx="1">
-            <a:schemeClr val="accent2"/>
-          </a:lnRef>
-          <a:fillRef idx="0">
-            <a:schemeClr val="accent2"/>
-          </a:fillRef>
-          <a:effectRef idx="0">
-            <a:schemeClr val="accent2"/>
-          </a:effectRef>
-          <a:fontRef idx="minor">
-            <a:schemeClr val="tx1"/>
-          </a:fontRef>
-        </p:style>
-      </p:cxnSp>
-      <p:pic>
-        <p:nvPicPr>
-          <p:cNvPr id="3334" name="Grafik 3333" descr="Beenden mit einfarbiger Füllung">
-            <a:extLst>
-              <a:ext uri="{FF2B5EF4-FFF2-40B4-BE49-F238E27FC236}">
-                <a16:creationId xmlns:a16="http://schemas.microsoft.com/office/drawing/2014/main" id="{0E0F8F32-3353-7252-1C4C-A9E8CF718372}"/>
-              </a:ext>
-            </a:extLst>
-          </p:cNvPr>
-          <p:cNvPicPr>
-            <a:picLocks noChangeAspect="1"/>
-          </p:cNvPicPr>
-          <p:nvPr/>
-        </p:nvPicPr>
-        <p:blipFill>
-          <a:blip r:embed="rId2">
-            <a:extLst>
-              <a:ext uri="{96DAC541-7B7A-43D3-8B79-37D633B846F1}">
-                <asvg:svgBlip xmlns:asvg="http://schemas.microsoft.com/office/drawing/2016/SVG/main" r:embed="rId3"/>
-              </a:ext>
-            </a:extLst>
-          </a:blip>
-          <a:stretch>
-            <a:fillRect/>
-          </a:stretch>
-        </p:blipFill>
-        <p:spPr>
-          <a:xfrm>
-            <a:off x="9418955" y="9340850"/>
-            <a:ext cx="409575" cy="409575"/>
-          </a:xfrm>
-          <a:prstGeom prst="rect">
-            <a:avLst/>
-          </a:prstGeom>
-        </p:spPr>
-      </p:pic>
-      <p:pic>
-        <p:nvPicPr>
-          <p:cNvPr id="3335" name="Grafik 3334" descr="Beenden mit einfarbiger Füllung">
-            <a:extLst>
-              <a:ext uri="{FF2B5EF4-FFF2-40B4-BE49-F238E27FC236}">
-                <a16:creationId xmlns:a16="http://schemas.microsoft.com/office/drawing/2014/main" id="{E4661335-792F-8E21-6DB0-B3FDFF626622}"/>
-              </a:ext>
-            </a:extLst>
-          </p:cNvPr>
-          <p:cNvPicPr>
-            <a:picLocks noChangeAspect="1"/>
-          </p:cNvPicPr>
-          <p:nvPr/>
-        </p:nvPicPr>
-        <p:blipFill>
-          <a:blip r:embed="rId2">
-            <a:extLst>
-              <a:ext uri="{96DAC541-7B7A-43D3-8B79-37D633B846F1}">
-                <asvg:svgBlip xmlns:asvg="http://schemas.microsoft.com/office/drawing/2016/SVG/main" r:embed="rId3"/>
-              </a:ext>
-            </a:extLst>
-          </a:blip>
-          <a:stretch>
-            <a:fillRect/>
-          </a:stretch>
-        </p:blipFill>
-        <p:spPr>
-          <a:xfrm>
-            <a:off x="9046210" y="1870710"/>
-            <a:ext cx="409575" cy="409575"/>
-          </a:xfrm>
-          <a:prstGeom prst="rect">
-            <a:avLst/>
-          </a:prstGeom>
-        </p:spPr>
-      </p:pic>
-      <p:pic>
-        <p:nvPicPr>
-          <p:cNvPr id="3337" name="Grafik 3336" descr="Eingabe mit einfarbiger Füllung">
-            <a:extLst>
-              <a:ext uri="{FF2B5EF4-FFF2-40B4-BE49-F238E27FC236}">
-                <a16:creationId xmlns:a16="http://schemas.microsoft.com/office/drawing/2014/main" id="{E557D4DE-1A84-16C0-A2CC-A96445B2F0AE}"/>
-              </a:ext>
-            </a:extLst>
-          </p:cNvPr>
-          <p:cNvPicPr>
-            <a:picLocks noChangeAspect="1"/>
-          </p:cNvPicPr>
-          <p:nvPr/>
-        </p:nvPicPr>
-        <p:blipFill>
-          <a:blip r:embed="rId4">
-            <a:extLst>
-              <a:ext uri="{96DAC541-7B7A-43D3-8B79-37D633B846F1}">
-                <asvg:svgBlip xmlns:asvg="http://schemas.microsoft.com/office/drawing/2016/SVG/main" r:embed="rId5"/>
-              </a:ext>
-            </a:extLst>
-          </a:blip>
-          <a:stretch>
-            <a:fillRect/>
-          </a:stretch>
-        </p:blipFill>
-        <p:spPr>
-          <a:xfrm>
-            <a:off x="728345" y="7651115"/>
-            <a:ext cx="400050" cy="400050"/>
-          </a:xfrm>
-          <a:prstGeom prst="rect">
-            <a:avLst/>
-          </a:prstGeom>
-        </p:spPr>
-      </p:pic>
-      <p:pic>
-        <p:nvPicPr>
-          <p:cNvPr id="3338" name="Grafik 3337" descr="Eingabe mit einfarbiger Füllung">
-            <a:extLst>
-              <a:ext uri="{FF2B5EF4-FFF2-40B4-BE49-F238E27FC236}">
-                <a16:creationId xmlns:a16="http://schemas.microsoft.com/office/drawing/2014/main" id="{4912A2C6-6163-2DAE-A763-EABFCE7324BA}"/>
-              </a:ext>
-            </a:extLst>
-          </p:cNvPr>
-          <p:cNvPicPr>
-            <a:picLocks noChangeAspect="1"/>
-          </p:cNvPicPr>
-          <p:nvPr/>
-        </p:nvPicPr>
-        <p:blipFill>
-          <a:blip r:embed="rId4">
-            <a:extLst>
-              <a:ext uri="{96DAC541-7B7A-43D3-8B79-37D633B846F1}">
-                <asvg:svgBlip xmlns:asvg="http://schemas.microsoft.com/office/drawing/2016/SVG/main" r:embed="rId5"/>
-              </a:ext>
-            </a:extLst>
-          </a:blip>
-          <a:stretch>
-            <a:fillRect/>
-          </a:stretch>
-        </p:blipFill>
-        <p:spPr>
-          <a:xfrm>
-            <a:off x="4465955" y="1401445"/>
-            <a:ext cx="400050" cy="400050"/>
-          </a:xfrm>
-          <a:prstGeom prst="rect">
-            <a:avLst/>
-          </a:prstGeom>
-        </p:spPr>
-      </p:pic>
-      <p:pic>
-        <p:nvPicPr>
-          <p:cNvPr id="3339" name="Grafik 3338" descr="Mann mit einfarbiger Füllung">
-            <a:extLst>
-              <a:ext uri="{FF2B5EF4-FFF2-40B4-BE49-F238E27FC236}">
-                <a16:creationId xmlns:a16="http://schemas.microsoft.com/office/drawing/2014/main" id="{A4AAC76B-E96B-8D0B-3623-CD7B427E4837}"/>
-              </a:ext>
-            </a:extLst>
-          </p:cNvPr>
-          <p:cNvPicPr>
-            <a:picLocks noChangeAspect="1"/>
-          </p:cNvPicPr>
-          <p:nvPr/>
-        </p:nvPicPr>
-        <p:blipFill>
-          <a:blip r:embed="rId6">
-            <a:extLst>
-              <a:ext uri="{96DAC541-7B7A-43D3-8B79-37D633B846F1}">
-                <asvg:svgBlip xmlns:asvg="http://schemas.microsoft.com/office/drawing/2016/SVG/main" r:embed="rId7"/>
-              </a:ext>
-            </a:extLst>
-          </a:blip>
-          <a:stretch>
-            <a:fillRect/>
-          </a:stretch>
-        </p:blipFill>
-        <p:spPr>
-          <a:xfrm>
-            <a:off x="7012305" y="1046480"/>
-            <a:ext cx="333375" cy="333375"/>
-          </a:xfrm>
-          <a:prstGeom prst="rect">
-            <a:avLst/>
-          </a:prstGeom>
-        </p:spPr>
-      </p:pic>
-      <p:pic>
-        <p:nvPicPr>
-          <p:cNvPr id="3340" name="Grafik 3339" descr="Frau mit einfarbiger Füllung">
-            <a:extLst>
-              <a:ext uri="{FF2B5EF4-FFF2-40B4-BE49-F238E27FC236}">
-                <a16:creationId xmlns:a16="http://schemas.microsoft.com/office/drawing/2014/main" id="{0CCCB1B2-7AA5-067D-EADC-C541A6672FD2}"/>
-              </a:ext>
-            </a:extLst>
-          </p:cNvPr>
-          <p:cNvPicPr>
-            <a:picLocks noChangeAspect="1"/>
-          </p:cNvPicPr>
-          <p:nvPr/>
-        </p:nvPicPr>
-        <p:blipFill>
-          <a:blip r:embed="rId8">
-            <a:extLst>
-              <a:ext uri="{96DAC541-7B7A-43D3-8B79-37D633B846F1}">
-                <asvg:svgBlip xmlns:asvg="http://schemas.microsoft.com/office/drawing/2016/SVG/main" r:embed="rId9"/>
-              </a:ext>
-            </a:extLst>
-          </a:blip>
-          <a:stretch>
-            <a:fillRect/>
-          </a:stretch>
-        </p:blipFill>
-        <p:spPr>
-          <a:xfrm>
-            <a:off x="3035618" y="2226310"/>
-            <a:ext cx="342900" cy="342900"/>
-          </a:xfrm>
-          <a:prstGeom prst="rect">
-            <a:avLst/>
-          </a:prstGeom>
-        </p:spPr>
-      </p:pic>
-      <p:pic>
-        <p:nvPicPr>
-          <p:cNvPr id="3341" name="Grafik 3340" descr="Burger und Getränk mit einfarbiger Füllung">
-            <a:extLst>
-              <a:ext uri="{FF2B5EF4-FFF2-40B4-BE49-F238E27FC236}">
-                <a16:creationId xmlns:a16="http://schemas.microsoft.com/office/drawing/2014/main" id="{F068B5C5-C9D3-F0DA-C15E-FC7CB28658BE}"/>
-              </a:ext>
-            </a:extLst>
-          </p:cNvPr>
-          <p:cNvPicPr>
-            <a:picLocks noChangeAspect="1"/>
-          </p:cNvPicPr>
-          <p:nvPr/>
-        </p:nvPicPr>
-        <p:blipFill>
-          <a:blip r:embed="rId10">
-            <a:extLst>
-              <a:ext uri="{96DAC541-7B7A-43D3-8B79-37D633B846F1}">
-                <asvg:svgBlip xmlns:asvg="http://schemas.microsoft.com/office/drawing/2016/SVG/main" r:embed="rId11"/>
-              </a:ext>
-            </a:extLst>
-          </a:blip>
-          <a:stretch>
-            <a:fillRect/>
-          </a:stretch>
-        </p:blipFill>
-        <p:spPr>
-          <a:xfrm>
-            <a:off x="3111183" y="3477663"/>
-            <a:ext cx="552450" cy="552450"/>
-          </a:xfrm>
-          <a:prstGeom prst="rect">
-            <a:avLst/>
-          </a:prstGeom>
-        </p:spPr>
-      </p:pic>
-      <p:pic>
-        <p:nvPicPr>
-          <p:cNvPr id="3343" name="Grafik 3342" descr="Frau mit einfarbiger Füllung">
-            <a:extLst>
-              <a:ext uri="{FF2B5EF4-FFF2-40B4-BE49-F238E27FC236}">
-                <a16:creationId xmlns:a16="http://schemas.microsoft.com/office/drawing/2014/main" id="{EBE0A177-A6E9-75E3-FDA1-28E6B0ACB449}"/>
-              </a:ext>
-            </a:extLst>
-          </p:cNvPr>
-          <p:cNvPicPr>
-            <a:picLocks noChangeAspect="1"/>
-          </p:cNvPicPr>
-          <p:nvPr/>
-        </p:nvPicPr>
-        <p:blipFill>
-          <a:blip r:embed="rId8">
-            <a:extLst>
-              <a:ext uri="{96DAC541-7B7A-43D3-8B79-37D633B846F1}">
-                <asvg:svgBlip xmlns:asvg="http://schemas.microsoft.com/office/drawing/2016/SVG/main" r:embed="rId9"/>
-              </a:ext>
-            </a:extLst>
-          </a:blip>
-          <a:stretch>
-            <a:fillRect/>
-          </a:stretch>
-        </p:blipFill>
-        <p:spPr>
-          <a:xfrm>
-            <a:off x="7793355" y="1050290"/>
-            <a:ext cx="342900" cy="342900"/>
-          </a:xfrm>
-          <a:prstGeom prst="rect">
-            <a:avLst/>
-          </a:prstGeom>
-        </p:spPr>
-      </p:pic>
-      <p:sp>
-        <p:nvSpPr>
-          <p:cNvPr id="3345" name="Explosion: 8 Zacken 3344">
-            <a:extLst>
-              <a:ext uri="{FF2B5EF4-FFF2-40B4-BE49-F238E27FC236}">
-                <a16:creationId xmlns:a16="http://schemas.microsoft.com/office/drawing/2014/main" id="{52026374-FEBB-C0B6-27B6-D2E2FF9D0DAA}"/>
-              </a:ext>
-            </a:extLst>
-          </p:cNvPr>
-          <p:cNvSpPr/>
-          <p:nvPr/>
-        </p:nvSpPr>
-        <p:spPr>
-          <a:xfrm>
-            <a:off x="5113020" y="3458845"/>
-            <a:ext cx="361950" cy="342900"/>
-          </a:xfrm>
-          <a:prstGeom prst="irregularSeal1">
-            <a:avLst/>
-          </a:prstGeom>
-          <a:solidFill>
-            <a:srgbClr val="FFFF00"/>
-          </a:solidFill>
-        </p:spPr>
-        <p:style>
-          <a:lnRef idx="2">
-            <a:schemeClr val="accent1">
-              <a:shade val="15000"/>
-            </a:schemeClr>
-          </a:lnRef>
-          <a:fillRef idx="1">
-            <a:schemeClr val="accent1"/>
-          </a:fillRef>
-          <a:effectRef idx="0">
-            <a:schemeClr val="accent1"/>
-          </a:effectRef>
-          <a:fontRef idx="minor">
-            <a:schemeClr val="lt1"/>
-          </a:fontRef>
-        </p:style>
-        <p:txBody>
-          <a:bodyPr rot="0" spcFirstLastPara="0" vert="horz" wrap="square" lIns="91440" tIns="45720" rIns="91440" bIns="45720" numCol="1" spcCol="0" rtlCol="0" fromWordArt="0" anchor="ctr" anchorCtr="0" forceAA="0" compatLnSpc="1">
-            <a:prstTxWarp prst="textNoShape">
-              <a:avLst/>
-            </a:prstTxWarp>
-            <a:noAutofit/>
-          </a:bodyPr>
-          <a:lstStyle/>
-          <a:p>
-            <a:endParaRPr lang="de-DE"/>
-          </a:p>
-        </p:txBody>
-      </p:sp>
-      <p:sp>
-        <p:nvSpPr>
-          <p:cNvPr id="3346" name="Explosion: 8 Zacken 3345">
-            <a:extLst>
-              <a:ext uri="{FF2B5EF4-FFF2-40B4-BE49-F238E27FC236}">
-                <a16:creationId xmlns:a16="http://schemas.microsoft.com/office/drawing/2014/main" id="{328C59B6-B023-BB45-70FF-6AAD4327129C}"/>
-              </a:ext>
-            </a:extLst>
-          </p:cNvPr>
-          <p:cNvSpPr/>
-          <p:nvPr/>
-        </p:nvSpPr>
-        <p:spPr>
-          <a:xfrm>
-            <a:off x="7729855" y="10977245"/>
-            <a:ext cx="361950" cy="342900"/>
-          </a:xfrm>
-          <a:prstGeom prst="irregularSeal1">
-            <a:avLst/>
-          </a:prstGeom>
-          <a:solidFill>
-            <a:srgbClr val="FFFF00"/>
-          </a:solidFill>
-        </p:spPr>
-        <p:style>
-          <a:lnRef idx="2">
-            <a:schemeClr val="accent1">
-              <a:shade val="15000"/>
-            </a:schemeClr>
-          </a:lnRef>
-          <a:fillRef idx="1">
-            <a:schemeClr val="accent1"/>
-          </a:fillRef>
-          <a:effectRef idx="0">
-            <a:schemeClr val="accent1"/>
-          </a:effectRef>
-          <a:fontRef idx="minor">
-            <a:schemeClr val="lt1"/>
-          </a:fontRef>
-        </p:style>
-        <p:txBody>
-          <a:bodyPr rot="0" spcFirstLastPara="0" vert="horz" wrap="square" lIns="91440" tIns="45720" rIns="91440" bIns="45720" numCol="1" spcCol="0" rtlCol="0" fromWordArt="0" anchor="ctr" anchorCtr="0" forceAA="0" compatLnSpc="1">
-            <a:prstTxWarp prst="textNoShape">
-              <a:avLst/>
-            </a:prstTxWarp>
-            <a:noAutofit/>
-          </a:bodyPr>
-          <a:lstStyle/>
-          <a:p>
-            <a:endParaRPr lang="de-DE"/>
-          </a:p>
-        </p:txBody>
-      </p:sp>
-      <p:sp>
-        <p:nvSpPr>
-          <p:cNvPr id="3347" name="Explosion: 8 Zacken 3346">
-            <a:extLst>
-              <a:ext uri="{FF2B5EF4-FFF2-40B4-BE49-F238E27FC236}">
-                <a16:creationId xmlns:a16="http://schemas.microsoft.com/office/drawing/2014/main" id="{663D9F48-52EB-DB98-400F-DD5C34260D7B}"/>
-              </a:ext>
-            </a:extLst>
-          </p:cNvPr>
-          <p:cNvSpPr/>
-          <p:nvPr/>
-        </p:nvSpPr>
-        <p:spPr>
-          <a:xfrm>
-            <a:off x="5413375" y="12780645"/>
-            <a:ext cx="361950" cy="342900"/>
-          </a:xfrm>
-          <a:prstGeom prst="irregularSeal1">
-            <a:avLst/>
-          </a:prstGeom>
-          <a:solidFill>
-            <a:srgbClr val="FFFF00"/>
-          </a:solidFill>
-        </p:spPr>
-        <p:style>
-          <a:lnRef idx="2">
-            <a:schemeClr val="accent1">
-              <a:shade val="15000"/>
-            </a:schemeClr>
-          </a:lnRef>
-          <a:fillRef idx="1">
-            <a:schemeClr val="accent1"/>
-          </a:fillRef>
-          <a:effectRef idx="0">
-            <a:schemeClr val="accent1"/>
-          </a:effectRef>
-          <a:fontRef idx="minor">
-            <a:schemeClr val="lt1"/>
-          </a:fontRef>
-        </p:style>
-        <p:txBody>
-          <a:bodyPr rot="0" spcFirstLastPara="0" vert="horz" wrap="square" lIns="91440" tIns="45720" rIns="91440" bIns="45720" numCol="1" spcCol="0" rtlCol="0" fromWordArt="0" anchor="ctr" anchorCtr="0" forceAA="0" compatLnSpc="1">
-            <a:prstTxWarp prst="textNoShape">
-              <a:avLst/>
-            </a:prstTxWarp>
-            <a:noAutofit/>
-          </a:bodyPr>
-          <a:lstStyle/>
-          <a:p>
-            <a:endParaRPr lang="de-DE"/>
-          </a:p>
-        </p:txBody>
-      </p:sp>
-      <p:sp>
-        <p:nvSpPr>
-          <p:cNvPr id="3352" name="Text Box 352">
-            <a:extLst>
-              <a:ext uri="{FF2B5EF4-FFF2-40B4-BE49-F238E27FC236}">
-                <a16:creationId xmlns:a16="http://schemas.microsoft.com/office/drawing/2014/main" id="{EE9067B2-68E9-114C-DB99-8DA4404592BB}"/>
-              </a:ext>
-            </a:extLst>
-          </p:cNvPr>
-          <p:cNvSpPr txBox="1">
-            <a:spLocks noChangeArrowheads="1"/>
-          </p:cNvSpPr>
-          <p:nvPr/>
-        </p:nvSpPr>
-        <p:spPr bwMode="auto">
-          <a:xfrm>
-            <a:off x="6305985" y="4048125"/>
-            <a:ext cx="1428750" cy="295275"/>
-          </a:xfrm>
-          <a:prstGeom prst="rect">
-            <a:avLst/>
-          </a:prstGeom>
-          <a:noFill/>
-          <a:ln>
-            <a:noFill/>
-          </a:ln>
-          <a:extLst>
-            <a:ext uri="{909E8E84-426E-40DD-AFC4-6F175D3DCCD1}">
-              <a14:hiddenFill xmlns:a14="http://schemas.microsoft.com/office/drawing/2010/main">
-                <a:solidFill>
-                  <a:srgbClr val="FFFFFF"/>
-                </a:solidFill>
-              </a14:hiddenFill>
-            </a:ext>
-            <a:ext uri="{91240B29-F687-4F45-9708-019B960494DF}">
-              <a14:hiddenLine xmlns:a14="http://schemas.microsoft.com/office/drawing/2010/main" w="9525">
-                <a:solidFill>
-                  <a:srgbClr val="000000"/>
-                </a:solidFill>
-                <a:miter lim="800000"/>
-                <a:headEnd/>
-                <a:tailEnd/>
-              </a14:hiddenLine>
-            </a:ext>
-          </a:extLst>
-        </p:spPr>
-        <p:txBody>
-          <a:bodyPr vert="horz" wrap="square" lIns="91440" tIns="45720" rIns="91440" bIns="45720" numCol="1" anchor="t" anchorCtr="0" compatLnSpc="1">
-            <a:prstTxWarp prst="textNoShape">
-              <a:avLst/>
-            </a:prstTxWarp>
-          </a:bodyPr>
-          <a:lstStyle/>
-          <a:p>
-            <a:pPr marL="0" marR="0" lvl="0" indent="0" algn="l" defTabSz="914400" rtl="0" eaLnBrk="0" fontAlgn="base" latinLnBrk="0" hangingPunct="0">
-              <a:lnSpc>
-                <a:spcPct val="100000"/>
-              </a:lnSpc>
-              <a:spcBef>
-                <a:spcPct val="0"/>
-              </a:spcBef>
-              <a:spcAft>
-                <a:spcPct val="0"/>
-              </a:spcAft>
-              <a:buClrTx/>
-              <a:buSzTx/>
-              <a:buFontTx/>
-              <a:buNone/>
-              <a:tabLst/>
-            </a:pPr>
-            <a:r>
-              <a:rPr kumimoji="0" lang="de-DE" altLang="de-DE" sz="900" b="0" i="0" u="none" strike="noStrike" cap="none" normalizeH="0" baseline="0">
-                <a:ln>
-                  <a:noFill/>
-                </a:ln>
-                <a:solidFill>
-                  <a:schemeClr val="tx1"/>
-                </a:solidFill>
-                <a:effectLst/>
-                <a:latin typeface="Arial Black" panose="020B0A04020102020204" pitchFamily="34" charset="0"/>
-                <a:ea typeface="Aptos" panose="020B0004020202020204" pitchFamily="34" charset="0"/>
-                <a:cs typeface="Arial" panose="020B0604020202020204" pitchFamily="34" charset="0"/>
-              </a:rPr>
-              <a:t>Produktausstellung</a:t>
-            </a:r>
-            <a:endParaRPr kumimoji="0" lang="de-DE" altLang="de-DE" sz="1800" b="0" i="0" u="none" strike="noStrike" cap="none" normalizeH="0" baseline="0">
-              <a:ln>
-                <a:noFill/>
-              </a:ln>
-              <a:solidFill>
-                <a:schemeClr val="tx1"/>
-              </a:solidFill>
-              <a:effectLst/>
-              <a:latin typeface="Arial" panose="020B0604020202020204" pitchFamily="34" charset="0"/>
-            </a:endParaRPr>
-          </a:p>
-        </p:txBody>
-      </p:sp>
-      <p:pic>
-        <p:nvPicPr>
-          <p:cNvPr id="3423" name="Grafik 15" descr="Ein Bild, das Screenshot, Schwarz enthält.&#10;&#10;Automatisch generierte Beschreibung">
-            <a:extLst>
-              <a:ext uri="{FF2B5EF4-FFF2-40B4-BE49-F238E27FC236}">
-                <a16:creationId xmlns:a16="http://schemas.microsoft.com/office/drawing/2014/main" id="{D5051929-6B47-9401-3098-1BA628D5C82B}"/>
-              </a:ext>
-            </a:extLst>
-          </p:cNvPr>
-          <p:cNvPicPr>
-            <a:picLocks noChangeAspect="1" noChangeArrowheads="1"/>
-          </p:cNvPicPr>
-          <p:nvPr/>
-        </p:nvPicPr>
-        <p:blipFill>
-          <a:blip r:embed="rId12">
-            <a:extLst>
-              <a:ext uri="{28A0092B-C50C-407E-A947-70E740481C1C}">
-                <a14:useLocalDpi xmlns:a14="http://schemas.microsoft.com/office/drawing/2010/main" val="0"/>
-              </a:ext>
-            </a:extLst>
-          </a:blip>
-          <a:srcRect/>
-          <a:stretch>
-            <a:fillRect/>
-          </a:stretch>
-        </p:blipFill>
-        <p:spPr bwMode="auto">
-          <a:xfrm>
-            <a:off x="6688572" y="3838575"/>
-            <a:ext cx="669925" cy="247650"/>
-          </a:xfrm>
-          <a:prstGeom prst="rect">
-            <a:avLst/>
-          </a:prstGeom>
-          <a:noFill/>
-          <a:extLst>
-            <a:ext uri="{909E8E84-426E-40DD-AFC4-6F175D3DCCD1}">
-              <a14:hiddenFill xmlns:a14="http://schemas.microsoft.com/office/drawing/2010/main">
-                <a:solidFill>
-                  <a:srgbClr val="FFFFFF"/>
-                </a:solidFill>
-              </a14:hiddenFill>
-            </a:ext>
-          </a:extLst>
-        </p:spPr>
-      </p:pic>
-      <p:cxnSp>
-        <p:nvCxnSpPr>
-          <p:cNvPr id="3356" name="Gerader Verbinder 3355">
-            <a:extLst>
-              <a:ext uri="{FF2B5EF4-FFF2-40B4-BE49-F238E27FC236}">
-                <a16:creationId xmlns:a16="http://schemas.microsoft.com/office/drawing/2014/main" id="{4ABFB0CB-18AD-7818-2BE9-3B8959168F4C}"/>
-              </a:ext>
-            </a:extLst>
-          </p:cNvPr>
-          <p:cNvCxnSpPr/>
-          <p:nvPr/>
-        </p:nvCxnSpPr>
-        <p:spPr>
-          <a:xfrm>
-            <a:off x="2834005" y="2625725"/>
-            <a:ext cx="1518285" cy="0"/>
-          </a:xfrm>
-          <a:prstGeom prst="line">
-            <a:avLst/>
-          </a:prstGeom>
-          <a:ln w="57150">
-            <a:solidFill>
-              <a:schemeClr val="tx1">
-                <a:lumMod val="65000"/>
-                <a:lumOff val="35000"/>
-              </a:schemeClr>
-            </a:solidFill>
-          </a:ln>
-        </p:spPr>
-        <p:style>
-          <a:lnRef idx="1">
-            <a:schemeClr val="accent2"/>
-          </a:lnRef>
-          <a:fillRef idx="0">
-            <a:schemeClr val="accent2"/>
-          </a:fillRef>
-          <a:effectRef idx="0">
-            <a:schemeClr val="accent2"/>
-          </a:effectRef>
-          <a:fontRef idx="minor">
-            <a:schemeClr val="tx1"/>
-          </a:fontRef>
-        </p:style>
-      </p:cxnSp>
-      <p:sp>
-        <p:nvSpPr>
-          <p:cNvPr id="3357" name="Text Box 346">
-            <a:extLst>
-              <a:ext uri="{FF2B5EF4-FFF2-40B4-BE49-F238E27FC236}">
-                <a16:creationId xmlns:a16="http://schemas.microsoft.com/office/drawing/2014/main" id="{64C9ED7C-3692-2931-DCBF-F0D9C4F41C84}"/>
-              </a:ext>
-            </a:extLst>
-          </p:cNvPr>
-          <p:cNvSpPr txBox="1">
-            <a:spLocks noChangeArrowheads="1"/>
-          </p:cNvSpPr>
-          <p:nvPr/>
-        </p:nvSpPr>
-        <p:spPr bwMode="auto">
-          <a:xfrm>
-            <a:off x="5362575" y="9625013"/>
-            <a:ext cx="2748279" cy="1009650"/>
-          </a:xfrm>
-          <a:prstGeom prst="rect">
-            <a:avLst/>
-          </a:prstGeom>
-          <a:noFill/>
-          <a:ln>
-            <a:noFill/>
-          </a:ln>
-          <a:extLst>
-            <a:ext uri="{909E8E84-426E-40DD-AFC4-6F175D3DCCD1}">
-              <a14:hiddenFill xmlns:a14="http://schemas.microsoft.com/office/drawing/2010/main">
-                <a:solidFill>
-                  <a:srgbClr val="FFFFFF"/>
-                </a:solidFill>
-              </a14:hiddenFill>
-            </a:ext>
-            <a:ext uri="{91240B29-F687-4F45-9708-019B960494DF}">
-              <a14:hiddenLine xmlns:a14="http://schemas.microsoft.com/office/drawing/2010/main" w="9525">
-                <a:solidFill>
-                  <a:srgbClr val="000000"/>
-                </a:solidFill>
-                <a:miter lim="800000"/>
-                <a:headEnd/>
-                <a:tailEnd/>
-              </a14:hiddenLine>
-            </a:ext>
-          </a:extLst>
-        </p:spPr>
-        <p:txBody>
-          <a:bodyPr vert="horz" wrap="square" lIns="91440" tIns="45720" rIns="91440" bIns="45720" numCol="1" anchor="t" anchorCtr="0" compatLnSpc="1">
-            <a:prstTxWarp prst="textNoShape">
-              <a:avLst/>
-            </a:prstTxWarp>
-          </a:bodyPr>
-          <a:lstStyle/>
-          <a:p>
-            <a:pPr marL="0" marR="0" lvl="0" indent="0" algn="l" defTabSz="914400" rtl="0" eaLnBrk="0" fontAlgn="base" latinLnBrk="0" hangingPunct="0">
-              <a:lnSpc>
-                <a:spcPct val="100000"/>
-              </a:lnSpc>
-              <a:spcBef>
-                <a:spcPct val="0"/>
-              </a:spcBef>
-              <a:spcAft>
-                <a:spcPct val="0"/>
-              </a:spcAft>
-              <a:buClrTx/>
-              <a:buSzTx/>
-              <a:buFontTx/>
-              <a:buChar char="•"/>
-              <a:tabLst/>
-            </a:pPr>
-            <a:r>
-              <a:rPr kumimoji="0" lang="de-DE" altLang="de-DE" sz="900" b="0" i="0" u="none" strike="noStrike" cap="none" normalizeH="0" baseline="0" dirty="0">
-                <a:ln>
-                  <a:noFill/>
-                </a:ln>
-                <a:solidFill>
-                  <a:schemeClr val="tx1"/>
-                </a:solidFill>
-                <a:effectLst/>
-                <a:latin typeface="Arial Black" panose="020B0A04020102020204" pitchFamily="34" charset="0"/>
-                <a:ea typeface="Aptos" panose="020B0004020202020204" pitchFamily="34" charset="0"/>
-                <a:cs typeface="Arial" panose="020B0604020202020204" pitchFamily="34" charset="0"/>
-              </a:rPr>
-              <a:t>Werkzeugmechaniker*</a:t>
-            </a:r>
-            <a:endParaRPr kumimoji="0" lang="de-DE" altLang="de-DE" sz="800" b="0" i="0" u="none" strike="noStrike" cap="none" normalizeH="0" baseline="0" dirty="0">
-              <a:ln>
-                <a:noFill/>
-              </a:ln>
-              <a:solidFill>
-                <a:schemeClr val="tx1"/>
-              </a:solidFill>
-              <a:effectLst/>
-            </a:endParaRPr>
-          </a:p>
-          <a:p>
-            <a:pPr marL="0" marR="0" lvl="0" indent="0" algn="l" defTabSz="914400" rtl="0" eaLnBrk="0" fontAlgn="base" latinLnBrk="0" hangingPunct="0">
-              <a:lnSpc>
-                <a:spcPct val="100000"/>
-              </a:lnSpc>
-              <a:spcBef>
-                <a:spcPct val="0"/>
-              </a:spcBef>
-              <a:spcAft>
-                <a:spcPct val="0"/>
-              </a:spcAft>
-              <a:buClrTx/>
-              <a:buSzTx/>
-              <a:buFontTx/>
-              <a:buChar char="•"/>
-              <a:tabLst/>
-            </a:pPr>
-            <a:r>
-              <a:rPr kumimoji="0" lang="de-DE" altLang="de-DE" sz="900" b="0" i="0" u="none" strike="noStrike" cap="none" normalizeH="0" baseline="0" dirty="0">
-                <a:ln>
-                  <a:noFill/>
-                </a:ln>
-                <a:solidFill>
-                  <a:schemeClr val="tx1"/>
-                </a:solidFill>
-                <a:effectLst/>
-                <a:latin typeface="Arial Black" panose="020B0A04020102020204" pitchFamily="34" charset="0"/>
-                <a:ea typeface="Aptos" panose="020B0004020202020204" pitchFamily="34" charset="0"/>
-                <a:cs typeface="Arial" panose="020B0604020202020204" pitchFamily="34" charset="0"/>
-              </a:rPr>
-              <a:t>Industriemechaniker*</a:t>
-            </a:r>
-            <a:endParaRPr kumimoji="0" lang="de-DE" altLang="de-DE" sz="800" b="0" i="0" u="none" strike="noStrike" cap="none" normalizeH="0" baseline="0" dirty="0">
-              <a:ln>
-                <a:noFill/>
-              </a:ln>
-              <a:solidFill>
-                <a:schemeClr val="tx1"/>
-              </a:solidFill>
-              <a:effectLst/>
-            </a:endParaRPr>
-          </a:p>
-          <a:p>
-            <a:pPr marL="0" marR="0" lvl="0" indent="0" algn="l" defTabSz="914400" rtl="0" eaLnBrk="0" fontAlgn="base" latinLnBrk="0" hangingPunct="0">
-              <a:lnSpc>
-                <a:spcPct val="100000"/>
-              </a:lnSpc>
-              <a:spcBef>
-                <a:spcPct val="0"/>
-              </a:spcBef>
-              <a:spcAft>
-                <a:spcPct val="0"/>
-              </a:spcAft>
-              <a:buClrTx/>
-              <a:buSzTx/>
-              <a:buFontTx/>
-              <a:buChar char="•"/>
-              <a:tabLst/>
-            </a:pPr>
-            <a:r>
-              <a:rPr kumimoji="0" lang="de-DE" altLang="de-DE" sz="900" b="0" i="0" u="none" strike="noStrike" cap="none" normalizeH="0" baseline="0" dirty="0">
-                <a:ln>
-                  <a:noFill/>
-                </a:ln>
-                <a:solidFill>
-                  <a:schemeClr val="tx1"/>
-                </a:solidFill>
-                <a:effectLst/>
-                <a:latin typeface="Arial Black" panose="020B0A04020102020204" pitchFamily="34" charset="0"/>
-                <a:ea typeface="Aptos" panose="020B0004020202020204" pitchFamily="34" charset="0"/>
-                <a:cs typeface="Arial" panose="020B0604020202020204" pitchFamily="34" charset="0"/>
-              </a:rPr>
-              <a:t>Maschinen- und Anlagenf</a:t>
-            </a:r>
-            <a:r>
-              <a:rPr kumimoji="0" lang="de-DE" altLang="de-DE" sz="900" b="0" i="0" u="none" strike="noStrike" cap="none" normalizeH="0" baseline="0" dirty="0">
-                <a:ln>
-                  <a:noFill/>
-                </a:ln>
-                <a:solidFill>
-                  <a:schemeClr val="tx1"/>
-                </a:solidFill>
-                <a:effectLst/>
-                <a:latin typeface="Aptos" panose="020B0004020202020204" pitchFamily="34" charset="0"/>
-                <a:ea typeface="Aptos" panose="020B0004020202020204" pitchFamily="34" charset="0"/>
-                <a:cs typeface="Arial" panose="020B0604020202020204" pitchFamily="34" charset="0"/>
-              </a:rPr>
-              <a:t>ü</a:t>
-            </a:r>
-            <a:r>
-              <a:rPr kumimoji="0" lang="de-DE" altLang="de-DE" sz="900" b="0" i="0" u="none" strike="noStrike" cap="none" normalizeH="0" baseline="0" dirty="0">
-                <a:ln>
-                  <a:noFill/>
-                </a:ln>
-                <a:solidFill>
-                  <a:schemeClr val="tx1"/>
-                </a:solidFill>
-                <a:effectLst/>
-                <a:latin typeface="Arial Black" panose="020B0A04020102020204" pitchFamily="34" charset="0"/>
-                <a:ea typeface="Aptos" panose="020B0004020202020204" pitchFamily="34" charset="0"/>
-                <a:cs typeface="Arial" panose="020B0604020202020204" pitchFamily="34" charset="0"/>
-              </a:rPr>
-              <a:t>hrer*</a:t>
-            </a:r>
-            <a:endParaRPr kumimoji="0" lang="de-DE" altLang="de-DE" sz="800" b="0" i="0" u="none" strike="noStrike" cap="none" normalizeH="0" baseline="0" dirty="0">
-              <a:ln>
-                <a:noFill/>
-              </a:ln>
-              <a:solidFill>
-                <a:schemeClr val="tx1"/>
-              </a:solidFill>
-              <a:effectLst/>
-            </a:endParaRPr>
-          </a:p>
-          <a:p>
-            <a:pPr marL="0" marR="0" lvl="0" indent="0" algn="l" defTabSz="914400" rtl="0" eaLnBrk="0" fontAlgn="base" latinLnBrk="0" hangingPunct="0">
-              <a:lnSpc>
-                <a:spcPct val="100000"/>
-              </a:lnSpc>
-              <a:spcBef>
-                <a:spcPct val="0"/>
-              </a:spcBef>
-              <a:spcAft>
-                <a:spcPct val="0"/>
-              </a:spcAft>
-              <a:buClrTx/>
-              <a:buSzTx/>
-              <a:buFontTx/>
-              <a:buChar char="•"/>
-              <a:tabLst/>
-            </a:pPr>
-            <a:r>
-              <a:rPr kumimoji="0" lang="de-DE" altLang="de-DE" sz="900" b="0" i="0" u="none" strike="noStrike" cap="none" normalizeH="0" baseline="0" dirty="0">
-                <a:ln>
-                  <a:noFill/>
-                </a:ln>
-                <a:solidFill>
-                  <a:schemeClr val="tx1"/>
-                </a:solidFill>
-                <a:effectLst/>
-                <a:latin typeface="Arial Black" panose="020B0A04020102020204" pitchFamily="34" charset="0"/>
-                <a:ea typeface="Aptos" panose="020B0004020202020204" pitchFamily="34" charset="0"/>
-                <a:cs typeface="Arial" panose="020B0604020202020204" pitchFamily="34" charset="0"/>
-              </a:rPr>
-              <a:t>Kunststoff- und Kautschuktechnologe*</a:t>
-            </a:r>
-            <a:endParaRPr kumimoji="0" lang="de-DE" altLang="de-DE" sz="800" b="0" i="0" u="none" strike="noStrike" cap="none" normalizeH="0" baseline="0" dirty="0">
-              <a:ln>
-                <a:noFill/>
-              </a:ln>
-              <a:solidFill>
-                <a:schemeClr val="tx1"/>
-              </a:solidFill>
-              <a:effectLst/>
-            </a:endParaRPr>
-          </a:p>
           <a:p>
             <a:pPr marL="0" marR="0" lvl="0" indent="0" algn="l" defTabSz="914400" rtl="0" eaLnBrk="0" fontAlgn="base" latinLnBrk="0" hangingPunct="0">
               <a:lnSpc>
@@ -25794,13 +24317,13 @@
                   <a:schemeClr val="tx1"/>
                 </a:solidFill>
                 <a:effectLst/>
-                <a:latin typeface="Arial Black" panose="020B0A04020102020204" pitchFamily="34" charset="0"/>
+                <a:latin typeface="Arial" panose="020B0604020202020204" pitchFamily="34" charset="0"/>
                 <a:ea typeface="Aptos" panose="020B0004020202020204" pitchFamily="34" charset="0"/>
                 <a:cs typeface="Arial" panose="020B0604020202020204" pitchFamily="34" charset="0"/>
               </a:rPr>
-              <a:t> </a:t>
+              <a:t>Gewinnspiel + Give-Away „Labyrinth“</a:t>
             </a:r>
-            <a:endParaRPr kumimoji="0" lang="de-DE" altLang="de-DE" sz="1800" b="0" i="0" u="none" strike="noStrike" cap="none" normalizeH="0" baseline="0" dirty="0">
+            <a:endParaRPr kumimoji="0" lang="de-DE" altLang="de-DE" sz="900" b="0" i="0" u="none" strike="noStrike" cap="none" normalizeH="0" baseline="0" dirty="0">
               <a:ln>
                 <a:noFill/>
               </a:ln>
@@ -25809,624 +24332,17 @@
               </a:solidFill>
               <a:effectLst/>
               <a:latin typeface="Arial" panose="020B0604020202020204" pitchFamily="34" charset="0"/>
+              <a:cs typeface="Arial" panose="020B0604020202020204" pitchFamily="34" charset="0"/>
             </a:endParaRPr>
           </a:p>
         </p:txBody>
       </p:sp>
-      <p:cxnSp>
-        <p:nvCxnSpPr>
-          <p:cNvPr id="3358" name="Gerader Verbinder 3357">
-            <a:extLst>
-              <a:ext uri="{FF2B5EF4-FFF2-40B4-BE49-F238E27FC236}">
-                <a16:creationId xmlns:a16="http://schemas.microsoft.com/office/drawing/2014/main" id="{020A6CCA-1AF8-2738-4BBC-D4328B6FE885}"/>
-              </a:ext>
-            </a:extLst>
-          </p:cNvPr>
-          <p:cNvCxnSpPr/>
-          <p:nvPr/>
-        </p:nvCxnSpPr>
-        <p:spPr>
-          <a:xfrm>
-            <a:off x="9960610" y="1776730"/>
-            <a:ext cx="3810" cy="1506855"/>
-          </a:xfrm>
-          <a:prstGeom prst="line">
-            <a:avLst/>
-          </a:prstGeom>
-          <a:ln w="57150">
-            <a:solidFill>
-              <a:schemeClr val="tx1">
-                <a:lumMod val="65000"/>
-                <a:lumOff val="35000"/>
-              </a:schemeClr>
-            </a:solidFill>
-          </a:ln>
-        </p:spPr>
-        <p:style>
-          <a:lnRef idx="1">
-            <a:schemeClr val="accent2"/>
-          </a:lnRef>
-          <a:fillRef idx="0">
-            <a:schemeClr val="accent2"/>
-          </a:fillRef>
-          <a:effectRef idx="0">
-            <a:schemeClr val="accent2"/>
-          </a:effectRef>
-          <a:fontRef idx="minor">
-            <a:schemeClr val="tx1"/>
-          </a:fontRef>
-        </p:style>
-      </p:cxnSp>
-      <p:cxnSp>
-        <p:nvCxnSpPr>
-          <p:cNvPr id="3360" name="Gerader Verbinder 3359">
-            <a:extLst>
-              <a:ext uri="{FF2B5EF4-FFF2-40B4-BE49-F238E27FC236}">
-                <a16:creationId xmlns:a16="http://schemas.microsoft.com/office/drawing/2014/main" id="{40930A92-842F-4E03-0D1F-94B7ED545AD2}"/>
-              </a:ext>
-            </a:extLst>
-          </p:cNvPr>
-          <p:cNvCxnSpPr/>
-          <p:nvPr/>
-        </p:nvCxnSpPr>
-        <p:spPr>
-          <a:xfrm>
-            <a:off x="4450080" y="1324610"/>
-            <a:ext cx="635" cy="464185"/>
-          </a:xfrm>
-          <a:prstGeom prst="line">
-            <a:avLst/>
-          </a:prstGeom>
-          <a:ln w="76200">
-            <a:solidFill>
-              <a:schemeClr val="tx1">
-                <a:lumMod val="65000"/>
-                <a:lumOff val="35000"/>
-              </a:schemeClr>
-            </a:solidFill>
-          </a:ln>
-        </p:spPr>
-        <p:style>
-          <a:lnRef idx="1">
-            <a:schemeClr val="accent2"/>
-          </a:lnRef>
-          <a:fillRef idx="0">
-            <a:schemeClr val="accent2"/>
-          </a:fillRef>
-          <a:effectRef idx="0">
-            <a:schemeClr val="accent2"/>
-          </a:effectRef>
-          <a:fontRef idx="minor">
-            <a:schemeClr val="tx1"/>
-          </a:fontRef>
-        </p:style>
-      </p:cxnSp>
-      <p:cxnSp>
-        <p:nvCxnSpPr>
-          <p:cNvPr id="3361" name="Gerader Verbinder 3360">
-            <a:extLst>
-              <a:ext uri="{FF2B5EF4-FFF2-40B4-BE49-F238E27FC236}">
-                <a16:creationId xmlns:a16="http://schemas.microsoft.com/office/drawing/2014/main" id="{F645CFA3-7D53-E48F-D1CD-C1057AA3A258}"/>
-              </a:ext>
-            </a:extLst>
-          </p:cNvPr>
-          <p:cNvCxnSpPr/>
-          <p:nvPr/>
-        </p:nvCxnSpPr>
-        <p:spPr>
-          <a:xfrm>
-            <a:off x="3834130" y="1774825"/>
-            <a:ext cx="0" cy="469900"/>
-          </a:xfrm>
-          <a:prstGeom prst="line">
-            <a:avLst/>
-          </a:prstGeom>
-          <a:ln w="57150">
-            <a:solidFill>
-              <a:schemeClr val="tx1">
-                <a:lumMod val="65000"/>
-                <a:lumOff val="35000"/>
-              </a:schemeClr>
-            </a:solidFill>
-          </a:ln>
-        </p:spPr>
-        <p:style>
-          <a:lnRef idx="1">
-            <a:schemeClr val="accent2"/>
-          </a:lnRef>
-          <a:fillRef idx="0">
-            <a:schemeClr val="accent2"/>
-          </a:fillRef>
-          <a:effectRef idx="0">
-            <a:schemeClr val="accent2"/>
-          </a:effectRef>
-          <a:fontRef idx="minor">
-            <a:schemeClr val="tx1"/>
-          </a:fontRef>
-        </p:style>
-      </p:cxnSp>
-      <p:pic>
-        <p:nvPicPr>
-          <p:cNvPr id="3362" name="Grafik 3361" descr="Mann mit einfarbiger Füllung">
-            <a:extLst>
-              <a:ext uri="{FF2B5EF4-FFF2-40B4-BE49-F238E27FC236}">
-                <a16:creationId xmlns:a16="http://schemas.microsoft.com/office/drawing/2014/main" id="{29E8CC23-1CE3-AF79-E507-23141B464846}"/>
-              </a:ext>
-            </a:extLst>
-          </p:cNvPr>
-          <p:cNvPicPr>
-            <a:picLocks noChangeAspect="1"/>
-          </p:cNvPicPr>
-          <p:nvPr/>
-        </p:nvPicPr>
-        <p:blipFill>
-          <a:blip r:embed="rId6">
-            <a:extLst>
-              <a:ext uri="{96DAC541-7B7A-43D3-8B79-37D633B846F1}">
-                <asvg:svgBlip xmlns:asvg="http://schemas.microsoft.com/office/drawing/2016/SVG/main" r:embed="rId7"/>
-              </a:ext>
-            </a:extLst>
-          </a:blip>
-          <a:stretch>
-            <a:fillRect/>
-          </a:stretch>
-        </p:blipFill>
-        <p:spPr>
-          <a:xfrm>
-            <a:off x="3221957" y="1815799"/>
-            <a:ext cx="333375" cy="333375"/>
-          </a:xfrm>
-          <a:prstGeom prst="rect">
-            <a:avLst/>
-          </a:prstGeom>
-        </p:spPr>
-      </p:pic>
-      <p:cxnSp>
-        <p:nvCxnSpPr>
-          <p:cNvPr id="3363" name="Gerader Verbinder 3362">
-            <a:extLst>
-              <a:ext uri="{FF2B5EF4-FFF2-40B4-BE49-F238E27FC236}">
-                <a16:creationId xmlns:a16="http://schemas.microsoft.com/office/drawing/2014/main" id="{AFE5B9A0-D32E-91CB-D561-2A5F3CA75B54}"/>
-              </a:ext>
-            </a:extLst>
-          </p:cNvPr>
-          <p:cNvCxnSpPr/>
-          <p:nvPr/>
-        </p:nvCxnSpPr>
-        <p:spPr>
-          <a:xfrm>
-            <a:off x="8688070" y="6383655"/>
-            <a:ext cx="1157605" cy="0"/>
-          </a:xfrm>
-          <a:prstGeom prst="line">
-            <a:avLst/>
-          </a:prstGeom>
-          <a:ln w="57150">
-            <a:solidFill>
-              <a:schemeClr val="tx1">
-                <a:lumMod val="65000"/>
-                <a:lumOff val="35000"/>
-              </a:schemeClr>
-            </a:solidFill>
-          </a:ln>
-        </p:spPr>
-        <p:style>
-          <a:lnRef idx="1">
-            <a:schemeClr val="accent2"/>
-          </a:lnRef>
-          <a:fillRef idx="0">
-            <a:schemeClr val="accent2"/>
-          </a:fillRef>
-          <a:effectRef idx="0">
-            <a:schemeClr val="accent2"/>
-          </a:effectRef>
-          <a:fontRef idx="minor">
-            <a:schemeClr val="tx1"/>
-          </a:fontRef>
-        </p:style>
-      </p:cxnSp>
-      <p:cxnSp>
-        <p:nvCxnSpPr>
-          <p:cNvPr id="3364" name="Gerader Verbinder 3363">
-            <a:extLst>
-              <a:ext uri="{FF2B5EF4-FFF2-40B4-BE49-F238E27FC236}">
-                <a16:creationId xmlns:a16="http://schemas.microsoft.com/office/drawing/2014/main" id="{4F1841DB-A808-8A46-A8CD-55A36CDD95ED}"/>
-              </a:ext>
-            </a:extLst>
-          </p:cNvPr>
-          <p:cNvCxnSpPr/>
-          <p:nvPr/>
-        </p:nvCxnSpPr>
-        <p:spPr>
-          <a:xfrm flipV="1">
-            <a:off x="4352925" y="5407025"/>
-            <a:ext cx="1610360" cy="0"/>
-          </a:xfrm>
-          <a:prstGeom prst="line">
-            <a:avLst/>
-          </a:prstGeom>
-          <a:ln w="57150">
-            <a:solidFill>
-              <a:schemeClr val="tx1">
-                <a:lumMod val="65000"/>
-                <a:lumOff val="35000"/>
-              </a:schemeClr>
-            </a:solidFill>
-          </a:ln>
-        </p:spPr>
-        <p:style>
-          <a:lnRef idx="1">
-            <a:schemeClr val="accent2"/>
-          </a:lnRef>
-          <a:fillRef idx="0">
-            <a:schemeClr val="accent2"/>
-          </a:fillRef>
-          <a:effectRef idx="0">
-            <a:schemeClr val="accent2"/>
-          </a:effectRef>
-          <a:fontRef idx="minor">
-            <a:schemeClr val="tx1"/>
-          </a:fontRef>
-        </p:style>
-      </p:cxnSp>
-      <p:cxnSp>
-        <p:nvCxnSpPr>
-          <p:cNvPr id="3365" name="Gerader Verbinder 3364">
-            <a:extLst>
-              <a:ext uri="{FF2B5EF4-FFF2-40B4-BE49-F238E27FC236}">
-                <a16:creationId xmlns:a16="http://schemas.microsoft.com/office/drawing/2014/main" id="{A248ED56-3735-DF66-2AE0-E8ABC2C3CA7B}"/>
-              </a:ext>
-            </a:extLst>
-          </p:cNvPr>
-          <p:cNvCxnSpPr/>
-          <p:nvPr/>
-        </p:nvCxnSpPr>
-        <p:spPr>
-          <a:xfrm>
-            <a:off x="4987290" y="5967095"/>
-            <a:ext cx="3128645" cy="0"/>
-          </a:xfrm>
-          <a:prstGeom prst="line">
-            <a:avLst/>
-          </a:prstGeom>
-          <a:ln w="57150">
-            <a:solidFill>
-              <a:schemeClr val="tx1">
-                <a:lumMod val="65000"/>
-                <a:lumOff val="35000"/>
-              </a:schemeClr>
-            </a:solidFill>
-          </a:ln>
-        </p:spPr>
-        <p:style>
-          <a:lnRef idx="1">
-            <a:schemeClr val="accent2"/>
-          </a:lnRef>
-          <a:fillRef idx="0">
-            <a:schemeClr val="accent2"/>
-          </a:fillRef>
-          <a:effectRef idx="0">
-            <a:schemeClr val="accent2"/>
-          </a:effectRef>
-          <a:fontRef idx="minor">
-            <a:schemeClr val="tx1"/>
-          </a:fontRef>
-        </p:style>
-      </p:cxnSp>
-      <p:cxnSp>
-        <p:nvCxnSpPr>
-          <p:cNvPr id="3366" name="Gerader Verbinder 3365">
-            <a:extLst>
-              <a:ext uri="{FF2B5EF4-FFF2-40B4-BE49-F238E27FC236}">
-                <a16:creationId xmlns:a16="http://schemas.microsoft.com/office/drawing/2014/main" id="{82CB1A60-8AEA-5874-E474-4B115A90ECD2}"/>
-              </a:ext>
-            </a:extLst>
-          </p:cNvPr>
-          <p:cNvCxnSpPr/>
-          <p:nvPr/>
-        </p:nvCxnSpPr>
-        <p:spPr>
-          <a:xfrm flipH="1">
-            <a:off x="5974715" y="4768850"/>
-            <a:ext cx="0" cy="1188085"/>
-          </a:xfrm>
-          <a:prstGeom prst="line">
-            <a:avLst/>
-          </a:prstGeom>
-          <a:ln w="57150">
-            <a:solidFill>
-              <a:schemeClr val="tx1">
-                <a:lumMod val="65000"/>
-                <a:lumOff val="35000"/>
-              </a:schemeClr>
-            </a:solidFill>
-          </a:ln>
-        </p:spPr>
-        <p:style>
-          <a:lnRef idx="1">
-            <a:schemeClr val="accent2"/>
-          </a:lnRef>
-          <a:fillRef idx="0">
-            <a:schemeClr val="accent2"/>
-          </a:fillRef>
-          <a:effectRef idx="0">
-            <a:schemeClr val="accent2"/>
-          </a:effectRef>
-          <a:fontRef idx="minor">
-            <a:schemeClr val="tx1"/>
-          </a:fontRef>
-        </p:style>
-      </p:cxnSp>
-      <p:cxnSp>
-        <p:nvCxnSpPr>
-          <p:cNvPr id="3367" name="Gerader Verbinder 3366">
-            <a:extLst>
-              <a:ext uri="{FF2B5EF4-FFF2-40B4-BE49-F238E27FC236}">
-                <a16:creationId xmlns:a16="http://schemas.microsoft.com/office/drawing/2014/main" id="{8EE6486B-AEC0-84E5-48D1-47BEFE7E0321}"/>
-              </a:ext>
-            </a:extLst>
-          </p:cNvPr>
-          <p:cNvCxnSpPr/>
-          <p:nvPr/>
-        </p:nvCxnSpPr>
-        <p:spPr>
-          <a:xfrm>
-            <a:off x="2830195" y="4297045"/>
-            <a:ext cx="1533525" cy="13335"/>
-          </a:xfrm>
-          <a:prstGeom prst="line">
-            <a:avLst/>
-          </a:prstGeom>
-          <a:ln w="57150">
-            <a:solidFill>
-              <a:schemeClr val="tx1">
-                <a:lumMod val="65000"/>
-                <a:lumOff val="35000"/>
-              </a:schemeClr>
-            </a:solidFill>
-          </a:ln>
-        </p:spPr>
-        <p:style>
-          <a:lnRef idx="1">
-            <a:schemeClr val="accent2"/>
-          </a:lnRef>
-          <a:fillRef idx="0">
-            <a:schemeClr val="accent2"/>
-          </a:fillRef>
-          <a:effectRef idx="0">
-            <a:schemeClr val="accent2"/>
-          </a:effectRef>
-          <a:fontRef idx="minor">
-            <a:schemeClr val="tx1"/>
-          </a:fontRef>
-        </p:style>
-      </p:cxnSp>
-      <p:cxnSp>
-        <p:nvCxnSpPr>
-          <p:cNvPr id="3368" name="Gerader Verbinder 3367">
-            <a:extLst>
-              <a:ext uri="{FF2B5EF4-FFF2-40B4-BE49-F238E27FC236}">
-                <a16:creationId xmlns:a16="http://schemas.microsoft.com/office/drawing/2014/main" id="{C43EEACF-79F4-2129-BDE0-02FFFA9C87B0}"/>
-              </a:ext>
-            </a:extLst>
-          </p:cNvPr>
-          <p:cNvCxnSpPr/>
-          <p:nvPr/>
-        </p:nvCxnSpPr>
-        <p:spPr>
-          <a:xfrm flipV="1">
-            <a:off x="4420870" y="1354455"/>
-            <a:ext cx="1492885" cy="635"/>
-          </a:xfrm>
-          <a:prstGeom prst="line">
-            <a:avLst/>
-          </a:prstGeom>
-          <a:ln w="76200">
-            <a:solidFill>
-              <a:schemeClr val="tx1">
-                <a:lumMod val="65000"/>
-                <a:lumOff val="35000"/>
-              </a:schemeClr>
-            </a:solidFill>
-          </a:ln>
-        </p:spPr>
-        <p:style>
-          <a:lnRef idx="1">
-            <a:schemeClr val="accent2"/>
-          </a:lnRef>
-          <a:fillRef idx="0">
-            <a:schemeClr val="accent2"/>
-          </a:fillRef>
-          <a:effectRef idx="0">
-            <a:schemeClr val="accent2"/>
-          </a:effectRef>
-          <a:fontRef idx="minor">
-            <a:schemeClr val="tx1"/>
-          </a:fontRef>
-        </p:style>
-      </p:cxnSp>
-      <p:cxnSp>
-        <p:nvCxnSpPr>
-          <p:cNvPr id="3369" name="Gerader Verbinder 3368">
-            <a:extLst>
-              <a:ext uri="{FF2B5EF4-FFF2-40B4-BE49-F238E27FC236}">
-                <a16:creationId xmlns:a16="http://schemas.microsoft.com/office/drawing/2014/main" id="{2228F4BB-75B4-597D-FC14-5699D65B60E2}"/>
-              </a:ext>
-            </a:extLst>
-          </p:cNvPr>
-          <p:cNvCxnSpPr/>
-          <p:nvPr/>
-        </p:nvCxnSpPr>
-        <p:spPr>
-          <a:xfrm flipV="1">
-            <a:off x="5121275" y="2145665"/>
-            <a:ext cx="3070860" cy="0"/>
-          </a:xfrm>
-          <a:prstGeom prst="line">
-            <a:avLst/>
-          </a:prstGeom>
-          <a:ln w="57150">
-            <a:solidFill>
-              <a:schemeClr val="tx1">
-                <a:lumMod val="65000"/>
-                <a:lumOff val="35000"/>
-              </a:schemeClr>
-            </a:solidFill>
-          </a:ln>
-        </p:spPr>
-        <p:style>
-          <a:lnRef idx="1">
-            <a:schemeClr val="accent2"/>
-          </a:lnRef>
-          <a:fillRef idx="0">
-            <a:schemeClr val="accent2"/>
-          </a:fillRef>
-          <a:effectRef idx="0">
-            <a:schemeClr val="accent2"/>
-          </a:effectRef>
-          <a:fontRef idx="minor">
-            <a:schemeClr val="tx1"/>
-          </a:fontRef>
-        </p:style>
-      </p:cxnSp>
-      <p:cxnSp>
-        <p:nvCxnSpPr>
-          <p:cNvPr id="3370" name="Gerader Verbinder 3369">
-            <a:extLst>
-              <a:ext uri="{FF2B5EF4-FFF2-40B4-BE49-F238E27FC236}">
-                <a16:creationId xmlns:a16="http://schemas.microsoft.com/office/drawing/2014/main" id="{71F460D5-5BFA-8593-3801-9AAF6EA7A460}"/>
-              </a:ext>
-            </a:extLst>
-          </p:cNvPr>
-          <p:cNvCxnSpPr/>
-          <p:nvPr/>
-        </p:nvCxnSpPr>
-        <p:spPr>
-          <a:xfrm flipV="1">
-            <a:off x="5112385" y="1750060"/>
-            <a:ext cx="803275" cy="1270"/>
-          </a:xfrm>
-          <a:prstGeom prst="line">
-            <a:avLst/>
-          </a:prstGeom>
-          <a:ln w="57150">
-            <a:solidFill>
-              <a:schemeClr val="tx1">
-                <a:lumMod val="65000"/>
-                <a:lumOff val="35000"/>
-              </a:schemeClr>
-            </a:solidFill>
-          </a:ln>
-        </p:spPr>
-        <p:style>
-          <a:lnRef idx="1">
-            <a:schemeClr val="accent2"/>
-          </a:lnRef>
-          <a:fillRef idx="0">
-            <a:schemeClr val="accent2"/>
-          </a:fillRef>
-          <a:effectRef idx="0">
-            <a:schemeClr val="accent2"/>
-          </a:effectRef>
-          <a:fontRef idx="minor">
-            <a:schemeClr val="tx1"/>
-          </a:fontRef>
-        </p:style>
-      </p:cxnSp>
-      <p:cxnSp>
-        <p:nvCxnSpPr>
-          <p:cNvPr id="3371" name="Gerader Verbinder 3370">
-            <a:extLst>
-              <a:ext uri="{FF2B5EF4-FFF2-40B4-BE49-F238E27FC236}">
-                <a16:creationId xmlns:a16="http://schemas.microsoft.com/office/drawing/2014/main" id="{DA9A1336-A120-2DBC-B9E0-7F79F946043B}"/>
-              </a:ext>
-            </a:extLst>
-          </p:cNvPr>
-          <p:cNvCxnSpPr/>
-          <p:nvPr/>
-        </p:nvCxnSpPr>
-        <p:spPr>
-          <a:xfrm>
-            <a:off x="5895975" y="1286510"/>
-            <a:ext cx="0" cy="492125"/>
-          </a:xfrm>
-          <a:prstGeom prst="line">
-            <a:avLst/>
-          </a:prstGeom>
-          <a:ln w="57150">
-            <a:solidFill>
-              <a:schemeClr val="tx1">
-                <a:lumMod val="65000"/>
-                <a:lumOff val="35000"/>
-              </a:schemeClr>
-            </a:solidFill>
-          </a:ln>
-        </p:spPr>
-        <p:style>
-          <a:lnRef idx="1">
-            <a:schemeClr val="accent2"/>
-          </a:lnRef>
-          <a:fillRef idx="0">
-            <a:schemeClr val="accent2"/>
-          </a:fillRef>
-          <a:effectRef idx="0">
-            <a:schemeClr val="accent2"/>
-          </a:effectRef>
-          <a:fontRef idx="minor">
-            <a:schemeClr val="tx1"/>
-          </a:fontRef>
-        </p:style>
-      </p:cxnSp>
-      <p:cxnSp>
-        <p:nvCxnSpPr>
-          <p:cNvPr id="3372" name="Gerader Verbinder 3371">
-            <a:extLst>
-              <a:ext uri="{FF2B5EF4-FFF2-40B4-BE49-F238E27FC236}">
-                <a16:creationId xmlns:a16="http://schemas.microsoft.com/office/drawing/2014/main" id="{04594CE6-B962-9851-D63E-633B8DC21395}"/>
-              </a:ext>
-            </a:extLst>
-          </p:cNvPr>
-          <p:cNvCxnSpPr/>
-          <p:nvPr/>
-        </p:nvCxnSpPr>
-        <p:spPr>
-          <a:xfrm>
-            <a:off x="9518015" y="2372995"/>
-            <a:ext cx="436245" cy="0"/>
-          </a:xfrm>
-          <a:prstGeom prst="line">
-            <a:avLst/>
-          </a:prstGeom>
-          <a:ln w="57150">
-            <a:solidFill>
-              <a:schemeClr val="tx1">
-                <a:lumMod val="65000"/>
-                <a:lumOff val="35000"/>
-              </a:schemeClr>
-            </a:solidFill>
-          </a:ln>
-        </p:spPr>
-        <p:style>
-          <a:lnRef idx="1">
-            <a:schemeClr val="accent2"/>
-          </a:lnRef>
-          <a:fillRef idx="0">
-            <a:schemeClr val="accent2"/>
-          </a:fillRef>
-          <a:effectRef idx="0">
-            <a:schemeClr val="accent2"/>
-          </a:effectRef>
-          <a:fontRef idx="minor">
-            <a:schemeClr val="tx1"/>
-          </a:fontRef>
-        </p:style>
-      </p:cxnSp>
       <p:sp>
         <p:nvSpPr>
-          <p:cNvPr id="3373" name="Text Box 330">
-            <a:extLst>
-              <a:ext uri="{FF2B5EF4-FFF2-40B4-BE49-F238E27FC236}">
-                <a16:creationId xmlns:a16="http://schemas.microsoft.com/office/drawing/2014/main" id="{A27F2F55-BBB1-1AB5-8A08-0EC46DA3FF5D}"/>
+          <p:cNvPr id="3327" name="Text Box 377">
+            <a:extLst>
+              <a:ext uri="{FF2B5EF4-FFF2-40B4-BE49-F238E27FC236}">
+                <a16:creationId xmlns:a16="http://schemas.microsoft.com/office/drawing/2014/main" id="{2193A440-7AD2-6315-5DEA-4B6764FD1961}"/>
               </a:ext>
             </a:extLst>
           </p:cNvPr>
@@ -26437,8 +24353,8 @@
         </p:nvSpPr>
         <p:spPr bwMode="auto">
           <a:xfrm>
-            <a:off x="9416416" y="2859521"/>
-            <a:ext cx="514350" cy="438150"/>
+            <a:off x="2901720" y="6516255"/>
+            <a:ext cx="876300" cy="485775"/>
           </a:xfrm>
           <a:prstGeom prst="rect">
             <a:avLst/>
@@ -26492,7 +24408,7 @@
               <a:tabLst/>
             </a:pPr>
             <a:r>
-              <a:rPr kumimoji="0" lang="de-DE" altLang="de-DE" sz="900" b="0" i="0" u="none" strike="noStrike" cap="none" normalizeH="0" baseline="0">
+              <a:rPr kumimoji="0" lang="de-DE" altLang="de-DE" sz="900" b="0" i="0" u="none" strike="noStrike" cap="none" normalizeH="0" baseline="0" dirty="0">
                 <a:ln>
                   <a:noFill/>
                 </a:ln>
@@ -26500,13 +24416,13 @@
                   <a:schemeClr val="tx1"/>
                 </a:solidFill>
                 <a:effectLst/>
-                <a:latin typeface="Arial Black" panose="020B0A04020102020204" pitchFamily="34" charset="0"/>
+                <a:latin typeface="Arial" panose="020B0604020202020204" pitchFamily="34" charset="0"/>
                 <a:ea typeface="Aptos" panose="020B0004020202020204" pitchFamily="34" charset="0"/>
                 <a:cs typeface="Arial" panose="020B0604020202020204" pitchFamily="34" charset="0"/>
               </a:rPr>
-              <a:t>Fahr-stuhl</a:t>
+              <a:t>Reaktions- spiel</a:t>
             </a:r>
-            <a:endParaRPr kumimoji="0" lang="de-DE" altLang="de-DE" sz="1800" b="0" i="0" u="none" strike="noStrike" cap="none" normalizeH="0" baseline="0">
+            <a:endParaRPr kumimoji="0" lang="de-DE" altLang="de-DE" sz="900" b="0" i="0" u="none" strike="noStrike" cap="none" normalizeH="0" baseline="0" dirty="0">
               <a:ln>
                 <a:noFill/>
               </a:ln>
@@ -26515,6 +24431,1921 @@
               </a:solidFill>
               <a:effectLst/>
               <a:latin typeface="Arial" panose="020B0604020202020204" pitchFamily="34" charset="0"/>
+              <a:cs typeface="Arial" panose="020B0604020202020204" pitchFamily="34" charset="0"/>
+            </a:endParaRPr>
+          </a:p>
+        </p:txBody>
+      </p:sp>
+      <p:sp>
+        <p:nvSpPr>
+          <p:cNvPr id="3329" name="Text Box 375">
+            <a:extLst>
+              <a:ext uri="{FF2B5EF4-FFF2-40B4-BE49-F238E27FC236}">
+                <a16:creationId xmlns:a16="http://schemas.microsoft.com/office/drawing/2014/main" id="{D4F646C8-0C5B-6E5F-61C4-BE3616C60BAE}"/>
+              </a:ext>
+            </a:extLst>
+          </p:cNvPr>
+          <p:cNvSpPr txBox="1">
+            <a:spLocks noChangeArrowheads="1"/>
+          </p:cNvSpPr>
+          <p:nvPr/>
+        </p:nvSpPr>
+        <p:spPr bwMode="auto">
+          <a:xfrm>
+            <a:off x="5832100" y="12731115"/>
+            <a:ext cx="1304925" cy="504825"/>
+          </a:xfrm>
+          <a:prstGeom prst="rect">
+            <a:avLst/>
+          </a:prstGeom>
+          <a:noFill/>
+          <a:ln>
+            <a:noFill/>
+          </a:ln>
+          <a:extLst>
+            <a:ext uri="{909E8E84-426E-40DD-AFC4-6F175D3DCCD1}">
+              <a14:hiddenFill xmlns:a14="http://schemas.microsoft.com/office/drawing/2010/main">
+                <a:solidFill>
+                  <a:srgbClr val="FFFFFF"/>
+                </a:solidFill>
+              </a14:hiddenFill>
+            </a:ext>
+            <a:ext uri="{91240B29-F687-4F45-9708-019B960494DF}">
+              <a14:hiddenLine xmlns:a14="http://schemas.microsoft.com/office/drawing/2010/main" w="9525">
+                <a:solidFill>
+                  <a:srgbClr val="000000"/>
+                </a:solidFill>
+                <a:miter lim="800000"/>
+                <a:headEnd/>
+                <a:tailEnd/>
+              </a14:hiddenLine>
+            </a:ext>
+          </a:extLst>
+        </p:spPr>
+        <p:txBody>
+          <a:bodyPr vert="horz" wrap="square" lIns="91440" tIns="45720" rIns="91440" bIns="45720" numCol="1" anchor="t" anchorCtr="0" compatLnSpc="1">
+            <a:prstTxWarp prst="textNoShape">
+              <a:avLst/>
+            </a:prstTxWarp>
+          </a:bodyPr>
+          <a:lstStyle/>
+          <a:p>
+            <a:pPr marL="0" marR="0" lvl="0" indent="0" algn="l" defTabSz="914400" rtl="0" eaLnBrk="0" fontAlgn="base" latinLnBrk="0" hangingPunct="0">
+              <a:lnSpc>
+                <a:spcPct val="100000"/>
+              </a:lnSpc>
+              <a:spcBef>
+                <a:spcPct val="0"/>
+              </a:spcBef>
+              <a:spcAft>
+                <a:spcPct val="0"/>
+              </a:spcAft>
+              <a:buClrTx/>
+              <a:buSzTx/>
+              <a:buFontTx/>
+              <a:buNone/>
+              <a:tabLst/>
+            </a:pPr>
+            <a:r>
+              <a:rPr kumimoji="0" lang="de-DE" altLang="de-DE" sz="900" b="0" i="0" u="none" strike="noStrike" cap="none" normalizeH="0" baseline="0" dirty="0">
+                <a:ln>
+                  <a:noFill/>
+                </a:ln>
+                <a:solidFill>
+                  <a:schemeClr val="tx1"/>
+                </a:solidFill>
+                <a:effectLst/>
+                <a:latin typeface="Arial" panose="020B0604020202020204" pitchFamily="34" charset="0"/>
+                <a:ea typeface="Aptos" panose="020B0004020202020204" pitchFamily="34" charset="0"/>
+                <a:cs typeface="Arial" panose="020B0604020202020204" pitchFamily="34" charset="0"/>
+              </a:rPr>
+              <a:t>Give-Away „Würfel im Würfel“</a:t>
+            </a:r>
+            <a:endParaRPr kumimoji="0" lang="de-DE" altLang="de-DE" sz="900" b="0" i="0" u="none" strike="noStrike" cap="none" normalizeH="0" baseline="0" dirty="0">
+              <a:ln>
+                <a:noFill/>
+              </a:ln>
+              <a:solidFill>
+                <a:schemeClr val="tx1"/>
+              </a:solidFill>
+              <a:effectLst/>
+              <a:latin typeface="Arial" panose="020B0604020202020204" pitchFamily="34" charset="0"/>
+              <a:cs typeface="Arial" panose="020B0604020202020204" pitchFamily="34" charset="0"/>
+            </a:endParaRPr>
+          </a:p>
+        </p:txBody>
+      </p:sp>
+      <p:sp>
+        <p:nvSpPr>
+          <p:cNvPr id="3330" name="Text Box 374">
+            <a:extLst>
+              <a:ext uri="{FF2B5EF4-FFF2-40B4-BE49-F238E27FC236}">
+                <a16:creationId xmlns:a16="http://schemas.microsoft.com/office/drawing/2014/main" id="{988E2919-13E0-67F7-364B-C11C4AEC4AF4}"/>
+              </a:ext>
+            </a:extLst>
+          </p:cNvPr>
+          <p:cNvSpPr txBox="1">
+            <a:spLocks noChangeArrowheads="1"/>
+          </p:cNvSpPr>
+          <p:nvPr/>
+        </p:nvSpPr>
+        <p:spPr bwMode="auto">
+          <a:xfrm>
+            <a:off x="7064519" y="10978515"/>
+            <a:ext cx="885825" cy="504825"/>
+          </a:xfrm>
+          <a:prstGeom prst="rect">
+            <a:avLst/>
+          </a:prstGeom>
+          <a:noFill/>
+          <a:ln>
+            <a:noFill/>
+          </a:ln>
+          <a:extLst>
+            <a:ext uri="{909E8E84-426E-40DD-AFC4-6F175D3DCCD1}">
+              <a14:hiddenFill xmlns:a14="http://schemas.microsoft.com/office/drawing/2010/main">
+                <a:solidFill>
+                  <a:srgbClr val="FFFFFF"/>
+                </a:solidFill>
+              </a14:hiddenFill>
+            </a:ext>
+            <a:ext uri="{91240B29-F687-4F45-9708-019B960494DF}">
+              <a14:hiddenLine xmlns:a14="http://schemas.microsoft.com/office/drawing/2010/main" w="9525">
+                <a:solidFill>
+                  <a:srgbClr val="000000"/>
+                </a:solidFill>
+                <a:miter lim="800000"/>
+                <a:headEnd/>
+                <a:tailEnd/>
+              </a14:hiddenLine>
+            </a:ext>
+          </a:extLst>
+        </p:spPr>
+        <p:txBody>
+          <a:bodyPr vert="horz" wrap="square" lIns="91440" tIns="45720" rIns="91440" bIns="45720" numCol="1" anchor="t" anchorCtr="0" compatLnSpc="1">
+            <a:prstTxWarp prst="textNoShape">
+              <a:avLst/>
+            </a:prstTxWarp>
+          </a:bodyPr>
+          <a:lstStyle/>
+          <a:p>
+            <a:pPr marL="0" marR="0" lvl="0" indent="0" algn="l" defTabSz="914400" rtl="0" eaLnBrk="0" fontAlgn="base" latinLnBrk="0" hangingPunct="0">
+              <a:lnSpc>
+                <a:spcPct val="100000"/>
+              </a:lnSpc>
+              <a:spcBef>
+                <a:spcPct val="0"/>
+              </a:spcBef>
+              <a:spcAft>
+                <a:spcPct val="0"/>
+              </a:spcAft>
+              <a:buClrTx/>
+              <a:buSzTx/>
+              <a:buFontTx/>
+              <a:buNone/>
+              <a:tabLst/>
+            </a:pPr>
+            <a:r>
+              <a:rPr kumimoji="0" lang="de-DE" altLang="de-DE" sz="900" b="0" i="0" u="none" strike="noStrike" cap="none" normalizeH="0" baseline="0" dirty="0">
+                <a:ln>
+                  <a:noFill/>
+                </a:ln>
+                <a:solidFill>
+                  <a:schemeClr val="tx1"/>
+                </a:solidFill>
+                <a:effectLst/>
+                <a:latin typeface="Arial" panose="020B0604020202020204" pitchFamily="34" charset="0"/>
+                <a:ea typeface="Aptos" panose="020B0004020202020204" pitchFamily="34" charset="0"/>
+                <a:cs typeface="Arial" panose="020B0604020202020204" pitchFamily="34" charset="0"/>
+              </a:rPr>
+              <a:t>Give-Away „Multitool“</a:t>
+            </a:r>
+            <a:endParaRPr kumimoji="0" lang="de-DE" altLang="de-DE" sz="900" b="0" i="0" u="none" strike="noStrike" cap="none" normalizeH="0" baseline="0" dirty="0">
+              <a:ln>
+                <a:noFill/>
+              </a:ln>
+              <a:solidFill>
+                <a:schemeClr val="tx1"/>
+              </a:solidFill>
+              <a:effectLst/>
+              <a:latin typeface="Arial" panose="020B0604020202020204" pitchFamily="34" charset="0"/>
+              <a:cs typeface="Arial" panose="020B0604020202020204" pitchFamily="34" charset="0"/>
+            </a:endParaRPr>
+          </a:p>
+        </p:txBody>
+      </p:sp>
+      <p:cxnSp>
+        <p:nvCxnSpPr>
+          <p:cNvPr id="3331" name="Gerader Verbinder 3330">
+            <a:extLst>
+              <a:ext uri="{FF2B5EF4-FFF2-40B4-BE49-F238E27FC236}">
+                <a16:creationId xmlns:a16="http://schemas.microsoft.com/office/drawing/2014/main" id="{F066C2E5-C7F2-D5AA-D89F-1E016D928C6A}"/>
+              </a:ext>
+            </a:extLst>
+          </p:cNvPr>
+          <p:cNvCxnSpPr/>
+          <p:nvPr/>
+        </p:nvCxnSpPr>
+        <p:spPr>
+          <a:xfrm flipV="1">
+            <a:off x="2214245" y="3923030"/>
+            <a:ext cx="616585" cy="1270"/>
+          </a:xfrm>
+          <a:prstGeom prst="line">
+            <a:avLst/>
+          </a:prstGeom>
+          <a:ln w="57150">
+            <a:solidFill>
+              <a:schemeClr val="tx1">
+                <a:lumMod val="65000"/>
+                <a:lumOff val="35000"/>
+              </a:schemeClr>
+            </a:solidFill>
+          </a:ln>
+        </p:spPr>
+        <p:style>
+          <a:lnRef idx="1">
+            <a:schemeClr val="accent2"/>
+          </a:lnRef>
+          <a:fillRef idx="0">
+            <a:schemeClr val="accent2"/>
+          </a:fillRef>
+          <a:effectRef idx="0">
+            <a:schemeClr val="accent2"/>
+          </a:effectRef>
+          <a:fontRef idx="minor">
+            <a:schemeClr val="tx1"/>
+          </a:fontRef>
+        </p:style>
+      </p:cxnSp>
+      <p:cxnSp>
+        <p:nvCxnSpPr>
+          <p:cNvPr id="3332" name="Gerader Verbinder 3331">
+            <a:extLst>
+              <a:ext uri="{FF2B5EF4-FFF2-40B4-BE49-F238E27FC236}">
+                <a16:creationId xmlns:a16="http://schemas.microsoft.com/office/drawing/2014/main" id="{92DB118C-84BE-23DA-CB82-53F9F67599C8}"/>
+              </a:ext>
+            </a:extLst>
+          </p:cNvPr>
+          <p:cNvCxnSpPr/>
+          <p:nvPr/>
+        </p:nvCxnSpPr>
+        <p:spPr>
+          <a:xfrm>
+            <a:off x="719455" y="5570220"/>
+            <a:ext cx="1485265" cy="0"/>
+          </a:xfrm>
+          <a:prstGeom prst="line">
+            <a:avLst/>
+          </a:prstGeom>
+          <a:ln w="57150">
+            <a:solidFill>
+              <a:schemeClr val="tx1">
+                <a:lumMod val="65000"/>
+                <a:lumOff val="35000"/>
+              </a:schemeClr>
+            </a:solidFill>
+          </a:ln>
+        </p:spPr>
+        <p:style>
+          <a:lnRef idx="1">
+            <a:schemeClr val="accent2"/>
+          </a:lnRef>
+          <a:fillRef idx="0">
+            <a:schemeClr val="accent2"/>
+          </a:fillRef>
+          <a:effectRef idx="0">
+            <a:schemeClr val="accent2"/>
+          </a:effectRef>
+          <a:fontRef idx="minor">
+            <a:schemeClr val="tx1"/>
+          </a:fontRef>
+        </p:style>
+      </p:cxnSp>
+      <p:cxnSp>
+        <p:nvCxnSpPr>
+          <p:cNvPr id="3333" name="Gerader Verbinder 3332">
+            <a:extLst>
+              <a:ext uri="{FF2B5EF4-FFF2-40B4-BE49-F238E27FC236}">
+                <a16:creationId xmlns:a16="http://schemas.microsoft.com/office/drawing/2014/main" id="{92317C77-5242-CC6F-6B3C-97CA509A50FE}"/>
+              </a:ext>
+            </a:extLst>
+          </p:cNvPr>
+          <p:cNvCxnSpPr/>
+          <p:nvPr/>
+        </p:nvCxnSpPr>
+        <p:spPr>
+          <a:xfrm flipV="1">
+            <a:off x="8660765" y="8893810"/>
+            <a:ext cx="1162050" cy="0"/>
+          </a:xfrm>
+          <a:prstGeom prst="line">
+            <a:avLst/>
+          </a:prstGeom>
+          <a:ln w="57150">
+            <a:solidFill>
+              <a:schemeClr val="tx1">
+                <a:lumMod val="65000"/>
+                <a:lumOff val="35000"/>
+              </a:schemeClr>
+            </a:solidFill>
+          </a:ln>
+        </p:spPr>
+        <p:style>
+          <a:lnRef idx="1">
+            <a:schemeClr val="accent2"/>
+          </a:lnRef>
+          <a:fillRef idx="0">
+            <a:schemeClr val="accent2"/>
+          </a:fillRef>
+          <a:effectRef idx="0">
+            <a:schemeClr val="accent2"/>
+          </a:effectRef>
+          <a:fontRef idx="minor">
+            <a:schemeClr val="tx1"/>
+          </a:fontRef>
+        </p:style>
+      </p:cxnSp>
+      <p:pic>
+        <p:nvPicPr>
+          <p:cNvPr id="3334" name="Grafik 3333" descr="Beenden mit einfarbiger Füllung">
+            <a:extLst>
+              <a:ext uri="{FF2B5EF4-FFF2-40B4-BE49-F238E27FC236}">
+                <a16:creationId xmlns:a16="http://schemas.microsoft.com/office/drawing/2014/main" id="{0E0F8F32-3353-7252-1C4C-A9E8CF718372}"/>
+              </a:ext>
+            </a:extLst>
+          </p:cNvPr>
+          <p:cNvPicPr>
+            <a:picLocks noChangeAspect="1"/>
+          </p:cNvPicPr>
+          <p:nvPr/>
+        </p:nvPicPr>
+        <p:blipFill>
+          <a:blip r:embed="rId2">
+            <a:extLst>
+              <a:ext uri="{96DAC541-7B7A-43D3-8B79-37D633B846F1}">
+                <asvg:svgBlip xmlns:asvg="http://schemas.microsoft.com/office/drawing/2016/SVG/main" r:embed="rId3"/>
+              </a:ext>
+            </a:extLst>
+          </a:blip>
+          <a:stretch>
+            <a:fillRect/>
+          </a:stretch>
+        </p:blipFill>
+        <p:spPr>
+          <a:xfrm>
+            <a:off x="9418955" y="9340850"/>
+            <a:ext cx="409575" cy="409575"/>
+          </a:xfrm>
+          <a:prstGeom prst="rect">
+            <a:avLst/>
+          </a:prstGeom>
+        </p:spPr>
+      </p:pic>
+      <p:pic>
+        <p:nvPicPr>
+          <p:cNvPr id="3335" name="Grafik 3334" descr="Beenden mit einfarbiger Füllung">
+            <a:extLst>
+              <a:ext uri="{FF2B5EF4-FFF2-40B4-BE49-F238E27FC236}">
+                <a16:creationId xmlns:a16="http://schemas.microsoft.com/office/drawing/2014/main" id="{E4661335-792F-8E21-6DB0-B3FDFF626622}"/>
+              </a:ext>
+            </a:extLst>
+          </p:cNvPr>
+          <p:cNvPicPr>
+            <a:picLocks noChangeAspect="1"/>
+          </p:cNvPicPr>
+          <p:nvPr/>
+        </p:nvPicPr>
+        <p:blipFill>
+          <a:blip r:embed="rId2">
+            <a:extLst>
+              <a:ext uri="{96DAC541-7B7A-43D3-8B79-37D633B846F1}">
+                <asvg:svgBlip xmlns:asvg="http://schemas.microsoft.com/office/drawing/2016/SVG/main" r:embed="rId3"/>
+              </a:ext>
+            </a:extLst>
+          </a:blip>
+          <a:stretch>
+            <a:fillRect/>
+          </a:stretch>
+        </p:blipFill>
+        <p:spPr>
+          <a:xfrm>
+            <a:off x="9046210" y="1870710"/>
+            <a:ext cx="409575" cy="409575"/>
+          </a:xfrm>
+          <a:prstGeom prst="rect">
+            <a:avLst/>
+          </a:prstGeom>
+        </p:spPr>
+      </p:pic>
+      <p:pic>
+        <p:nvPicPr>
+          <p:cNvPr id="3337" name="Grafik 3336" descr="Eingabe mit einfarbiger Füllung">
+            <a:extLst>
+              <a:ext uri="{FF2B5EF4-FFF2-40B4-BE49-F238E27FC236}">
+                <a16:creationId xmlns:a16="http://schemas.microsoft.com/office/drawing/2014/main" id="{E557D4DE-1A84-16C0-A2CC-A96445B2F0AE}"/>
+              </a:ext>
+            </a:extLst>
+          </p:cNvPr>
+          <p:cNvPicPr>
+            <a:picLocks noChangeAspect="1"/>
+          </p:cNvPicPr>
+          <p:nvPr/>
+        </p:nvPicPr>
+        <p:blipFill>
+          <a:blip r:embed="rId4">
+            <a:extLst>
+              <a:ext uri="{96DAC541-7B7A-43D3-8B79-37D633B846F1}">
+                <asvg:svgBlip xmlns:asvg="http://schemas.microsoft.com/office/drawing/2016/SVG/main" r:embed="rId5"/>
+              </a:ext>
+            </a:extLst>
+          </a:blip>
+          <a:stretch>
+            <a:fillRect/>
+          </a:stretch>
+        </p:blipFill>
+        <p:spPr>
+          <a:xfrm>
+            <a:off x="728345" y="7651115"/>
+            <a:ext cx="400050" cy="400050"/>
+          </a:xfrm>
+          <a:prstGeom prst="rect">
+            <a:avLst/>
+          </a:prstGeom>
+        </p:spPr>
+      </p:pic>
+      <p:pic>
+        <p:nvPicPr>
+          <p:cNvPr id="3338" name="Grafik 3337" descr="Eingabe mit einfarbiger Füllung">
+            <a:extLst>
+              <a:ext uri="{FF2B5EF4-FFF2-40B4-BE49-F238E27FC236}">
+                <a16:creationId xmlns:a16="http://schemas.microsoft.com/office/drawing/2014/main" id="{4912A2C6-6163-2DAE-A763-EABFCE7324BA}"/>
+              </a:ext>
+            </a:extLst>
+          </p:cNvPr>
+          <p:cNvPicPr>
+            <a:picLocks noChangeAspect="1"/>
+          </p:cNvPicPr>
+          <p:nvPr/>
+        </p:nvPicPr>
+        <p:blipFill>
+          <a:blip r:embed="rId4">
+            <a:extLst>
+              <a:ext uri="{96DAC541-7B7A-43D3-8B79-37D633B846F1}">
+                <asvg:svgBlip xmlns:asvg="http://schemas.microsoft.com/office/drawing/2016/SVG/main" r:embed="rId5"/>
+              </a:ext>
+            </a:extLst>
+          </a:blip>
+          <a:stretch>
+            <a:fillRect/>
+          </a:stretch>
+        </p:blipFill>
+        <p:spPr>
+          <a:xfrm>
+            <a:off x="4465955" y="1401445"/>
+            <a:ext cx="400050" cy="400050"/>
+          </a:xfrm>
+          <a:prstGeom prst="rect">
+            <a:avLst/>
+          </a:prstGeom>
+        </p:spPr>
+      </p:pic>
+      <p:pic>
+        <p:nvPicPr>
+          <p:cNvPr id="3339" name="Grafik 3338" descr="Mann mit einfarbiger Füllung">
+            <a:extLst>
+              <a:ext uri="{FF2B5EF4-FFF2-40B4-BE49-F238E27FC236}">
+                <a16:creationId xmlns:a16="http://schemas.microsoft.com/office/drawing/2014/main" id="{A4AAC76B-E96B-8D0B-3623-CD7B427E4837}"/>
+              </a:ext>
+            </a:extLst>
+          </p:cNvPr>
+          <p:cNvPicPr>
+            <a:picLocks noChangeAspect="1"/>
+          </p:cNvPicPr>
+          <p:nvPr/>
+        </p:nvPicPr>
+        <p:blipFill>
+          <a:blip r:embed="rId6">
+            <a:extLst>
+              <a:ext uri="{96DAC541-7B7A-43D3-8B79-37D633B846F1}">
+                <asvg:svgBlip xmlns:asvg="http://schemas.microsoft.com/office/drawing/2016/SVG/main" r:embed="rId7"/>
+              </a:ext>
+            </a:extLst>
+          </a:blip>
+          <a:stretch>
+            <a:fillRect/>
+          </a:stretch>
+        </p:blipFill>
+        <p:spPr>
+          <a:xfrm>
+            <a:off x="7012305" y="1046480"/>
+            <a:ext cx="333375" cy="333375"/>
+          </a:xfrm>
+          <a:prstGeom prst="rect">
+            <a:avLst/>
+          </a:prstGeom>
+        </p:spPr>
+      </p:pic>
+      <p:pic>
+        <p:nvPicPr>
+          <p:cNvPr id="3340" name="Grafik 3339" descr="Frau mit einfarbiger Füllung">
+            <a:extLst>
+              <a:ext uri="{FF2B5EF4-FFF2-40B4-BE49-F238E27FC236}">
+                <a16:creationId xmlns:a16="http://schemas.microsoft.com/office/drawing/2014/main" id="{0CCCB1B2-7AA5-067D-EADC-C541A6672FD2}"/>
+              </a:ext>
+            </a:extLst>
+          </p:cNvPr>
+          <p:cNvPicPr>
+            <a:picLocks noChangeAspect="1"/>
+          </p:cNvPicPr>
+          <p:nvPr/>
+        </p:nvPicPr>
+        <p:blipFill>
+          <a:blip r:embed="rId8">
+            <a:extLst>
+              <a:ext uri="{96DAC541-7B7A-43D3-8B79-37D633B846F1}">
+                <asvg:svgBlip xmlns:asvg="http://schemas.microsoft.com/office/drawing/2016/SVG/main" r:embed="rId9"/>
+              </a:ext>
+            </a:extLst>
+          </a:blip>
+          <a:stretch>
+            <a:fillRect/>
+          </a:stretch>
+        </p:blipFill>
+        <p:spPr>
+          <a:xfrm>
+            <a:off x="3035618" y="2226310"/>
+            <a:ext cx="342900" cy="342900"/>
+          </a:xfrm>
+          <a:prstGeom prst="rect">
+            <a:avLst/>
+          </a:prstGeom>
+        </p:spPr>
+      </p:pic>
+      <p:pic>
+        <p:nvPicPr>
+          <p:cNvPr id="3341" name="Grafik 3340" descr="Burger und Getränk mit einfarbiger Füllung">
+            <a:extLst>
+              <a:ext uri="{FF2B5EF4-FFF2-40B4-BE49-F238E27FC236}">
+                <a16:creationId xmlns:a16="http://schemas.microsoft.com/office/drawing/2014/main" id="{F068B5C5-C9D3-F0DA-C15E-FC7CB28658BE}"/>
+              </a:ext>
+            </a:extLst>
+          </p:cNvPr>
+          <p:cNvPicPr>
+            <a:picLocks noChangeAspect="1"/>
+          </p:cNvPicPr>
+          <p:nvPr/>
+        </p:nvPicPr>
+        <p:blipFill>
+          <a:blip r:embed="rId10">
+            <a:extLst>
+              <a:ext uri="{96DAC541-7B7A-43D3-8B79-37D633B846F1}">
+                <asvg:svgBlip xmlns:asvg="http://schemas.microsoft.com/office/drawing/2016/SVG/main" r:embed="rId11"/>
+              </a:ext>
+            </a:extLst>
+          </a:blip>
+          <a:stretch>
+            <a:fillRect/>
+          </a:stretch>
+        </p:blipFill>
+        <p:spPr>
+          <a:xfrm>
+            <a:off x="3111183" y="3477663"/>
+            <a:ext cx="552450" cy="552450"/>
+          </a:xfrm>
+          <a:prstGeom prst="rect">
+            <a:avLst/>
+          </a:prstGeom>
+        </p:spPr>
+      </p:pic>
+      <p:pic>
+        <p:nvPicPr>
+          <p:cNvPr id="3343" name="Grafik 3342" descr="Frau mit einfarbiger Füllung">
+            <a:extLst>
+              <a:ext uri="{FF2B5EF4-FFF2-40B4-BE49-F238E27FC236}">
+                <a16:creationId xmlns:a16="http://schemas.microsoft.com/office/drawing/2014/main" id="{EBE0A177-A6E9-75E3-FDA1-28E6B0ACB449}"/>
+              </a:ext>
+            </a:extLst>
+          </p:cNvPr>
+          <p:cNvPicPr>
+            <a:picLocks noChangeAspect="1"/>
+          </p:cNvPicPr>
+          <p:nvPr/>
+        </p:nvPicPr>
+        <p:blipFill>
+          <a:blip r:embed="rId8">
+            <a:extLst>
+              <a:ext uri="{96DAC541-7B7A-43D3-8B79-37D633B846F1}">
+                <asvg:svgBlip xmlns:asvg="http://schemas.microsoft.com/office/drawing/2016/SVG/main" r:embed="rId9"/>
+              </a:ext>
+            </a:extLst>
+          </a:blip>
+          <a:stretch>
+            <a:fillRect/>
+          </a:stretch>
+        </p:blipFill>
+        <p:spPr>
+          <a:xfrm>
+            <a:off x="7793355" y="1050290"/>
+            <a:ext cx="342900" cy="342900"/>
+          </a:xfrm>
+          <a:prstGeom prst="rect">
+            <a:avLst/>
+          </a:prstGeom>
+        </p:spPr>
+      </p:pic>
+      <p:sp>
+        <p:nvSpPr>
+          <p:cNvPr id="3345" name="Explosion: 8 Zacken 3344">
+            <a:extLst>
+              <a:ext uri="{FF2B5EF4-FFF2-40B4-BE49-F238E27FC236}">
+                <a16:creationId xmlns:a16="http://schemas.microsoft.com/office/drawing/2014/main" id="{52026374-FEBB-C0B6-27B6-D2E2FF9D0DAA}"/>
+              </a:ext>
+            </a:extLst>
+          </p:cNvPr>
+          <p:cNvSpPr/>
+          <p:nvPr/>
+        </p:nvSpPr>
+        <p:spPr>
+          <a:xfrm>
+            <a:off x="5113020" y="3458845"/>
+            <a:ext cx="361950" cy="342900"/>
+          </a:xfrm>
+          <a:prstGeom prst="irregularSeal1">
+            <a:avLst/>
+          </a:prstGeom>
+          <a:solidFill>
+            <a:srgbClr val="FFFF00"/>
+          </a:solidFill>
+        </p:spPr>
+        <p:style>
+          <a:lnRef idx="2">
+            <a:schemeClr val="accent1">
+              <a:shade val="15000"/>
+            </a:schemeClr>
+          </a:lnRef>
+          <a:fillRef idx="1">
+            <a:schemeClr val="accent1"/>
+          </a:fillRef>
+          <a:effectRef idx="0">
+            <a:schemeClr val="accent1"/>
+          </a:effectRef>
+          <a:fontRef idx="minor">
+            <a:schemeClr val="lt1"/>
+          </a:fontRef>
+        </p:style>
+        <p:txBody>
+          <a:bodyPr rot="0" spcFirstLastPara="0" vert="horz" wrap="square" lIns="91440" tIns="45720" rIns="91440" bIns="45720" numCol="1" spcCol="0" rtlCol="0" fromWordArt="0" anchor="ctr" anchorCtr="0" forceAA="0" compatLnSpc="1">
+            <a:prstTxWarp prst="textNoShape">
+              <a:avLst/>
+            </a:prstTxWarp>
+            <a:noAutofit/>
+          </a:bodyPr>
+          <a:lstStyle/>
+          <a:p>
+            <a:endParaRPr lang="de-DE">
+              <a:latin typeface="Arial" panose="020B0604020202020204" pitchFamily="34" charset="0"/>
+              <a:cs typeface="Arial" panose="020B0604020202020204" pitchFamily="34" charset="0"/>
+            </a:endParaRPr>
+          </a:p>
+        </p:txBody>
+      </p:sp>
+      <p:sp>
+        <p:nvSpPr>
+          <p:cNvPr id="3346" name="Explosion: 8 Zacken 3345">
+            <a:extLst>
+              <a:ext uri="{FF2B5EF4-FFF2-40B4-BE49-F238E27FC236}">
+                <a16:creationId xmlns:a16="http://schemas.microsoft.com/office/drawing/2014/main" id="{328C59B6-B023-BB45-70FF-6AAD4327129C}"/>
+              </a:ext>
+            </a:extLst>
+          </p:cNvPr>
+          <p:cNvSpPr/>
+          <p:nvPr/>
+        </p:nvSpPr>
+        <p:spPr>
+          <a:xfrm>
+            <a:off x="7729855" y="10977245"/>
+            <a:ext cx="361950" cy="342900"/>
+          </a:xfrm>
+          <a:prstGeom prst="irregularSeal1">
+            <a:avLst/>
+          </a:prstGeom>
+          <a:solidFill>
+            <a:srgbClr val="FFFF00"/>
+          </a:solidFill>
+        </p:spPr>
+        <p:style>
+          <a:lnRef idx="2">
+            <a:schemeClr val="accent1">
+              <a:shade val="15000"/>
+            </a:schemeClr>
+          </a:lnRef>
+          <a:fillRef idx="1">
+            <a:schemeClr val="accent1"/>
+          </a:fillRef>
+          <a:effectRef idx="0">
+            <a:schemeClr val="accent1"/>
+          </a:effectRef>
+          <a:fontRef idx="minor">
+            <a:schemeClr val="lt1"/>
+          </a:fontRef>
+        </p:style>
+        <p:txBody>
+          <a:bodyPr rot="0" spcFirstLastPara="0" vert="horz" wrap="square" lIns="91440" tIns="45720" rIns="91440" bIns="45720" numCol="1" spcCol="0" rtlCol="0" fromWordArt="0" anchor="ctr" anchorCtr="0" forceAA="0" compatLnSpc="1">
+            <a:prstTxWarp prst="textNoShape">
+              <a:avLst/>
+            </a:prstTxWarp>
+            <a:noAutofit/>
+          </a:bodyPr>
+          <a:lstStyle/>
+          <a:p>
+            <a:endParaRPr lang="de-DE">
+              <a:latin typeface="Arial" panose="020B0604020202020204" pitchFamily="34" charset="0"/>
+              <a:cs typeface="Arial" panose="020B0604020202020204" pitchFamily="34" charset="0"/>
+            </a:endParaRPr>
+          </a:p>
+        </p:txBody>
+      </p:sp>
+      <p:sp>
+        <p:nvSpPr>
+          <p:cNvPr id="3347" name="Explosion: 8 Zacken 3346">
+            <a:extLst>
+              <a:ext uri="{FF2B5EF4-FFF2-40B4-BE49-F238E27FC236}">
+                <a16:creationId xmlns:a16="http://schemas.microsoft.com/office/drawing/2014/main" id="{663D9F48-52EB-DB98-400F-DD5C34260D7B}"/>
+              </a:ext>
+            </a:extLst>
+          </p:cNvPr>
+          <p:cNvSpPr/>
+          <p:nvPr/>
+        </p:nvSpPr>
+        <p:spPr>
+          <a:xfrm>
+            <a:off x="5413375" y="12780645"/>
+            <a:ext cx="361950" cy="342900"/>
+          </a:xfrm>
+          <a:prstGeom prst="irregularSeal1">
+            <a:avLst/>
+          </a:prstGeom>
+          <a:solidFill>
+            <a:srgbClr val="FFFF00"/>
+          </a:solidFill>
+        </p:spPr>
+        <p:style>
+          <a:lnRef idx="2">
+            <a:schemeClr val="accent1">
+              <a:shade val="15000"/>
+            </a:schemeClr>
+          </a:lnRef>
+          <a:fillRef idx="1">
+            <a:schemeClr val="accent1"/>
+          </a:fillRef>
+          <a:effectRef idx="0">
+            <a:schemeClr val="accent1"/>
+          </a:effectRef>
+          <a:fontRef idx="minor">
+            <a:schemeClr val="lt1"/>
+          </a:fontRef>
+        </p:style>
+        <p:txBody>
+          <a:bodyPr rot="0" spcFirstLastPara="0" vert="horz" wrap="square" lIns="91440" tIns="45720" rIns="91440" bIns="45720" numCol="1" spcCol="0" rtlCol="0" fromWordArt="0" anchor="ctr" anchorCtr="0" forceAA="0" compatLnSpc="1">
+            <a:prstTxWarp prst="textNoShape">
+              <a:avLst/>
+            </a:prstTxWarp>
+            <a:noAutofit/>
+          </a:bodyPr>
+          <a:lstStyle/>
+          <a:p>
+            <a:endParaRPr lang="de-DE">
+              <a:latin typeface="Arial" panose="020B0604020202020204" pitchFamily="34" charset="0"/>
+              <a:cs typeface="Arial" panose="020B0604020202020204" pitchFamily="34" charset="0"/>
+            </a:endParaRPr>
+          </a:p>
+        </p:txBody>
+      </p:sp>
+      <p:sp>
+        <p:nvSpPr>
+          <p:cNvPr id="3352" name="Text Box 352">
+            <a:extLst>
+              <a:ext uri="{FF2B5EF4-FFF2-40B4-BE49-F238E27FC236}">
+                <a16:creationId xmlns:a16="http://schemas.microsoft.com/office/drawing/2014/main" id="{EE9067B2-68E9-114C-DB99-8DA4404592BB}"/>
+              </a:ext>
+            </a:extLst>
+          </p:cNvPr>
+          <p:cNvSpPr txBox="1">
+            <a:spLocks noChangeArrowheads="1"/>
+          </p:cNvSpPr>
+          <p:nvPr/>
+        </p:nvSpPr>
+        <p:spPr bwMode="auto">
+          <a:xfrm>
+            <a:off x="6305985" y="4048125"/>
+            <a:ext cx="1428750" cy="295275"/>
+          </a:xfrm>
+          <a:prstGeom prst="rect">
+            <a:avLst/>
+          </a:prstGeom>
+          <a:noFill/>
+          <a:ln>
+            <a:noFill/>
+          </a:ln>
+          <a:extLst>
+            <a:ext uri="{909E8E84-426E-40DD-AFC4-6F175D3DCCD1}">
+              <a14:hiddenFill xmlns:a14="http://schemas.microsoft.com/office/drawing/2010/main">
+                <a:solidFill>
+                  <a:srgbClr val="FFFFFF"/>
+                </a:solidFill>
+              </a14:hiddenFill>
+            </a:ext>
+            <a:ext uri="{91240B29-F687-4F45-9708-019B960494DF}">
+              <a14:hiddenLine xmlns:a14="http://schemas.microsoft.com/office/drawing/2010/main" w="9525">
+                <a:solidFill>
+                  <a:srgbClr val="000000"/>
+                </a:solidFill>
+                <a:miter lim="800000"/>
+                <a:headEnd/>
+                <a:tailEnd/>
+              </a14:hiddenLine>
+            </a:ext>
+          </a:extLst>
+        </p:spPr>
+        <p:txBody>
+          <a:bodyPr vert="horz" wrap="square" lIns="91440" tIns="45720" rIns="91440" bIns="45720" numCol="1" anchor="t" anchorCtr="0" compatLnSpc="1">
+            <a:prstTxWarp prst="textNoShape">
+              <a:avLst/>
+            </a:prstTxWarp>
+          </a:bodyPr>
+          <a:lstStyle/>
+          <a:p>
+            <a:pPr marL="0" marR="0" lvl="0" indent="0" algn="l" defTabSz="914400" rtl="0" eaLnBrk="0" fontAlgn="base" latinLnBrk="0" hangingPunct="0">
+              <a:lnSpc>
+                <a:spcPct val="100000"/>
+              </a:lnSpc>
+              <a:spcBef>
+                <a:spcPct val="0"/>
+              </a:spcBef>
+              <a:spcAft>
+                <a:spcPct val="0"/>
+              </a:spcAft>
+              <a:buClrTx/>
+              <a:buSzTx/>
+              <a:buFontTx/>
+              <a:buNone/>
+              <a:tabLst/>
+            </a:pPr>
+            <a:r>
+              <a:rPr kumimoji="0" lang="de-DE" altLang="de-DE" sz="900" b="0" i="0" u="none" strike="noStrike" cap="none" normalizeH="0" baseline="0" dirty="0">
+                <a:ln>
+                  <a:noFill/>
+                </a:ln>
+                <a:solidFill>
+                  <a:schemeClr val="tx1"/>
+                </a:solidFill>
+                <a:effectLst/>
+                <a:latin typeface="Arial" panose="020B0604020202020204" pitchFamily="34" charset="0"/>
+                <a:ea typeface="Aptos" panose="020B0004020202020204" pitchFamily="34" charset="0"/>
+                <a:cs typeface="Arial" panose="020B0604020202020204" pitchFamily="34" charset="0"/>
+              </a:rPr>
+              <a:t>Produktausstellung</a:t>
+            </a:r>
+            <a:endParaRPr kumimoji="0" lang="de-DE" altLang="de-DE" sz="1800" b="0" i="0" u="none" strike="noStrike" cap="none" normalizeH="0" baseline="0" dirty="0">
+              <a:ln>
+                <a:noFill/>
+              </a:ln>
+              <a:solidFill>
+                <a:schemeClr val="tx1"/>
+              </a:solidFill>
+              <a:effectLst/>
+              <a:latin typeface="Arial" panose="020B0604020202020204" pitchFamily="34" charset="0"/>
+              <a:cs typeface="Arial" panose="020B0604020202020204" pitchFamily="34" charset="0"/>
+            </a:endParaRPr>
+          </a:p>
+        </p:txBody>
+      </p:sp>
+      <p:pic>
+        <p:nvPicPr>
+          <p:cNvPr id="3423" name="Grafik 15" descr="Ein Bild, das Screenshot, Schwarz enthält.&#10;&#10;Automatisch generierte Beschreibung">
+            <a:extLst>
+              <a:ext uri="{FF2B5EF4-FFF2-40B4-BE49-F238E27FC236}">
+                <a16:creationId xmlns:a16="http://schemas.microsoft.com/office/drawing/2014/main" id="{D5051929-6B47-9401-3098-1BA628D5C82B}"/>
+              </a:ext>
+            </a:extLst>
+          </p:cNvPr>
+          <p:cNvPicPr>
+            <a:picLocks noChangeAspect="1" noChangeArrowheads="1"/>
+          </p:cNvPicPr>
+          <p:nvPr/>
+        </p:nvPicPr>
+        <p:blipFill>
+          <a:blip r:embed="rId12">
+            <a:extLst>
+              <a:ext uri="{28A0092B-C50C-407E-A947-70E740481C1C}">
+                <a14:useLocalDpi xmlns:a14="http://schemas.microsoft.com/office/drawing/2010/main" val="0"/>
+              </a:ext>
+            </a:extLst>
+          </a:blip>
+          <a:srcRect/>
+          <a:stretch>
+            <a:fillRect/>
+          </a:stretch>
+        </p:blipFill>
+        <p:spPr bwMode="auto">
+          <a:xfrm>
+            <a:off x="6569137" y="3837995"/>
+            <a:ext cx="669925" cy="247650"/>
+          </a:xfrm>
+          <a:prstGeom prst="rect">
+            <a:avLst/>
+          </a:prstGeom>
+          <a:noFill/>
+          <a:extLst>
+            <a:ext uri="{909E8E84-426E-40DD-AFC4-6F175D3DCCD1}">
+              <a14:hiddenFill xmlns:a14="http://schemas.microsoft.com/office/drawing/2010/main">
+                <a:solidFill>
+                  <a:srgbClr val="FFFFFF"/>
+                </a:solidFill>
+              </a14:hiddenFill>
+            </a:ext>
+          </a:extLst>
+        </p:spPr>
+      </p:pic>
+      <p:cxnSp>
+        <p:nvCxnSpPr>
+          <p:cNvPr id="3356" name="Gerader Verbinder 3355">
+            <a:extLst>
+              <a:ext uri="{FF2B5EF4-FFF2-40B4-BE49-F238E27FC236}">
+                <a16:creationId xmlns:a16="http://schemas.microsoft.com/office/drawing/2014/main" id="{4ABFB0CB-18AD-7818-2BE9-3B8959168F4C}"/>
+              </a:ext>
+            </a:extLst>
+          </p:cNvPr>
+          <p:cNvCxnSpPr/>
+          <p:nvPr/>
+        </p:nvCxnSpPr>
+        <p:spPr>
+          <a:xfrm>
+            <a:off x="2834005" y="2625725"/>
+            <a:ext cx="1518285" cy="0"/>
+          </a:xfrm>
+          <a:prstGeom prst="line">
+            <a:avLst/>
+          </a:prstGeom>
+          <a:ln w="57150">
+            <a:solidFill>
+              <a:schemeClr val="tx1">
+                <a:lumMod val="65000"/>
+                <a:lumOff val="35000"/>
+              </a:schemeClr>
+            </a:solidFill>
+          </a:ln>
+        </p:spPr>
+        <p:style>
+          <a:lnRef idx="1">
+            <a:schemeClr val="accent2"/>
+          </a:lnRef>
+          <a:fillRef idx="0">
+            <a:schemeClr val="accent2"/>
+          </a:fillRef>
+          <a:effectRef idx="0">
+            <a:schemeClr val="accent2"/>
+          </a:effectRef>
+          <a:fontRef idx="minor">
+            <a:schemeClr val="tx1"/>
+          </a:fontRef>
+        </p:style>
+      </p:cxnSp>
+      <p:sp>
+        <p:nvSpPr>
+          <p:cNvPr id="3357" name="Text Box 346">
+            <a:extLst>
+              <a:ext uri="{FF2B5EF4-FFF2-40B4-BE49-F238E27FC236}">
+                <a16:creationId xmlns:a16="http://schemas.microsoft.com/office/drawing/2014/main" id="{64C9ED7C-3692-2931-DCBF-F0D9C4F41C84}"/>
+              </a:ext>
+            </a:extLst>
+          </p:cNvPr>
+          <p:cNvSpPr txBox="1">
+            <a:spLocks noChangeArrowheads="1"/>
+          </p:cNvSpPr>
+          <p:nvPr/>
+        </p:nvSpPr>
+        <p:spPr bwMode="auto">
+          <a:xfrm>
+            <a:off x="5362575" y="9625013"/>
+            <a:ext cx="2748279" cy="1009650"/>
+          </a:xfrm>
+          <a:prstGeom prst="rect">
+            <a:avLst/>
+          </a:prstGeom>
+          <a:noFill/>
+          <a:ln>
+            <a:noFill/>
+          </a:ln>
+          <a:extLst>
+            <a:ext uri="{909E8E84-426E-40DD-AFC4-6F175D3DCCD1}">
+              <a14:hiddenFill xmlns:a14="http://schemas.microsoft.com/office/drawing/2010/main">
+                <a:solidFill>
+                  <a:srgbClr val="FFFFFF"/>
+                </a:solidFill>
+              </a14:hiddenFill>
+            </a:ext>
+            <a:ext uri="{91240B29-F687-4F45-9708-019B960494DF}">
+              <a14:hiddenLine xmlns:a14="http://schemas.microsoft.com/office/drawing/2010/main" w="9525">
+                <a:solidFill>
+                  <a:srgbClr val="000000"/>
+                </a:solidFill>
+                <a:miter lim="800000"/>
+                <a:headEnd/>
+                <a:tailEnd/>
+              </a14:hiddenLine>
+            </a:ext>
+          </a:extLst>
+        </p:spPr>
+        <p:txBody>
+          <a:bodyPr vert="horz" wrap="square" lIns="91440" tIns="45720" rIns="91440" bIns="45720" numCol="1" anchor="t" anchorCtr="0" compatLnSpc="1">
+            <a:prstTxWarp prst="textNoShape">
+              <a:avLst/>
+            </a:prstTxWarp>
+          </a:bodyPr>
+          <a:lstStyle/>
+          <a:p>
+            <a:pPr marL="0" marR="0" lvl="0" indent="0" algn="l" defTabSz="914400" rtl="0" eaLnBrk="0" fontAlgn="base" latinLnBrk="0" hangingPunct="0">
+              <a:lnSpc>
+                <a:spcPct val="100000"/>
+              </a:lnSpc>
+              <a:spcBef>
+                <a:spcPct val="0"/>
+              </a:spcBef>
+              <a:spcAft>
+                <a:spcPct val="0"/>
+              </a:spcAft>
+              <a:buClrTx/>
+              <a:buSzTx/>
+              <a:buFontTx/>
+              <a:buChar char="•"/>
+              <a:tabLst/>
+            </a:pPr>
+            <a:r>
+              <a:rPr kumimoji="0" lang="de-DE" altLang="de-DE" sz="1100" b="0" i="0" u="none" strike="noStrike" cap="none" normalizeH="0" baseline="0" dirty="0">
+                <a:ln>
+                  <a:noFill/>
+                </a:ln>
+                <a:solidFill>
+                  <a:schemeClr val="tx1"/>
+                </a:solidFill>
+                <a:effectLst/>
+                <a:latin typeface="Arial" panose="020B0604020202020204" pitchFamily="34" charset="0"/>
+                <a:ea typeface="Aptos" panose="020B0004020202020204" pitchFamily="34" charset="0"/>
+                <a:cs typeface="Arial" panose="020B0604020202020204" pitchFamily="34" charset="0"/>
+              </a:rPr>
+              <a:t>Werkzeugmechaniker*</a:t>
+            </a:r>
+            <a:endParaRPr kumimoji="0" lang="de-DE" altLang="de-DE" sz="1100" b="0" i="0" u="none" strike="noStrike" cap="none" normalizeH="0" baseline="0" dirty="0">
+              <a:ln>
+                <a:noFill/>
+              </a:ln>
+              <a:solidFill>
+                <a:schemeClr val="tx1"/>
+              </a:solidFill>
+              <a:effectLst/>
+              <a:latin typeface="Arial" panose="020B0604020202020204" pitchFamily="34" charset="0"/>
+              <a:cs typeface="Arial" panose="020B0604020202020204" pitchFamily="34" charset="0"/>
+            </a:endParaRPr>
+          </a:p>
+          <a:p>
+            <a:pPr marL="0" marR="0" lvl="0" indent="0" algn="l" defTabSz="914400" rtl="0" eaLnBrk="0" fontAlgn="base" latinLnBrk="0" hangingPunct="0">
+              <a:lnSpc>
+                <a:spcPct val="100000"/>
+              </a:lnSpc>
+              <a:spcBef>
+                <a:spcPct val="0"/>
+              </a:spcBef>
+              <a:spcAft>
+                <a:spcPct val="0"/>
+              </a:spcAft>
+              <a:buClrTx/>
+              <a:buSzTx/>
+              <a:buFontTx/>
+              <a:buChar char="•"/>
+              <a:tabLst/>
+            </a:pPr>
+            <a:r>
+              <a:rPr kumimoji="0" lang="de-DE" altLang="de-DE" sz="1100" b="0" i="0" u="none" strike="noStrike" cap="none" normalizeH="0" baseline="0" dirty="0">
+                <a:ln>
+                  <a:noFill/>
+                </a:ln>
+                <a:solidFill>
+                  <a:schemeClr val="tx1"/>
+                </a:solidFill>
+                <a:effectLst/>
+                <a:latin typeface="Arial" panose="020B0604020202020204" pitchFamily="34" charset="0"/>
+                <a:ea typeface="Aptos" panose="020B0004020202020204" pitchFamily="34" charset="0"/>
+                <a:cs typeface="Arial" panose="020B0604020202020204" pitchFamily="34" charset="0"/>
+              </a:rPr>
+              <a:t>Industriemechaniker*</a:t>
+            </a:r>
+            <a:endParaRPr kumimoji="0" lang="de-DE" altLang="de-DE" sz="1100" b="0" i="0" u="none" strike="noStrike" cap="none" normalizeH="0" baseline="0" dirty="0">
+              <a:ln>
+                <a:noFill/>
+              </a:ln>
+              <a:solidFill>
+                <a:schemeClr val="tx1"/>
+              </a:solidFill>
+              <a:effectLst/>
+              <a:latin typeface="Arial" panose="020B0604020202020204" pitchFamily="34" charset="0"/>
+              <a:cs typeface="Arial" panose="020B0604020202020204" pitchFamily="34" charset="0"/>
+            </a:endParaRPr>
+          </a:p>
+          <a:p>
+            <a:pPr marL="0" marR="0" lvl="0" indent="0" algn="l" defTabSz="914400" rtl="0" eaLnBrk="0" fontAlgn="base" latinLnBrk="0" hangingPunct="0">
+              <a:lnSpc>
+                <a:spcPct val="100000"/>
+              </a:lnSpc>
+              <a:spcBef>
+                <a:spcPct val="0"/>
+              </a:spcBef>
+              <a:spcAft>
+                <a:spcPct val="0"/>
+              </a:spcAft>
+              <a:buClrTx/>
+              <a:buSzTx/>
+              <a:buFontTx/>
+              <a:buChar char="•"/>
+              <a:tabLst/>
+            </a:pPr>
+            <a:r>
+              <a:rPr kumimoji="0" lang="de-DE" altLang="de-DE" sz="1100" b="0" i="0" u="none" strike="noStrike" cap="none" normalizeH="0" baseline="0" dirty="0">
+                <a:ln>
+                  <a:noFill/>
+                </a:ln>
+                <a:solidFill>
+                  <a:schemeClr val="tx1"/>
+                </a:solidFill>
+                <a:effectLst/>
+                <a:latin typeface="Arial" panose="020B0604020202020204" pitchFamily="34" charset="0"/>
+                <a:ea typeface="Aptos" panose="020B0004020202020204" pitchFamily="34" charset="0"/>
+                <a:cs typeface="Arial" panose="020B0604020202020204" pitchFamily="34" charset="0"/>
+              </a:rPr>
+              <a:t>Maschinen- und Anlagenführer*</a:t>
+            </a:r>
+            <a:endParaRPr kumimoji="0" lang="de-DE" altLang="de-DE" sz="1100" b="0" i="0" u="none" strike="noStrike" cap="none" normalizeH="0" baseline="0" dirty="0">
+              <a:ln>
+                <a:noFill/>
+              </a:ln>
+              <a:solidFill>
+                <a:schemeClr val="tx1"/>
+              </a:solidFill>
+              <a:effectLst/>
+              <a:latin typeface="Arial" panose="020B0604020202020204" pitchFamily="34" charset="0"/>
+              <a:cs typeface="Arial" panose="020B0604020202020204" pitchFamily="34" charset="0"/>
+            </a:endParaRPr>
+          </a:p>
+          <a:p>
+            <a:pPr marL="0" marR="0" lvl="0" indent="0" defTabSz="914400" rtl="0" eaLnBrk="0" fontAlgn="base" latinLnBrk="0" hangingPunct="0">
+              <a:lnSpc>
+                <a:spcPct val="100000"/>
+              </a:lnSpc>
+              <a:spcBef>
+                <a:spcPct val="0"/>
+              </a:spcBef>
+              <a:spcAft>
+                <a:spcPct val="0"/>
+              </a:spcAft>
+              <a:buClrTx/>
+              <a:buSzTx/>
+              <a:buFontTx/>
+              <a:buChar char="•"/>
+              <a:tabLst/>
+            </a:pPr>
+            <a:r>
+              <a:rPr kumimoji="0" lang="de-DE" altLang="de-DE" sz="1100" b="0" i="0" u="none" strike="noStrike" cap="none" normalizeH="0" baseline="0" dirty="0">
+                <a:ln>
+                  <a:noFill/>
+                </a:ln>
+                <a:solidFill>
+                  <a:schemeClr val="tx1"/>
+                </a:solidFill>
+                <a:effectLst/>
+                <a:latin typeface="Arial" panose="020B0604020202020204" pitchFamily="34" charset="0"/>
+                <a:ea typeface="Aptos" panose="020B0004020202020204" pitchFamily="34" charset="0"/>
+                <a:cs typeface="Arial" panose="020B0604020202020204" pitchFamily="34" charset="0"/>
+              </a:rPr>
+              <a:t>Kunststoff- und Kautschuktechnologe*</a:t>
+            </a:r>
+            <a:endParaRPr kumimoji="0" lang="de-DE" altLang="de-DE" sz="1100" b="0" i="0" u="none" strike="noStrike" cap="none" normalizeH="0" baseline="0" dirty="0">
+              <a:ln>
+                <a:noFill/>
+              </a:ln>
+              <a:solidFill>
+                <a:schemeClr val="tx1"/>
+              </a:solidFill>
+              <a:effectLst/>
+              <a:latin typeface="Arial" panose="020B0604020202020204" pitchFamily="34" charset="0"/>
+              <a:cs typeface="Arial" panose="020B0604020202020204" pitchFamily="34" charset="0"/>
+            </a:endParaRPr>
+          </a:p>
+        </p:txBody>
+      </p:sp>
+      <p:cxnSp>
+        <p:nvCxnSpPr>
+          <p:cNvPr id="3358" name="Gerader Verbinder 3357">
+            <a:extLst>
+              <a:ext uri="{FF2B5EF4-FFF2-40B4-BE49-F238E27FC236}">
+                <a16:creationId xmlns:a16="http://schemas.microsoft.com/office/drawing/2014/main" id="{020A6CCA-1AF8-2738-4BBC-D4328B6FE885}"/>
+              </a:ext>
+            </a:extLst>
+          </p:cNvPr>
+          <p:cNvCxnSpPr/>
+          <p:nvPr/>
+        </p:nvCxnSpPr>
+        <p:spPr>
+          <a:xfrm>
+            <a:off x="9960610" y="1776730"/>
+            <a:ext cx="3810" cy="1506855"/>
+          </a:xfrm>
+          <a:prstGeom prst="line">
+            <a:avLst/>
+          </a:prstGeom>
+          <a:ln w="57150">
+            <a:solidFill>
+              <a:schemeClr val="tx1">
+                <a:lumMod val="65000"/>
+                <a:lumOff val="35000"/>
+              </a:schemeClr>
+            </a:solidFill>
+          </a:ln>
+        </p:spPr>
+        <p:style>
+          <a:lnRef idx="1">
+            <a:schemeClr val="accent2"/>
+          </a:lnRef>
+          <a:fillRef idx="0">
+            <a:schemeClr val="accent2"/>
+          </a:fillRef>
+          <a:effectRef idx="0">
+            <a:schemeClr val="accent2"/>
+          </a:effectRef>
+          <a:fontRef idx="minor">
+            <a:schemeClr val="tx1"/>
+          </a:fontRef>
+        </p:style>
+      </p:cxnSp>
+      <p:cxnSp>
+        <p:nvCxnSpPr>
+          <p:cNvPr id="3360" name="Gerader Verbinder 3359">
+            <a:extLst>
+              <a:ext uri="{FF2B5EF4-FFF2-40B4-BE49-F238E27FC236}">
+                <a16:creationId xmlns:a16="http://schemas.microsoft.com/office/drawing/2014/main" id="{40930A92-842F-4E03-0D1F-94B7ED545AD2}"/>
+              </a:ext>
+            </a:extLst>
+          </p:cNvPr>
+          <p:cNvCxnSpPr/>
+          <p:nvPr/>
+        </p:nvCxnSpPr>
+        <p:spPr>
+          <a:xfrm>
+            <a:off x="4450080" y="1324610"/>
+            <a:ext cx="635" cy="464185"/>
+          </a:xfrm>
+          <a:prstGeom prst="line">
+            <a:avLst/>
+          </a:prstGeom>
+          <a:ln w="76200">
+            <a:solidFill>
+              <a:schemeClr val="tx1">
+                <a:lumMod val="65000"/>
+                <a:lumOff val="35000"/>
+              </a:schemeClr>
+            </a:solidFill>
+          </a:ln>
+        </p:spPr>
+        <p:style>
+          <a:lnRef idx="1">
+            <a:schemeClr val="accent2"/>
+          </a:lnRef>
+          <a:fillRef idx="0">
+            <a:schemeClr val="accent2"/>
+          </a:fillRef>
+          <a:effectRef idx="0">
+            <a:schemeClr val="accent2"/>
+          </a:effectRef>
+          <a:fontRef idx="minor">
+            <a:schemeClr val="tx1"/>
+          </a:fontRef>
+        </p:style>
+      </p:cxnSp>
+      <p:cxnSp>
+        <p:nvCxnSpPr>
+          <p:cNvPr id="3361" name="Gerader Verbinder 3360">
+            <a:extLst>
+              <a:ext uri="{FF2B5EF4-FFF2-40B4-BE49-F238E27FC236}">
+                <a16:creationId xmlns:a16="http://schemas.microsoft.com/office/drawing/2014/main" id="{F645CFA3-7D53-E48F-D1CD-C1057AA3A258}"/>
+              </a:ext>
+            </a:extLst>
+          </p:cNvPr>
+          <p:cNvCxnSpPr/>
+          <p:nvPr/>
+        </p:nvCxnSpPr>
+        <p:spPr>
+          <a:xfrm>
+            <a:off x="3834130" y="1774825"/>
+            <a:ext cx="0" cy="469900"/>
+          </a:xfrm>
+          <a:prstGeom prst="line">
+            <a:avLst/>
+          </a:prstGeom>
+          <a:ln w="57150">
+            <a:solidFill>
+              <a:schemeClr val="tx1">
+                <a:lumMod val="65000"/>
+                <a:lumOff val="35000"/>
+              </a:schemeClr>
+            </a:solidFill>
+          </a:ln>
+        </p:spPr>
+        <p:style>
+          <a:lnRef idx="1">
+            <a:schemeClr val="accent2"/>
+          </a:lnRef>
+          <a:fillRef idx="0">
+            <a:schemeClr val="accent2"/>
+          </a:fillRef>
+          <a:effectRef idx="0">
+            <a:schemeClr val="accent2"/>
+          </a:effectRef>
+          <a:fontRef idx="minor">
+            <a:schemeClr val="tx1"/>
+          </a:fontRef>
+        </p:style>
+      </p:cxnSp>
+      <p:pic>
+        <p:nvPicPr>
+          <p:cNvPr id="3362" name="Grafik 3361" descr="Mann mit einfarbiger Füllung">
+            <a:extLst>
+              <a:ext uri="{FF2B5EF4-FFF2-40B4-BE49-F238E27FC236}">
+                <a16:creationId xmlns:a16="http://schemas.microsoft.com/office/drawing/2014/main" id="{29E8CC23-1CE3-AF79-E507-23141B464846}"/>
+              </a:ext>
+            </a:extLst>
+          </p:cNvPr>
+          <p:cNvPicPr>
+            <a:picLocks noChangeAspect="1"/>
+          </p:cNvPicPr>
+          <p:nvPr/>
+        </p:nvPicPr>
+        <p:blipFill>
+          <a:blip r:embed="rId6">
+            <a:extLst>
+              <a:ext uri="{96DAC541-7B7A-43D3-8B79-37D633B846F1}">
+                <asvg:svgBlip xmlns:asvg="http://schemas.microsoft.com/office/drawing/2016/SVG/main" r:embed="rId7"/>
+              </a:ext>
+            </a:extLst>
+          </a:blip>
+          <a:stretch>
+            <a:fillRect/>
+          </a:stretch>
+        </p:blipFill>
+        <p:spPr>
+          <a:xfrm>
+            <a:off x="3221957" y="1815799"/>
+            <a:ext cx="333375" cy="333375"/>
+          </a:xfrm>
+          <a:prstGeom prst="rect">
+            <a:avLst/>
+          </a:prstGeom>
+        </p:spPr>
+      </p:pic>
+      <p:cxnSp>
+        <p:nvCxnSpPr>
+          <p:cNvPr id="3363" name="Gerader Verbinder 3362">
+            <a:extLst>
+              <a:ext uri="{FF2B5EF4-FFF2-40B4-BE49-F238E27FC236}">
+                <a16:creationId xmlns:a16="http://schemas.microsoft.com/office/drawing/2014/main" id="{AFE5B9A0-D32E-91CB-D561-2A5F3CA75B54}"/>
+              </a:ext>
+            </a:extLst>
+          </p:cNvPr>
+          <p:cNvCxnSpPr/>
+          <p:nvPr/>
+        </p:nvCxnSpPr>
+        <p:spPr>
+          <a:xfrm>
+            <a:off x="8688070" y="6383655"/>
+            <a:ext cx="1157605" cy="0"/>
+          </a:xfrm>
+          <a:prstGeom prst="line">
+            <a:avLst/>
+          </a:prstGeom>
+          <a:ln w="57150">
+            <a:solidFill>
+              <a:schemeClr val="tx1">
+                <a:lumMod val="65000"/>
+                <a:lumOff val="35000"/>
+              </a:schemeClr>
+            </a:solidFill>
+          </a:ln>
+        </p:spPr>
+        <p:style>
+          <a:lnRef idx="1">
+            <a:schemeClr val="accent2"/>
+          </a:lnRef>
+          <a:fillRef idx="0">
+            <a:schemeClr val="accent2"/>
+          </a:fillRef>
+          <a:effectRef idx="0">
+            <a:schemeClr val="accent2"/>
+          </a:effectRef>
+          <a:fontRef idx="minor">
+            <a:schemeClr val="tx1"/>
+          </a:fontRef>
+        </p:style>
+      </p:cxnSp>
+      <p:cxnSp>
+        <p:nvCxnSpPr>
+          <p:cNvPr id="3364" name="Gerader Verbinder 3363">
+            <a:extLst>
+              <a:ext uri="{FF2B5EF4-FFF2-40B4-BE49-F238E27FC236}">
+                <a16:creationId xmlns:a16="http://schemas.microsoft.com/office/drawing/2014/main" id="{4F1841DB-A808-8A46-A8CD-55A36CDD95ED}"/>
+              </a:ext>
+            </a:extLst>
+          </p:cNvPr>
+          <p:cNvCxnSpPr/>
+          <p:nvPr/>
+        </p:nvCxnSpPr>
+        <p:spPr>
+          <a:xfrm flipV="1">
+            <a:off x="4352925" y="5407025"/>
+            <a:ext cx="1610360" cy="0"/>
+          </a:xfrm>
+          <a:prstGeom prst="line">
+            <a:avLst/>
+          </a:prstGeom>
+          <a:ln w="57150">
+            <a:solidFill>
+              <a:schemeClr val="tx1">
+                <a:lumMod val="65000"/>
+                <a:lumOff val="35000"/>
+              </a:schemeClr>
+            </a:solidFill>
+          </a:ln>
+        </p:spPr>
+        <p:style>
+          <a:lnRef idx="1">
+            <a:schemeClr val="accent2"/>
+          </a:lnRef>
+          <a:fillRef idx="0">
+            <a:schemeClr val="accent2"/>
+          </a:fillRef>
+          <a:effectRef idx="0">
+            <a:schemeClr val="accent2"/>
+          </a:effectRef>
+          <a:fontRef idx="minor">
+            <a:schemeClr val="tx1"/>
+          </a:fontRef>
+        </p:style>
+      </p:cxnSp>
+      <p:cxnSp>
+        <p:nvCxnSpPr>
+          <p:cNvPr id="3365" name="Gerader Verbinder 3364">
+            <a:extLst>
+              <a:ext uri="{FF2B5EF4-FFF2-40B4-BE49-F238E27FC236}">
+                <a16:creationId xmlns:a16="http://schemas.microsoft.com/office/drawing/2014/main" id="{A248ED56-3735-DF66-2AE0-E8ABC2C3CA7B}"/>
+              </a:ext>
+            </a:extLst>
+          </p:cNvPr>
+          <p:cNvCxnSpPr/>
+          <p:nvPr/>
+        </p:nvCxnSpPr>
+        <p:spPr>
+          <a:xfrm>
+            <a:off x="4987290" y="5967095"/>
+            <a:ext cx="3128645" cy="0"/>
+          </a:xfrm>
+          <a:prstGeom prst="line">
+            <a:avLst/>
+          </a:prstGeom>
+          <a:ln w="57150">
+            <a:solidFill>
+              <a:schemeClr val="tx1">
+                <a:lumMod val="65000"/>
+                <a:lumOff val="35000"/>
+              </a:schemeClr>
+            </a:solidFill>
+          </a:ln>
+        </p:spPr>
+        <p:style>
+          <a:lnRef idx="1">
+            <a:schemeClr val="accent2"/>
+          </a:lnRef>
+          <a:fillRef idx="0">
+            <a:schemeClr val="accent2"/>
+          </a:fillRef>
+          <a:effectRef idx="0">
+            <a:schemeClr val="accent2"/>
+          </a:effectRef>
+          <a:fontRef idx="minor">
+            <a:schemeClr val="tx1"/>
+          </a:fontRef>
+        </p:style>
+      </p:cxnSp>
+      <p:cxnSp>
+        <p:nvCxnSpPr>
+          <p:cNvPr id="3366" name="Gerader Verbinder 3365">
+            <a:extLst>
+              <a:ext uri="{FF2B5EF4-FFF2-40B4-BE49-F238E27FC236}">
+                <a16:creationId xmlns:a16="http://schemas.microsoft.com/office/drawing/2014/main" id="{82CB1A60-8AEA-5874-E474-4B115A90ECD2}"/>
+              </a:ext>
+            </a:extLst>
+          </p:cNvPr>
+          <p:cNvCxnSpPr/>
+          <p:nvPr/>
+        </p:nvCxnSpPr>
+        <p:spPr>
+          <a:xfrm flipH="1">
+            <a:off x="5974715" y="4768850"/>
+            <a:ext cx="0" cy="1188085"/>
+          </a:xfrm>
+          <a:prstGeom prst="line">
+            <a:avLst/>
+          </a:prstGeom>
+          <a:ln w="57150">
+            <a:solidFill>
+              <a:schemeClr val="tx1">
+                <a:lumMod val="65000"/>
+                <a:lumOff val="35000"/>
+              </a:schemeClr>
+            </a:solidFill>
+          </a:ln>
+        </p:spPr>
+        <p:style>
+          <a:lnRef idx="1">
+            <a:schemeClr val="accent2"/>
+          </a:lnRef>
+          <a:fillRef idx="0">
+            <a:schemeClr val="accent2"/>
+          </a:fillRef>
+          <a:effectRef idx="0">
+            <a:schemeClr val="accent2"/>
+          </a:effectRef>
+          <a:fontRef idx="minor">
+            <a:schemeClr val="tx1"/>
+          </a:fontRef>
+        </p:style>
+      </p:cxnSp>
+      <p:cxnSp>
+        <p:nvCxnSpPr>
+          <p:cNvPr id="3367" name="Gerader Verbinder 3366">
+            <a:extLst>
+              <a:ext uri="{FF2B5EF4-FFF2-40B4-BE49-F238E27FC236}">
+                <a16:creationId xmlns:a16="http://schemas.microsoft.com/office/drawing/2014/main" id="{8EE6486B-AEC0-84E5-48D1-47BEFE7E0321}"/>
+              </a:ext>
+            </a:extLst>
+          </p:cNvPr>
+          <p:cNvCxnSpPr/>
+          <p:nvPr/>
+        </p:nvCxnSpPr>
+        <p:spPr>
+          <a:xfrm>
+            <a:off x="2830195" y="4297045"/>
+            <a:ext cx="1533525" cy="13335"/>
+          </a:xfrm>
+          <a:prstGeom prst="line">
+            <a:avLst/>
+          </a:prstGeom>
+          <a:ln w="57150">
+            <a:solidFill>
+              <a:schemeClr val="tx1">
+                <a:lumMod val="65000"/>
+                <a:lumOff val="35000"/>
+              </a:schemeClr>
+            </a:solidFill>
+          </a:ln>
+        </p:spPr>
+        <p:style>
+          <a:lnRef idx="1">
+            <a:schemeClr val="accent2"/>
+          </a:lnRef>
+          <a:fillRef idx="0">
+            <a:schemeClr val="accent2"/>
+          </a:fillRef>
+          <a:effectRef idx="0">
+            <a:schemeClr val="accent2"/>
+          </a:effectRef>
+          <a:fontRef idx="minor">
+            <a:schemeClr val="tx1"/>
+          </a:fontRef>
+        </p:style>
+      </p:cxnSp>
+      <p:cxnSp>
+        <p:nvCxnSpPr>
+          <p:cNvPr id="3368" name="Gerader Verbinder 3367">
+            <a:extLst>
+              <a:ext uri="{FF2B5EF4-FFF2-40B4-BE49-F238E27FC236}">
+                <a16:creationId xmlns:a16="http://schemas.microsoft.com/office/drawing/2014/main" id="{C43EEACF-79F4-2129-BDE0-02FFFA9C87B0}"/>
+              </a:ext>
+            </a:extLst>
+          </p:cNvPr>
+          <p:cNvCxnSpPr/>
+          <p:nvPr/>
+        </p:nvCxnSpPr>
+        <p:spPr>
+          <a:xfrm flipV="1">
+            <a:off x="4420870" y="1354455"/>
+            <a:ext cx="1492885" cy="635"/>
+          </a:xfrm>
+          <a:prstGeom prst="line">
+            <a:avLst/>
+          </a:prstGeom>
+          <a:ln w="76200">
+            <a:solidFill>
+              <a:schemeClr val="tx1">
+                <a:lumMod val="65000"/>
+                <a:lumOff val="35000"/>
+              </a:schemeClr>
+            </a:solidFill>
+          </a:ln>
+        </p:spPr>
+        <p:style>
+          <a:lnRef idx="1">
+            <a:schemeClr val="accent2"/>
+          </a:lnRef>
+          <a:fillRef idx="0">
+            <a:schemeClr val="accent2"/>
+          </a:fillRef>
+          <a:effectRef idx="0">
+            <a:schemeClr val="accent2"/>
+          </a:effectRef>
+          <a:fontRef idx="minor">
+            <a:schemeClr val="tx1"/>
+          </a:fontRef>
+        </p:style>
+      </p:cxnSp>
+      <p:cxnSp>
+        <p:nvCxnSpPr>
+          <p:cNvPr id="3369" name="Gerader Verbinder 3368">
+            <a:extLst>
+              <a:ext uri="{FF2B5EF4-FFF2-40B4-BE49-F238E27FC236}">
+                <a16:creationId xmlns:a16="http://schemas.microsoft.com/office/drawing/2014/main" id="{2228F4BB-75B4-597D-FC14-5699D65B60E2}"/>
+              </a:ext>
+            </a:extLst>
+          </p:cNvPr>
+          <p:cNvCxnSpPr/>
+          <p:nvPr/>
+        </p:nvCxnSpPr>
+        <p:spPr>
+          <a:xfrm flipV="1">
+            <a:off x="5121275" y="2145665"/>
+            <a:ext cx="3070860" cy="0"/>
+          </a:xfrm>
+          <a:prstGeom prst="line">
+            <a:avLst/>
+          </a:prstGeom>
+          <a:ln w="57150">
+            <a:solidFill>
+              <a:schemeClr val="tx1">
+                <a:lumMod val="65000"/>
+                <a:lumOff val="35000"/>
+              </a:schemeClr>
+            </a:solidFill>
+          </a:ln>
+        </p:spPr>
+        <p:style>
+          <a:lnRef idx="1">
+            <a:schemeClr val="accent2"/>
+          </a:lnRef>
+          <a:fillRef idx="0">
+            <a:schemeClr val="accent2"/>
+          </a:fillRef>
+          <a:effectRef idx="0">
+            <a:schemeClr val="accent2"/>
+          </a:effectRef>
+          <a:fontRef idx="minor">
+            <a:schemeClr val="tx1"/>
+          </a:fontRef>
+        </p:style>
+      </p:cxnSp>
+      <p:cxnSp>
+        <p:nvCxnSpPr>
+          <p:cNvPr id="3370" name="Gerader Verbinder 3369">
+            <a:extLst>
+              <a:ext uri="{FF2B5EF4-FFF2-40B4-BE49-F238E27FC236}">
+                <a16:creationId xmlns:a16="http://schemas.microsoft.com/office/drawing/2014/main" id="{71F460D5-5BFA-8593-3801-9AAF6EA7A460}"/>
+              </a:ext>
+            </a:extLst>
+          </p:cNvPr>
+          <p:cNvCxnSpPr/>
+          <p:nvPr/>
+        </p:nvCxnSpPr>
+        <p:spPr>
+          <a:xfrm flipV="1">
+            <a:off x="5112385" y="1750060"/>
+            <a:ext cx="803275" cy="1270"/>
+          </a:xfrm>
+          <a:prstGeom prst="line">
+            <a:avLst/>
+          </a:prstGeom>
+          <a:ln w="57150">
+            <a:solidFill>
+              <a:schemeClr val="tx1">
+                <a:lumMod val="65000"/>
+                <a:lumOff val="35000"/>
+              </a:schemeClr>
+            </a:solidFill>
+          </a:ln>
+        </p:spPr>
+        <p:style>
+          <a:lnRef idx="1">
+            <a:schemeClr val="accent2"/>
+          </a:lnRef>
+          <a:fillRef idx="0">
+            <a:schemeClr val="accent2"/>
+          </a:fillRef>
+          <a:effectRef idx="0">
+            <a:schemeClr val="accent2"/>
+          </a:effectRef>
+          <a:fontRef idx="minor">
+            <a:schemeClr val="tx1"/>
+          </a:fontRef>
+        </p:style>
+      </p:cxnSp>
+      <p:cxnSp>
+        <p:nvCxnSpPr>
+          <p:cNvPr id="3371" name="Gerader Verbinder 3370">
+            <a:extLst>
+              <a:ext uri="{FF2B5EF4-FFF2-40B4-BE49-F238E27FC236}">
+                <a16:creationId xmlns:a16="http://schemas.microsoft.com/office/drawing/2014/main" id="{DA9A1336-A120-2DBC-B9E0-7F79F946043B}"/>
+              </a:ext>
+            </a:extLst>
+          </p:cNvPr>
+          <p:cNvCxnSpPr/>
+          <p:nvPr/>
+        </p:nvCxnSpPr>
+        <p:spPr>
+          <a:xfrm>
+            <a:off x="5895975" y="1286510"/>
+            <a:ext cx="0" cy="492125"/>
+          </a:xfrm>
+          <a:prstGeom prst="line">
+            <a:avLst/>
+          </a:prstGeom>
+          <a:ln w="57150">
+            <a:solidFill>
+              <a:schemeClr val="tx1">
+                <a:lumMod val="65000"/>
+                <a:lumOff val="35000"/>
+              </a:schemeClr>
+            </a:solidFill>
+          </a:ln>
+        </p:spPr>
+        <p:style>
+          <a:lnRef idx="1">
+            <a:schemeClr val="accent2"/>
+          </a:lnRef>
+          <a:fillRef idx="0">
+            <a:schemeClr val="accent2"/>
+          </a:fillRef>
+          <a:effectRef idx="0">
+            <a:schemeClr val="accent2"/>
+          </a:effectRef>
+          <a:fontRef idx="minor">
+            <a:schemeClr val="tx1"/>
+          </a:fontRef>
+        </p:style>
+      </p:cxnSp>
+      <p:cxnSp>
+        <p:nvCxnSpPr>
+          <p:cNvPr id="3372" name="Gerader Verbinder 3371">
+            <a:extLst>
+              <a:ext uri="{FF2B5EF4-FFF2-40B4-BE49-F238E27FC236}">
+                <a16:creationId xmlns:a16="http://schemas.microsoft.com/office/drawing/2014/main" id="{04594CE6-B962-9851-D63E-633B8DC21395}"/>
+              </a:ext>
+            </a:extLst>
+          </p:cNvPr>
+          <p:cNvCxnSpPr/>
+          <p:nvPr/>
+        </p:nvCxnSpPr>
+        <p:spPr>
+          <a:xfrm>
+            <a:off x="9518015" y="2372995"/>
+            <a:ext cx="436245" cy="0"/>
+          </a:xfrm>
+          <a:prstGeom prst="line">
+            <a:avLst/>
+          </a:prstGeom>
+          <a:ln w="57150">
+            <a:solidFill>
+              <a:schemeClr val="tx1">
+                <a:lumMod val="65000"/>
+                <a:lumOff val="35000"/>
+              </a:schemeClr>
+            </a:solidFill>
+          </a:ln>
+        </p:spPr>
+        <p:style>
+          <a:lnRef idx="1">
+            <a:schemeClr val="accent2"/>
+          </a:lnRef>
+          <a:fillRef idx="0">
+            <a:schemeClr val="accent2"/>
+          </a:fillRef>
+          <a:effectRef idx="0">
+            <a:schemeClr val="accent2"/>
+          </a:effectRef>
+          <a:fontRef idx="minor">
+            <a:schemeClr val="tx1"/>
+          </a:fontRef>
+        </p:style>
+      </p:cxnSp>
+      <p:sp>
+        <p:nvSpPr>
+          <p:cNvPr id="3373" name="Text Box 330">
+            <a:extLst>
+              <a:ext uri="{FF2B5EF4-FFF2-40B4-BE49-F238E27FC236}">
+                <a16:creationId xmlns:a16="http://schemas.microsoft.com/office/drawing/2014/main" id="{A27F2F55-BBB1-1AB5-8A08-0EC46DA3FF5D}"/>
+              </a:ext>
+            </a:extLst>
+          </p:cNvPr>
+          <p:cNvSpPr txBox="1">
+            <a:spLocks noChangeArrowheads="1"/>
+          </p:cNvSpPr>
+          <p:nvPr/>
+        </p:nvSpPr>
+        <p:spPr bwMode="auto">
+          <a:xfrm>
+            <a:off x="9481068" y="2887229"/>
+            <a:ext cx="514350" cy="438150"/>
+          </a:xfrm>
+          <a:prstGeom prst="rect">
+            <a:avLst/>
+          </a:prstGeom>
+          <a:noFill/>
+          <a:ln>
+            <a:noFill/>
+          </a:ln>
+          <a:extLst>
+            <a:ext uri="{909E8E84-426E-40DD-AFC4-6F175D3DCCD1}">
+              <a14:hiddenFill xmlns:a14="http://schemas.microsoft.com/office/drawing/2010/main">
+                <a:solidFill>
+                  <a:srgbClr val="FFFFFF"/>
+                </a:solidFill>
+              </a14:hiddenFill>
+            </a:ext>
+            <a:ext uri="{91240B29-F687-4F45-9708-019B960494DF}">
+              <a14:hiddenLine xmlns:a14="http://schemas.microsoft.com/office/drawing/2010/main" w="9525">
+                <a:solidFill>
+                  <a:srgbClr val="000000"/>
+                </a:solidFill>
+                <a:miter lim="800000"/>
+                <a:headEnd/>
+                <a:tailEnd/>
+              </a14:hiddenLine>
+            </a:ext>
+          </a:extLst>
+        </p:spPr>
+        <p:txBody>
+          <a:bodyPr vert="horz" wrap="square" lIns="36000" tIns="0" rIns="36000" bIns="0" numCol="1" anchor="t" anchorCtr="0" compatLnSpc="1">
+            <a:prstTxWarp prst="textNoShape">
+              <a:avLst/>
+            </a:prstTxWarp>
+          </a:bodyPr>
+          <a:lstStyle/>
+          <a:p>
+            <a:pPr marL="0" marR="0" lvl="0" indent="0" algn="l" defTabSz="914400" rtl="0" eaLnBrk="0" fontAlgn="base" latinLnBrk="0" hangingPunct="0">
+              <a:lnSpc>
+                <a:spcPct val="100000"/>
+              </a:lnSpc>
+              <a:spcBef>
+                <a:spcPct val="0"/>
+              </a:spcBef>
+              <a:spcAft>
+                <a:spcPct val="0"/>
+              </a:spcAft>
+              <a:buClrTx/>
+              <a:buSzTx/>
+              <a:buFontTx/>
+              <a:buNone/>
+              <a:tabLst/>
+            </a:pPr>
+            <a:r>
+              <a:rPr kumimoji="0" lang="de-DE" altLang="de-DE" sz="1100" b="0" i="0" u="none" strike="noStrike" cap="none" normalizeH="0" baseline="0" dirty="0">
+                <a:ln>
+                  <a:noFill/>
+                </a:ln>
+                <a:solidFill>
+                  <a:schemeClr val="tx1"/>
+                </a:solidFill>
+                <a:effectLst/>
+                <a:latin typeface="Arial" panose="020B0604020202020204" pitchFamily="34" charset="0"/>
+                <a:ea typeface="Aptos" panose="020B0004020202020204" pitchFamily="34" charset="0"/>
+                <a:cs typeface="Arial" panose="020B0604020202020204" pitchFamily="34" charset="0"/>
+              </a:rPr>
+              <a:t>Fahr-stuhl</a:t>
+            </a:r>
+            <a:endParaRPr kumimoji="0" lang="de-DE" altLang="de-DE" sz="2800" b="0" i="0" u="none" strike="noStrike" cap="none" normalizeH="0" baseline="0" dirty="0">
+              <a:ln>
+                <a:noFill/>
+              </a:ln>
+              <a:solidFill>
+                <a:schemeClr val="tx1"/>
+              </a:solidFill>
+              <a:effectLst/>
+              <a:latin typeface="Arial" panose="020B0604020202020204" pitchFamily="34" charset="0"/>
+              <a:cs typeface="Arial" panose="020B0604020202020204" pitchFamily="34" charset="0"/>
             </a:endParaRPr>
           </a:p>
         </p:txBody>
@@ -26583,7 +26414,10 @@
             </a:bodyPr>
             <a:lstStyle/>
             <a:p>
-              <a:endParaRPr lang="de-DE"/>
+              <a:endParaRPr lang="de-DE">
+                <a:latin typeface="Arial" panose="020B0604020202020204" pitchFamily="34" charset="0"/>
+                <a:cs typeface="Arial" panose="020B0604020202020204" pitchFamily="34" charset="0"/>
+              </a:endParaRPr>
             </a:p>
           </p:txBody>
         </p:sp>
@@ -26689,7 +26523,10 @@
             </a:bodyPr>
             <a:lstStyle/>
             <a:p>
-              <a:endParaRPr lang="de-DE"/>
+              <a:endParaRPr lang="de-DE">
+                <a:latin typeface="Arial" panose="020B0604020202020204" pitchFamily="34" charset="0"/>
+                <a:cs typeface="Arial" panose="020B0604020202020204" pitchFamily="34" charset="0"/>
+              </a:endParaRPr>
             </a:p>
           </p:txBody>
         </p:sp>
@@ -26795,7 +26632,10 @@
             </a:bodyPr>
             <a:lstStyle/>
             <a:p>
-              <a:endParaRPr lang="de-DE"/>
+              <a:endParaRPr lang="de-DE">
+                <a:latin typeface="Arial" panose="020B0604020202020204" pitchFamily="34" charset="0"/>
+                <a:cs typeface="Arial" panose="020B0604020202020204" pitchFamily="34" charset="0"/>
+              </a:endParaRPr>
             </a:p>
           </p:txBody>
         </p:sp>
@@ -26901,7 +26741,10 @@
             </a:bodyPr>
             <a:lstStyle/>
             <a:p>
-              <a:endParaRPr lang="de-DE"/>
+              <a:endParaRPr lang="de-DE">
+                <a:latin typeface="Arial" panose="020B0604020202020204" pitchFamily="34" charset="0"/>
+                <a:cs typeface="Arial" panose="020B0604020202020204" pitchFamily="34" charset="0"/>
+              </a:endParaRPr>
             </a:p>
           </p:txBody>
         </p:sp>
@@ -27007,7 +26850,10 @@
             </a:bodyPr>
             <a:lstStyle/>
             <a:p>
-              <a:endParaRPr lang="de-DE"/>
+              <a:endParaRPr lang="de-DE">
+                <a:latin typeface="Arial" panose="020B0604020202020204" pitchFamily="34" charset="0"/>
+                <a:cs typeface="Arial" panose="020B0604020202020204" pitchFamily="34" charset="0"/>
+              </a:endParaRPr>
             </a:p>
           </p:txBody>
         </p:sp>
@@ -27113,7 +26959,10 @@
             </a:bodyPr>
             <a:lstStyle/>
             <a:p>
-              <a:endParaRPr lang="de-DE"/>
+              <a:endParaRPr lang="de-DE">
+                <a:latin typeface="Arial" panose="020B0604020202020204" pitchFamily="34" charset="0"/>
+                <a:cs typeface="Arial" panose="020B0604020202020204" pitchFamily="34" charset="0"/>
+              </a:endParaRPr>
             </a:p>
           </p:txBody>
         </p:sp>
@@ -27219,7 +27068,10 @@
             </a:bodyPr>
             <a:lstStyle/>
             <a:p>
-              <a:endParaRPr lang="de-DE"/>
+              <a:endParaRPr lang="de-DE">
+                <a:latin typeface="Arial" panose="020B0604020202020204" pitchFamily="34" charset="0"/>
+                <a:cs typeface="Arial" panose="020B0604020202020204" pitchFamily="34" charset="0"/>
+              </a:endParaRPr>
             </a:p>
           </p:txBody>
         </p:sp>
@@ -27325,7 +27177,10 @@
             </a:bodyPr>
             <a:lstStyle/>
             <a:p>
-              <a:endParaRPr lang="de-DE"/>
+              <a:endParaRPr lang="de-DE">
+                <a:latin typeface="Arial" panose="020B0604020202020204" pitchFamily="34" charset="0"/>
+                <a:cs typeface="Arial" panose="020B0604020202020204" pitchFamily="34" charset="0"/>
+              </a:endParaRPr>
             </a:p>
           </p:txBody>
         </p:sp>
@@ -27431,7 +27286,10 @@
             </a:bodyPr>
             <a:lstStyle/>
             <a:p>
-              <a:endParaRPr lang="de-DE"/>
+              <a:endParaRPr lang="de-DE">
+                <a:latin typeface="Arial" panose="020B0604020202020204" pitchFamily="34" charset="0"/>
+                <a:cs typeface="Arial" panose="020B0604020202020204" pitchFamily="34" charset="0"/>
+              </a:endParaRPr>
             </a:p>
           </p:txBody>
         </p:sp>
@@ -27537,7 +27395,10 @@
             </a:bodyPr>
             <a:lstStyle/>
             <a:p>
-              <a:endParaRPr lang="de-DE"/>
+              <a:endParaRPr lang="de-DE">
+                <a:latin typeface="Arial" panose="020B0604020202020204" pitchFamily="34" charset="0"/>
+                <a:cs typeface="Arial" panose="020B0604020202020204" pitchFamily="34" charset="0"/>
+              </a:endParaRPr>
             </a:p>
           </p:txBody>
         </p:sp>
@@ -27643,7 +27504,10 @@
             </a:bodyPr>
             <a:lstStyle/>
             <a:p>
-              <a:endParaRPr lang="de-DE"/>
+              <a:endParaRPr lang="de-DE">
+                <a:latin typeface="Arial" panose="020B0604020202020204" pitchFamily="34" charset="0"/>
+                <a:cs typeface="Arial" panose="020B0604020202020204" pitchFamily="34" charset="0"/>
+              </a:endParaRPr>
             </a:p>
           </p:txBody>
         </p:sp>
@@ -27749,7 +27613,10 @@
             </a:bodyPr>
             <a:lstStyle/>
             <a:p>
-              <a:endParaRPr lang="de-DE"/>
+              <a:endParaRPr lang="de-DE">
+                <a:latin typeface="Arial" panose="020B0604020202020204" pitchFamily="34" charset="0"/>
+                <a:cs typeface="Arial" panose="020B0604020202020204" pitchFamily="34" charset="0"/>
+              </a:endParaRPr>
             </a:p>
           </p:txBody>
         </p:sp>
@@ -27855,7 +27722,10 @@
             </a:bodyPr>
             <a:lstStyle/>
             <a:p>
-              <a:endParaRPr lang="de-DE"/>
+              <a:endParaRPr lang="de-DE">
+                <a:latin typeface="Arial" panose="020B0604020202020204" pitchFamily="34" charset="0"/>
+                <a:cs typeface="Arial" panose="020B0604020202020204" pitchFamily="34" charset="0"/>
+              </a:endParaRPr>
             </a:p>
           </p:txBody>
         </p:sp>
@@ -27961,7 +27831,10 @@
             </a:bodyPr>
             <a:lstStyle/>
             <a:p>
-              <a:endParaRPr lang="de-DE"/>
+              <a:endParaRPr lang="de-DE">
+                <a:latin typeface="Arial" panose="020B0604020202020204" pitchFamily="34" charset="0"/>
+                <a:cs typeface="Arial" panose="020B0604020202020204" pitchFamily="34" charset="0"/>
+              </a:endParaRPr>
             </a:p>
           </p:txBody>
         </p:sp>
@@ -28111,7 +27984,10 @@
             </a:bodyPr>
             <a:lstStyle/>
             <a:p>
-              <a:endParaRPr lang="de-DE"/>
+              <a:endParaRPr lang="de-DE">
+                <a:latin typeface="Arial" panose="020B0604020202020204" pitchFamily="34" charset="0"/>
+                <a:cs typeface="Arial" panose="020B0604020202020204" pitchFamily="34" charset="0"/>
+              </a:endParaRPr>
             </a:p>
           </p:txBody>
         </p:sp>
@@ -28524,7 +28400,7 @@
               <a:tabLst/>
             </a:pPr>
             <a:r>
-              <a:rPr kumimoji="0" lang="de-DE" altLang="de-DE" sz="900" b="0" i="0" u="none" strike="noStrike" cap="none" normalizeH="0" baseline="0" dirty="0">
+              <a:rPr kumimoji="0" lang="de-DE" altLang="de-DE" sz="1100" b="0" i="0" u="none" strike="noStrike" cap="none" normalizeH="0" baseline="0" dirty="0">
                 <a:ln>
                   <a:noFill/>
                 </a:ln>
@@ -28532,13 +28408,13 @@
                   <a:schemeClr val="tx1"/>
                 </a:solidFill>
                 <a:effectLst/>
-                <a:latin typeface="Arial Black" panose="020B0A04020102020204" pitchFamily="34" charset="0"/>
+                <a:latin typeface="Arial" panose="020B0604020202020204" pitchFamily="34" charset="0"/>
                 <a:ea typeface="Aptos" panose="020B0004020202020204" pitchFamily="34" charset="0"/>
                 <a:cs typeface="Arial" panose="020B0604020202020204" pitchFamily="34" charset="0"/>
               </a:rPr>
               <a:t>Treppen- haus</a:t>
             </a:r>
-            <a:endParaRPr kumimoji="0" lang="de-DE" altLang="de-DE" sz="1800" b="0" i="0" u="none" strike="noStrike" cap="none" normalizeH="0" baseline="0" dirty="0">
+            <a:endParaRPr kumimoji="0" lang="de-DE" altLang="de-DE" sz="1100" b="0" i="0" u="none" strike="noStrike" cap="none" normalizeH="0" baseline="0" dirty="0">
               <a:ln>
                 <a:noFill/>
               </a:ln>
@@ -28547,6 +28423,7 @@
               </a:solidFill>
               <a:effectLst/>
               <a:latin typeface="Arial" panose="020B0604020202020204" pitchFamily="34" charset="0"/>
+              <a:cs typeface="Arial" panose="020B0604020202020204" pitchFamily="34" charset="0"/>
             </a:endParaRPr>
           </a:p>
         </p:txBody>
@@ -28600,7 +28477,10 @@
           </a:bodyPr>
           <a:lstStyle/>
           <a:p>
-            <a:endParaRPr lang="de-DE"/>
+            <a:endParaRPr lang="de-DE">
+              <a:latin typeface="Arial" panose="020B0604020202020204" pitchFamily="34" charset="0"/>
+              <a:cs typeface="Arial" panose="020B0604020202020204" pitchFamily="34" charset="0"/>
+            </a:endParaRPr>
           </a:p>
         </p:txBody>
       </p:sp>
@@ -28683,7 +28563,7 @@
                   <a:schemeClr val="tx1"/>
                 </a:solidFill>
                 <a:effectLst/>
-                <a:latin typeface="Arial Black" panose="020B0A04020102020204" pitchFamily="34" charset="0"/>
+                <a:latin typeface="Arial" panose="020B0604020202020204" pitchFamily="34" charset="0"/>
                 <a:ea typeface="Aptos" panose="020B0004020202020204" pitchFamily="34" charset="0"/>
                 <a:cs typeface="Arial" panose="020B0604020202020204" pitchFamily="34" charset="0"/>
               </a:rPr>
@@ -28698,6 +28578,7 @@
               </a:solidFill>
               <a:effectLst/>
               <a:latin typeface="Arial" panose="020B0604020202020204" pitchFamily="34" charset="0"/>
+              <a:cs typeface="Arial" panose="020B0604020202020204" pitchFamily="34" charset="0"/>
             </a:endParaRPr>
           </a:p>
         </p:txBody>
@@ -28749,7 +28630,7 @@
             <a:r>
               <a:rPr lang="de-DE" sz="1400" kern="100">
                 <a:effectLst/>
-                <a:latin typeface="Arial Black" panose="020B0A04020102020204" pitchFamily="34" charset="0"/>
+                <a:latin typeface="Arial" panose="020B0604020202020204" pitchFamily="34" charset="0"/>
                 <a:ea typeface="Aptos" panose="020B0004020202020204" pitchFamily="34" charset="0"/>
                 <a:cs typeface="Arial" panose="020B0604020202020204" pitchFamily="34" charset="0"/>
               </a:rPr>
@@ -28757,9 +28638,9 @@
             </a:r>
             <a:endParaRPr lang="de-DE" sz="1200" kern="100">
               <a:effectLst/>
-              <a:latin typeface="Aptos" panose="020B0004020202020204" pitchFamily="34" charset="0"/>
+              <a:latin typeface="Arial" panose="020B0604020202020204" pitchFamily="34" charset="0"/>
               <a:ea typeface="Aptos" panose="020B0004020202020204" pitchFamily="34" charset="0"/>
-              <a:cs typeface="Times New Roman" panose="02020603050405020304" pitchFamily="18" charset="0"/>
+              <a:cs typeface="Arial" panose="020B0604020202020204" pitchFamily="34" charset="0"/>
             </a:endParaRPr>
           </a:p>
         </p:txBody>
@@ -28879,7 +28760,7 @@
                   <a:schemeClr val="tx1"/>
                 </a:solidFill>
                 <a:effectLst/>
-                <a:latin typeface="Arial Black" panose="020B0A04020102020204" pitchFamily="34" charset="0"/>
+                <a:latin typeface="Arial" panose="020B0604020202020204" pitchFamily="34" charset="0"/>
                 <a:ea typeface="Aptos" panose="020B0004020202020204" pitchFamily="34" charset="0"/>
                 <a:cs typeface="Arial" panose="020B0604020202020204" pitchFamily="34" charset="0"/>
               </a:rPr>
@@ -28894,6 +28775,7 @@
               </a:solidFill>
               <a:effectLst/>
               <a:latin typeface="Arial" panose="020B0604020202020204" pitchFamily="34" charset="0"/>
+              <a:cs typeface="Arial" panose="020B0604020202020204" pitchFamily="34" charset="0"/>
             </a:endParaRPr>
           </a:p>
         </p:txBody>
@@ -28914,7 +28796,7 @@
         </p:nvSpPr>
         <p:spPr bwMode="auto">
           <a:xfrm>
-            <a:off x="2836778" y="1838409"/>
+            <a:off x="2818306" y="1856881"/>
             <a:ext cx="419100" cy="314325"/>
           </a:xfrm>
           <a:prstGeom prst="rect">
@@ -28977,7 +28859,7 @@
                   <a:schemeClr val="tx1"/>
                 </a:solidFill>
                 <a:effectLst/>
-                <a:latin typeface="Arial Black" panose="020B0A04020102020204" pitchFamily="34" charset="0"/>
+                <a:latin typeface="Arial" panose="020B0604020202020204" pitchFamily="34" charset="0"/>
                 <a:ea typeface="Aptos" panose="020B0004020202020204" pitchFamily="34" charset="0"/>
                 <a:cs typeface="Arial" panose="020B0604020202020204" pitchFamily="34" charset="0"/>
               </a:rPr>
@@ -28992,6 +28874,7 @@
               </a:solidFill>
               <a:effectLst/>
               <a:latin typeface="Arial" panose="020B0604020202020204" pitchFamily="34" charset="0"/>
+              <a:cs typeface="Arial" panose="020B0604020202020204" pitchFamily="34" charset="0"/>
             </a:endParaRPr>
           </a:p>
         </p:txBody>
@@ -29075,7 +28958,7 @@
                   <a:schemeClr val="tx1"/>
                 </a:solidFill>
                 <a:effectLst/>
-                <a:latin typeface="Arial Black" panose="020B0A04020102020204" pitchFamily="34" charset="0"/>
+                <a:latin typeface="Arial" panose="020B0604020202020204" pitchFamily="34" charset="0"/>
                 <a:ea typeface="Aptos" panose="020B0004020202020204" pitchFamily="34" charset="0"/>
                 <a:cs typeface="Arial" panose="020B0604020202020204" pitchFamily="34" charset="0"/>
               </a:rPr>
@@ -29090,6 +28973,7 @@
               </a:solidFill>
               <a:effectLst/>
               <a:latin typeface="Arial" panose="020B0604020202020204" pitchFamily="34" charset="0"/>
+              <a:cs typeface="Arial" panose="020B0604020202020204" pitchFamily="34" charset="0"/>
             </a:endParaRPr>
           </a:p>
         </p:txBody>
@@ -29112,104 +28996,6 @@
           <a:xfrm>
             <a:off x="6733398" y="1107123"/>
             <a:ext cx="452438" cy="314325"/>
-          </a:xfrm>
-          <a:prstGeom prst="rect">
-            <a:avLst/>
-          </a:prstGeom>
-          <a:noFill/>
-          <a:ln>
-            <a:noFill/>
-          </a:ln>
-          <a:extLst>
-            <a:ext uri="{909E8E84-426E-40DD-AFC4-6F175D3DCCD1}">
-              <a14:hiddenFill xmlns:a14="http://schemas.microsoft.com/office/drawing/2010/main">
-                <a:solidFill>
-                  <a:srgbClr val="FFFFFF"/>
-                </a:solidFill>
-              </a14:hiddenFill>
-            </a:ext>
-            <a:ext uri="{91240B29-F687-4F45-9708-019B960494DF}">
-              <a14:hiddenLine xmlns:a14="http://schemas.microsoft.com/office/drawing/2010/main" w="9525">
-                <a:solidFill>
-                  <a:srgbClr val="000000"/>
-                </a:solidFill>
-                <a:miter lim="800000"/>
-                <a:headEnd/>
-                <a:tailEnd/>
-              </a14:hiddenLine>
-            </a:ext>
-          </a:extLst>
-        </p:spPr>
-        <p:txBody>
-          <a:bodyPr vert="horz" wrap="square" lIns="91440" tIns="45720" rIns="91440" bIns="45720" numCol="1" anchor="t" anchorCtr="0" compatLnSpc="1">
-            <a:prstTxWarp prst="textNoShape">
-              <a:avLst/>
-            </a:prstTxWarp>
-          </a:bodyPr>
-          <a:lstStyle/>
-          <a:p>
-            <a:pPr marL="0" marR="0" lvl="0" indent="0" algn="l" defTabSz="914400" rtl="0" eaLnBrk="0" fontAlgn="base" latinLnBrk="0" hangingPunct="0">
-              <a:lnSpc>
-                <a:spcPct val="100000"/>
-              </a:lnSpc>
-              <a:spcBef>
-                <a:spcPct val="0"/>
-              </a:spcBef>
-              <a:spcAft>
-                <a:spcPct val="0"/>
-              </a:spcAft>
-              <a:buClrTx/>
-              <a:buSzTx/>
-              <a:buFontTx/>
-              <a:buNone/>
-              <a:tabLst/>
-            </a:pPr>
-            <a:r>
-              <a:rPr kumimoji="0" lang="de-DE" altLang="de-DE" sz="1000" b="0" i="0" u="none" strike="noStrike" cap="none" normalizeH="0" baseline="0">
-                <a:ln>
-                  <a:noFill/>
-                </a:ln>
-                <a:solidFill>
-                  <a:schemeClr val="tx1"/>
-                </a:solidFill>
-                <a:effectLst/>
-                <a:latin typeface="Arial Black" panose="020B0A04020102020204" pitchFamily="34" charset="0"/>
-                <a:ea typeface="Aptos" panose="020B0004020202020204" pitchFamily="34" charset="0"/>
-                <a:cs typeface="Arial" panose="020B0604020202020204" pitchFamily="34" charset="0"/>
-              </a:rPr>
-              <a:t>WC</a:t>
-            </a:r>
-            <a:endParaRPr kumimoji="0" lang="de-DE" altLang="de-DE" sz="1800" b="0" i="0" u="none" strike="noStrike" cap="none" normalizeH="0" baseline="0">
-              <a:ln>
-                <a:noFill/>
-              </a:ln>
-              <a:solidFill>
-                <a:schemeClr val="tx1"/>
-              </a:solidFill>
-              <a:effectLst/>
-              <a:latin typeface="Arial" panose="020B0604020202020204" pitchFamily="34" charset="0"/>
-            </a:endParaRPr>
-          </a:p>
-        </p:txBody>
-      </p:sp>
-      <p:sp>
-        <p:nvSpPr>
-          <p:cNvPr id="3437" name="Text Box 267">
-            <a:extLst>
-              <a:ext uri="{FF2B5EF4-FFF2-40B4-BE49-F238E27FC236}">
-                <a16:creationId xmlns:a16="http://schemas.microsoft.com/office/drawing/2014/main" id="{DD8ED215-09B4-A4DA-F279-1525190CBFC9}"/>
-              </a:ext>
-            </a:extLst>
-          </p:cNvPr>
-          <p:cNvSpPr txBox="1">
-            <a:spLocks noChangeArrowheads="1"/>
-          </p:cNvSpPr>
-          <p:nvPr/>
-        </p:nvSpPr>
-        <p:spPr bwMode="auto">
-          <a:xfrm>
-            <a:off x="7520940" y="1111837"/>
-            <a:ext cx="536575" cy="314325"/>
           </a:xfrm>
           <a:prstGeom prst="rect">
             <a:avLst/>
@@ -29271,7 +29057,7 @@
                   <a:schemeClr val="tx1"/>
                 </a:solidFill>
                 <a:effectLst/>
-                <a:latin typeface="Arial Black" panose="020B0A04020102020204" pitchFamily="34" charset="0"/>
+                <a:latin typeface="Arial" panose="020B0604020202020204" pitchFamily="34" charset="0"/>
                 <a:ea typeface="Aptos" panose="020B0004020202020204" pitchFamily="34" charset="0"/>
                 <a:cs typeface="Arial" panose="020B0604020202020204" pitchFamily="34" charset="0"/>
               </a:rPr>
@@ -29286,6 +29072,106 @@
               </a:solidFill>
               <a:effectLst/>
               <a:latin typeface="Arial" panose="020B0604020202020204" pitchFamily="34" charset="0"/>
+              <a:cs typeface="Arial" panose="020B0604020202020204" pitchFamily="34" charset="0"/>
+            </a:endParaRPr>
+          </a:p>
+        </p:txBody>
+      </p:sp>
+      <p:sp>
+        <p:nvSpPr>
+          <p:cNvPr id="3437" name="Text Box 267">
+            <a:extLst>
+              <a:ext uri="{FF2B5EF4-FFF2-40B4-BE49-F238E27FC236}">
+                <a16:creationId xmlns:a16="http://schemas.microsoft.com/office/drawing/2014/main" id="{DD8ED215-09B4-A4DA-F279-1525190CBFC9}"/>
+              </a:ext>
+            </a:extLst>
+          </p:cNvPr>
+          <p:cNvSpPr txBox="1">
+            <a:spLocks noChangeArrowheads="1"/>
+          </p:cNvSpPr>
+          <p:nvPr/>
+        </p:nvSpPr>
+        <p:spPr bwMode="auto">
+          <a:xfrm>
+            <a:off x="7520940" y="1111837"/>
+            <a:ext cx="536575" cy="314325"/>
+          </a:xfrm>
+          <a:prstGeom prst="rect">
+            <a:avLst/>
+          </a:prstGeom>
+          <a:noFill/>
+          <a:ln>
+            <a:noFill/>
+          </a:ln>
+          <a:extLst>
+            <a:ext uri="{909E8E84-426E-40DD-AFC4-6F175D3DCCD1}">
+              <a14:hiddenFill xmlns:a14="http://schemas.microsoft.com/office/drawing/2010/main">
+                <a:solidFill>
+                  <a:srgbClr val="FFFFFF"/>
+                </a:solidFill>
+              </a14:hiddenFill>
+            </a:ext>
+            <a:ext uri="{91240B29-F687-4F45-9708-019B960494DF}">
+              <a14:hiddenLine xmlns:a14="http://schemas.microsoft.com/office/drawing/2010/main" w="9525">
+                <a:solidFill>
+                  <a:srgbClr val="000000"/>
+                </a:solidFill>
+                <a:miter lim="800000"/>
+                <a:headEnd/>
+                <a:tailEnd/>
+              </a14:hiddenLine>
+            </a:ext>
+          </a:extLst>
+        </p:spPr>
+        <p:txBody>
+          <a:bodyPr vert="horz" wrap="square" lIns="91440" tIns="45720" rIns="91440" bIns="45720" numCol="1" anchor="t" anchorCtr="0" compatLnSpc="1">
+            <a:prstTxWarp prst="textNoShape">
+              <a:avLst/>
+            </a:prstTxWarp>
+          </a:bodyPr>
+          <a:lstStyle/>
+          <a:p>
+            <a:pPr marL="0" marR="0" lvl="0" indent="0" algn="l" defTabSz="914400" rtl="0" eaLnBrk="0" fontAlgn="base" latinLnBrk="0" hangingPunct="0">
+              <a:lnSpc>
+                <a:spcPct val="100000"/>
+              </a:lnSpc>
+              <a:spcBef>
+                <a:spcPct val="0"/>
+              </a:spcBef>
+              <a:spcAft>
+                <a:spcPct val="0"/>
+              </a:spcAft>
+              <a:buClrTx/>
+              <a:buSzTx/>
+              <a:buFontTx/>
+              <a:buNone/>
+              <a:tabLst/>
+            </a:pPr>
+            <a:r>
+              <a:rPr kumimoji="0" lang="de-DE" altLang="de-DE" sz="1000" b="0" i="0" u="none" strike="noStrike" cap="none" normalizeH="0" baseline="0" dirty="0">
+                <a:ln>
+                  <a:noFill/>
+                </a:ln>
+                <a:solidFill>
+                  <a:schemeClr val="tx1"/>
+                </a:solidFill>
+                <a:effectLst/>
+                <a:latin typeface="Arial" panose="020B0604020202020204" pitchFamily="34" charset="0"/>
+                <a:ea typeface="Aptos" panose="020B0004020202020204" pitchFamily="34" charset="0"/>
+                <a:cs typeface="Arial" panose="020B0604020202020204" pitchFamily="34" charset="0"/>
+              </a:rPr>
+              <a:t>WC</a:t>
+            </a:r>
+            <a:endParaRPr kumimoji="0" lang="de-DE" altLang="de-DE" sz="1800" b="0" i="0" u="none" strike="noStrike" cap="none" normalizeH="0" baseline="0" dirty="0">
+              <a:ln>
+                <a:noFill/>
+              </a:ln>
+              <a:solidFill>
+                <a:schemeClr val="tx1"/>
+              </a:solidFill>
+              <a:effectLst/>
+              <a:latin typeface="Arial" panose="020B0604020202020204" pitchFamily="34" charset="0"/>
+              <a:cs typeface="Arial" panose="020B0604020202020204" pitchFamily="34" charset="0"/>
             </a:endParaRPr>
           </a:p>
         </p:txBody>
@@ -29434,7 +29320,10 @@
             </a:bodyPr>
             <a:lstStyle/>
             <a:p>
-              <a:endParaRPr lang="de-DE"/>
+              <a:endParaRPr lang="de-DE">
+                <a:latin typeface="Arial" panose="020B0604020202020204" pitchFamily="34" charset="0"/>
+                <a:cs typeface="Arial" panose="020B0604020202020204" pitchFamily="34" charset="0"/>
+              </a:endParaRPr>
             </a:p>
           </p:txBody>
         </p:sp>
@@ -29679,7 +29568,7 @@
               <a:tabLst/>
             </a:pPr>
             <a:r>
-              <a:rPr kumimoji="0" lang="de-DE" altLang="de-DE" sz="900" b="0" i="0" u="none" strike="noStrike" cap="none" normalizeH="0" baseline="0" dirty="0">
+              <a:rPr kumimoji="0" lang="de-DE" altLang="de-DE" sz="1100" b="0" i="0" u="none" strike="noStrike" cap="none" normalizeH="0" baseline="0" dirty="0">
                 <a:ln>
                   <a:noFill/>
                 </a:ln>
@@ -29687,14 +29576,14 @@
                   <a:schemeClr val="tx1"/>
                 </a:solidFill>
                 <a:effectLst/>
-                <a:latin typeface="Arial Black" panose="020B0A04020102020204" pitchFamily="34" charset="0"/>
+                <a:latin typeface="Arial" panose="020B0604020202020204" pitchFamily="34" charset="0"/>
                 <a:ea typeface="Aptos" panose="020B0004020202020204" pitchFamily="34" charset="0"/>
                 <a:cs typeface="Arial" panose="020B0604020202020204" pitchFamily="34" charset="0"/>
               </a:rPr>
               <a:t>Haupt- </a:t>
             </a:r>
             <a:r>
-              <a:rPr kumimoji="0" lang="de-DE" altLang="de-DE" sz="900" b="0" i="0" u="none" strike="noStrike" cap="none" normalizeH="0" baseline="0" dirty="0" err="1">
+              <a:rPr kumimoji="0" lang="de-DE" altLang="de-DE" sz="1100" b="0" i="0" u="none" strike="noStrike" cap="none" normalizeH="0" baseline="0" dirty="0" err="1">
                 <a:ln>
                   <a:noFill/>
                 </a:ln>
@@ -29702,13 +29591,13 @@
                   <a:schemeClr val="tx1"/>
                 </a:solidFill>
                 <a:effectLst/>
-                <a:latin typeface="Arial Black" panose="020B0A04020102020204" pitchFamily="34" charset="0"/>
+                <a:latin typeface="Arial" panose="020B0604020202020204" pitchFamily="34" charset="0"/>
                 <a:ea typeface="Aptos" panose="020B0004020202020204" pitchFamily="34" charset="0"/>
                 <a:cs typeface="Arial" panose="020B0604020202020204" pitchFamily="34" charset="0"/>
               </a:rPr>
               <a:t>eingang</a:t>
             </a:r>
-            <a:endParaRPr kumimoji="0" lang="de-DE" altLang="de-DE" sz="1800" b="0" i="0" u="none" strike="noStrike" cap="none" normalizeH="0" baseline="0" dirty="0">
+            <a:endParaRPr kumimoji="0" lang="de-DE" altLang="de-DE" sz="1100" b="0" i="0" u="none" strike="noStrike" cap="none" normalizeH="0" baseline="0" dirty="0">
               <a:ln>
                 <a:noFill/>
               </a:ln>
@@ -29717,6 +29606,7 @@
               </a:solidFill>
               <a:effectLst/>
               <a:latin typeface="Arial" panose="020B0604020202020204" pitchFamily="34" charset="0"/>
+              <a:cs typeface="Arial" panose="020B0604020202020204" pitchFamily="34" charset="0"/>
             </a:endParaRPr>
           </a:p>
         </p:txBody>
@@ -30073,7 +29963,7 @@
           </a:fontRef>
         </p:style>
         <p:txBody>
-          <a:bodyPr rot="0" spcFirstLastPara="0" vert="horz" wrap="square" lIns="91440" tIns="45720" rIns="91440" bIns="45720" numCol="1" spcCol="0" rtlCol="0" fromWordArt="0" anchor="ctr" anchorCtr="0" forceAA="0" compatLnSpc="1">
+          <a:bodyPr rot="0" spcFirstLastPara="0" vert="horz" wrap="square" lIns="91440" tIns="45720" rIns="288000" bIns="45720" numCol="1" spcCol="0" rtlCol="0" fromWordArt="0" anchor="ctr" anchorCtr="0" forceAA="0" compatLnSpc="1">
             <a:prstTxWarp prst="textNoShape">
               <a:avLst/>
             </a:prstTxWarp>
@@ -30090,7 +29980,7 @@
                   <a:schemeClr val="tx1"/>
                 </a:solidFill>
                 <a:effectLst/>
-                <a:latin typeface="Arial Black" panose="020B0A04020102020204" pitchFamily="34" charset="0"/>
+                <a:latin typeface="Arial" panose="020B0604020202020204" pitchFamily="34" charset="0"/>
                 <a:ea typeface="Aptos" panose="020B0004020202020204" pitchFamily="34" charset="0"/>
                 <a:cs typeface="Arial" panose="020B0604020202020204" pitchFamily="34" charset="0"/>
               </a:rPr>
@@ -30104,7 +29994,8 @@
                 <a:schemeClr val="tx1"/>
               </a:solidFill>
               <a:effectLst/>
-              <a:latin typeface="Arial Black" panose="020B0A04020102020204" pitchFamily="34" charset="0"/>
+              <a:latin typeface="Arial" panose="020B0604020202020204" pitchFamily="34" charset="0"/>
+              <a:cs typeface="Arial" panose="020B0604020202020204" pitchFamily="34" charset="0"/>
             </a:endParaRPr>
           </a:p>
         </p:txBody>
@@ -30158,7 +30049,10 @@
           </a:bodyPr>
           <a:lstStyle/>
           <a:p>
-            <a:endParaRPr lang="de-DE"/>
+            <a:endParaRPr lang="de-DE">
+              <a:latin typeface="Arial" panose="020B0604020202020204" pitchFamily="34" charset="0"/>
+              <a:cs typeface="Arial" panose="020B0604020202020204" pitchFamily="34" charset="0"/>
+            </a:endParaRPr>
           </a:p>
         </p:txBody>
       </p:sp>
@@ -30211,7 +30105,10 @@
           </a:bodyPr>
           <a:lstStyle/>
           <a:p>
-            <a:endParaRPr lang="de-DE"/>
+            <a:endParaRPr lang="de-DE">
+              <a:latin typeface="Arial" panose="020B0604020202020204" pitchFamily="34" charset="0"/>
+              <a:cs typeface="Arial" panose="020B0604020202020204" pitchFamily="34" charset="0"/>
+            </a:endParaRPr>
           </a:p>
         </p:txBody>
       </p:sp>

--- a/Website_TdA_2024.pptx
+++ b/Website_TdA_2024.pptx
@@ -2421,7 +2421,7 @@
           <a:p>
             <a:fld id="{326D799F-86D4-4539-9CF8-30237CED92B1}" type="datetimeFigureOut">
               <a:rPr lang="de-DE" smtClean="0"/>
-              <a:t>11.09.2024</a:t>
+              <a:t>12.09.2024</a:t>
             </a:fld>
             <a:endParaRPr lang="de-DE"/>
           </a:p>
@@ -2919,7 +2919,7 @@
           <a:p>
             <a:fld id="{5F34389D-718A-4B70-99B4-5B2AAB6EE550}" type="datetimeFigureOut">
               <a:rPr lang="de-DE" smtClean="0"/>
-              <a:t>11.09.2024</a:t>
+              <a:t>12.09.2024</a:t>
             </a:fld>
             <a:endParaRPr lang="de-DE"/>
           </a:p>
@@ -3117,7 +3117,7 @@
           <a:p>
             <a:fld id="{5F34389D-718A-4B70-99B4-5B2AAB6EE550}" type="datetimeFigureOut">
               <a:rPr lang="de-DE" smtClean="0"/>
-              <a:t>11.09.2024</a:t>
+              <a:t>12.09.2024</a:t>
             </a:fld>
             <a:endParaRPr lang="de-DE"/>
           </a:p>
@@ -3325,7 +3325,7 @@
           <a:p>
             <a:fld id="{5F34389D-718A-4B70-99B4-5B2AAB6EE550}" type="datetimeFigureOut">
               <a:rPr lang="de-DE" smtClean="0"/>
-              <a:t>11.09.2024</a:t>
+              <a:t>12.09.2024</a:t>
             </a:fld>
             <a:endParaRPr lang="de-DE"/>
           </a:p>
@@ -3523,7 +3523,7 @@
           <a:p>
             <a:fld id="{5F34389D-718A-4B70-99B4-5B2AAB6EE550}" type="datetimeFigureOut">
               <a:rPr lang="de-DE" smtClean="0"/>
-              <a:t>11.09.2024</a:t>
+              <a:t>12.09.2024</a:t>
             </a:fld>
             <a:endParaRPr lang="de-DE"/>
           </a:p>
@@ -3798,7 +3798,7 @@
           <a:p>
             <a:fld id="{5F34389D-718A-4B70-99B4-5B2AAB6EE550}" type="datetimeFigureOut">
               <a:rPr lang="de-DE" smtClean="0"/>
-              <a:t>11.09.2024</a:t>
+              <a:t>12.09.2024</a:t>
             </a:fld>
             <a:endParaRPr lang="de-DE"/>
           </a:p>
@@ -4063,7 +4063,7 @@
           <a:p>
             <a:fld id="{5F34389D-718A-4B70-99B4-5B2AAB6EE550}" type="datetimeFigureOut">
               <a:rPr lang="de-DE" smtClean="0"/>
-              <a:t>11.09.2024</a:t>
+              <a:t>12.09.2024</a:t>
             </a:fld>
             <a:endParaRPr lang="de-DE"/>
           </a:p>
@@ -4475,7 +4475,7 @@
           <a:p>
             <a:fld id="{5F34389D-718A-4B70-99B4-5B2AAB6EE550}" type="datetimeFigureOut">
               <a:rPr lang="de-DE" smtClean="0"/>
-              <a:t>11.09.2024</a:t>
+              <a:t>12.09.2024</a:t>
             </a:fld>
             <a:endParaRPr lang="de-DE"/>
           </a:p>
@@ -4616,7 +4616,7 @@
           <a:p>
             <a:fld id="{5F34389D-718A-4B70-99B4-5B2AAB6EE550}" type="datetimeFigureOut">
               <a:rPr lang="de-DE" smtClean="0"/>
-              <a:t>11.09.2024</a:t>
+              <a:t>12.09.2024</a:t>
             </a:fld>
             <a:endParaRPr lang="de-DE"/>
           </a:p>
@@ -4729,7 +4729,7 @@
           <a:p>
             <a:fld id="{5F34389D-718A-4B70-99B4-5B2AAB6EE550}" type="datetimeFigureOut">
               <a:rPr lang="de-DE" smtClean="0"/>
-              <a:t>11.09.2024</a:t>
+              <a:t>12.09.2024</a:t>
             </a:fld>
             <a:endParaRPr lang="de-DE"/>
           </a:p>
@@ -5040,7 +5040,7 @@
           <a:p>
             <a:fld id="{5F34389D-718A-4B70-99B4-5B2AAB6EE550}" type="datetimeFigureOut">
               <a:rPr lang="de-DE" smtClean="0"/>
-              <a:t>11.09.2024</a:t>
+              <a:t>12.09.2024</a:t>
             </a:fld>
             <a:endParaRPr lang="de-DE"/>
           </a:p>
@@ -5328,7 +5328,7 @@
           <a:p>
             <a:fld id="{5F34389D-718A-4B70-99B4-5B2AAB6EE550}" type="datetimeFigureOut">
               <a:rPr lang="de-DE" smtClean="0"/>
-              <a:t>11.09.2024</a:t>
+              <a:t>12.09.2024</a:t>
             </a:fld>
             <a:endParaRPr lang="de-DE"/>
           </a:p>
@@ -5569,7 +5569,7 @@
           <a:p>
             <a:fld id="{5F34389D-718A-4B70-99B4-5B2AAB6EE550}" type="datetimeFigureOut">
               <a:rPr lang="de-DE" smtClean="0"/>
-              <a:t>11.09.2024</a:t>
+              <a:t>12.09.2024</a:t>
             </a:fld>
             <a:endParaRPr lang="de-DE"/>
           </a:p>
@@ -19938,6 +19938,21 @@
           <a:p>
             <a:pPr algn="ctr"/>
             <a:r>
+              <a:rPr kumimoji="0" lang="de-DE" altLang="de-DE" sz="1100" b="0" i="0" u="none" strike="noStrike" cap="none" normalizeH="0" baseline="0">
+                <a:ln>
+                  <a:noFill/>
+                </a:ln>
+                <a:solidFill>
+                  <a:schemeClr val="tx1"/>
+                </a:solidFill>
+                <a:effectLst/>
+                <a:latin typeface="Arial" panose="020B0604020202020204" pitchFamily="34" charset="0"/>
+                <a:ea typeface="Aptos" panose="020B0004020202020204" pitchFamily="34" charset="0"/>
+                <a:cs typeface="Arial" panose="020B0604020202020204" pitchFamily="34" charset="0"/>
+              </a:rPr>
+              <a:t>Technischer Produkt-designer</a:t>
+            </a:r>
+            <a:r>
               <a:rPr kumimoji="0" lang="de-DE" altLang="de-DE" sz="1100" b="0" i="0" u="none" strike="noStrike" cap="none" normalizeH="0" baseline="0" dirty="0">
                 <a:ln>
                   <a:noFill/>
@@ -19950,7 +19965,7 @@
                 <a:ea typeface="Aptos" panose="020B0004020202020204" pitchFamily="34" charset="0"/>
                 <a:cs typeface="Arial" panose="020B0604020202020204" pitchFamily="34" charset="0"/>
               </a:rPr>
-              <a:t>Technischer Produkt--designer*</a:t>
+              <a:t>*</a:t>
             </a:r>
             <a:endParaRPr kumimoji="0" lang="de-DE" altLang="de-DE" sz="1100" b="0" i="0" u="none" strike="noStrike" cap="none" normalizeH="0" baseline="0" dirty="0">
               <a:ln>
@@ -22804,7 +22819,7 @@
                 <a:ea typeface="Aptos" panose="020B0004020202020204" pitchFamily="34" charset="0"/>
                 <a:cs typeface="Arial" panose="020B0604020202020204" pitchFamily="34" charset="0"/>
               </a:rPr>
-              <a:t>Elektroniker*</a:t>
+              <a:t> Elektroniker*</a:t>
             </a:r>
             <a:endParaRPr kumimoji="0" lang="de-DE" altLang="de-DE" sz="1100" b="0" i="0" u="none" strike="noStrike" cap="none" normalizeH="0" baseline="0" dirty="0">
               <a:ln>
@@ -22848,7 +22863,7 @@
                 <a:ea typeface="Aptos" panose="020B0004020202020204" pitchFamily="34" charset="0"/>
                 <a:cs typeface="Arial" panose="020B0604020202020204" pitchFamily="34" charset="0"/>
               </a:rPr>
-              <a:t>Industrieelektriker*</a:t>
+              <a:t> Industrieelektriker*</a:t>
             </a:r>
             <a:endParaRPr kumimoji="0" lang="de-DE" altLang="de-DE" sz="1100" b="0" i="0" u="none" strike="noStrike" cap="none" normalizeH="0" baseline="0" dirty="0">
               <a:ln>
@@ -22892,7 +22907,7 @@
                 <a:ea typeface="Aptos" panose="020B0004020202020204" pitchFamily="34" charset="0"/>
                 <a:cs typeface="Arial" panose="020B0604020202020204" pitchFamily="34" charset="0"/>
               </a:rPr>
-              <a:t>Mechatroniker*</a:t>
+              <a:t> Mechatroniker*</a:t>
             </a:r>
             <a:endParaRPr kumimoji="0" lang="de-DE" altLang="de-DE" sz="1100" b="0" i="0" u="none" strike="noStrike" cap="none" normalizeH="0" baseline="0" dirty="0">
               <a:ln>
@@ -25495,7 +25510,7 @@
                 <a:ea typeface="Aptos" panose="020B0004020202020204" pitchFamily="34" charset="0"/>
                 <a:cs typeface="Arial" panose="020B0604020202020204" pitchFamily="34" charset="0"/>
               </a:rPr>
-              <a:t>Werkzeugmechaniker*</a:t>
+              <a:t> Werkzeugmechaniker*</a:t>
             </a:r>
             <a:endParaRPr kumimoji="0" lang="de-DE" altLang="de-DE" sz="1100" b="0" i="0" u="none" strike="noStrike" cap="none" normalizeH="0" baseline="0" dirty="0">
               <a:ln>
@@ -25539,7 +25554,7 @@
                 <a:ea typeface="Aptos" panose="020B0004020202020204" pitchFamily="34" charset="0"/>
                 <a:cs typeface="Arial" panose="020B0604020202020204" pitchFamily="34" charset="0"/>
               </a:rPr>
-              <a:t>Industriemechaniker*</a:t>
+              <a:t> Industriemechaniker*</a:t>
             </a:r>
             <a:endParaRPr kumimoji="0" lang="de-DE" altLang="de-DE" sz="1100" b="0" i="0" u="none" strike="noStrike" cap="none" normalizeH="0" baseline="0" dirty="0">
               <a:ln>
@@ -25583,7 +25598,7 @@
                 <a:ea typeface="Aptos" panose="020B0004020202020204" pitchFamily="34" charset="0"/>
                 <a:cs typeface="Arial" panose="020B0604020202020204" pitchFamily="34" charset="0"/>
               </a:rPr>
-              <a:t>Maschinen- und Anlagenführer*</a:t>
+              <a:t> Maschinen- und Anlagenführer*</a:t>
             </a:r>
             <a:endParaRPr kumimoji="0" lang="de-DE" altLang="de-DE" sz="1100" b="0" i="0" u="none" strike="noStrike" cap="none" normalizeH="0" baseline="0" dirty="0">
               <a:ln>
@@ -25627,7 +25642,7 @@
                 <a:ea typeface="Aptos" panose="020B0004020202020204" pitchFamily="34" charset="0"/>
                 <a:cs typeface="Arial" panose="020B0604020202020204" pitchFamily="34" charset="0"/>
               </a:rPr>
-              <a:t>Kunststoff- und Kautschuktechnologe*</a:t>
+              <a:t> Kunststoff- und Kautschuktechnologe*</a:t>
             </a:r>
             <a:endParaRPr kumimoji="0" lang="de-DE" altLang="de-DE" sz="1100" b="0" i="0" u="none" strike="noStrike" cap="none" normalizeH="0" baseline="0" dirty="0">
               <a:ln>

--- a/Website_TdA_2024.pptx
+++ b/Website_TdA_2024.pptx
@@ -22782,7 +22782,7 @@
           </a:fontRef>
         </p:style>
         <p:txBody>
-          <a:bodyPr rot="0" spcFirstLastPara="0" vert="horz" wrap="square" lIns="91440" tIns="45720" rIns="91440" bIns="45720" numCol="1" spcCol="0" rtlCol="0" fromWordArt="0" anchor="ctr" anchorCtr="0" forceAA="0" compatLnSpc="1">
+          <a:bodyPr rot="0" spcFirstLastPara="0" vert="horz" wrap="square" lIns="360000" tIns="216000" rIns="91440" bIns="45720" numCol="1" spcCol="0" rtlCol="0" fromWordArt="0" anchor="t" anchorCtr="0" forceAA="0" compatLnSpc="1">
             <a:prstTxWarp prst="textNoShape">
               <a:avLst/>
             </a:prstTxWarp>
@@ -22790,7 +22790,7 @@
           </a:bodyPr>
           <a:lstStyle/>
           <a:p>
-            <a:pPr marL="0" marR="0" lvl="0" indent="0" algn="l" defTabSz="914400" rtl="0" eaLnBrk="0" fontAlgn="base" latinLnBrk="0" hangingPunct="0">
+            <a:pPr marL="0" marR="0" lvl="0" indent="0" defTabSz="914400" rtl="0" eaLnBrk="0" fontAlgn="base" latinLnBrk="0" hangingPunct="0">
               <a:lnSpc>
                 <a:spcPct val="100000"/>
               </a:lnSpc>
@@ -22834,7 +22834,7 @@
             </a:endParaRPr>
           </a:p>
           <a:p>
-            <a:pPr marL="0" marR="0" lvl="0" indent="0" algn="l" defTabSz="914400" rtl="0" eaLnBrk="0" fontAlgn="base" latinLnBrk="0" hangingPunct="0">
+            <a:pPr marL="0" marR="0" lvl="0" indent="0" defTabSz="914400" rtl="0" eaLnBrk="0" fontAlgn="base" latinLnBrk="0" hangingPunct="0">
               <a:lnSpc>
                 <a:spcPct val="100000"/>
               </a:lnSpc>
@@ -22878,7 +22878,7 @@
             </a:endParaRPr>
           </a:p>
           <a:p>
-            <a:pPr marL="0" marR="0" lvl="0" indent="0" algn="l" defTabSz="914400" rtl="0" eaLnBrk="0" fontAlgn="base" latinLnBrk="0" hangingPunct="0">
+            <a:pPr marL="0" marR="0" lvl="0" indent="0" defTabSz="914400" rtl="0" eaLnBrk="0" fontAlgn="base" latinLnBrk="0" hangingPunct="0">
               <a:lnSpc>
                 <a:spcPct val="100000"/>
               </a:lnSpc>
@@ -24211,7 +24211,7 @@
         </p:nvSpPr>
         <p:spPr>
           <a:xfrm>
-            <a:off x="3238500" y="6755765"/>
+            <a:off x="3310803" y="7573036"/>
             <a:ext cx="361950" cy="342900"/>
           </a:xfrm>
           <a:prstGeom prst="irregularSeal1">
@@ -24368,7 +24368,7 @@
         </p:nvSpPr>
         <p:spPr bwMode="auto">
           <a:xfrm>
-            <a:off x="2901720" y="6516255"/>
+            <a:off x="2974023" y="7333526"/>
             <a:ext cx="876300" cy="485775"/>
           </a:xfrm>
           <a:prstGeom prst="rect">

--- a/Website_TdA_2024.pptx
+++ b/Website_TdA_2024.pptx
@@ -2421,7 +2421,7 @@
           <a:p>
             <a:fld id="{326D799F-86D4-4539-9CF8-30237CED92B1}" type="datetimeFigureOut">
               <a:rPr lang="de-DE" smtClean="0"/>
-              <a:t>12.09.2024</a:t>
+              <a:t>13.09.2024</a:t>
             </a:fld>
             <a:endParaRPr lang="de-DE"/>
           </a:p>
@@ -2919,7 +2919,7 @@
           <a:p>
             <a:fld id="{5F34389D-718A-4B70-99B4-5B2AAB6EE550}" type="datetimeFigureOut">
               <a:rPr lang="de-DE" smtClean="0"/>
-              <a:t>12.09.2024</a:t>
+              <a:t>13.09.2024</a:t>
             </a:fld>
             <a:endParaRPr lang="de-DE"/>
           </a:p>
@@ -3117,7 +3117,7 @@
           <a:p>
             <a:fld id="{5F34389D-718A-4B70-99B4-5B2AAB6EE550}" type="datetimeFigureOut">
               <a:rPr lang="de-DE" smtClean="0"/>
-              <a:t>12.09.2024</a:t>
+              <a:t>13.09.2024</a:t>
             </a:fld>
             <a:endParaRPr lang="de-DE"/>
           </a:p>
@@ -3325,7 +3325,7 @@
           <a:p>
             <a:fld id="{5F34389D-718A-4B70-99B4-5B2AAB6EE550}" type="datetimeFigureOut">
               <a:rPr lang="de-DE" smtClean="0"/>
-              <a:t>12.09.2024</a:t>
+              <a:t>13.09.2024</a:t>
             </a:fld>
             <a:endParaRPr lang="de-DE"/>
           </a:p>
@@ -3523,7 +3523,7 @@
           <a:p>
             <a:fld id="{5F34389D-718A-4B70-99B4-5B2AAB6EE550}" type="datetimeFigureOut">
               <a:rPr lang="de-DE" smtClean="0"/>
-              <a:t>12.09.2024</a:t>
+              <a:t>13.09.2024</a:t>
             </a:fld>
             <a:endParaRPr lang="de-DE"/>
           </a:p>
@@ -3798,7 +3798,7 @@
           <a:p>
             <a:fld id="{5F34389D-718A-4B70-99B4-5B2AAB6EE550}" type="datetimeFigureOut">
               <a:rPr lang="de-DE" smtClean="0"/>
-              <a:t>12.09.2024</a:t>
+              <a:t>13.09.2024</a:t>
             </a:fld>
             <a:endParaRPr lang="de-DE"/>
           </a:p>
@@ -4063,7 +4063,7 @@
           <a:p>
             <a:fld id="{5F34389D-718A-4B70-99B4-5B2AAB6EE550}" type="datetimeFigureOut">
               <a:rPr lang="de-DE" smtClean="0"/>
-              <a:t>12.09.2024</a:t>
+              <a:t>13.09.2024</a:t>
             </a:fld>
             <a:endParaRPr lang="de-DE"/>
           </a:p>
@@ -4475,7 +4475,7 @@
           <a:p>
             <a:fld id="{5F34389D-718A-4B70-99B4-5B2AAB6EE550}" type="datetimeFigureOut">
               <a:rPr lang="de-DE" smtClean="0"/>
-              <a:t>12.09.2024</a:t>
+              <a:t>13.09.2024</a:t>
             </a:fld>
             <a:endParaRPr lang="de-DE"/>
           </a:p>
@@ -4616,7 +4616,7 @@
           <a:p>
             <a:fld id="{5F34389D-718A-4B70-99B4-5B2AAB6EE550}" type="datetimeFigureOut">
               <a:rPr lang="de-DE" smtClean="0"/>
-              <a:t>12.09.2024</a:t>
+              <a:t>13.09.2024</a:t>
             </a:fld>
             <a:endParaRPr lang="de-DE"/>
           </a:p>
@@ -4729,7 +4729,7 @@
           <a:p>
             <a:fld id="{5F34389D-718A-4B70-99B4-5B2AAB6EE550}" type="datetimeFigureOut">
               <a:rPr lang="de-DE" smtClean="0"/>
-              <a:t>12.09.2024</a:t>
+              <a:t>13.09.2024</a:t>
             </a:fld>
             <a:endParaRPr lang="de-DE"/>
           </a:p>
@@ -5040,7 +5040,7 @@
           <a:p>
             <a:fld id="{5F34389D-718A-4B70-99B4-5B2AAB6EE550}" type="datetimeFigureOut">
               <a:rPr lang="de-DE" smtClean="0"/>
-              <a:t>12.09.2024</a:t>
+              <a:t>13.09.2024</a:t>
             </a:fld>
             <a:endParaRPr lang="de-DE"/>
           </a:p>
@@ -5328,7 +5328,7 @@
           <a:p>
             <a:fld id="{5F34389D-718A-4B70-99B4-5B2AAB6EE550}" type="datetimeFigureOut">
               <a:rPr lang="de-DE" smtClean="0"/>
-              <a:t>12.09.2024</a:t>
+              <a:t>13.09.2024</a:t>
             </a:fld>
             <a:endParaRPr lang="de-DE"/>
           </a:p>
@@ -5569,7 +5569,7 @@
           <a:p>
             <a:fld id="{5F34389D-718A-4B70-99B4-5B2AAB6EE550}" type="datetimeFigureOut">
               <a:rPr lang="de-DE" smtClean="0"/>
-              <a:t>12.09.2024</a:t>
+              <a:t>13.09.2024</a:t>
             </a:fld>
             <a:endParaRPr lang="de-DE"/>
           </a:p>
@@ -22595,9 +22595,7 @@
             <a:avLst/>
           </a:prstGeom>
           <a:solidFill>
-            <a:schemeClr val="bg2">
-              <a:lumMod val="90000"/>
-            </a:schemeClr>
+            <a:srgbClr val="00CC00"/>
           </a:solidFill>
           <a:ln>
             <a:noFill/>
@@ -30121,6 +30119,141 @@
           <a:lstStyle/>
           <a:p>
             <a:endParaRPr lang="de-DE">
+              <a:latin typeface="Arial" panose="020B0604020202020204" pitchFamily="34" charset="0"/>
+              <a:cs typeface="Arial" panose="020B0604020202020204" pitchFamily="34" charset="0"/>
+            </a:endParaRPr>
+          </a:p>
+        </p:txBody>
+      </p:sp>
+      <p:pic>
+        <p:nvPicPr>
+          <p:cNvPr id="5" name="Grafik 4" descr="Person im Rollstuhl mit einfarbiger Füllung">
+            <a:extLst>
+              <a:ext uri="{FF2B5EF4-FFF2-40B4-BE49-F238E27FC236}">
+                <a16:creationId xmlns:a16="http://schemas.microsoft.com/office/drawing/2014/main" id="{CDED370D-7969-4DB5-7904-00CF6E3E7DFC}"/>
+              </a:ext>
+            </a:extLst>
+          </p:cNvPr>
+          <p:cNvPicPr>
+            <a:picLocks noChangeAspect="1"/>
+          </p:cNvPicPr>
+          <p:nvPr/>
+        </p:nvPicPr>
+        <p:blipFill>
+          <a:blip r:embed="rId17">
+            <a:extLst>
+              <a:ext uri="{96DAC541-7B7A-43D3-8B79-37D633B846F1}">
+                <asvg:svgBlip xmlns:asvg="http://schemas.microsoft.com/office/drawing/2016/SVG/main" r:embed="rId18"/>
+              </a:ext>
+            </a:extLst>
+          </a:blip>
+          <a:stretch>
+            <a:fillRect/>
+          </a:stretch>
+        </p:blipFill>
+        <p:spPr>
+          <a:xfrm>
+            <a:off x="4115803" y="1822211"/>
+            <a:ext cx="334800" cy="334800"/>
+          </a:xfrm>
+          <a:prstGeom prst="rect">
+            <a:avLst/>
+          </a:prstGeom>
+        </p:spPr>
+      </p:pic>
+      <p:sp>
+        <p:nvSpPr>
+          <p:cNvPr id="6" name="Text Box 270">
+            <a:extLst>
+              <a:ext uri="{FF2B5EF4-FFF2-40B4-BE49-F238E27FC236}">
+                <a16:creationId xmlns:a16="http://schemas.microsoft.com/office/drawing/2014/main" id="{F980E266-CF95-BCB2-F315-2E63F8AA5CA1}"/>
+              </a:ext>
+            </a:extLst>
+          </p:cNvPr>
+          <p:cNvSpPr txBox="1">
+            <a:spLocks noChangeArrowheads="1"/>
+          </p:cNvSpPr>
+          <p:nvPr/>
+        </p:nvSpPr>
+        <p:spPr bwMode="auto">
+          <a:xfrm>
+            <a:off x="3806341" y="1856105"/>
+            <a:ext cx="419100" cy="314325"/>
+          </a:xfrm>
+          <a:prstGeom prst="rect">
+            <a:avLst/>
+          </a:prstGeom>
+          <a:noFill/>
+          <a:ln>
+            <a:noFill/>
+          </a:ln>
+          <a:extLst>
+            <a:ext uri="{909E8E84-426E-40DD-AFC4-6F175D3DCCD1}">
+              <a14:hiddenFill xmlns:a14="http://schemas.microsoft.com/office/drawing/2010/main">
+                <a:solidFill>
+                  <a:srgbClr val="FFFFFF"/>
+                </a:solidFill>
+              </a14:hiddenFill>
+            </a:ext>
+            <a:ext uri="{91240B29-F687-4F45-9708-019B960494DF}">
+              <a14:hiddenLine xmlns:a14="http://schemas.microsoft.com/office/drawing/2010/main" w="9525">
+                <a:solidFill>
+                  <a:srgbClr val="000000"/>
+                </a:solidFill>
+                <a:miter lim="800000"/>
+                <a:headEnd/>
+                <a:tailEnd/>
+              </a14:hiddenLine>
+            </a:ext>
+          </a:extLst>
+        </p:spPr>
+        <p:txBody>
+          <a:bodyPr vert="horz" wrap="square" lIns="91440" tIns="45720" rIns="91440" bIns="45720" numCol="1" anchor="t" anchorCtr="0" compatLnSpc="1">
+            <a:prstTxWarp prst="textNoShape">
+              <a:avLst/>
+            </a:prstTxWarp>
+          </a:bodyPr>
+          <a:lstStyle/>
+          <a:p>
+            <a:pPr marL="0" marR="0" lvl="0" indent="0" algn="l" defTabSz="914400" rtl="0" eaLnBrk="0" fontAlgn="base" latinLnBrk="0" hangingPunct="0">
+              <a:lnSpc>
+                <a:spcPct val="100000"/>
+              </a:lnSpc>
+              <a:spcBef>
+                <a:spcPct val="0"/>
+              </a:spcBef>
+              <a:spcAft>
+                <a:spcPct val="0"/>
+              </a:spcAft>
+              <a:buClrTx/>
+              <a:buSzTx/>
+              <a:buFontTx/>
+              <a:buNone/>
+              <a:tabLst/>
+            </a:pPr>
+            <a:r>
+              <a:rPr kumimoji="0" lang="de-DE" altLang="de-DE" sz="1000" b="0" i="0" u="none" strike="noStrike" cap="none" normalizeH="0" baseline="0" dirty="0">
+                <a:ln>
+                  <a:noFill/>
+                </a:ln>
+                <a:solidFill>
+                  <a:schemeClr val="tx1"/>
+                </a:solidFill>
+                <a:effectLst/>
+                <a:latin typeface="Arial" panose="020B0604020202020204" pitchFamily="34" charset="0"/>
+                <a:ea typeface="Aptos" panose="020B0004020202020204" pitchFamily="34" charset="0"/>
+                <a:cs typeface="Arial" panose="020B0604020202020204" pitchFamily="34" charset="0"/>
+              </a:rPr>
+              <a:t>WC</a:t>
+            </a:r>
+            <a:endParaRPr kumimoji="0" lang="de-DE" altLang="de-DE" sz="1800" b="0" i="0" u="none" strike="noStrike" cap="none" normalizeH="0" baseline="0" dirty="0">
+              <a:ln>
+                <a:noFill/>
+              </a:ln>
+              <a:solidFill>
+                <a:schemeClr val="tx1"/>
+              </a:solidFill>
+              <a:effectLst/>
               <a:latin typeface="Arial" panose="020B0604020202020204" pitchFamily="34" charset="0"/>
               <a:cs typeface="Arial" panose="020B0604020202020204" pitchFamily="34" charset="0"/>
             </a:endParaRPr>

--- a/Website_TdA_2024.pptx
+++ b/Website_TdA_2024.pptx
@@ -2421,7 +2421,7 @@
           <a:p>
             <a:fld id="{326D799F-86D4-4539-9CF8-30237CED92B1}" type="datetimeFigureOut">
               <a:rPr lang="de-DE" smtClean="0"/>
-              <a:t>13.09.2024</a:t>
+              <a:t>30.06.2025</a:t>
             </a:fld>
             <a:endParaRPr lang="de-DE"/>
           </a:p>
@@ -2772,6 +2772,90 @@
 </p:notes>
 </file>
 
+<file path=ppt/notesSlides/notesSlide2.xml><?xml version="1.0" encoding="utf-8"?>
+<p:notes xmlns:a="http://schemas.openxmlformats.org/drawingml/2006/main" xmlns:r="http://schemas.openxmlformats.org/officeDocument/2006/relationships" xmlns:p="http://schemas.openxmlformats.org/presentationml/2006/main">
+  <p:cSld>
+    <p:spTree>
+      <p:nvGrpSpPr>
+        <p:cNvPr id="1" name=""/>
+        <p:cNvGrpSpPr/>
+        <p:nvPr/>
+      </p:nvGrpSpPr>
+      <p:grpSpPr>
+        <a:xfrm>
+          <a:off x="0" y="0"/>
+          <a:ext cx="0" cy="0"/>
+          <a:chOff x="0" y="0"/>
+          <a:chExt cx="0" cy="0"/>
+        </a:xfrm>
+      </p:grpSpPr>
+      <p:sp>
+        <p:nvSpPr>
+          <p:cNvPr id="2" name="Folienbildplatzhalter 1"/>
+          <p:cNvSpPr>
+            <a:spLocks noGrp="1" noRot="1" noChangeAspect="1"/>
+          </p:cNvSpPr>
+          <p:nvPr>
+            <p:ph type="sldImg"/>
+          </p:nvPr>
+        </p:nvSpPr>
+        <p:spPr/>
+      </p:sp>
+      <p:sp>
+        <p:nvSpPr>
+          <p:cNvPr id="3" name="Notizenplatzhalter 2"/>
+          <p:cNvSpPr>
+            <a:spLocks noGrp="1"/>
+          </p:cNvSpPr>
+          <p:nvPr>
+            <p:ph type="body" idx="1"/>
+          </p:nvPr>
+        </p:nvSpPr>
+        <p:spPr/>
+        <p:txBody>
+          <a:bodyPr/>
+          <a:lstStyle/>
+          <a:p>
+            <a:endParaRPr lang="de-DE" dirty="0"/>
+          </a:p>
+        </p:txBody>
+      </p:sp>
+      <p:sp>
+        <p:nvSpPr>
+          <p:cNvPr id="4" name="Foliennummernplatzhalter 3"/>
+          <p:cNvSpPr>
+            <a:spLocks noGrp="1"/>
+          </p:cNvSpPr>
+          <p:nvPr>
+            <p:ph type="sldNum" sz="quarter" idx="5"/>
+          </p:nvPr>
+        </p:nvSpPr>
+        <p:spPr/>
+        <p:txBody>
+          <a:bodyPr/>
+          <a:lstStyle/>
+          <a:p>
+            <a:fld id="{F575BD89-6429-4781-97D3-A88321174C62}" type="slidenum">
+              <a:rPr lang="de-DE" smtClean="0"/>
+              <a:t>8</a:t>
+            </a:fld>
+            <a:endParaRPr lang="de-DE"/>
+          </a:p>
+        </p:txBody>
+      </p:sp>
+    </p:spTree>
+    <p:extLst>
+      <p:ext uri="{BB962C8B-B14F-4D97-AF65-F5344CB8AC3E}">
+        <p14:creationId xmlns:p14="http://schemas.microsoft.com/office/powerpoint/2010/main" val="1672373090"/>
+      </p:ext>
+    </p:extLst>
+  </p:cSld>
+  <p:clrMapOvr>
+    <a:masterClrMapping/>
+  </p:clrMapOvr>
+</p:notes>
+</file>
+
 <file path=ppt/slideLayouts/slideLayout1.xml><?xml version="1.0" encoding="utf-8"?>
 <p:sldLayout xmlns:a="http://schemas.openxmlformats.org/drawingml/2006/main" xmlns:r="http://schemas.openxmlformats.org/officeDocument/2006/relationships" xmlns:p="http://schemas.openxmlformats.org/presentationml/2006/main" type="title" preserve="1">
   <p:cSld name="Titelfolie">
@@ -2919,7 +3003,7 @@
           <a:p>
             <a:fld id="{5F34389D-718A-4B70-99B4-5B2AAB6EE550}" type="datetimeFigureOut">
               <a:rPr lang="de-DE" smtClean="0"/>
-              <a:t>13.09.2024</a:t>
+              <a:t>30.06.2025</a:t>
             </a:fld>
             <a:endParaRPr lang="de-DE"/>
           </a:p>
@@ -3117,7 +3201,7 @@
           <a:p>
             <a:fld id="{5F34389D-718A-4B70-99B4-5B2AAB6EE550}" type="datetimeFigureOut">
               <a:rPr lang="de-DE" smtClean="0"/>
-              <a:t>13.09.2024</a:t>
+              <a:t>30.06.2025</a:t>
             </a:fld>
             <a:endParaRPr lang="de-DE"/>
           </a:p>
@@ -3325,7 +3409,7 @@
           <a:p>
             <a:fld id="{5F34389D-718A-4B70-99B4-5B2AAB6EE550}" type="datetimeFigureOut">
               <a:rPr lang="de-DE" smtClean="0"/>
-              <a:t>13.09.2024</a:t>
+              <a:t>30.06.2025</a:t>
             </a:fld>
             <a:endParaRPr lang="de-DE"/>
           </a:p>
@@ -3523,7 +3607,7 @@
           <a:p>
             <a:fld id="{5F34389D-718A-4B70-99B4-5B2AAB6EE550}" type="datetimeFigureOut">
               <a:rPr lang="de-DE" smtClean="0"/>
-              <a:t>13.09.2024</a:t>
+              <a:t>30.06.2025</a:t>
             </a:fld>
             <a:endParaRPr lang="de-DE"/>
           </a:p>
@@ -3798,7 +3882,7 @@
           <a:p>
             <a:fld id="{5F34389D-718A-4B70-99B4-5B2AAB6EE550}" type="datetimeFigureOut">
               <a:rPr lang="de-DE" smtClean="0"/>
-              <a:t>13.09.2024</a:t>
+              <a:t>30.06.2025</a:t>
             </a:fld>
             <a:endParaRPr lang="de-DE"/>
           </a:p>
@@ -4063,7 +4147,7 @@
           <a:p>
             <a:fld id="{5F34389D-718A-4B70-99B4-5B2AAB6EE550}" type="datetimeFigureOut">
               <a:rPr lang="de-DE" smtClean="0"/>
-              <a:t>13.09.2024</a:t>
+              <a:t>30.06.2025</a:t>
             </a:fld>
             <a:endParaRPr lang="de-DE"/>
           </a:p>
@@ -4475,7 +4559,7 @@
           <a:p>
             <a:fld id="{5F34389D-718A-4B70-99B4-5B2AAB6EE550}" type="datetimeFigureOut">
               <a:rPr lang="de-DE" smtClean="0"/>
-              <a:t>13.09.2024</a:t>
+              <a:t>30.06.2025</a:t>
             </a:fld>
             <a:endParaRPr lang="de-DE"/>
           </a:p>
@@ -4616,7 +4700,7 @@
           <a:p>
             <a:fld id="{5F34389D-718A-4B70-99B4-5B2AAB6EE550}" type="datetimeFigureOut">
               <a:rPr lang="de-DE" smtClean="0"/>
-              <a:t>13.09.2024</a:t>
+              <a:t>30.06.2025</a:t>
             </a:fld>
             <a:endParaRPr lang="de-DE"/>
           </a:p>
@@ -4729,7 +4813,7 @@
           <a:p>
             <a:fld id="{5F34389D-718A-4B70-99B4-5B2AAB6EE550}" type="datetimeFigureOut">
               <a:rPr lang="de-DE" smtClean="0"/>
-              <a:t>13.09.2024</a:t>
+              <a:t>30.06.2025</a:t>
             </a:fld>
             <a:endParaRPr lang="de-DE"/>
           </a:p>
@@ -5040,7 +5124,7 @@
           <a:p>
             <a:fld id="{5F34389D-718A-4B70-99B4-5B2AAB6EE550}" type="datetimeFigureOut">
               <a:rPr lang="de-DE" smtClean="0"/>
-              <a:t>13.09.2024</a:t>
+              <a:t>30.06.2025</a:t>
             </a:fld>
             <a:endParaRPr lang="de-DE"/>
           </a:p>
@@ -5328,7 +5412,7 @@
           <a:p>
             <a:fld id="{5F34389D-718A-4B70-99B4-5B2AAB6EE550}" type="datetimeFigureOut">
               <a:rPr lang="de-DE" smtClean="0"/>
-              <a:t>13.09.2024</a:t>
+              <a:t>30.06.2025</a:t>
             </a:fld>
             <a:endParaRPr lang="de-DE"/>
           </a:p>
@@ -5569,7 +5653,7 @@
           <a:p>
             <a:fld id="{5F34389D-718A-4B70-99B4-5B2AAB6EE550}" type="datetimeFigureOut">
               <a:rPr lang="de-DE" smtClean="0"/>
-              <a:t>13.09.2024</a:t>
+              <a:t>30.06.2025</a:t>
             </a:fld>
             <a:endParaRPr lang="de-DE"/>
           </a:p>
@@ -6056,16 +6140,8 @@
           <a:lstStyle/>
           <a:p>
             <a:r>
-              <a:rPr lang="de-DE" dirty="0"/>
-              <a:t>Konzepte und Ideen zur Website </a:t>
-            </a:r>
-            <a:r>
-              <a:rPr lang="de-DE" dirty="0" err="1"/>
-              <a:t>TdA</a:t>
-            </a:r>
-            <a:r>
-              <a:rPr lang="de-DE" dirty="0"/>
-              <a:t> 2024</a:t>
+              <a:rPr lang="de-DE" noProof="1"/>
+              <a:t>Konzepte und Ideen zur Website TdA 2024</a:t>
             </a:r>
           </a:p>
         </p:txBody>
@@ -6091,7 +6167,7 @@
           <a:bodyPr/>
           <a:lstStyle/>
           <a:p>
-            <a:endParaRPr lang="de-DE"/>
+            <a:endParaRPr lang="de-DE" noProof="1"/>
           </a:p>
         </p:txBody>
       </p:sp>
@@ -6224,7 +6300,7 @@
           <a:lstStyle/>
           <a:p>
             <a:r>
-              <a:rPr lang="de-DE" dirty="0"/>
+              <a:rPr lang="de-DE" noProof="1"/>
               <a:t>Eingang</a:t>
             </a:r>
           </a:p>
@@ -6259,7 +6335,7 @@
           <a:lstStyle/>
           <a:p>
             <a:r>
-              <a:rPr lang="de-DE" dirty="0"/>
+              <a:rPr lang="de-DE" noProof="1"/>
               <a:t>INF</a:t>
             </a:r>
           </a:p>
@@ -6294,7 +6370,7 @@
           <a:lstStyle/>
           <a:p>
             <a:r>
-              <a:rPr lang="de-DE" dirty="0"/>
+              <a:rPr lang="de-DE" noProof="1"/>
               <a:t>ET</a:t>
             </a:r>
           </a:p>
@@ -6329,7 +6405,7 @@
           <a:lstStyle/>
           <a:p>
             <a:r>
-              <a:rPr lang="de-DE" dirty="0"/>
+              <a:rPr lang="de-DE" noProof="1"/>
               <a:t>Mensa</a:t>
             </a:r>
           </a:p>
@@ -6364,7 +6440,7 @@
           <a:lstStyle/>
           <a:p>
             <a:r>
-              <a:rPr lang="de-DE" dirty="0"/>
+              <a:rPr lang="de-DE" noProof="1"/>
               <a:t>Gewinnspiel</a:t>
             </a:r>
           </a:p>
@@ -6399,10 +6475,9 @@
           <a:lstStyle/>
           <a:p>
             <a:r>
-              <a:rPr lang="de-DE" dirty="0" err="1"/>
+              <a:rPr lang="de-DE" noProof="1"/>
               <a:t>WIng</a:t>
             </a:r>
-            <a:endParaRPr lang="de-DE" dirty="0"/>
           </a:p>
         </p:txBody>
       </p:sp>
@@ -6435,10 +6510,9 @@
           <a:lstStyle/>
           <a:p>
             <a:r>
-              <a:rPr lang="de-DE" sz="1600" dirty="0" err="1"/>
+              <a:rPr lang="de-DE" sz="1600" noProof="1"/>
               <a:t>IKfm</a:t>
             </a:r>
-            <a:endParaRPr lang="de-DE" sz="1600" dirty="0"/>
           </a:p>
         </p:txBody>
       </p:sp>
@@ -6471,7 +6545,7 @@
           <a:lstStyle/>
           <a:p>
             <a:r>
-              <a:rPr lang="de-DE" sz="1600" dirty="0"/>
+              <a:rPr lang="de-DE" sz="1600" noProof="1"/>
               <a:t>TPD</a:t>
             </a:r>
           </a:p>
@@ -6506,13 +6580,13 @@
           <a:lstStyle/>
           <a:p>
             <a:r>
-              <a:rPr lang="de-DE" sz="1600" dirty="0"/>
+              <a:rPr lang="de-DE" sz="1600" noProof="1"/>
               <a:t>Mechatronik/</a:t>
             </a:r>
           </a:p>
           <a:p>
             <a:r>
-              <a:rPr lang="de-DE" sz="1600" dirty="0"/>
+              <a:rPr lang="de-DE" sz="1600" noProof="1"/>
               <a:t>Elektroniker</a:t>
             </a:r>
           </a:p>
@@ -6547,7 +6621,7 @@
           <a:lstStyle/>
           <a:p>
             <a:r>
-              <a:rPr lang="de-DE" sz="1600" dirty="0"/>
+              <a:rPr lang="de-DE" sz="1600" noProof="1"/>
               <a:t>MB</a:t>
             </a:r>
           </a:p>
@@ -6582,13 +6656,13 @@
           <a:lstStyle/>
           <a:p>
             <a:r>
-              <a:rPr lang="de-DE" sz="1600" dirty="0"/>
+              <a:rPr lang="de-DE" sz="1600" noProof="1"/>
               <a:t>Mechaniker/</a:t>
             </a:r>
           </a:p>
           <a:p>
             <a:r>
-              <a:rPr lang="de-DE" sz="1600" dirty="0"/>
+              <a:rPr lang="de-DE" sz="1600" noProof="1"/>
               <a:t>Anlagenführer, etc.</a:t>
             </a:r>
           </a:p>
@@ -6818,7 +6892,7 @@
           <a:lstStyle/>
           <a:p>
             <a:r>
-              <a:rPr lang="de-DE" dirty="0"/>
+              <a:rPr lang="de-DE" noProof="1"/>
               <a:t>Erster Entwurf des Lageplans</a:t>
             </a:r>
           </a:p>
@@ -6876,12 +6950,8 @@
           <a:lstStyle/>
           <a:p>
             <a:r>
-              <a:rPr lang="de-DE" dirty="0" err="1"/>
-              <a:t>Klickdummy</a:t>
-            </a:r>
-            <a:r>
-              <a:rPr lang="de-DE" dirty="0"/>
-              <a:t> (V 0.1)</a:t>
+              <a:rPr lang="de-DE" noProof="1"/>
+              <a:t>Klickdummy (V 0.1)</a:t>
             </a:r>
           </a:p>
         </p:txBody>
@@ -6908,39 +6978,27 @@
           <a:lstStyle/>
           <a:p>
             <a:r>
-              <a:rPr lang="de-DE" dirty="0"/>
+              <a:rPr lang="de-DE" noProof="1"/>
               <a:t>Mit </a:t>
             </a:r>
             <a:r>
-              <a:rPr lang="de-DE" i="1" dirty="0" err="1"/>
-              <a:t>STRG+Klick</a:t>
+              <a:rPr lang="de-DE" i="1" noProof="1"/>
+              <a:t>STRG+Klick </a:t>
             </a:r>
             <a:r>
-              <a:rPr lang="de-DE" i="1" dirty="0"/>
-              <a:t> </a:t>
-            </a:r>
-            <a:r>
-              <a:rPr lang="de-DE" dirty="0"/>
+              <a:rPr lang="de-DE" noProof="1"/>
               <a:t>zwischen den Funktionen der Website navigieren</a:t>
             </a:r>
           </a:p>
           <a:p>
             <a:r>
-              <a:rPr lang="de-DE" dirty="0"/>
-              <a:t>Beim </a:t>
+              <a:rPr lang="de-DE" noProof="1"/>
+              <a:t>Beim Hovern über das Bild werden klickbare Elemente angezeigt</a:t>
             </a:r>
+          </a:p>
+          <a:p>
             <a:r>
-              <a:rPr lang="de-DE" dirty="0" err="1"/>
-              <a:t>Hovern</a:t>
-            </a:r>
-            <a:r>
-              <a:rPr lang="de-DE" dirty="0"/>
-              <a:t> über das Bild werden klickbare Elemente angezeigt</a:t>
-            </a:r>
-          </a:p>
-          <a:p>
-            <a:r>
-              <a:rPr lang="de-DE" dirty="0"/>
+              <a:rPr lang="de-DE" noProof="1"/>
               <a:t>Die dargestellte Karte soll sich später zoomen und verschieben lassen</a:t>
             </a:r>
           </a:p>
@@ -7018,7 +7076,7 @@
           <a:lstStyle/>
           <a:p>
             <a:pPr algn="ctr"/>
-            <a:endParaRPr lang="de-DE"/>
+            <a:endParaRPr lang="de-DE" noProof="1"/>
           </a:p>
         </p:txBody>
       </p:sp>
@@ -7123,10 +7181,9 @@
           <a:lstStyle/>
           <a:p>
             <a:r>
-              <a:rPr lang="de-DE" dirty="0" err="1"/>
+              <a:rPr lang="de-DE" noProof="1"/>
               <a:t>Klickdummy</a:t>
             </a:r>
-            <a:endParaRPr lang="de-DE" dirty="0"/>
           </a:p>
         </p:txBody>
       </p:sp>
@@ -7180,7 +7237,7 @@
           <a:lstStyle/>
           <a:p>
             <a:pPr algn="ctr"/>
-            <a:endParaRPr lang="de-DE"/>
+            <a:endParaRPr lang="de-DE" noProof="1"/>
           </a:p>
         </p:txBody>
       </p:sp>
@@ -7317,10 +7374,9 @@
           <a:lstStyle/>
           <a:p>
             <a:r>
-              <a:rPr lang="de-DE" dirty="0" err="1"/>
+              <a:rPr lang="de-DE" noProof="1"/>
               <a:t>Klickdummy</a:t>
             </a:r>
-            <a:endParaRPr lang="de-DE" dirty="0"/>
           </a:p>
         </p:txBody>
       </p:sp>
@@ -7413,7 +7469,7 @@
           <a:bodyPr rtlCol="0" anchor="ctr"/>
           <a:lstStyle/>
           <a:p>
-            <a:endParaRPr lang="de-DE" sz="1600" dirty="0">
+            <a:endParaRPr lang="de-DE" sz="1600" noProof="1">
               <a:solidFill>
                 <a:schemeClr val="tx1"/>
               </a:solidFill>
@@ -7421,7 +7477,7 @@
           </a:p>
           <a:p>
             <a:r>
-              <a:rPr lang="de-DE" sz="1600" b="1" dirty="0">
+              <a:rPr lang="de-DE" sz="1600" b="1" noProof="1">
                 <a:solidFill>
                   <a:schemeClr val="tx1"/>
                 </a:solidFill>
@@ -7431,7 +7487,7 @@
           </a:p>
           <a:p>
             <a:r>
-              <a:rPr lang="de-DE" sz="1600" dirty="0">
+              <a:rPr lang="de-DE" sz="1600" noProof="1">
                 <a:solidFill>
                   <a:schemeClr val="tx1"/>
                 </a:solidFill>
@@ -7441,7 +7497,7 @@
           </a:p>
           <a:p>
             <a:r>
-              <a:rPr lang="de-DE" sz="1600" dirty="0">
+              <a:rPr lang="de-DE" sz="1600" noProof="1">
                 <a:solidFill>
                   <a:schemeClr val="tx1"/>
                 </a:solidFill>
@@ -7449,7 +7505,7 @@
               <a:t>- </a:t>
             </a:r>
             <a:r>
-              <a:rPr lang="de-DE" sz="1600" dirty="0">
+              <a:rPr lang="de-DE" sz="1600" noProof="1">
                 <a:solidFill>
                   <a:schemeClr val="tx1"/>
                 </a:solidFill>
@@ -7457,7 +7513,7 @@
               </a:rPr>
               <a:t>Mechatroniker</a:t>
             </a:r>
-            <a:endParaRPr lang="de-DE" sz="1600" dirty="0">
+            <a:endParaRPr lang="de-DE" sz="1600" noProof="1">
               <a:solidFill>
                 <a:schemeClr val="tx1"/>
               </a:solidFill>
@@ -7465,7 +7521,7 @@
           </a:p>
           <a:p>
             <a:r>
-              <a:rPr lang="de-DE" sz="1600" dirty="0">
+              <a:rPr lang="de-DE" sz="1600" noProof="1">
                 <a:solidFill>
                   <a:schemeClr val="tx1"/>
                 </a:solidFill>
@@ -7475,7 +7531,7 @@
           </a:p>
           <a:p>
             <a:r>
-              <a:rPr lang="de-DE" sz="1600" dirty="0">
+              <a:rPr lang="de-DE" sz="1600" noProof="1">
                 <a:solidFill>
                   <a:schemeClr val="tx1"/>
                 </a:solidFill>
@@ -7485,7 +7541,7 @@
           </a:p>
           <a:p>
             <a:r>
-              <a:rPr lang="de-DE" sz="1600" dirty="0">
+              <a:rPr lang="de-DE" sz="1600" noProof="1">
                 <a:solidFill>
                   <a:schemeClr val="tx1"/>
                 </a:solidFill>
@@ -7494,7 +7550,7 @@
             </a:r>
           </a:p>
           <a:p>
-            <a:endParaRPr lang="de-DE" sz="1600" b="1" dirty="0">
+            <a:endParaRPr lang="de-DE" sz="1600" b="1" noProof="1">
               <a:solidFill>
                 <a:schemeClr val="tx1"/>
               </a:solidFill>
@@ -7502,7 +7558,7 @@
           </a:p>
           <a:p>
             <a:r>
-              <a:rPr lang="de-DE" sz="1600" b="1" dirty="0">
+              <a:rPr lang="de-DE" sz="1600" b="1" noProof="1">
                 <a:solidFill>
                   <a:schemeClr val="tx1"/>
                 </a:solidFill>
@@ -7512,7 +7568,7 @@
           </a:p>
           <a:p>
             <a:r>
-              <a:rPr lang="de-DE" sz="1600" dirty="0">
+              <a:rPr lang="de-DE" sz="1600" noProof="1">
                 <a:solidFill>
                   <a:schemeClr val="tx1"/>
                 </a:solidFill>
@@ -7522,7 +7578,7 @@
           </a:p>
           <a:p>
             <a:r>
-              <a:rPr lang="de-DE" sz="1600" dirty="0">
+              <a:rPr lang="de-DE" sz="1600" noProof="1">
                 <a:solidFill>
                   <a:schemeClr val="tx1"/>
                 </a:solidFill>
@@ -7532,7 +7588,7 @@
           </a:p>
           <a:p>
             <a:r>
-              <a:rPr lang="de-DE" sz="1600" dirty="0">
+              <a:rPr lang="de-DE" sz="1600" noProof="1">
                 <a:solidFill>
                   <a:schemeClr val="tx1"/>
                 </a:solidFill>
@@ -7542,7 +7598,7 @@
           </a:p>
           <a:p>
             <a:r>
-              <a:rPr lang="de-DE" sz="1600" dirty="0">
+              <a:rPr lang="de-DE" sz="1600" noProof="1">
                 <a:solidFill>
                   <a:schemeClr val="tx1"/>
                 </a:solidFill>
@@ -7552,7 +7608,7 @@
           </a:p>
           <a:p>
             <a:r>
-              <a:rPr lang="de-DE" sz="1600" dirty="0">
+              <a:rPr lang="de-DE" sz="1600" noProof="1">
                 <a:solidFill>
                   <a:schemeClr val="tx1"/>
                 </a:solidFill>
@@ -7561,7 +7617,7 @@
             </a:r>
           </a:p>
           <a:p>
-            <a:endParaRPr lang="de-DE" sz="1600" dirty="0">
+            <a:endParaRPr lang="de-DE" sz="1600" noProof="1">
               <a:solidFill>
                 <a:schemeClr val="tx1"/>
               </a:solidFill>
@@ -7619,7 +7675,7 @@
           <a:lstStyle/>
           <a:p>
             <a:pPr algn="ctr"/>
-            <a:endParaRPr lang="de-DE"/>
+            <a:endParaRPr lang="de-DE" noProof="1"/>
           </a:p>
         </p:txBody>
       </p:sp>
@@ -7756,10 +7812,9 @@
           <a:lstStyle/>
           <a:p>
             <a:r>
-              <a:rPr lang="de-DE" dirty="0" err="1"/>
+              <a:rPr lang="de-DE" noProof="1"/>
               <a:t>Klickdummy</a:t>
             </a:r>
-            <a:endParaRPr lang="de-DE" dirty="0"/>
           </a:p>
         </p:txBody>
       </p:sp>
@@ -7850,7 +7905,7 @@
           <a:lstStyle/>
           <a:p>
             <a:pPr algn="ctr"/>
-            <a:endParaRPr lang="de-DE"/>
+            <a:endParaRPr lang="de-DE" noProof="1"/>
           </a:p>
         </p:txBody>
       </p:sp>
@@ -7933,7 +7988,7 @@
           <a:lstStyle/>
           <a:p>
             <a:pPr algn="ctr"/>
-            <a:endParaRPr lang="de-DE"/>
+            <a:endParaRPr lang="de-DE" noProof="1"/>
           </a:p>
         </p:txBody>
       </p:sp>
@@ -8070,10 +8125,9 @@
           <a:lstStyle/>
           <a:p>
             <a:r>
-              <a:rPr lang="de-DE" dirty="0" err="1"/>
+              <a:rPr lang="de-DE" noProof="1"/>
               <a:t>Klickdummy</a:t>
             </a:r>
-            <a:endParaRPr lang="de-DE" dirty="0"/>
           </a:p>
         </p:txBody>
       </p:sp>
@@ -8166,7 +8220,7 @@
           <a:bodyPr rtlCol="0" anchor="ctr"/>
           <a:lstStyle/>
           <a:p>
-            <a:endParaRPr lang="de-DE" sz="1600" dirty="0">
+            <a:endParaRPr lang="de-DE" sz="1600" noProof="1">
               <a:solidFill>
                 <a:schemeClr val="tx1"/>
               </a:solidFill>
@@ -8174,7 +8228,7 @@
           </a:p>
           <a:p>
             <a:r>
-              <a:rPr lang="de-DE" sz="1600" b="1" dirty="0">
+              <a:rPr lang="de-DE" sz="1600" b="1" noProof="1">
                 <a:solidFill>
                   <a:schemeClr val="tx1"/>
                 </a:solidFill>
@@ -8184,7 +8238,7 @@
           </a:p>
           <a:p>
             <a:r>
-              <a:rPr lang="de-DE" sz="1600" dirty="0">
+              <a:rPr lang="de-DE" sz="1600" noProof="1">
                 <a:solidFill>
                   <a:schemeClr val="tx1"/>
                 </a:solidFill>
@@ -8194,7 +8248,7 @@
           </a:p>
           <a:p>
             <a:r>
-              <a:rPr lang="de-DE" sz="1600" dirty="0">
+              <a:rPr lang="de-DE" sz="1600" noProof="1">
                 <a:solidFill>
                   <a:schemeClr val="tx1"/>
                 </a:solidFill>
@@ -8202,7 +8256,7 @@
               <a:t>- </a:t>
             </a:r>
             <a:r>
-              <a:rPr lang="de-DE" sz="1600" dirty="0">
+              <a:rPr lang="de-DE" sz="1600" noProof="1">
                 <a:solidFill>
                   <a:schemeClr val="tx1"/>
                 </a:solidFill>
@@ -8210,7 +8264,7 @@
               </a:rPr>
               <a:t>Mechatroniker</a:t>
             </a:r>
-            <a:endParaRPr lang="de-DE" sz="1600" dirty="0">
+            <a:endParaRPr lang="de-DE" sz="1600" noProof="1">
               <a:solidFill>
                 <a:schemeClr val="tx1"/>
               </a:solidFill>
@@ -8218,7 +8272,7 @@
           </a:p>
           <a:p>
             <a:r>
-              <a:rPr lang="de-DE" sz="1600" dirty="0">
+              <a:rPr lang="de-DE" sz="1600" noProof="1">
                 <a:solidFill>
                   <a:schemeClr val="tx1"/>
                 </a:solidFill>
@@ -8228,7 +8282,7 @@
           </a:p>
           <a:p>
             <a:r>
-              <a:rPr lang="de-DE" sz="1600" dirty="0">
+              <a:rPr lang="de-DE" sz="1600" noProof="1">
                 <a:solidFill>
                   <a:schemeClr val="tx1"/>
                 </a:solidFill>
@@ -8238,7 +8292,7 @@
           </a:p>
           <a:p>
             <a:r>
-              <a:rPr lang="de-DE" sz="1600" dirty="0">
+              <a:rPr lang="de-DE" sz="1600" noProof="1">
                 <a:solidFill>
                   <a:schemeClr val="tx1"/>
                 </a:solidFill>
@@ -8247,7 +8301,7 @@
             </a:r>
           </a:p>
           <a:p>
-            <a:endParaRPr lang="de-DE" sz="1600" b="1" dirty="0">
+            <a:endParaRPr lang="de-DE" sz="1600" b="1" noProof="1">
               <a:solidFill>
                 <a:schemeClr val="tx1"/>
               </a:solidFill>
@@ -8255,7 +8309,7 @@
           </a:p>
           <a:p>
             <a:r>
-              <a:rPr lang="de-DE" sz="1600" b="1" dirty="0">
+              <a:rPr lang="de-DE" sz="1600" b="1" noProof="1">
                 <a:solidFill>
                   <a:schemeClr val="tx1"/>
                 </a:solidFill>
@@ -8265,7 +8319,7 @@
           </a:p>
           <a:p>
             <a:r>
-              <a:rPr lang="de-DE" sz="1600" dirty="0">
+              <a:rPr lang="de-DE" sz="1600" noProof="1">
                 <a:solidFill>
                   <a:schemeClr val="tx1"/>
                 </a:solidFill>
@@ -8275,7 +8329,7 @@
           </a:p>
           <a:p>
             <a:r>
-              <a:rPr lang="de-DE" sz="1600" dirty="0">
+              <a:rPr lang="de-DE" sz="1600" noProof="1">
                 <a:solidFill>
                   <a:schemeClr val="tx1"/>
                 </a:solidFill>
@@ -8285,7 +8339,7 @@
           </a:p>
           <a:p>
             <a:r>
-              <a:rPr lang="de-DE" sz="1600" dirty="0">
+              <a:rPr lang="de-DE" sz="1600" noProof="1">
                 <a:solidFill>
                   <a:schemeClr val="tx1"/>
                 </a:solidFill>
@@ -8295,7 +8349,7 @@
           </a:p>
           <a:p>
             <a:r>
-              <a:rPr lang="de-DE" sz="1600" dirty="0">
+              <a:rPr lang="de-DE" sz="1600" noProof="1">
                 <a:solidFill>
                   <a:schemeClr val="tx1"/>
                 </a:solidFill>
@@ -8305,7 +8359,7 @@
           </a:p>
           <a:p>
             <a:r>
-              <a:rPr lang="de-DE" sz="1600" dirty="0">
+              <a:rPr lang="de-DE" sz="1600" noProof="1">
                 <a:solidFill>
                   <a:schemeClr val="tx1"/>
                 </a:solidFill>
@@ -8314,7 +8368,7 @@
             </a:r>
           </a:p>
           <a:p>
-            <a:endParaRPr lang="de-DE" sz="1600" dirty="0">
+            <a:endParaRPr lang="de-DE" sz="1600" noProof="1">
               <a:solidFill>
                 <a:schemeClr val="tx1"/>
               </a:solidFill>
@@ -8372,7 +8426,7 @@
           <a:lstStyle/>
           <a:p>
             <a:pPr algn="ctr"/>
-            <a:endParaRPr lang="de-DE"/>
+            <a:endParaRPr lang="de-DE" noProof="1"/>
           </a:p>
         </p:txBody>
       </p:sp>
@@ -8509,10 +8563,9 @@
           <a:lstStyle/>
           <a:p>
             <a:r>
-              <a:rPr lang="de-DE" dirty="0" err="1"/>
+              <a:rPr lang="de-DE" noProof="1"/>
               <a:t>Klickdummy</a:t>
             </a:r>
-            <a:endParaRPr lang="de-DE" dirty="0"/>
           </a:p>
         </p:txBody>
       </p:sp>
@@ -8611,7 +8664,7 @@
           <a:lstStyle/>
           <a:p>
             <a:pPr algn="ctr"/>
-            <a:endParaRPr lang="de-DE"/>
+            <a:endParaRPr lang="de-DE" noProof="1"/>
           </a:p>
         </p:txBody>
       </p:sp>
@@ -8673,16 +8726,16 @@
           <a:lstStyle/>
           <a:p>
             <a:r>
-              <a:rPr lang="de-DE" dirty="0">
+              <a:rPr lang="de-DE" noProof="1">
                 <a:hlinkClick r:id="rId4" action="ppaction://hlinksldjump"/>
               </a:rPr>
               <a:t>Zurück zur Website</a:t>
             </a:r>
-            <a:endParaRPr lang="de-DE" dirty="0"/>
+            <a:endParaRPr lang="de-DE" noProof="1"/>
           </a:p>
           <a:p>
             <a:r>
-              <a:rPr lang="de-DE" dirty="0"/>
+              <a:rPr lang="de-DE" noProof="1"/>
               <a:t>(Das hier Angezeigte ist die offizielle WAGO-Website)</a:t>
             </a:r>
           </a:p>
@@ -8745,10 +8798,9 @@
           <a:lstStyle/>
           <a:p>
             <a:r>
-              <a:rPr lang="de-DE" dirty="0" err="1"/>
+              <a:rPr lang="de-DE" noProof="1"/>
               <a:t>Klickdummy</a:t>
             </a:r>
-            <a:endParaRPr lang="de-DE" dirty="0"/>
           </a:p>
         </p:txBody>
       </p:sp>
@@ -8779,7 +8831,7 @@
           <a:lstStyle/>
           <a:p>
             <a:r>
-              <a:rPr lang="de-DE" dirty="0"/>
+              <a:rPr lang="de-DE" noProof="1"/>
               <a:t>Basis</a:t>
             </a:r>
           </a:p>
@@ -8872,7 +8924,7 @@
           <a:lstStyle/>
           <a:p>
             <a:pPr algn="ctr"/>
-            <a:endParaRPr lang="de-DE"/>
+            <a:endParaRPr lang="de-DE" noProof="1"/>
           </a:p>
         </p:txBody>
       </p:sp>
@@ -8928,7 +8980,7 @@
           <a:lstStyle/>
           <a:p>
             <a:r>
-              <a:rPr lang="de-DE" dirty="0"/>
+              <a:rPr lang="de-DE" noProof="1"/>
               <a:t>Anwendungszweck</a:t>
             </a:r>
           </a:p>
@@ -8956,21 +9008,13 @@
           <a:lstStyle/>
           <a:p>
             <a:r>
-              <a:rPr lang="de-DE" dirty="0"/>
-              <a:t>Interessierte kommen am </a:t>
+              <a:rPr lang="de-DE" noProof="1"/>
+              <a:t>Interessierte kommen am TdA zur WAGO, scannen einen QR-Code mit ihrem Smartphone, gelangen anschließend auf eine Website</a:t>
             </a:r>
+          </a:p>
+          <a:p>
             <a:r>
-              <a:rPr lang="de-DE" dirty="0" err="1"/>
-              <a:t>TdA</a:t>
-            </a:r>
-            <a:r>
-              <a:rPr lang="de-DE" dirty="0"/>
-              <a:t> zur WAGO, scannen einen QR-Code mit ihrem Smartphone, gelangen anschließend auf eine Website</a:t>
-            </a:r>
-          </a:p>
-          <a:p>
-            <a:r>
-              <a:rPr lang="de-DE" dirty="0"/>
+              <a:rPr lang="de-DE" noProof="1"/>
               <a:t>Auf der Website findet sich ein Plan (Vogelperspektive), auf dem das Ausbildungszentrum abgebildet ist und die unterschiedlichen Räume mit den darin vorgestellten Ausbildungs-/Studienberufen zu sehen sind.</a:t>
             </a:r>
           </a:p>
@@ -9028,7 +9072,7 @@
           <a:lstStyle/>
           <a:p>
             <a:r>
-              <a:rPr lang="de-DE" dirty="0"/>
+              <a:rPr lang="de-DE" noProof="1"/>
               <a:t>Anforderungen</a:t>
             </a:r>
           </a:p>
@@ -9056,33 +9100,25 @@
           <a:lstStyle/>
           <a:p>
             <a:r>
-              <a:rPr lang="de-DE" dirty="0"/>
+              <a:rPr lang="de-DE" noProof="1"/>
               <a:t>Website mit responsive Design (Smartphone optimiert)</a:t>
             </a:r>
           </a:p>
           <a:p>
             <a:r>
-              <a:rPr lang="de-DE" dirty="0"/>
+              <a:rPr lang="de-DE" noProof="1"/>
               <a:t>CI-Richtlinien </a:t>
             </a:r>
           </a:p>
           <a:p>
             <a:r>
-              <a:rPr lang="de-DE" dirty="0"/>
-              <a:t>Host auf </a:t>
+              <a:rPr lang="de-DE" noProof="1"/>
+              <a:t>Host auf Github-pages</a:t>
             </a:r>
+          </a:p>
+          <a:p>
             <a:r>
-              <a:rPr lang="de-DE" dirty="0" err="1"/>
-              <a:t>Github</a:t>
-            </a:r>
-            <a:r>
-              <a:rPr lang="de-DE" dirty="0"/>
-              <a:t>-pages</a:t>
-            </a:r>
-          </a:p>
-          <a:p>
-            <a:r>
-              <a:rPr lang="de-DE" dirty="0"/>
+              <a:rPr lang="de-DE" noProof="1"/>
               <a:t>Lageplan mit Ausbildung- und Studienberufen</a:t>
             </a:r>
           </a:p>
@@ -9145,10 +9181,9 @@
           <a:lstStyle/>
           <a:p>
             <a:r>
-              <a:rPr lang="de-DE" dirty="0" err="1"/>
+              <a:rPr lang="de-DE" noProof="1"/>
               <a:t>Toolchain</a:t>
             </a:r>
-            <a:endParaRPr lang="de-DE" dirty="0"/>
           </a:p>
         </p:txBody>
       </p:sp>
@@ -9179,63 +9214,43 @@
           <a:lstStyle/>
           <a:p>
             <a:r>
-              <a:rPr lang="de-DE" dirty="0"/>
+              <a:rPr lang="de-DE" noProof="1"/>
               <a:t>Website mit HTML, CSS, JS, ggf. Verwendung von Frameworks, WAGO CI</a:t>
             </a:r>
           </a:p>
           <a:p>
             <a:r>
-              <a:rPr lang="de-DE" dirty="0"/>
+              <a:rPr lang="de-DE" noProof="1"/>
               <a:t>Repo auf </a:t>
             </a:r>
             <a:r>
-              <a:rPr lang="de-DE" dirty="0" err="1">
+              <a:rPr lang="de-DE" noProof="1">
                 <a:hlinkClick r:id="rId2"/>
               </a:rPr>
-              <a:t>Github</a:t>
+              <a:t>Github Cloud</a:t>
             </a:r>
+            <a:endParaRPr lang="de-DE" noProof="1"/>
+          </a:p>
+          <a:p>
             <a:r>
-              <a:rPr lang="de-DE" dirty="0">
-                <a:hlinkClick r:id="rId2"/>
-              </a:rPr>
-              <a:t> Cloud</a:t>
-            </a:r>
-            <a:endParaRPr lang="de-DE" dirty="0"/>
-          </a:p>
-          <a:p>
-            <a:r>
-              <a:rPr lang="de-DE" dirty="0"/>
+              <a:rPr lang="de-DE" noProof="1"/>
               <a:t>Deploy auf </a:t>
             </a:r>
             <a:r>
-              <a:rPr lang="de-DE" dirty="0" err="1">
+              <a:rPr lang="de-DE" noProof="1">
                 <a:hlinkClick r:id="rId3"/>
               </a:rPr>
-              <a:t>Github</a:t>
+              <a:t>Github-Pages</a:t>
             </a:r>
             <a:r>
-              <a:rPr lang="de-DE" dirty="0">
-                <a:hlinkClick r:id="rId3"/>
-              </a:rPr>
-              <a:t>-Pages</a:t>
-            </a:r>
-            <a:r>
-              <a:rPr lang="de-DE" dirty="0"/>
+              <a:rPr lang="de-DE" noProof="1"/>
               <a:t> (Public)</a:t>
             </a:r>
           </a:p>
           <a:p>
             <a:r>
-              <a:rPr lang="de-DE" dirty="0"/>
-              <a:t>Internet über Mobile Daten oder </a:t>
-            </a:r>
-            <a:r>
-              <a:rPr lang="de-DE" dirty="0" err="1"/>
-              <a:t>wago.free.wifi</a:t>
-            </a:r>
-            <a:r>
-              <a:rPr lang="de-DE" dirty="0"/>
-              <a:t> (ggf. QR-Code dafür?!)</a:t>
+              <a:rPr lang="de-DE" noProof="1"/>
+              <a:t>Internet über Mobile Daten oder wago.free.wifi (ggf. QR-Code dafür?!)</a:t>
             </a:r>
           </a:p>
         </p:txBody>
@@ -9329,12 +9344,12 @@
           <a:lstStyle/>
           <a:p>
             <a:r>
-              <a:rPr lang="de-DE" dirty="0">
+              <a:rPr lang="de-DE" noProof="1">
                 <a:hlinkClick r:id="rId3"/>
               </a:rPr>
               <a:t>Lageplan Ausbildungszentrum</a:t>
             </a:r>
-            <a:endParaRPr lang="de-DE" dirty="0"/>
+            <a:endParaRPr lang="de-DE" noProof="1"/>
           </a:p>
         </p:txBody>
       </p:sp>
@@ -13129,12 +13144,12 @@
           <a:lstStyle/>
           <a:p>
             <a:r>
-              <a:rPr lang="de-DE" dirty="0">
+              <a:rPr lang="de-DE" noProof="1">
                 <a:hlinkClick r:id="rId3"/>
               </a:rPr>
               <a:t>Lageplan Ausbildungszentrum</a:t>
             </a:r>
-            <a:endParaRPr lang="de-DE" dirty="0"/>
+            <a:endParaRPr lang="de-DE" noProof="1"/>
           </a:p>
         </p:txBody>
       </p:sp>
@@ -13224,7 +13239,7 @@
           <a:lstStyle/>
           <a:p>
             <a:pPr algn="ctr"/>
-            <a:endParaRPr lang="de-DE" dirty="0"/>
+            <a:endParaRPr lang="de-DE" noProof="1"/>
           </a:p>
         </p:txBody>
       </p:sp>
@@ -13278,7 +13293,7 @@
           <a:lstStyle/>
           <a:p>
             <a:pPr algn="ctr"/>
-            <a:endParaRPr lang="de-DE"/>
+            <a:endParaRPr lang="de-DE" noProof="1"/>
           </a:p>
         </p:txBody>
       </p:sp>
@@ -13332,7 +13347,7 @@
           <a:lstStyle/>
           <a:p>
             <a:pPr algn="ctr"/>
-            <a:endParaRPr lang="de-DE"/>
+            <a:endParaRPr lang="de-DE" noProof="1"/>
           </a:p>
         </p:txBody>
       </p:sp>
@@ -13386,7 +13401,7 @@
           <a:lstStyle/>
           <a:p>
             <a:pPr algn="ctr"/>
-            <a:endParaRPr lang="de-DE"/>
+            <a:endParaRPr lang="de-DE" noProof="1"/>
           </a:p>
         </p:txBody>
       </p:sp>
@@ -13440,7 +13455,7 @@
           <a:lstStyle/>
           <a:p>
             <a:pPr algn="ctr"/>
-            <a:endParaRPr lang="de-DE"/>
+            <a:endParaRPr lang="de-DE" noProof="1"/>
           </a:p>
         </p:txBody>
       </p:sp>
@@ -13494,7 +13509,7 @@
           <a:lstStyle/>
           <a:p>
             <a:pPr algn="ctr"/>
-            <a:endParaRPr lang="de-DE"/>
+            <a:endParaRPr lang="de-DE" noProof="1"/>
           </a:p>
         </p:txBody>
       </p:sp>
@@ -13550,7 +13565,7 @@
           <a:lstStyle/>
           <a:p>
             <a:pPr algn="ctr"/>
-            <a:endParaRPr lang="de-DE"/>
+            <a:endParaRPr lang="de-DE" noProof="1"/>
           </a:p>
         </p:txBody>
       </p:sp>
@@ -17290,7 +17305,7 @@
           <a:lstStyle/>
           <a:p>
             <a:pPr algn="ctr"/>
-            <a:endParaRPr lang="de-DE"/>
+            <a:endParaRPr lang="de-DE" noProof="1"/>
           </a:p>
         </p:txBody>
       </p:sp>
@@ -17342,7 +17357,7 @@
           <a:lstStyle/>
           <a:p>
             <a:pPr algn="ctr"/>
-            <a:endParaRPr lang="de-DE"/>
+            <a:endParaRPr lang="de-DE" noProof="1"/>
           </a:p>
         </p:txBody>
       </p:sp>
@@ -17394,7 +17409,7 @@
           <a:lstStyle/>
           <a:p>
             <a:pPr algn="ctr"/>
-            <a:endParaRPr lang="de-DE"/>
+            <a:endParaRPr lang="de-DE" noProof="1"/>
           </a:p>
         </p:txBody>
       </p:sp>
@@ -17446,7 +17461,7 @@
           <a:lstStyle/>
           <a:p>
             <a:pPr algn="ctr"/>
-            <a:endParaRPr lang="de-DE"/>
+            <a:endParaRPr lang="de-DE" noProof="1"/>
           </a:p>
         </p:txBody>
       </p:sp>
@@ -17479,7 +17494,7 @@
           <a:lstStyle/>
           <a:p>
             <a:r>
-              <a:rPr lang="de-DE" sz="1400" dirty="0"/>
+              <a:rPr lang="de-DE" sz="1400" noProof="1"/>
               <a:t>Kein Zugang</a:t>
             </a:r>
           </a:p>
@@ -17514,7 +17529,7 @@
           <a:lstStyle/>
           <a:p>
             <a:r>
-              <a:rPr lang="de-DE" sz="1400" dirty="0"/>
+              <a:rPr lang="de-DE" sz="1400" noProof="1"/>
               <a:t>Kaufmännische</a:t>
             </a:r>
           </a:p>
@@ -17549,7 +17564,7 @@
           <a:lstStyle/>
           <a:p>
             <a:r>
-              <a:rPr lang="de-DE" sz="1400" dirty="0"/>
+              <a:rPr lang="de-DE" sz="1400" noProof="1"/>
               <a:t>Metaller</a:t>
             </a:r>
           </a:p>
@@ -17584,7 +17599,7 @@
           <a:lstStyle/>
           <a:p>
             <a:r>
-              <a:rPr lang="de-DE" sz="1400" dirty="0"/>
+              <a:rPr lang="de-DE" sz="1400" noProof="1"/>
               <a:t>Studium</a:t>
             </a:r>
           </a:p>
@@ -17640,7 +17655,7 @@
           <a:lstStyle/>
           <a:p>
             <a:pPr algn="ctr"/>
-            <a:endParaRPr lang="de-DE"/>
+            <a:endParaRPr lang="de-DE" noProof="1"/>
           </a:p>
         </p:txBody>
       </p:sp>
@@ -17692,7 +17707,7 @@
           <a:lstStyle/>
           <a:p>
             <a:pPr algn="ctr"/>
-            <a:endParaRPr lang="de-DE"/>
+            <a:endParaRPr lang="de-DE" noProof="1"/>
           </a:p>
         </p:txBody>
       </p:sp>
@@ -17725,7 +17740,7 @@
           <a:lstStyle/>
           <a:p>
             <a:r>
-              <a:rPr lang="de-DE" sz="1400" dirty="0"/>
+              <a:rPr lang="de-DE" sz="1400" noProof="1"/>
               <a:t>Elektroniker</a:t>
             </a:r>
           </a:p>
@@ -17779,7 +17794,7 @@
           <a:lstStyle/>
           <a:p>
             <a:pPr algn="ctr"/>
-            <a:endParaRPr lang="de-DE"/>
+            <a:endParaRPr lang="de-DE" noProof="1"/>
           </a:p>
         </p:txBody>
       </p:sp>
@@ -17812,7 +17827,7 @@
           <a:lstStyle/>
           <a:p>
             <a:r>
-              <a:rPr lang="de-DE" sz="1400" dirty="0"/>
+              <a:rPr lang="de-DE" sz="1400" noProof="1"/>
               <a:t>Sonstiges</a:t>
             </a:r>
           </a:p>
@@ -17871,7 +17886,7 @@
               <a:buFont typeface="Arial" panose="020B0604020202020204" pitchFamily="34" charset="0"/>
               <a:buChar char="•"/>
             </a:pPr>
-            <a:endParaRPr lang="de-DE" sz="700" dirty="0">
+            <a:endParaRPr lang="de-DE" sz="700" noProof="1">
               <a:solidFill>
                 <a:schemeClr val="tx1"/>
               </a:solidFill>
@@ -17885,7 +17900,7 @@
               <a:buChar char="•"/>
             </a:pPr>
             <a:r>
-              <a:rPr lang="de-DE" sz="700" dirty="0">
+              <a:rPr lang="de-DE" sz="700" noProof="1">
                 <a:solidFill>
                   <a:schemeClr val="tx1"/>
                 </a:solidFill>
@@ -17901,7 +17916,7 @@
               <a:buChar char="•"/>
             </a:pPr>
             <a:r>
-              <a:rPr lang="de-DE" sz="700" dirty="0">
+              <a:rPr lang="de-DE" sz="700" noProof="1">
                 <a:solidFill>
                   <a:schemeClr val="tx1"/>
                 </a:solidFill>
@@ -17917,7 +17932,7 @@
               <a:buChar char="•"/>
             </a:pPr>
             <a:r>
-              <a:rPr lang="de-DE" sz="700" dirty="0">
+              <a:rPr lang="de-DE" sz="700" noProof="1">
                 <a:solidFill>
                   <a:schemeClr val="tx1"/>
                 </a:solidFill>
@@ -17979,7 +17994,7 @@
           <a:lstStyle/>
           <a:p>
             <a:pPr algn="ctr"/>
-            <a:endParaRPr lang="de-DE"/>
+            <a:endParaRPr lang="de-DE" noProof="1"/>
           </a:p>
         </p:txBody>
       </p:sp>
@@ -18033,7 +18048,7 @@
           <a:lstStyle/>
           <a:p>
             <a:pPr algn="ctr"/>
-            <a:endParaRPr lang="de-DE"/>
+            <a:endParaRPr lang="de-DE" noProof="1"/>
           </a:p>
         </p:txBody>
       </p:sp>
@@ -18088,7 +18103,7 @@
           <a:p>
             <a:pPr algn="ctr"/>
             <a:r>
-              <a:rPr lang="de-DE" sz="700" dirty="0">
+              <a:rPr lang="de-DE" sz="700" noProof="1">
                 <a:solidFill>
                   <a:schemeClr val="tx1"/>
                 </a:solidFill>
@@ -18151,7 +18166,7 @@
           <a:p>
             <a:pPr algn="ctr"/>
             <a:r>
-              <a:rPr lang="de-DE" sz="700" dirty="0">
+              <a:rPr lang="de-DE" sz="700" noProof="1">
                 <a:solidFill>
                   <a:schemeClr val="tx1"/>
                 </a:solidFill>
@@ -18160,7 +18175,7 @@
               </a:rPr>
               <a:t>Fach-informatiker*</a:t>
             </a:r>
-            <a:endParaRPr lang="de-DE" sz="1600" dirty="0">
+            <a:endParaRPr lang="de-DE" sz="1600" noProof="1">
               <a:solidFill>
                 <a:schemeClr val="tx1"/>
               </a:solidFill>
@@ -18219,7 +18234,7 @@
           <a:p>
             <a:pPr algn="ctr"/>
             <a:r>
-              <a:rPr lang="de-DE" sz="700" dirty="0">
+              <a:rPr lang="de-DE" sz="700" noProof="1">
                 <a:solidFill>
                   <a:schemeClr val="tx1"/>
                 </a:solidFill>
@@ -18281,7 +18296,7 @@
           <a:lstStyle/>
           <a:p>
             <a:pPr algn="ctr"/>
-            <a:endParaRPr lang="de-DE"/>
+            <a:endParaRPr lang="de-DE" noProof="1"/>
           </a:p>
         </p:txBody>
       </p:sp>
@@ -18335,7 +18350,7 @@
           <a:lstStyle/>
           <a:p>
             <a:pPr algn="ctr"/>
-            <a:endParaRPr lang="de-DE"/>
+            <a:endParaRPr lang="de-DE" noProof="1"/>
           </a:p>
         </p:txBody>
       </p:sp>
@@ -18390,7 +18405,7 @@
           <a:p>
             <a:pPr algn="ctr"/>
             <a:r>
-              <a:rPr lang="de-DE" sz="700" dirty="0">
+              <a:rPr lang="de-DE" sz="700" noProof="1">
                 <a:solidFill>
                   <a:schemeClr val="tx1"/>
                 </a:solidFill>
@@ -18452,7 +18467,7 @@
           <a:lstStyle/>
           <a:p>
             <a:pPr algn="ctr"/>
-            <a:endParaRPr lang="de-DE"/>
+            <a:endParaRPr lang="de-DE" noProof="1"/>
           </a:p>
         </p:txBody>
       </p:sp>
@@ -18506,7 +18521,7 @@
           <a:lstStyle/>
           <a:p>
             <a:pPr algn="ctr"/>
-            <a:endParaRPr lang="de-DE"/>
+            <a:endParaRPr lang="de-DE" noProof="1"/>
           </a:p>
         </p:txBody>
       </p:sp>
@@ -18560,7 +18575,7 @@
           <a:lstStyle/>
           <a:p>
             <a:pPr algn="ctr"/>
-            <a:endParaRPr lang="de-DE"/>
+            <a:endParaRPr lang="de-DE" noProof="1"/>
           </a:p>
         </p:txBody>
       </p:sp>
@@ -18632,28 +18647,28 @@
           <a:lstStyle/>
           <a:p>
             <a:r>
-              <a:rPr lang="de-DE" dirty="0"/>
+              <a:rPr lang="de-DE" noProof="1"/>
               <a:t>HINWEIS: </a:t>
             </a:r>
           </a:p>
           <a:p>
             <a:r>
-              <a:rPr lang="de-DE" dirty="0"/>
+              <a:rPr lang="de-DE" noProof="1"/>
               <a:t>Auf der untersten Ebene liegt hinter den Gebäudeumrissen ein weißer Hintergrund</a:t>
             </a:r>
           </a:p>
           <a:p>
-            <a:endParaRPr lang="de-DE" dirty="0"/>
+            <a:endParaRPr lang="de-DE" noProof="1"/>
           </a:p>
           <a:p>
             <a:r>
-              <a:rPr lang="de-DE" dirty="0"/>
+              <a:rPr lang="de-DE" noProof="1"/>
               <a:t>EXPORT: </a:t>
             </a:r>
           </a:p>
           <a:p>
             <a:r>
-              <a:rPr lang="de-DE" dirty="0"/>
+              <a:rPr lang="de-DE" noProof="1"/>
               <a:t>Lageplan vollständig markieren &gt; Rechtsklick &gt; als Grafik speichern &gt; SVG</a:t>
             </a:r>
           </a:p>
@@ -18887,7 +18902,7 @@
           <a:lstStyle/>
           <a:p>
             <a:r>
-              <a:rPr lang="de-DE" sz="700" dirty="0">
+              <a:rPr lang="de-DE" sz="700" noProof="1">
                 <a:latin typeface="Arial" panose="020B0604020202020204" pitchFamily="34" charset="0"/>
                 <a:cs typeface="Arial" panose="020B0604020202020204" pitchFamily="34" charset="0"/>
               </a:rPr>
@@ -18970,7 +18985,7 @@
           <a:lstStyle/>
           <a:p>
             <a:r>
-              <a:rPr lang="de-DE" sz="700" dirty="0">
+              <a:rPr lang="de-DE" sz="700" noProof="1">
                 <a:latin typeface="Arial" panose="020B0604020202020204" pitchFamily="34" charset="0"/>
                 <a:cs typeface="Arial" panose="020B0604020202020204" pitchFamily="34" charset="0"/>
               </a:rPr>
@@ -19030,7 +19045,7 @@
           <a:p>
             <a:pPr algn="ctr"/>
             <a:r>
-              <a:rPr lang="de-DE" sz="700" dirty="0">
+              <a:rPr lang="de-DE" sz="700" noProof="1">
                 <a:solidFill>
                   <a:schemeClr val="tx1"/>
                 </a:solidFill>
@@ -19071,7 +19086,7 @@
           <a:lstStyle/>
           <a:p>
             <a:r>
-              <a:rPr lang="de-DE" sz="700" dirty="0">
+              <a:rPr lang="de-DE" sz="700" noProof="1">
                 <a:latin typeface="Arial" panose="020B0604020202020204" pitchFamily="34" charset="0"/>
                 <a:cs typeface="Arial" panose="020B0604020202020204" pitchFamily="34" charset="0"/>
               </a:rPr>
@@ -19130,7 +19145,7 @@
           <a:lstStyle/>
           <a:p>
             <a:pPr algn="ctr"/>
-            <a:endParaRPr lang="de-DE"/>
+            <a:endParaRPr lang="de-DE" noProof="1"/>
           </a:p>
         </p:txBody>
       </p:sp>
@@ -19183,7 +19198,7 @@
           <a:p>
             <a:pPr algn="ctr"/>
             <a:r>
-              <a:rPr lang="de-DE" sz="700" dirty="0">
+              <a:rPr lang="de-DE" sz="700" noProof="1">
                 <a:solidFill>
                   <a:schemeClr val="tx1"/>
                 </a:solidFill>
@@ -19285,7 +19300,7 @@
           <a:p>
             <a:pPr algn="ctr"/>
             <a:r>
-              <a:rPr lang="de-DE" sz="700" dirty="0">
+              <a:rPr lang="de-DE" sz="700" noProof="1">
                 <a:latin typeface="Arial" panose="020B0604020202020204" pitchFamily="34" charset="0"/>
                 <a:cs typeface="Arial" panose="020B0604020202020204" pitchFamily="34" charset="0"/>
               </a:rPr>
@@ -19348,7 +19363,7 @@
               <a:buChar char="•"/>
             </a:pPr>
             <a:r>
-              <a:rPr lang="de-DE" sz="700" dirty="0">
+              <a:rPr lang="de-DE" sz="700" noProof="1">
                 <a:solidFill>
                   <a:schemeClr val="tx1"/>
                 </a:solidFill>
@@ -19364,7 +19379,7 @@
               <a:buChar char="•"/>
             </a:pPr>
             <a:r>
-              <a:rPr lang="de-DE" sz="700" dirty="0">
+              <a:rPr lang="de-DE" sz="700" noProof="1">
                 <a:solidFill>
                   <a:schemeClr val="tx1"/>
                 </a:solidFill>
@@ -19380,7 +19395,7 @@
               <a:buChar char="•"/>
             </a:pPr>
             <a:r>
-              <a:rPr lang="de-DE" sz="700" dirty="0">
+              <a:rPr lang="de-DE" sz="700" noProof="1">
                 <a:solidFill>
                   <a:schemeClr val="tx1"/>
                 </a:solidFill>
@@ -19396,7 +19411,7 @@
               <a:buChar char="•"/>
             </a:pPr>
             <a:r>
-              <a:rPr lang="de-DE" sz="700" dirty="0">
+              <a:rPr lang="de-DE" sz="700" noProof="1">
                 <a:solidFill>
                   <a:schemeClr val="tx1"/>
                 </a:solidFill>
@@ -19408,7 +19423,7 @@
           </a:p>
           <a:p>
             <a:pPr algn="ctr"/>
-            <a:endParaRPr lang="de-DE" dirty="0"/>
+            <a:endParaRPr lang="de-DE" noProof="1"/>
           </a:p>
         </p:txBody>
       </p:sp>
@@ -19493,7 +19508,7 @@
           <a:p>
             <a:pPr algn="ctr"/>
             <a:r>
-              <a:rPr lang="de-DE" sz="700" dirty="0">
+              <a:rPr lang="de-DE" sz="700" noProof="1">
                 <a:solidFill>
                   <a:schemeClr val="tx1"/>
                 </a:solidFill>
@@ -19535,10 +19550,10 @@
       </p:grpSpPr>
       <p:sp>
         <p:nvSpPr>
-          <p:cNvPr id="3235" name="Rechteck 3234">
-            <a:extLst>
-              <a:ext uri="{FF2B5EF4-FFF2-40B4-BE49-F238E27FC236}">
-                <a16:creationId xmlns:a16="http://schemas.microsoft.com/office/drawing/2014/main" id="{AB0A0A21-7282-70CE-7B93-D570967F4A0E}"/>
+          <p:cNvPr id="3241" name="Rechteck 3240">
+            <a:extLst>
+              <a:ext uri="{FF2B5EF4-FFF2-40B4-BE49-F238E27FC236}">
+                <a16:creationId xmlns:a16="http://schemas.microsoft.com/office/drawing/2014/main" id="{F1CF54DD-8F75-55B4-B0AA-D3DFA792E23E}"/>
               </a:ext>
             </a:extLst>
           </p:cNvPr>
@@ -19547,8 +19562,8 @@
         </p:nvSpPr>
         <p:spPr>
           <a:xfrm>
-            <a:off x="5001895" y="5431155"/>
-            <a:ext cx="972820" cy="516255"/>
+            <a:off x="9046210" y="12467590"/>
+            <a:ext cx="802640" cy="755015"/>
           </a:xfrm>
           <a:prstGeom prst="rect">
             <a:avLst/>
@@ -19587,7 +19602,7 @@
           </a:bodyPr>
           <a:lstStyle/>
           <a:p>
-            <a:endParaRPr lang="de-DE">
+            <a:endParaRPr lang="de-DE" noProof="1">
               <a:latin typeface="Arial" panose="020B0604020202020204" pitchFamily="34" charset="0"/>
               <a:cs typeface="Arial" panose="020B0604020202020204" pitchFamily="34" charset="0"/>
             </a:endParaRPr>
@@ -19596,10 +19611,10 @@
       </p:sp>
       <p:sp>
         <p:nvSpPr>
-          <p:cNvPr id="3236" name="Rechteck 3235">
-            <a:extLst>
-              <a:ext uri="{FF2B5EF4-FFF2-40B4-BE49-F238E27FC236}">
-                <a16:creationId xmlns:a16="http://schemas.microsoft.com/office/drawing/2014/main" id="{F97B8E41-AABD-A89C-5636-C9E82634D315}"/>
+          <p:cNvPr id="24" name="Rechteck 23">
+            <a:extLst>
+              <a:ext uri="{FF2B5EF4-FFF2-40B4-BE49-F238E27FC236}">
+                <a16:creationId xmlns:a16="http://schemas.microsoft.com/office/drawing/2014/main" id="{15648C2C-FE0C-D179-2C04-FC11BCACCD72}"/>
               </a:ext>
             </a:extLst>
           </p:cNvPr>
@@ -19608,16 +19623,14 @@
         </p:nvSpPr>
         <p:spPr>
           <a:xfrm>
-            <a:off x="665480" y="3304540"/>
-            <a:ext cx="1562100" cy="1485900"/>
+            <a:off x="8240779" y="12481877"/>
+            <a:ext cx="802640" cy="755015"/>
           </a:xfrm>
           <a:prstGeom prst="rect">
             <a:avLst/>
           </a:prstGeom>
           <a:solidFill>
-            <a:schemeClr val="bg2">
-              <a:lumMod val="90000"/>
-            </a:schemeClr>
+            <a:srgbClr val="FFCC66"/>
           </a:solidFill>
           <a:ln>
             <a:noFill/>
@@ -19648,7 +19661,129 @@
           </a:bodyPr>
           <a:lstStyle/>
           <a:p>
-            <a:endParaRPr lang="de-DE">
+            <a:endParaRPr lang="de-DE" noProof="1">
+              <a:latin typeface="Arial" panose="020B0604020202020204" pitchFamily="34" charset="0"/>
+              <a:cs typeface="Arial" panose="020B0604020202020204" pitchFamily="34" charset="0"/>
+            </a:endParaRPr>
+          </a:p>
+        </p:txBody>
+      </p:sp>
+      <p:sp>
+        <p:nvSpPr>
+          <p:cNvPr id="3235" name="Rechteck 3234">
+            <a:extLst>
+              <a:ext uri="{FF2B5EF4-FFF2-40B4-BE49-F238E27FC236}">
+                <a16:creationId xmlns:a16="http://schemas.microsoft.com/office/drawing/2014/main" id="{AB0A0A21-7282-70CE-7B93-D570967F4A0E}"/>
+              </a:ext>
+            </a:extLst>
+          </p:cNvPr>
+          <p:cNvSpPr/>
+          <p:nvPr/>
+        </p:nvSpPr>
+        <p:spPr>
+          <a:xfrm>
+            <a:off x="5001895" y="5431155"/>
+            <a:ext cx="972820" cy="516255"/>
+          </a:xfrm>
+          <a:prstGeom prst="rect">
+            <a:avLst/>
+          </a:prstGeom>
+          <a:solidFill>
+            <a:schemeClr val="bg2">
+              <a:lumMod val="90000"/>
+            </a:schemeClr>
+          </a:solidFill>
+          <a:ln>
+            <a:noFill/>
+          </a:ln>
+        </p:spPr>
+        <p:style>
+          <a:lnRef idx="2">
+            <a:schemeClr val="accent1">
+              <a:shade val="15000"/>
+            </a:schemeClr>
+          </a:lnRef>
+          <a:fillRef idx="1">
+            <a:schemeClr val="accent1"/>
+          </a:fillRef>
+          <a:effectRef idx="0">
+            <a:schemeClr val="accent1"/>
+          </a:effectRef>
+          <a:fontRef idx="minor">
+            <a:schemeClr val="lt1"/>
+          </a:fontRef>
+        </p:style>
+        <p:txBody>
+          <a:bodyPr rot="0" spcFirstLastPara="0" vert="horz" wrap="square" lIns="91440" tIns="45720" rIns="91440" bIns="45720" numCol="1" spcCol="0" rtlCol="0" fromWordArt="0" anchor="ctr" anchorCtr="0" forceAA="0" compatLnSpc="1">
+            <a:prstTxWarp prst="textNoShape">
+              <a:avLst/>
+            </a:prstTxWarp>
+            <a:noAutofit/>
+          </a:bodyPr>
+          <a:lstStyle/>
+          <a:p>
+            <a:endParaRPr lang="de-DE" noProof="1">
+              <a:latin typeface="Arial" panose="020B0604020202020204" pitchFamily="34" charset="0"/>
+              <a:cs typeface="Arial" panose="020B0604020202020204" pitchFamily="34" charset="0"/>
+            </a:endParaRPr>
+          </a:p>
+        </p:txBody>
+      </p:sp>
+      <p:sp>
+        <p:nvSpPr>
+          <p:cNvPr id="3236" name="Rechteck 3235">
+            <a:extLst>
+              <a:ext uri="{FF2B5EF4-FFF2-40B4-BE49-F238E27FC236}">
+                <a16:creationId xmlns:a16="http://schemas.microsoft.com/office/drawing/2014/main" id="{F97B8E41-AABD-A89C-5636-C9E82634D315}"/>
+              </a:ext>
+            </a:extLst>
+          </p:cNvPr>
+          <p:cNvSpPr/>
+          <p:nvPr/>
+        </p:nvSpPr>
+        <p:spPr>
+          <a:xfrm>
+            <a:off x="665480" y="3304540"/>
+            <a:ext cx="1562100" cy="1485900"/>
+          </a:xfrm>
+          <a:prstGeom prst="rect">
+            <a:avLst/>
+          </a:prstGeom>
+          <a:solidFill>
+            <a:schemeClr val="bg2">
+              <a:lumMod val="90000"/>
+            </a:schemeClr>
+          </a:solidFill>
+          <a:ln>
+            <a:noFill/>
+          </a:ln>
+        </p:spPr>
+        <p:style>
+          <a:lnRef idx="2">
+            <a:schemeClr val="accent1">
+              <a:shade val="15000"/>
+            </a:schemeClr>
+          </a:lnRef>
+          <a:fillRef idx="1">
+            <a:schemeClr val="accent1"/>
+          </a:fillRef>
+          <a:effectRef idx="0">
+            <a:schemeClr val="accent1"/>
+          </a:effectRef>
+          <a:fontRef idx="minor">
+            <a:schemeClr val="lt1"/>
+          </a:fontRef>
+        </p:style>
+        <p:txBody>
+          <a:bodyPr rot="0" spcFirstLastPara="0" vert="horz" wrap="square" lIns="91440" tIns="45720" rIns="91440" bIns="45720" numCol="1" spcCol="0" rtlCol="0" fromWordArt="0" anchor="ctr" anchorCtr="0" forceAA="0" compatLnSpc="1">
+            <a:prstTxWarp prst="textNoShape">
+              <a:avLst/>
+            </a:prstTxWarp>
+            <a:noAutofit/>
+          </a:bodyPr>
+          <a:lstStyle/>
+          <a:p>
+            <a:endParaRPr lang="de-DE" noProof="1">
               <a:latin typeface="Arial" panose="020B0604020202020204" pitchFamily="34" charset="0"/>
               <a:cs typeface="Arial" panose="020B0604020202020204" pitchFamily="34" charset="0"/>
             </a:endParaRPr>
@@ -19719,7 +19854,7 @@
             </a:bodyPr>
             <a:lstStyle/>
             <a:p>
-              <a:endParaRPr lang="de-DE">
+              <a:endParaRPr lang="de-DE" noProof="1">
                 <a:latin typeface="Arial" panose="020B0604020202020204" pitchFamily="34" charset="0"/>
                 <a:cs typeface="Arial" panose="020B0604020202020204" pitchFamily="34" charset="0"/>
               </a:endParaRPr>
@@ -19816,68 +19951,7 @@
           </a:bodyPr>
           <a:lstStyle/>
           <a:p>
-            <a:endParaRPr lang="de-DE">
-              <a:latin typeface="Arial" panose="020B0604020202020204" pitchFamily="34" charset="0"/>
-              <a:cs typeface="Arial" panose="020B0604020202020204" pitchFamily="34" charset="0"/>
-            </a:endParaRPr>
-          </a:p>
-        </p:txBody>
-      </p:sp>
-      <p:sp>
-        <p:nvSpPr>
-          <p:cNvPr id="3241" name="Rechteck 3240">
-            <a:extLst>
-              <a:ext uri="{FF2B5EF4-FFF2-40B4-BE49-F238E27FC236}">
-                <a16:creationId xmlns:a16="http://schemas.microsoft.com/office/drawing/2014/main" id="{F1CF54DD-8F75-55B4-B0AA-D3DFA792E23E}"/>
-              </a:ext>
-            </a:extLst>
-          </p:cNvPr>
-          <p:cNvSpPr/>
-          <p:nvPr/>
-        </p:nvSpPr>
-        <p:spPr>
-          <a:xfrm>
-            <a:off x="8263890" y="12467590"/>
-            <a:ext cx="1584960" cy="755015"/>
-          </a:xfrm>
-          <a:prstGeom prst="rect">
-            <a:avLst/>
-          </a:prstGeom>
-          <a:solidFill>
-            <a:schemeClr val="bg2">
-              <a:lumMod val="90000"/>
-            </a:schemeClr>
-          </a:solidFill>
-          <a:ln>
-            <a:noFill/>
-          </a:ln>
-        </p:spPr>
-        <p:style>
-          <a:lnRef idx="2">
-            <a:schemeClr val="accent1">
-              <a:shade val="15000"/>
-            </a:schemeClr>
-          </a:lnRef>
-          <a:fillRef idx="1">
-            <a:schemeClr val="accent1"/>
-          </a:fillRef>
-          <a:effectRef idx="0">
-            <a:schemeClr val="accent1"/>
-          </a:effectRef>
-          <a:fontRef idx="minor">
-            <a:schemeClr val="lt1"/>
-          </a:fontRef>
-        </p:style>
-        <p:txBody>
-          <a:bodyPr rot="0" spcFirstLastPara="0" vert="horz" wrap="square" lIns="91440" tIns="45720" rIns="91440" bIns="45720" numCol="1" spcCol="0" rtlCol="0" fromWordArt="0" anchor="ctr" anchorCtr="0" forceAA="0" compatLnSpc="1">
-            <a:prstTxWarp prst="textNoShape">
-              <a:avLst/>
-            </a:prstTxWarp>
-            <a:noAutofit/>
-          </a:bodyPr>
-          <a:lstStyle/>
-          <a:p>
-            <a:endParaRPr lang="de-DE">
+            <a:endParaRPr lang="de-DE" noProof="1">
               <a:latin typeface="Arial" panose="020B0604020202020204" pitchFamily="34" charset="0"/>
               <a:cs typeface="Arial" panose="020B0604020202020204" pitchFamily="34" charset="0"/>
             </a:endParaRPr>
@@ -19937,37 +20011,7 @@
           <a:lstStyle/>
           <a:p>
             <a:pPr algn="ctr"/>
-            <a:r>
-              <a:rPr kumimoji="0" lang="de-DE" altLang="de-DE" sz="1100" b="0" i="0" u="none" strike="noStrike" cap="none" normalizeH="0" baseline="0">
-                <a:ln>
-                  <a:noFill/>
-                </a:ln>
-                <a:solidFill>
-                  <a:schemeClr val="tx1"/>
-                </a:solidFill>
-                <a:effectLst/>
-                <a:latin typeface="Arial" panose="020B0604020202020204" pitchFamily="34" charset="0"/>
-                <a:ea typeface="Aptos" panose="020B0004020202020204" pitchFamily="34" charset="0"/>
-                <a:cs typeface="Arial" panose="020B0604020202020204" pitchFamily="34" charset="0"/>
-              </a:rPr>
-              <a:t>Technischer Produkt-designer</a:t>
-            </a:r>
-            <a:r>
-              <a:rPr kumimoji="0" lang="de-DE" altLang="de-DE" sz="1100" b="0" i="0" u="none" strike="noStrike" cap="none" normalizeH="0" baseline="0" dirty="0">
-                <a:ln>
-                  <a:noFill/>
-                </a:ln>
-                <a:solidFill>
-                  <a:schemeClr val="tx1"/>
-                </a:solidFill>
-                <a:effectLst/>
-                <a:latin typeface="Arial" panose="020B0604020202020204" pitchFamily="34" charset="0"/>
-                <a:ea typeface="Aptos" panose="020B0004020202020204" pitchFamily="34" charset="0"/>
-                <a:cs typeface="Arial" panose="020B0604020202020204" pitchFamily="34" charset="0"/>
-              </a:rPr>
-              <a:t>*</a:t>
-            </a:r>
-            <a:endParaRPr kumimoji="0" lang="de-DE" altLang="de-DE" sz="1100" b="0" i="0" u="none" strike="noStrike" cap="none" normalizeH="0" baseline="0" dirty="0">
+            <a:endParaRPr kumimoji="0" lang="de-DE" sz="1100" b="0" i="0" u="none" strike="noStrike" cap="none" normalizeH="0" baseline="0" noProof="1">
               <a:ln>
                 <a:noFill/>
               </a:ln>
@@ -20045,7 +20089,7 @@
             </a:bodyPr>
             <a:lstStyle/>
             <a:p>
-              <a:endParaRPr lang="de-DE">
+              <a:endParaRPr lang="de-DE" noProof="1">
                 <a:latin typeface="Arial" panose="020B0604020202020204" pitchFamily="34" charset="0"/>
                 <a:cs typeface="Arial" panose="020B0604020202020204" pitchFamily="34" charset="0"/>
               </a:endParaRPr>
@@ -20154,7 +20198,7 @@
             </a:bodyPr>
             <a:lstStyle/>
             <a:p>
-              <a:endParaRPr lang="de-DE">
+              <a:endParaRPr lang="de-DE" noProof="1">
                 <a:latin typeface="Arial" panose="020B0604020202020204" pitchFamily="34" charset="0"/>
                 <a:cs typeface="Arial" panose="020B0604020202020204" pitchFamily="34" charset="0"/>
               </a:endParaRPr>
@@ -20263,7 +20307,7 @@
             </a:bodyPr>
             <a:lstStyle/>
             <a:p>
-              <a:endParaRPr lang="de-DE">
+              <a:endParaRPr lang="de-DE" noProof="1">
                 <a:latin typeface="Arial" panose="020B0604020202020204" pitchFamily="34" charset="0"/>
                 <a:cs typeface="Arial" panose="020B0604020202020204" pitchFamily="34" charset="0"/>
               </a:endParaRPr>
@@ -20361,22 +20405,7 @@
           <a:lstStyle/>
           <a:p>
             <a:pPr algn="ctr"/>
-            <a:r>
-              <a:rPr kumimoji="0" lang="de-DE" altLang="de-DE" sz="900" b="0" i="0" u="none" strike="noStrike" cap="none" normalizeH="0" baseline="0" dirty="0">
-                <a:ln>
-                  <a:noFill/>
-                </a:ln>
-                <a:solidFill>
-                  <a:schemeClr val="tx1"/>
-                </a:solidFill>
-                <a:effectLst/>
-                <a:latin typeface="Arial" panose="020B0604020202020204" pitchFamily="34" charset="0"/>
-                <a:ea typeface="Aptos" panose="020B0004020202020204" pitchFamily="34" charset="0"/>
-                <a:cs typeface="Arial" panose="020B0604020202020204" pitchFamily="34" charset="0"/>
-              </a:rPr>
-              <a:t>E-Technik für Groß und Klein</a:t>
-            </a:r>
-            <a:endParaRPr kumimoji="0" lang="de-DE" altLang="de-DE" sz="900" b="0" i="0" u="none" strike="noStrike" cap="none" normalizeH="0" baseline="0" dirty="0">
+            <a:endParaRPr kumimoji="0" lang="de-DE" sz="900" b="0" i="0" u="none" strike="noStrike" cap="none" normalizeH="0" baseline="0" noProof="1">
               <a:ln>
                 <a:noFill/>
               </a:ln>
@@ -20444,7 +20473,7 @@
           </a:bodyPr>
           <a:lstStyle/>
           <a:p>
-            <a:endParaRPr lang="de-DE">
+            <a:endParaRPr lang="de-DE" noProof="1">
               <a:latin typeface="Arial" panose="020B0604020202020204" pitchFamily="34" charset="0"/>
               <a:cs typeface="Arial" panose="020B0604020202020204" pitchFamily="34" charset="0"/>
             </a:endParaRPr>
@@ -20504,7 +20533,7 @@
           <a:lstStyle/>
           <a:p>
             <a:pPr algn="ctr"/>
-            <a:endParaRPr lang="de-DE" dirty="0">
+            <a:endParaRPr lang="de-DE" noProof="1">
               <a:latin typeface="Arial" panose="020B0604020202020204" pitchFamily="34" charset="0"/>
               <a:cs typeface="Arial" panose="020B0604020202020204" pitchFamily="34" charset="0"/>
             </a:endParaRPr>
@@ -20565,7 +20594,7 @@
           </a:bodyPr>
           <a:lstStyle/>
           <a:p>
-            <a:endParaRPr lang="de-DE">
+            <a:endParaRPr lang="de-DE" noProof="1">
               <a:latin typeface="Arial" panose="020B0604020202020204" pitchFamily="34" charset="0"/>
               <a:cs typeface="Arial" panose="020B0604020202020204" pitchFamily="34" charset="0"/>
             </a:endParaRPr>
@@ -20593,7 +20622,7 @@
             <a:avLst/>
           </a:prstGeom>
           <a:solidFill>
-            <a:srgbClr val="FFFF66"/>
+            <a:srgbClr val="FFCCFF"/>
           </a:solidFill>
           <a:ln>
             <a:noFill/>
@@ -20616,7 +20645,7 @@
           </a:fontRef>
         </p:style>
         <p:txBody>
-          <a:bodyPr rot="0" spcFirstLastPara="0" vert="horz" wrap="square" lIns="91440" tIns="45720" rIns="91440" bIns="45720" numCol="1" spcCol="0" rtlCol="0" fromWordArt="0" anchor="ctr" anchorCtr="0" forceAA="0" compatLnSpc="1">
+          <a:bodyPr rot="0" spcFirstLastPara="0" vert="horz" wrap="square" lIns="91440" tIns="45720" rIns="91440" bIns="45720" numCol="1" spcCol="0" rtlCol="0" fromWordArt="0" anchor="b" anchorCtr="0" forceAA="0" compatLnSpc="1">
             <a:prstTxWarp prst="textNoShape">
               <a:avLst/>
             </a:prstTxWarp>
@@ -20626,14 +20655,14 @@
           <a:p>
             <a:pPr algn="ctr"/>
             <a:r>
-              <a:rPr lang="de-DE" altLang="de-DE" sz="1100" dirty="0">
+              <a:rPr lang="de-DE" sz="1100" noProof="1">
                 <a:solidFill>
                   <a:schemeClr val="tx1"/>
                 </a:solidFill>
                 <a:latin typeface="Arial" panose="020B0604020202020204" pitchFamily="34" charset="0"/>
                 <a:cs typeface="Arial" panose="020B0604020202020204" pitchFamily="34" charset="0"/>
               </a:rPr>
-              <a:t>Mediengestalter*</a:t>
+              <a:t>Gesundheits-management</a:t>
             </a:r>
           </a:p>
         </p:txBody>
@@ -20702,7 +20731,7 @@
             </a:bodyPr>
             <a:lstStyle/>
             <a:p>
-              <a:endParaRPr lang="de-DE">
+              <a:endParaRPr lang="de-DE" noProof="1">
                 <a:latin typeface="Arial" panose="020B0604020202020204" pitchFamily="34" charset="0"/>
                 <a:cs typeface="Arial" panose="020B0604020202020204" pitchFamily="34" charset="0"/>
               </a:endParaRPr>
@@ -20801,7 +20830,7 @@
           <a:p>
             <a:pPr algn="ctr"/>
             <a:r>
-              <a:rPr kumimoji="0" lang="de-DE" altLang="de-DE" sz="1100" b="0" i="0" u="none" strike="noStrike" cap="none" normalizeH="0" baseline="0" dirty="0">
+              <a:rPr kumimoji="0" lang="de-DE" sz="1100" i="0" u="none" strike="noStrike" cap="none" normalizeH="0" baseline="0" noProof="1">
                 <a:ln>
                   <a:noFill/>
                 </a:ln>
@@ -20815,7 +20844,7 @@
               </a:rPr>
               <a:t>Fachinformatiker*</a:t>
             </a:r>
-            <a:endParaRPr kumimoji="0" lang="de-DE" altLang="de-DE" sz="1100" b="0" i="0" u="none" strike="noStrike" cap="none" normalizeH="0" baseline="0" dirty="0">
+            <a:endParaRPr kumimoji="0" lang="de-DE" sz="1100" i="0" u="none" strike="noStrike" cap="none" normalizeH="0" baseline="0" noProof="1">
               <a:ln>
                 <a:noFill/>
               </a:ln>
@@ -20893,7 +20922,7 @@
             </a:bodyPr>
             <a:lstStyle/>
             <a:p>
-              <a:endParaRPr lang="de-DE">
+              <a:endParaRPr lang="de-DE" noProof="1">
                 <a:latin typeface="Arial" panose="020B0604020202020204" pitchFamily="34" charset="0"/>
                 <a:cs typeface="Arial" panose="020B0604020202020204" pitchFamily="34" charset="0"/>
               </a:endParaRPr>
@@ -21002,7 +21031,7 @@
             </a:bodyPr>
             <a:lstStyle/>
             <a:p>
-              <a:endParaRPr lang="de-DE">
+              <a:endParaRPr lang="de-DE" noProof="1">
                 <a:latin typeface="Arial" panose="020B0604020202020204" pitchFamily="34" charset="0"/>
                 <a:cs typeface="Arial" panose="020B0604020202020204" pitchFamily="34" charset="0"/>
               </a:endParaRPr>
@@ -21101,7 +21130,7 @@
           </a:bodyPr>
           <a:lstStyle/>
           <a:p>
-            <a:endParaRPr lang="de-DE">
+            <a:endParaRPr lang="de-DE" noProof="1">
               <a:latin typeface="Arial" panose="020B0604020202020204" pitchFamily="34" charset="0"/>
               <a:cs typeface="Arial" panose="020B0604020202020204" pitchFamily="34" charset="0"/>
             </a:endParaRPr>
@@ -21162,7 +21191,7 @@
           <a:p>
             <a:pPr algn="ctr"/>
             <a:r>
-              <a:rPr lang="de-DE" altLang="de-DE" sz="1100" dirty="0">
+              <a:rPr lang="de-DE" sz="1100" noProof="1">
                 <a:solidFill>
                   <a:schemeClr val="tx1"/>
                 </a:solidFill>
@@ -21172,7 +21201,7 @@
               <a:t>WAGO</a:t>
             </a:r>
             <a:r>
-              <a:rPr kumimoji="0" lang="de-DE" altLang="de-DE" sz="1100" b="0" i="0" u="none" strike="noStrike" cap="none" normalizeH="0" baseline="0" dirty="0">
+              <a:rPr kumimoji="0" lang="de-DE" sz="1100" b="0" i="0" u="none" strike="noStrike" cap="none" normalizeH="0" baseline="0" noProof="1">
                 <a:ln>
                   <a:noFill/>
                 </a:ln>
@@ -21187,7 +21216,7 @@
               <a:t> </a:t>
             </a:r>
             <a:r>
-              <a:rPr lang="de-DE" altLang="de-DE" sz="1100" dirty="0">
+              <a:rPr lang="de-DE" sz="1100" noProof="1">
                 <a:solidFill>
                   <a:schemeClr val="tx1"/>
                 </a:solidFill>
@@ -21197,7 +21226,7 @@
               <a:t>Studiengänge</a:t>
             </a:r>
             <a:r>
-              <a:rPr kumimoji="0" lang="de-DE" altLang="de-DE" sz="1100" b="0" i="0" u="none" strike="noStrike" cap="none" normalizeH="0" baseline="0" dirty="0">
+              <a:rPr kumimoji="0" lang="de-DE" sz="1100" b="0" i="0" u="none" strike="noStrike" cap="none" normalizeH="0" baseline="0" noProof="1">
                 <a:ln>
                   <a:noFill/>
                 </a:ln>
@@ -21211,7 +21240,7 @@
               </a:rPr>
               <a:t> </a:t>
             </a:r>
-            <a:endParaRPr kumimoji="0" lang="de-DE" altLang="de-DE" sz="1100" b="0" i="0" u="none" strike="noStrike" cap="none" normalizeH="0" baseline="0" dirty="0">
+            <a:endParaRPr kumimoji="0" lang="de-DE" sz="1100" b="0" i="0" u="none" strike="noStrike" cap="none" normalizeH="0" baseline="0" noProof="1">
               <a:ln>
                 <a:noFill/>
               </a:ln>
@@ -21279,7 +21308,7 @@
           </a:bodyPr>
           <a:lstStyle/>
           <a:p>
-            <a:endParaRPr lang="de-DE">
+            <a:endParaRPr lang="de-DE" noProof="1">
               <a:latin typeface="Arial" panose="020B0604020202020204" pitchFamily="34" charset="0"/>
               <a:cs typeface="Arial" panose="020B0604020202020204" pitchFamily="34" charset="0"/>
             </a:endParaRPr>
@@ -21340,7 +21369,7 @@
           <a:p>
             <a:pPr algn="ctr"/>
             <a:r>
-              <a:rPr kumimoji="0" lang="de-DE" altLang="de-DE" sz="1100" b="0" i="0" u="none" strike="noStrike" cap="none" normalizeH="0" baseline="0" dirty="0">
+              <a:rPr kumimoji="0" lang="de-DE" sz="1100" b="0" i="0" u="none" strike="noStrike" cap="none" normalizeH="0" baseline="0" noProof="1">
                 <a:ln>
                   <a:noFill/>
                 </a:ln>
@@ -21354,7 +21383,7 @@
               </a:rPr>
               <a:t>Mensa</a:t>
             </a:r>
-            <a:endParaRPr lang="de-DE" sz="900" dirty="0">
+            <a:endParaRPr lang="de-DE" sz="900" noProof="1">
               <a:latin typeface="Arial" panose="020B0604020202020204" pitchFamily="34" charset="0"/>
               <a:cs typeface="Arial" panose="020B0604020202020204" pitchFamily="34" charset="0"/>
             </a:endParaRPr>
@@ -21415,7 +21444,7 @@
           </a:bodyPr>
           <a:lstStyle/>
           <a:p>
-            <a:endParaRPr lang="de-DE">
+            <a:endParaRPr lang="de-DE" noProof="1">
               <a:latin typeface="Arial" panose="020B0604020202020204" pitchFamily="34" charset="0"/>
               <a:cs typeface="Arial" panose="020B0604020202020204" pitchFamily="34" charset="0"/>
             </a:endParaRPr>
@@ -21476,7 +21505,7 @@
           </a:bodyPr>
           <a:lstStyle/>
           <a:p>
-            <a:endParaRPr lang="de-DE">
+            <a:endParaRPr lang="de-DE" noProof="1">
               <a:latin typeface="Arial" panose="020B0604020202020204" pitchFamily="34" charset="0"/>
               <a:cs typeface="Arial" panose="020B0604020202020204" pitchFamily="34" charset="0"/>
             </a:endParaRPr>
@@ -21537,7 +21566,7 @@
           </a:bodyPr>
           <a:lstStyle/>
           <a:p>
-            <a:endParaRPr lang="de-DE">
+            <a:endParaRPr lang="de-DE" noProof="1">
               <a:latin typeface="Arial" panose="020B0604020202020204" pitchFamily="34" charset="0"/>
               <a:cs typeface="Arial" panose="020B0604020202020204" pitchFamily="34" charset="0"/>
             </a:endParaRPr>
@@ -21598,7 +21627,7 @@
           </a:bodyPr>
           <a:lstStyle/>
           <a:p>
-            <a:endParaRPr lang="de-DE">
+            <a:endParaRPr lang="de-DE" noProof="1">
               <a:latin typeface="Arial" panose="020B0604020202020204" pitchFamily="34" charset="0"/>
               <a:cs typeface="Arial" panose="020B0604020202020204" pitchFamily="34" charset="0"/>
             </a:endParaRPr>
@@ -21657,7 +21686,7 @@
           </a:bodyPr>
           <a:lstStyle/>
           <a:p>
-            <a:endParaRPr lang="de-DE" dirty="0">
+            <a:endParaRPr lang="de-DE" noProof="1">
               <a:latin typeface="Arial" panose="020B0604020202020204" pitchFamily="34" charset="0"/>
               <a:cs typeface="Arial" panose="020B0604020202020204" pitchFamily="34" charset="0"/>
             </a:endParaRPr>
@@ -21716,7 +21745,7 @@
           </a:bodyPr>
           <a:lstStyle/>
           <a:p>
-            <a:endParaRPr lang="de-DE">
+            <a:endParaRPr lang="de-DE" noProof="1">
               <a:latin typeface="Arial" panose="020B0604020202020204" pitchFamily="34" charset="0"/>
               <a:cs typeface="Arial" panose="020B0604020202020204" pitchFamily="34" charset="0"/>
             </a:endParaRPr>
@@ -21775,7 +21804,7 @@
           </a:bodyPr>
           <a:lstStyle/>
           <a:p>
-            <a:endParaRPr lang="de-DE" dirty="0">
+            <a:endParaRPr lang="de-DE" noProof="1">
               <a:latin typeface="Arial" panose="020B0604020202020204" pitchFamily="34" charset="0"/>
               <a:cs typeface="Arial" panose="020B0604020202020204" pitchFamily="34" charset="0"/>
             </a:endParaRPr>
@@ -22626,7 +22655,7 @@
           </a:bodyPr>
           <a:lstStyle/>
           <a:p>
-            <a:endParaRPr lang="de-DE">
+            <a:endParaRPr lang="de-DE" noProof="1">
               <a:latin typeface="Arial" panose="020B0604020202020204" pitchFamily="34" charset="0"/>
               <a:cs typeface="Arial" panose="020B0604020202020204" pitchFamily="34" charset="0"/>
             </a:endParaRPr>
@@ -22729,7 +22758,7 @@
           </a:bodyPr>
           <a:lstStyle/>
           <a:p>
-            <a:endParaRPr lang="de-DE">
+            <a:endParaRPr lang="de-DE" noProof="1">
               <a:latin typeface="Arial" panose="020B0604020202020204" pitchFamily="34" charset="0"/>
               <a:cs typeface="Arial" panose="020B0604020202020204" pitchFamily="34" charset="0"/>
             </a:endParaRPr>
@@ -22805,7 +22834,7 @@
               <a:tabLst/>
             </a:pPr>
             <a:r>
-              <a:rPr kumimoji="0" lang="de-DE" altLang="de-DE" sz="1100" b="0" i="0" u="none" strike="noStrike" cap="none" normalizeH="0" baseline="0" dirty="0">
+              <a:rPr kumimoji="0" lang="de-DE" sz="1100" b="0" i="0" u="none" strike="noStrike" cap="none" normalizeH="0" baseline="0" noProof="1">
                 <a:ln>
                   <a:noFill/>
                 </a:ln>
@@ -22819,7 +22848,7 @@
               </a:rPr>
               <a:t> Elektroniker*</a:t>
             </a:r>
-            <a:endParaRPr kumimoji="0" lang="de-DE" altLang="de-DE" sz="1100" b="0" i="0" u="none" strike="noStrike" cap="none" normalizeH="0" baseline="0" dirty="0">
+            <a:endParaRPr kumimoji="0" lang="de-DE" sz="1100" b="0" i="0" u="none" strike="noStrike" cap="none" normalizeH="0" baseline="0" noProof="1">
               <a:ln>
                 <a:noFill/>
               </a:ln>
@@ -22849,51 +22878,7 @@
               <a:tabLst/>
             </a:pPr>
             <a:r>
-              <a:rPr kumimoji="0" lang="de-DE" altLang="de-DE" sz="1100" b="0" i="0" u="none" strike="noStrike" cap="none" normalizeH="0" baseline="0" dirty="0">
-                <a:ln>
-                  <a:noFill/>
-                </a:ln>
-                <a:solidFill>
-                  <a:schemeClr val="tx1"/>
-                </a:solidFill>
-                <a:effectLst/>
-                <a:latin typeface="Arial" panose="020B0604020202020204" pitchFamily="34" charset="0"/>
-                <a:ea typeface="Aptos" panose="020B0004020202020204" pitchFamily="34" charset="0"/>
-                <a:cs typeface="Arial" panose="020B0604020202020204" pitchFamily="34" charset="0"/>
-              </a:rPr>
-              <a:t> Industrieelektriker*</a:t>
-            </a:r>
-            <a:endParaRPr kumimoji="0" lang="de-DE" altLang="de-DE" sz="1100" b="0" i="0" u="none" strike="noStrike" cap="none" normalizeH="0" baseline="0" dirty="0">
-              <a:ln>
-                <a:noFill/>
-              </a:ln>
-              <a:solidFill>
-                <a:schemeClr val="tx1"/>
-              </a:solidFill>
-              <a:effectLst/>
-              <a:latin typeface="Arial" panose="020B0604020202020204" pitchFamily="34" charset="0"/>
-              <a:cs typeface="Arial" panose="020B0604020202020204" pitchFamily="34" charset="0"/>
-            </a:endParaRPr>
-          </a:p>
-          <a:p>
-            <a:pPr marL="0" marR="0" lvl="0" indent="0" defTabSz="914400" rtl="0" eaLnBrk="0" fontAlgn="base" latinLnBrk="0" hangingPunct="0">
-              <a:lnSpc>
-                <a:spcPct val="100000"/>
-              </a:lnSpc>
-              <a:spcBef>
-                <a:spcPct val="0"/>
-              </a:spcBef>
-              <a:spcAft>
-                <a:spcPct val="0"/>
-              </a:spcAft>
-              <a:buClrTx/>
-              <a:buSzTx/>
-              <a:buFontTx/>
-              <a:buChar char="•"/>
-              <a:tabLst/>
-            </a:pPr>
-            <a:r>
-              <a:rPr kumimoji="0" lang="de-DE" altLang="de-DE" sz="1100" b="0" i="0" u="none" strike="noStrike" cap="none" normalizeH="0" baseline="0" dirty="0">
+              <a:rPr kumimoji="0" lang="de-DE" sz="1100" b="0" i="0" u="none" strike="noStrike" cap="none" normalizeH="0" baseline="0" noProof="1">
                 <a:ln>
                   <a:noFill/>
                 </a:ln>
@@ -22907,7 +22892,7 @@
               </a:rPr>
               <a:t> Mechatroniker*</a:t>
             </a:r>
-            <a:endParaRPr kumimoji="0" lang="de-DE" altLang="de-DE" sz="1100" b="0" i="0" u="none" strike="noStrike" cap="none" normalizeH="0" baseline="0" dirty="0">
+            <a:endParaRPr kumimoji="0" lang="de-DE" sz="1100" b="0" i="0" u="none" strike="noStrike" cap="none" normalizeH="0" baseline="0" noProof="1">
               <a:ln>
                 <a:noFill/>
               </a:ln>
@@ -22920,7 +22905,7 @@
             </a:endParaRPr>
           </a:p>
           <a:p>
-            <a:endParaRPr lang="de-DE" sz="1100" dirty="0">
+            <a:endParaRPr lang="de-DE" sz="1100" noProof="1">
               <a:latin typeface="Arial" panose="020B0604020202020204" pitchFamily="34" charset="0"/>
               <a:cs typeface="Arial" panose="020B0604020202020204" pitchFamily="34" charset="0"/>
             </a:endParaRPr>
@@ -22981,7 +22966,7 @@
           <a:p>
             <a:pPr algn="ctr"/>
             <a:r>
-              <a:rPr lang="de-DE" altLang="de-DE" sz="1100" dirty="0">
+              <a:rPr lang="de-DE" sz="1100" noProof="1">
                 <a:solidFill>
                   <a:schemeClr val="tx1"/>
                 </a:solidFill>
@@ -22990,7 +22975,7 @@
               </a:rPr>
               <a:t>Industriekaufleute</a:t>
             </a:r>
-            <a:endParaRPr kumimoji="0" lang="de-DE" altLang="de-DE" sz="1100" b="0" i="0" u="none" strike="noStrike" cap="none" normalizeH="0" baseline="0" dirty="0">
+            <a:endParaRPr kumimoji="0" lang="de-DE" sz="1100" b="0" i="0" u="none" strike="noStrike" cap="none" normalizeH="0" baseline="0" noProof="1">
               <a:ln>
                 <a:noFill/>
               </a:ln>
@@ -23058,7 +23043,7 @@
           </a:bodyPr>
           <a:lstStyle/>
           <a:p>
-            <a:endParaRPr lang="de-DE">
+            <a:endParaRPr lang="de-DE" noProof="1">
               <a:latin typeface="Arial" panose="020B0604020202020204" pitchFamily="34" charset="0"/>
               <a:cs typeface="Arial" panose="020B0604020202020204" pitchFamily="34" charset="0"/>
             </a:endParaRPr>
@@ -23119,7 +23104,7 @@
           </a:bodyPr>
           <a:lstStyle/>
           <a:p>
-            <a:endParaRPr lang="de-DE">
+            <a:endParaRPr lang="de-DE" noProof="1">
               <a:latin typeface="Arial" panose="020B0604020202020204" pitchFamily="34" charset="0"/>
               <a:cs typeface="Arial" panose="020B0604020202020204" pitchFamily="34" charset="0"/>
             </a:endParaRPr>
@@ -23180,7 +23165,7 @@
           </a:bodyPr>
           <a:lstStyle/>
           <a:p>
-            <a:endParaRPr lang="de-DE">
+            <a:endParaRPr lang="de-DE" noProof="1">
               <a:latin typeface="Arial" panose="020B0604020202020204" pitchFamily="34" charset="0"/>
               <a:cs typeface="Arial" panose="020B0604020202020204" pitchFamily="34" charset="0"/>
             </a:endParaRPr>
@@ -23239,7 +23224,7 @@
           </a:bodyPr>
           <a:lstStyle/>
           <a:p>
-            <a:endParaRPr lang="de-DE">
+            <a:endParaRPr lang="de-DE" noProof="1">
               <a:latin typeface="Arial" panose="020B0604020202020204" pitchFamily="34" charset="0"/>
               <a:cs typeface="Arial" panose="020B0604020202020204" pitchFamily="34" charset="0"/>
             </a:endParaRPr>
@@ -23261,7 +23246,7 @@
         <p:spPr>
           <a:xfrm>
             <a:off x="6052185" y="8435975"/>
-            <a:ext cx="2126615" cy="2032000"/>
+            <a:ext cx="2126615" cy="1470963"/>
           </a:xfrm>
           <a:prstGeom prst="rect">
             <a:avLst/>
@@ -23298,7 +23283,7 @@
           </a:bodyPr>
           <a:lstStyle/>
           <a:p>
-            <a:endParaRPr lang="de-DE" dirty="0">
+            <a:endParaRPr lang="de-DE" noProof="1">
               <a:latin typeface="Arial" panose="020B0604020202020204" pitchFamily="34" charset="0"/>
               <a:cs typeface="Arial" panose="020B0604020202020204" pitchFamily="34" charset="0"/>
             </a:endParaRPr>
@@ -23320,7 +23305,7 @@
         <p:spPr>
           <a:xfrm>
             <a:off x="5286375" y="8677275"/>
-            <a:ext cx="1743075" cy="1790700"/>
+            <a:ext cx="1743075" cy="1224583"/>
           </a:xfrm>
           <a:prstGeom prst="rect">
             <a:avLst/>
@@ -23357,7 +23342,7 @@
           </a:bodyPr>
           <a:lstStyle/>
           <a:p>
-            <a:endParaRPr lang="de-DE" dirty="0">
+            <a:endParaRPr lang="de-DE" noProof="1">
               <a:latin typeface="Arial" panose="020B0604020202020204" pitchFamily="34" charset="0"/>
               <a:cs typeface="Arial" panose="020B0604020202020204" pitchFamily="34" charset="0"/>
             </a:endParaRPr>
@@ -23416,7 +23401,7 @@
           </a:bodyPr>
           <a:lstStyle/>
           <a:p>
-            <a:endParaRPr lang="de-DE">
+            <a:endParaRPr lang="de-DE" noProof="1">
               <a:latin typeface="Arial" panose="020B0604020202020204" pitchFamily="34" charset="0"/>
               <a:cs typeface="Arial" panose="020B0604020202020204" pitchFamily="34" charset="0"/>
             </a:endParaRPr>
@@ -23437,8 +23422,8 @@
         </p:nvSpPr>
         <p:spPr>
           <a:xfrm>
-            <a:off x="5290185" y="10460990"/>
-            <a:ext cx="2881630" cy="1327785"/>
+            <a:off x="5290185" y="10316846"/>
+            <a:ext cx="2881630" cy="1471930"/>
           </a:xfrm>
           <a:prstGeom prst="rect">
             <a:avLst/>
@@ -23475,104 +23460,7 @@
           </a:bodyPr>
           <a:lstStyle/>
           <a:p>
-            <a:endParaRPr lang="de-DE">
-              <a:latin typeface="Arial" panose="020B0604020202020204" pitchFamily="34" charset="0"/>
-              <a:cs typeface="Arial" panose="020B0604020202020204" pitchFamily="34" charset="0"/>
-            </a:endParaRPr>
-          </a:p>
-        </p:txBody>
-      </p:sp>
-      <p:sp>
-        <p:nvSpPr>
-          <p:cNvPr id="3310" name="Rechteck 3309">
-            <a:extLst>
-              <a:ext uri="{FF2B5EF4-FFF2-40B4-BE49-F238E27FC236}">
-                <a16:creationId xmlns:a16="http://schemas.microsoft.com/office/drawing/2014/main" id="{3BB561E2-F047-2BF4-C3E2-C88D210330AE}"/>
-              </a:ext>
-            </a:extLst>
-          </p:cNvPr>
-          <p:cNvSpPr/>
-          <p:nvPr/>
-        </p:nvSpPr>
-        <p:spPr>
-          <a:xfrm>
-            <a:off x="2227580" y="5868035"/>
-            <a:ext cx="347980" cy="972185"/>
-          </a:xfrm>
-          <a:prstGeom prst="rect">
-            <a:avLst/>
-          </a:prstGeom>
-          <a:solidFill>
-            <a:srgbClr val="F6764E"/>
-          </a:solidFill>
-          <a:ln>
-            <a:noFill/>
-          </a:ln>
-        </p:spPr>
-        <p:style>
-          <a:lnRef idx="2">
-            <a:schemeClr val="accent1">
-              <a:shade val="15000"/>
-            </a:schemeClr>
-          </a:lnRef>
-          <a:fillRef idx="1">
-            <a:schemeClr val="accent1"/>
-          </a:fillRef>
-          <a:effectRef idx="0">
-            <a:schemeClr val="accent1"/>
-          </a:effectRef>
-          <a:fontRef idx="minor">
-            <a:schemeClr val="lt1"/>
-          </a:fontRef>
-        </p:style>
-        <p:txBody>
-          <a:bodyPr rot="0" spcFirstLastPara="0" vert="vert270" wrap="square" lIns="0" tIns="0" rIns="0" bIns="0" numCol="1" spcCol="0" rtlCol="0" fromWordArt="0" anchor="ctr" anchorCtr="0" forceAA="0" compatLnSpc="1">
-            <a:prstTxWarp prst="textNoShape">
-              <a:avLst/>
-            </a:prstTxWarp>
-            <a:noAutofit/>
-          </a:bodyPr>
-          <a:lstStyle/>
-          <a:p>
-            <a:pPr algn="ctr"/>
-            <a:r>
-              <a:rPr kumimoji="0" lang="de-DE" altLang="de-DE" sz="1100" b="0" i="0" u="none" strike="noStrike" cap="none" normalizeH="0" baseline="0" dirty="0">
-                <a:ln>
-                  <a:noFill/>
-                </a:ln>
-                <a:solidFill>
-                  <a:schemeClr val="tx1"/>
-                </a:solidFill>
-                <a:effectLst/>
-                <a:latin typeface="Arial" panose="020B0604020202020204" pitchFamily="34" charset="0"/>
-                <a:ea typeface="Aptos" panose="020B0004020202020204" pitchFamily="34" charset="0"/>
-                <a:cs typeface="Arial" panose="020B0604020202020204" pitchFamily="34" charset="0"/>
-              </a:rPr>
-              <a:t>Fachlagerist</a:t>
-            </a:r>
-            <a:r>
-              <a:rPr kumimoji="0" lang="de-DE" altLang="de-DE" sz="900" b="0" i="0" u="none" strike="noStrike" cap="none" normalizeH="0" baseline="0" dirty="0">
-                <a:ln>
-                  <a:noFill/>
-                </a:ln>
-                <a:solidFill>
-                  <a:schemeClr val="tx1"/>
-                </a:solidFill>
-                <a:effectLst/>
-                <a:latin typeface="Arial" panose="020B0604020202020204" pitchFamily="34" charset="0"/>
-                <a:ea typeface="Aptos" panose="020B0004020202020204" pitchFamily="34" charset="0"/>
-                <a:cs typeface="Arial" panose="020B0604020202020204" pitchFamily="34" charset="0"/>
-              </a:rPr>
-              <a:t>*</a:t>
-            </a:r>
-            <a:endParaRPr kumimoji="0" lang="de-DE" altLang="de-DE" sz="900" b="0" i="0" u="none" strike="noStrike" cap="none" normalizeH="0" baseline="0" dirty="0">
-              <a:ln>
-                <a:noFill/>
-              </a:ln>
-              <a:solidFill>
-                <a:schemeClr val="tx1"/>
-              </a:solidFill>
-              <a:effectLst/>
+            <a:endParaRPr lang="de-DE" noProof="1">
               <a:latin typeface="Arial" panose="020B0604020202020204" pitchFamily="34" charset="0"/>
               <a:cs typeface="Arial" panose="020B0604020202020204" pitchFamily="34" charset="0"/>
             </a:endParaRPr>
@@ -24209,7 +24097,7 @@
         </p:nvSpPr>
         <p:spPr>
           <a:xfrm>
-            <a:off x="3310803" y="7573036"/>
+            <a:off x="3001010" y="7510145"/>
             <a:ext cx="361950" cy="342900"/>
           </a:xfrm>
           <a:prstGeom prst="irregularSeal1">
@@ -24244,7 +24132,7 @@
           </a:bodyPr>
           <a:lstStyle/>
           <a:p>
-            <a:endParaRPr lang="de-DE">
+            <a:endParaRPr lang="de-DE" noProof="1">
               <a:latin typeface="Arial" panose="020B0604020202020204" pitchFamily="34" charset="0"/>
               <a:cs typeface="Arial" panose="020B0604020202020204" pitchFamily="34" charset="0"/>
             </a:endParaRPr>
@@ -24267,8 +24155,8 @@
         </p:nvSpPr>
         <p:spPr bwMode="auto">
           <a:xfrm>
-            <a:off x="4985447" y="3834474"/>
-            <a:ext cx="993775" cy="473075"/>
+            <a:off x="5407343" y="4040517"/>
+            <a:ext cx="993775" cy="220636"/>
           </a:xfrm>
           <a:prstGeom prst="rect">
             <a:avLst/>
@@ -24305,7 +24193,7 @@
           </a:bodyPr>
           <a:lstStyle/>
           <a:p>
-            <a:pPr marL="0" marR="0" lvl="0" indent="0" algn="l" defTabSz="914400" rtl="0" eaLnBrk="0" fontAlgn="base" latinLnBrk="0" hangingPunct="0">
+            <a:pPr marL="0" marR="0" lvl="0" indent="0" defTabSz="914400" rtl="0" eaLnBrk="0" fontAlgn="base" latinLnBrk="0" hangingPunct="0">
               <a:lnSpc>
                 <a:spcPct val="100000"/>
               </a:lnSpc>
@@ -24322,7 +24210,7 @@
               <a:tabLst/>
             </a:pPr>
             <a:r>
-              <a:rPr kumimoji="0" lang="de-DE" altLang="de-DE" sz="900" b="0" i="0" u="none" strike="noStrike" cap="none" normalizeH="0" baseline="0" dirty="0">
+              <a:rPr kumimoji="0" lang="de-DE" sz="900" b="0" i="0" u="none" strike="noStrike" cap="none" normalizeH="0" baseline="0" noProof="1">
                 <a:ln>
                   <a:noFill/>
                 </a:ln>
@@ -24334,9 +24222,9 @@
                 <a:ea typeface="Aptos" panose="020B0004020202020204" pitchFamily="34" charset="0"/>
                 <a:cs typeface="Arial" panose="020B0604020202020204" pitchFamily="34" charset="0"/>
               </a:rPr>
-              <a:t>Gewinnspiel + Give-Away „Labyrinth“</a:t>
+              <a:t>Gewinnspiel </a:t>
             </a:r>
-            <a:endParaRPr kumimoji="0" lang="de-DE" altLang="de-DE" sz="900" b="0" i="0" u="none" strike="noStrike" cap="none" normalizeH="0" baseline="0" dirty="0">
+            <a:endParaRPr kumimoji="0" lang="de-DE" sz="900" b="0" i="0" u="none" strike="noStrike" cap="none" normalizeH="0" baseline="0" noProof="1">
               <a:ln>
                 <a:noFill/>
               </a:ln>
@@ -24366,7 +24254,7 @@
         </p:nvSpPr>
         <p:spPr bwMode="auto">
           <a:xfrm>
-            <a:off x="2974023" y="7333526"/>
+            <a:off x="2812008" y="7195820"/>
             <a:ext cx="876300" cy="485775"/>
           </a:xfrm>
           <a:prstGeom prst="rect">
@@ -24404,7 +24292,7 @@
           </a:bodyPr>
           <a:lstStyle/>
           <a:p>
-            <a:pPr marL="0" marR="0" lvl="0" indent="0" algn="l" defTabSz="914400" rtl="0" eaLnBrk="0" fontAlgn="base" latinLnBrk="0" hangingPunct="0">
+            <a:pPr marL="0" marR="0" lvl="0" indent="0" algn="ctr" defTabSz="914400" rtl="0" eaLnBrk="0" fontAlgn="base" latinLnBrk="0" hangingPunct="0">
               <a:lnSpc>
                 <a:spcPct val="100000"/>
               </a:lnSpc>
@@ -24421,7 +24309,7 @@
               <a:tabLst/>
             </a:pPr>
             <a:r>
-              <a:rPr kumimoji="0" lang="de-DE" altLang="de-DE" sz="900" b="0" i="0" u="none" strike="noStrike" cap="none" normalizeH="0" baseline="0" dirty="0">
+              <a:rPr kumimoji="0" lang="de-DE" sz="900" b="0" i="0" u="none" strike="noStrike" cap="none" normalizeH="0" baseline="0" noProof="1">
                 <a:ln>
                   <a:noFill/>
                 </a:ln>
@@ -24433,9 +24321,38 @@
                 <a:ea typeface="Aptos" panose="020B0004020202020204" pitchFamily="34" charset="0"/>
                 <a:cs typeface="Arial" panose="020B0604020202020204" pitchFamily="34" charset="0"/>
               </a:rPr>
-              <a:t>Reaktions- spiel</a:t>
+              <a:t>Exponat</a:t>
             </a:r>
-            <a:endParaRPr kumimoji="0" lang="de-DE" altLang="de-DE" sz="900" b="0" i="0" u="none" strike="noStrike" cap="none" normalizeH="0" baseline="0" dirty="0">
+            <a:br>
+              <a:rPr kumimoji="0" lang="de-DE" sz="900" b="0" i="0" u="none" strike="noStrike" cap="none" normalizeH="0" baseline="0" noProof="1">
+                <a:ln>
+                  <a:noFill/>
+                </a:ln>
+                <a:solidFill>
+                  <a:schemeClr val="tx1"/>
+                </a:solidFill>
+                <a:effectLst/>
+                <a:latin typeface="Arial" panose="020B0604020202020204" pitchFamily="34" charset="0"/>
+                <a:ea typeface="Aptos" panose="020B0004020202020204" pitchFamily="34" charset="0"/>
+                <a:cs typeface="Arial" panose="020B0604020202020204" pitchFamily="34" charset="0"/>
+              </a:rPr>
+            </a:br>
+            <a:r>
+              <a:rPr kumimoji="0" lang="de-DE" sz="900" b="0" i="0" u="none" strike="noStrike" cap="none" normalizeH="0" baseline="0" noProof="1">
+                <a:ln>
+                  <a:noFill/>
+                </a:ln>
+                <a:solidFill>
+                  <a:schemeClr val="tx1"/>
+                </a:solidFill>
+                <a:effectLst/>
+                <a:latin typeface="Arial" panose="020B0604020202020204" pitchFamily="34" charset="0"/>
+                <a:ea typeface="Aptos" panose="020B0004020202020204" pitchFamily="34" charset="0"/>
+                <a:cs typeface="Arial" panose="020B0604020202020204" pitchFamily="34" charset="0"/>
+              </a:rPr>
+              <a:t>„Wallbox“</a:t>
+            </a:r>
+            <a:endParaRPr kumimoji="0" lang="de-DE" sz="900" b="0" i="0" u="none" strike="noStrike" cap="none" normalizeH="0" baseline="0" noProof="1">
               <a:ln>
                 <a:noFill/>
               </a:ln>
@@ -24465,7 +24382,7 @@
         </p:nvSpPr>
         <p:spPr bwMode="auto">
           <a:xfrm>
-            <a:off x="5832100" y="12731115"/>
+            <a:off x="5297806" y="12431066"/>
             <a:ext cx="1304925" cy="504825"/>
           </a:xfrm>
           <a:prstGeom prst="rect">
@@ -24520,7 +24437,7 @@
               <a:tabLst/>
             </a:pPr>
             <a:r>
-              <a:rPr kumimoji="0" lang="de-DE" altLang="de-DE" sz="900" b="0" i="0" u="none" strike="noStrike" cap="none" normalizeH="0" baseline="0" dirty="0">
+              <a:rPr kumimoji="0" lang="de-DE" sz="900" b="0" i="0" u="none" strike="noStrike" cap="none" normalizeH="0" baseline="0" noProof="1">
                 <a:ln>
                   <a:noFill/>
                 </a:ln>
@@ -24534,7 +24451,7 @@
               </a:rPr>
               <a:t>Give-Away „Würfel im Würfel“</a:t>
             </a:r>
-            <a:endParaRPr kumimoji="0" lang="de-DE" altLang="de-DE" sz="900" b="0" i="0" u="none" strike="noStrike" cap="none" normalizeH="0" baseline="0" dirty="0">
+            <a:endParaRPr kumimoji="0" lang="de-DE" sz="900" b="0" i="0" u="none" strike="noStrike" cap="none" normalizeH="0" baseline="0" noProof="1">
               <a:ln>
                 <a:noFill/>
               </a:ln>
@@ -24564,8 +24481,8 @@
         </p:nvSpPr>
         <p:spPr bwMode="auto">
           <a:xfrm>
-            <a:off x="7064519" y="10978515"/>
-            <a:ext cx="885825" cy="504825"/>
+            <a:off x="6967544" y="10603546"/>
+            <a:ext cx="1273235" cy="504825"/>
           </a:xfrm>
           <a:prstGeom prst="rect">
             <a:avLst/>
@@ -24619,7 +24536,7 @@
               <a:tabLst/>
             </a:pPr>
             <a:r>
-              <a:rPr kumimoji="0" lang="de-DE" altLang="de-DE" sz="900" b="0" i="0" u="none" strike="noStrike" cap="none" normalizeH="0" baseline="0" dirty="0">
+              <a:rPr kumimoji="0" lang="de-DE" sz="900" b="0" i="0" u="none" strike="noStrike" cap="none" normalizeH="0" baseline="0" noProof="1">
                 <a:ln>
                   <a:noFill/>
                 </a:ln>
@@ -24631,9 +24548,67 @@
                 <a:ea typeface="Aptos" panose="020B0004020202020204" pitchFamily="34" charset="0"/>
                 <a:cs typeface="Arial" panose="020B0604020202020204" pitchFamily="34" charset="0"/>
               </a:rPr>
-              <a:t>Give-Away „Multitool“</a:t>
+              <a:t>CNC-Fräsmaschine</a:t>
             </a:r>
-            <a:endParaRPr kumimoji="0" lang="de-DE" altLang="de-DE" sz="900" b="0" i="0" u="none" strike="noStrike" cap="none" normalizeH="0" baseline="0" dirty="0">
+            <a:br>
+              <a:rPr kumimoji="0" lang="de-DE" sz="900" b="0" i="0" u="none" strike="noStrike" cap="none" normalizeH="0" baseline="0" noProof="1">
+                <a:ln>
+                  <a:noFill/>
+                </a:ln>
+                <a:solidFill>
+                  <a:schemeClr val="tx1"/>
+                </a:solidFill>
+                <a:effectLst/>
+                <a:latin typeface="Arial" panose="020B0604020202020204" pitchFamily="34" charset="0"/>
+                <a:ea typeface="Aptos" panose="020B0004020202020204" pitchFamily="34" charset="0"/>
+                <a:cs typeface="Arial" panose="020B0604020202020204" pitchFamily="34" charset="0"/>
+              </a:rPr>
+            </a:br>
+            <a:r>
+              <a:rPr kumimoji="0" lang="de-DE" sz="900" b="0" i="0" u="none" strike="noStrike" cap="none" normalizeH="0" baseline="0" noProof="1">
+                <a:ln>
+                  <a:noFill/>
+                </a:ln>
+                <a:solidFill>
+                  <a:schemeClr val="tx1"/>
+                </a:solidFill>
+                <a:effectLst/>
+                <a:latin typeface="Arial" panose="020B0604020202020204" pitchFamily="34" charset="0"/>
+                <a:ea typeface="Aptos" panose="020B0004020202020204" pitchFamily="34" charset="0"/>
+                <a:cs typeface="Arial" panose="020B0604020202020204" pitchFamily="34" charset="0"/>
+              </a:rPr>
+              <a:t>Give-Away</a:t>
+            </a:r>
+            <a:br>
+              <a:rPr kumimoji="0" lang="de-DE" sz="900" b="0" i="0" u="none" strike="noStrike" cap="none" normalizeH="0" baseline="0" noProof="1">
+                <a:ln>
+                  <a:noFill/>
+                </a:ln>
+                <a:solidFill>
+                  <a:schemeClr val="tx1"/>
+                </a:solidFill>
+                <a:effectLst/>
+                <a:latin typeface="Arial" panose="020B0604020202020204" pitchFamily="34" charset="0"/>
+                <a:ea typeface="Aptos" panose="020B0004020202020204" pitchFamily="34" charset="0"/>
+                <a:cs typeface="Arial" panose="020B0604020202020204" pitchFamily="34" charset="0"/>
+              </a:rPr>
+            </a:br>
+            <a:r>
+              <a:rPr kumimoji="0" lang="de-DE" sz="900" b="0" i="0" u="none" strike="noStrike" cap="none" normalizeH="0" baseline="0" noProof="1">
+                <a:ln>
+                  <a:noFill/>
+                </a:ln>
+                <a:solidFill>
+                  <a:schemeClr val="tx1"/>
+                </a:solidFill>
+                <a:effectLst/>
+                <a:latin typeface="Arial" panose="020B0604020202020204" pitchFamily="34" charset="0"/>
+                <a:ea typeface="Aptos" panose="020B0004020202020204" pitchFamily="34" charset="0"/>
+                <a:cs typeface="Arial" panose="020B0604020202020204" pitchFamily="34" charset="0"/>
+              </a:rPr>
+              <a:t>„Schlüsselanhänger“</a:t>
+            </a:r>
+            <a:endParaRPr kumimoji="0" lang="de-DE" sz="900" b="0" i="0" u="none" strike="noStrike" cap="none" normalizeH="0" baseline="0" noProof="1">
               <a:ln>
                 <a:noFill/>
               </a:ln>
@@ -24794,10 +24769,10 @@
           <p:nvPr/>
         </p:nvPicPr>
         <p:blipFill>
-          <a:blip r:embed="rId2">
+          <a:blip r:embed="rId3">
             <a:extLst>
               <a:ext uri="{96DAC541-7B7A-43D3-8B79-37D633B846F1}">
-                <asvg:svgBlip xmlns:asvg="http://schemas.microsoft.com/office/drawing/2016/SVG/main" r:embed="rId3"/>
+                <asvg:svgBlip xmlns:asvg="http://schemas.microsoft.com/office/drawing/2016/SVG/main" r:embed="rId4"/>
               </a:ext>
             </a:extLst>
           </a:blip>
@@ -24830,10 +24805,10 @@
           <p:nvPr/>
         </p:nvPicPr>
         <p:blipFill>
-          <a:blip r:embed="rId2">
+          <a:blip r:embed="rId3">
             <a:extLst>
               <a:ext uri="{96DAC541-7B7A-43D3-8B79-37D633B846F1}">
-                <asvg:svgBlip xmlns:asvg="http://schemas.microsoft.com/office/drawing/2016/SVG/main" r:embed="rId3"/>
+                <asvg:svgBlip xmlns:asvg="http://schemas.microsoft.com/office/drawing/2016/SVG/main" r:embed="rId4"/>
               </a:ext>
             </a:extLst>
           </a:blip>
@@ -24866,10 +24841,10 @@
           <p:nvPr/>
         </p:nvPicPr>
         <p:blipFill>
-          <a:blip r:embed="rId4">
+          <a:blip r:embed="rId5">
             <a:extLst>
               <a:ext uri="{96DAC541-7B7A-43D3-8B79-37D633B846F1}">
-                <asvg:svgBlip xmlns:asvg="http://schemas.microsoft.com/office/drawing/2016/SVG/main" r:embed="rId5"/>
+                <asvg:svgBlip xmlns:asvg="http://schemas.microsoft.com/office/drawing/2016/SVG/main" r:embed="rId6"/>
               </a:ext>
             </a:extLst>
           </a:blip>
@@ -24902,10 +24877,10 @@
           <p:nvPr/>
         </p:nvPicPr>
         <p:blipFill>
-          <a:blip r:embed="rId4">
+          <a:blip r:embed="rId5">
             <a:extLst>
               <a:ext uri="{96DAC541-7B7A-43D3-8B79-37D633B846F1}">
-                <asvg:svgBlip xmlns:asvg="http://schemas.microsoft.com/office/drawing/2016/SVG/main" r:embed="rId5"/>
+                <asvg:svgBlip xmlns:asvg="http://schemas.microsoft.com/office/drawing/2016/SVG/main" r:embed="rId6"/>
               </a:ext>
             </a:extLst>
           </a:blip>
@@ -24938,10 +24913,10 @@
           <p:nvPr/>
         </p:nvPicPr>
         <p:blipFill>
-          <a:blip r:embed="rId6">
+          <a:blip r:embed="rId7">
             <a:extLst>
               <a:ext uri="{96DAC541-7B7A-43D3-8B79-37D633B846F1}">
-                <asvg:svgBlip xmlns:asvg="http://schemas.microsoft.com/office/drawing/2016/SVG/main" r:embed="rId7"/>
+                <asvg:svgBlip xmlns:asvg="http://schemas.microsoft.com/office/drawing/2016/SVG/main" r:embed="rId8"/>
               </a:ext>
             </a:extLst>
           </a:blip>
@@ -24974,10 +24949,10 @@
           <p:nvPr/>
         </p:nvPicPr>
         <p:blipFill>
-          <a:blip r:embed="rId8">
+          <a:blip r:embed="rId9">
             <a:extLst>
               <a:ext uri="{96DAC541-7B7A-43D3-8B79-37D633B846F1}">
-                <asvg:svgBlip xmlns:asvg="http://schemas.microsoft.com/office/drawing/2016/SVG/main" r:embed="rId9"/>
+                <asvg:svgBlip xmlns:asvg="http://schemas.microsoft.com/office/drawing/2016/SVG/main" r:embed="rId10"/>
               </a:ext>
             </a:extLst>
           </a:blip>
@@ -25010,10 +24985,10 @@
           <p:nvPr/>
         </p:nvPicPr>
         <p:blipFill>
-          <a:blip r:embed="rId10">
+          <a:blip r:embed="rId11">
             <a:extLst>
               <a:ext uri="{96DAC541-7B7A-43D3-8B79-37D633B846F1}">
-                <asvg:svgBlip xmlns:asvg="http://schemas.microsoft.com/office/drawing/2016/SVG/main" r:embed="rId11"/>
+                <asvg:svgBlip xmlns:asvg="http://schemas.microsoft.com/office/drawing/2016/SVG/main" r:embed="rId12"/>
               </a:ext>
             </a:extLst>
           </a:blip>
@@ -25046,10 +25021,10 @@
           <p:nvPr/>
         </p:nvPicPr>
         <p:blipFill>
-          <a:blip r:embed="rId8">
+          <a:blip r:embed="rId9">
             <a:extLst>
               <a:ext uri="{96DAC541-7B7A-43D3-8B79-37D633B846F1}">
-                <asvg:svgBlip xmlns:asvg="http://schemas.microsoft.com/office/drawing/2016/SVG/main" r:embed="rId9"/>
+                <asvg:svgBlip xmlns:asvg="http://schemas.microsoft.com/office/drawing/2016/SVG/main" r:embed="rId10"/>
               </a:ext>
             </a:extLst>
           </a:blip>
@@ -25081,7 +25056,7 @@
         </p:nvSpPr>
         <p:spPr>
           <a:xfrm>
-            <a:off x="5113020" y="3458845"/>
+            <a:off x="5075214" y="3999230"/>
             <a:ext cx="361950" cy="342900"/>
           </a:xfrm>
           <a:prstGeom prst="irregularSeal1">
@@ -25116,7 +25091,7 @@
           </a:bodyPr>
           <a:lstStyle/>
           <a:p>
-            <a:endParaRPr lang="de-DE">
+            <a:endParaRPr lang="de-DE" noProof="1">
               <a:latin typeface="Arial" panose="020B0604020202020204" pitchFamily="34" charset="0"/>
               <a:cs typeface="Arial" panose="020B0604020202020204" pitchFamily="34" charset="0"/>
             </a:endParaRPr>
@@ -25137,7 +25112,7 @@
         </p:nvSpPr>
         <p:spPr>
           <a:xfrm>
-            <a:off x="7729855" y="10977245"/>
+            <a:off x="7646670" y="11110595"/>
             <a:ext cx="361950" cy="342900"/>
           </a:xfrm>
           <a:prstGeom prst="irregularSeal1">
@@ -25172,7 +25147,7 @@
           </a:bodyPr>
           <a:lstStyle/>
           <a:p>
-            <a:endParaRPr lang="de-DE">
+            <a:endParaRPr lang="de-DE" noProof="1">
               <a:latin typeface="Arial" panose="020B0604020202020204" pitchFamily="34" charset="0"/>
               <a:cs typeface="Arial" panose="020B0604020202020204" pitchFamily="34" charset="0"/>
             </a:endParaRPr>
@@ -25228,7 +25203,7 @@
           </a:bodyPr>
           <a:lstStyle/>
           <a:p>
-            <a:endParaRPr lang="de-DE">
+            <a:endParaRPr lang="de-DE" noProof="1">
               <a:latin typeface="Arial" panose="020B0604020202020204" pitchFamily="34" charset="0"/>
               <a:cs typeface="Arial" panose="020B0604020202020204" pitchFamily="34" charset="0"/>
             </a:endParaRPr>
@@ -25306,7 +25281,7 @@
               <a:tabLst/>
             </a:pPr>
             <a:r>
-              <a:rPr kumimoji="0" lang="de-DE" altLang="de-DE" sz="900" b="0" i="0" u="none" strike="noStrike" cap="none" normalizeH="0" baseline="0" dirty="0">
+              <a:rPr kumimoji="0" lang="de-DE" sz="900" b="0" i="0" u="none" strike="noStrike" cap="none" normalizeH="0" baseline="0" noProof="1">
                 <a:ln>
                   <a:noFill/>
                 </a:ln>
@@ -25320,7 +25295,7 @@
               </a:rPr>
               <a:t>Produktausstellung</a:t>
             </a:r>
-            <a:endParaRPr kumimoji="0" lang="de-DE" altLang="de-DE" sz="1800" b="0" i="0" u="none" strike="noStrike" cap="none" normalizeH="0" baseline="0" dirty="0">
+            <a:endParaRPr kumimoji="0" lang="de-DE" sz="1800" b="0" i="0" u="none" strike="noStrike" cap="none" normalizeH="0" baseline="0" noProof="1">
               <a:ln>
                 <a:noFill/>
               </a:ln>
@@ -25349,7 +25324,7 @@
           <p:nvPr/>
         </p:nvPicPr>
         <p:blipFill>
-          <a:blip r:embed="rId12">
+          <a:blip r:embed="rId13">
             <a:extLst>
               <a:ext uri="{28A0092B-C50C-407E-A947-70E740481C1C}">
                 <a14:useLocalDpi xmlns:a14="http://schemas.microsoft.com/office/drawing/2010/main" val="0"/>
@@ -25441,7 +25416,7 @@
         </p:nvSpPr>
         <p:spPr bwMode="auto">
           <a:xfrm>
-            <a:off x="5362575" y="9625013"/>
+            <a:off x="5787073" y="9045869"/>
             <a:ext cx="2748279" cy="1009650"/>
           </a:xfrm>
           <a:prstGeom prst="rect">
@@ -25496,7 +25471,7 @@
               <a:tabLst/>
             </a:pPr>
             <a:r>
-              <a:rPr kumimoji="0" lang="de-DE" altLang="de-DE" sz="1100" b="0" i="0" u="none" strike="noStrike" cap="none" normalizeH="0" baseline="0" dirty="0">
+              <a:rPr kumimoji="0" lang="de-DE" sz="1100" b="0" i="0" u="none" strike="noStrike" cap="none" normalizeH="0" baseline="0" noProof="1">
                 <a:ln>
                   <a:noFill/>
                 </a:ln>
@@ -25510,7 +25485,7 @@
               </a:rPr>
               <a:t> Werkzeugmechaniker*</a:t>
             </a:r>
-            <a:endParaRPr kumimoji="0" lang="de-DE" altLang="de-DE" sz="1100" b="0" i="0" u="none" strike="noStrike" cap="none" normalizeH="0" baseline="0" dirty="0">
+            <a:endParaRPr kumimoji="0" lang="de-DE" sz="1100" b="0" i="0" u="none" strike="noStrike" cap="none" normalizeH="0" baseline="0" noProof="1">
               <a:ln>
                 <a:noFill/>
               </a:ln>
@@ -25540,7 +25515,7 @@
               <a:tabLst/>
             </a:pPr>
             <a:r>
-              <a:rPr kumimoji="0" lang="de-DE" altLang="de-DE" sz="1100" b="0" i="0" u="none" strike="noStrike" cap="none" normalizeH="0" baseline="0" dirty="0">
+              <a:rPr kumimoji="0" lang="de-DE" sz="1100" b="0" i="0" u="none" strike="noStrike" cap="none" normalizeH="0" baseline="0" noProof="1">
                 <a:ln>
                   <a:noFill/>
                 </a:ln>
@@ -25552,39 +25527,10 @@
                 <a:ea typeface="Aptos" panose="020B0004020202020204" pitchFamily="34" charset="0"/>
                 <a:cs typeface="Arial" panose="020B0604020202020204" pitchFamily="34" charset="0"/>
               </a:rPr>
-              <a:t> Industriemechaniker*</a:t>
+              <a:t> Kunststoff- und Kautschuk-</a:t>
             </a:r>
-            <a:endParaRPr kumimoji="0" lang="de-DE" altLang="de-DE" sz="1100" b="0" i="0" u="none" strike="noStrike" cap="none" normalizeH="0" baseline="0" dirty="0">
-              <a:ln>
-                <a:noFill/>
-              </a:ln>
-              <a:solidFill>
-                <a:schemeClr val="tx1"/>
-              </a:solidFill>
-              <a:effectLst/>
-              <a:latin typeface="Arial" panose="020B0604020202020204" pitchFamily="34" charset="0"/>
-              <a:cs typeface="Arial" panose="020B0604020202020204" pitchFamily="34" charset="0"/>
-            </a:endParaRPr>
-          </a:p>
-          <a:p>
-            <a:pPr marL="0" marR="0" lvl="0" indent="0" algn="l" defTabSz="914400" rtl="0" eaLnBrk="0" fontAlgn="base" latinLnBrk="0" hangingPunct="0">
-              <a:lnSpc>
-                <a:spcPct val="100000"/>
-              </a:lnSpc>
-              <a:spcBef>
-                <a:spcPct val="0"/>
-              </a:spcBef>
-              <a:spcAft>
-                <a:spcPct val="0"/>
-              </a:spcAft>
-              <a:buClrTx/>
-              <a:buSzTx/>
-              <a:buFontTx/>
-              <a:buChar char="•"/>
-              <a:tabLst/>
-            </a:pPr>
-            <a:r>
-              <a:rPr kumimoji="0" lang="de-DE" altLang="de-DE" sz="1100" b="0" i="0" u="none" strike="noStrike" cap="none" normalizeH="0" baseline="0" dirty="0">
+            <a:br>
+              <a:rPr kumimoji="0" lang="de-DE" sz="1100" b="0" i="0" u="none" strike="noStrike" cap="none" normalizeH="0" baseline="0" noProof="1">
                 <a:ln>
                   <a:noFill/>
                 </a:ln>
@@ -25596,39 +25542,9 @@
                 <a:ea typeface="Aptos" panose="020B0004020202020204" pitchFamily="34" charset="0"/>
                 <a:cs typeface="Arial" panose="020B0604020202020204" pitchFamily="34" charset="0"/>
               </a:rPr>
-              <a:t> Maschinen- und Anlagenführer*</a:t>
-            </a:r>
-            <a:endParaRPr kumimoji="0" lang="de-DE" altLang="de-DE" sz="1100" b="0" i="0" u="none" strike="noStrike" cap="none" normalizeH="0" baseline="0" dirty="0">
-              <a:ln>
-                <a:noFill/>
-              </a:ln>
-              <a:solidFill>
-                <a:schemeClr val="tx1"/>
-              </a:solidFill>
-              <a:effectLst/>
-              <a:latin typeface="Arial" panose="020B0604020202020204" pitchFamily="34" charset="0"/>
-              <a:cs typeface="Arial" panose="020B0604020202020204" pitchFamily="34" charset="0"/>
-            </a:endParaRPr>
-          </a:p>
-          <a:p>
-            <a:pPr marL="0" marR="0" lvl="0" indent="0" defTabSz="914400" rtl="0" eaLnBrk="0" fontAlgn="base" latinLnBrk="0" hangingPunct="0">
-              <a:lnSpc>
-                <a:spcPct val="100000"/>
-              </a:lnSpc>
-              <a:spcBef>
-                <a:spcPct val="0"/>
-              </a:spcBef>
-              <a:spcAft>
-                <a:spcPct val="0"/>
-              </a:spcAft>
-              <a:buClrTx/>
-              <a:buSzTx/>
-              <a:buFontTx/>
-              <a:buChar char="•"/>
-              <a:tabLst/>
-            </a:pPr>
+            </a:br>
             <a:r>
-              <a:rPr kumimoji="0" lang="de-DE" altLang="de-DE" sz="1100" b="0" i="0" u="none" strike="noStrike" cap="none" normalizeH="0" baseline="0" dirty="0">
+              <a:rPr kumimoji="0" lang="de-DE" sz="1100" b="0" i="0" u="none" strike="noStrike" cap="none" normalizeH="0" baseline="0" noProof="1">
                 <a:ln>
                   <a:noFill/>
                 </a:ln>
@@ -25640,9 +25556,9 @@
                 <a:ea typeface="Aptos" panose="020B0004020202020204" pitchFamily="34" charset="0"/>
                 <a:cs typeface="Arial" panose="020B0604020202020204" pitchFamily="34" charset="0"/>
               </a:rPr>
-              <a:t> Kunststoff- und Kautschuktechnologe*</a:t>
+              <a:t>  technologe*</a:t>
             </a:r>
-            <a:endParaRPr kumimoji="0" lang="de-DE" altLang="de-DE" sz="1100" b="0" i="0" u="none" strike="noStrike" cap="none" normalizeH="0" baseline="0" dirty="0">
+            <a:endParaRPr kumimoji="0" lang="de-DE" sz="1100" b="0" i="0" u="none" strike="noStrike" cap="none" normalizeH="0" baseline="0" noProof="1">
               <a:ln>
                 <a:noFill/>
               </a:ln>
@@ -25803,10 +25719,10 @@
           <p:nvPr/>
         </p:nvPicPr>
         <p:blipFill>
-          <a:blip r:embed="rId6">
+          <a:blip r:embed="rId7">
             <a:extLst>
               <a:ext uri="{96DAC541-7B7A-43D3-8B79-37D633B846F1}">
-                <asvg:svgBlip xmlns:asvg="http://schemas.microsoft.com/office/drawing/2016/SVG/main" r:embed="rId7"/>
+                <asvg:svgBlip xmlns:asvg="http://schemas.microsoft.com/office/drawing/2016/SVG/main" r:embed="rId8"/>
               </a:ext>
             </a:extLst>
           </a:blip>
@@ -26335,7 +26251,7 @@
               <a:tabLst/>
             </a:pPr>
             <a:r>
-              <a:rPr kumimoji="0" lang="de-DE" altLang="de-DE" sz="1100" b="0" i="0" u="none" strike="noStrike" cap="none" normalizeH="0" baseline="0" dirty="0">
+              <a:rPr kumimoji="0" lang="de-DE" sz="1100" b="0" i="0" u="none" strike="noStrike" cap="none" normalizeH="0" baseline="0" noProof="1">
                 <a:ln>
                   <a:noFill/>
                 </a:ln>
@@ -26349,7 +26265,7 @@
               </a:rPr>
               <a:t>Fahr-stuhl</a:t>
             </a:r>
-            <a:endParaRPr kumimoji="0" lang="de-DE" altLang="de-DE" sz="2800" b="0" i="0" u="none" strike="noStrike" cap="none" normalizeH="0" baseline="0" dirty="0">
+            <a:endParaRPr kumimoji="0" lang="de-DE" sz="2800" b="0" i="0" u="none" strike="noStrike" cap="none" normalizeH="0" baseline="0" noProof="1">
               <a:ln>
                 <a:noFill/>
               </a:ln>
@@ -26427,7 +26343,7 @@
             </a:bodyPr>
             <a:lstStyle/>
             <a:p>
-              <a:endParaRPr lang="de-DE">
+              <a:endParaRPr lang="de-DE" noProof="1">
                 <a:latin typeface="Arial" panose="020B0604020202020204" pitchFamily="34" charset="0"/>
                 <a:cs typeface="Arial" panose="020B0604020202020204" pitchFamily="34" charset="0"/>
               </a:endParaRPr>
@@ -26536,7 +26452,7 @@
             </a:bodyPr>
             <a:lstStyle/>
             <a:p>
-              <a:endParaRPr lang="de-DE">
+              <a:endParaRPr lang="de-DE" noProof="1">
                 <a:latin typeface="Arial" panose="020B0604020202020204" pitchFamily="34" charset="0"/>
                 <a:cs typeface="Arial" panose="020B0604020202020204" pitchFamily="34" charset="0"/>
               </a:endParaRPr>
@@ -26645,7 +26561,7 @@
             </a:bodyPr>
             <a:lstStyle/>
             <a:p>
-              <a:endParaRPr lang="de-DE">
+              <a:endParaRPr lang="de-DE" noProof="1">
                 <a:latin typeface="Arial" panose="020B0604020202020204" pitchFamily="34" charset="0"/>
                 <a:cs typeface="Arial" panose="020B0604020202020204" pitchFamily="34" charset="0"/>
               </a:endParaRPr>
@@ -26754,7 +26670,7 @@
             </a:bodyPr>
             <a:lstStyle/>
             <a:p>
-              <a:endParaRPr lang="de-DE">
+              <a:endParaRPr lang="de-DE" noProof="1">
                 <a:latin typeface="Arial" panose="020B0604020202020204" pitchFamily="34" charset="0"/>
                 <a:cs typeface="Arial" panose="020B0604020202020204" pitchFamily="34" charset="0"/>
               </a:endParaRPr>
@@ -26863,7 +26779,7 @@
             </a:bodyPr>
             <a:lstStyle/>
             <a:p>
-              <a:endParaRPr lang="de-DE">
+              <a:endParaRPr lang="de-DE" noProof="1">
                 <a:latin typeface="Arial" panose="020B0604020202020204" pitchFamily="34" charset="0"/>
                 <a:cs typeface="Arial" panose="020B0604020202020204" pitchFamily="34" charset="0"/>
               </a:endParaRPr>
@@ -26972,7 +26888,7 @@
             </a:bodyPr>
             <a:lstStyle/>
             <a:p>
-              <a:endParaRPr lang="de-DE">
+              <a:endParaRPr lang="de-DE" noProof="1">
                 <a:latin typeface="Arial" panose="020B0604020202020204" pitchFamily="34" charset="0"/>
                 <a:cs typeface="Arial" panose="020B0604020202020204" pitchFamily="34" charset="0"/>
               </a:endParaRPr>
@@ -27081,7 +26997,7 @@
             </a:bodyPr>
             <a:lstStyle/>
             <a:p>
-              <a:endParaRPr lang="de-DE">
+              <a:endParaRPr lang="de-DE" noProof="1">
                 <a:latin typeface="Arial" panose="020B0604020202020204" pitchFamily="34" charset="0"/>
                 <a:cs typeface="Arial" panose="020B0604020202020204" pitchFamily="34" charset="0"/>
               </a:endParaRPr>
@@ -27190,7 +27106,7 @@
             </a:bodyPr>
             <a:lstStyle/>
             <a:p>
-              <a:endParaRPr lang="de-DE">
+              <a:endParaRPr lang="de-DE" noProof="1">
                 <a:latin typeface="Arial" panose="020B0604020202020204" pitchFamily="34" charset="0"/>
                 <a:cs typeface="Arial" panose="020B0604020202020204" pitchFamily="34" charset="0"/>
               </a:endParaRPr>
@@ -27299,7 +27215,7 @@
             </a:bodyPr>
             <a:lstStyle/>
             <a:p>
-              <a:endParaRPr lang="de-DE">
+              <a:endParaRPr lang="de-DE" noProof="1">
                 <a:latin typeface="Arial" panose="020B0604020202020204" pitchFamily="34" charset="0"/>
                 <a:cs typeface="Arial" panose="020B0604020202020204" pitchFamily="34" charset="0"/>
               </a:endParaRPr>
@@ -27408,7 +27324,7 @@
             </a:bodyPr>
             <a:lstStyle/>
             <a:p>
-              <a:endParaRPr lang="de-DE">
+              <a:endParaRPr lang="de-DE" noProof="1">
                 <a:latin typeface="Arial" panose="020B0604020202020204" pitchFamily="34" charset="0"/>
                 <a:cs typeface="Arial" panose="020B0604020202020204" pitchFamily="34" charset="0"/>
               </a:endParaRPr>
@@ -27517,7 +27433,7 @@
             </a:bodyPr>
             <a:lstStyle/>
             <a:p>
-              <a:endParaRPr lang="de-DE">
+              <a:endParaRPr lang="de-DE" noProof="1">
                 <a:latin typeface="Arial" panose="020B0604020202020204" pitchFamily="34" charset="0"/>
                 <a:cs typeface="Arial" panose="020B0604020202020204" pitchFamily="34" charset="0"/>
               </a:endParaRPr>
@@ -27626,7 +27542,7 @@
             </a:bodyPr>
             <a:lstStyle/>
             <a:p>
-              <a:endParaRPr lang="de-DE">
+              <a:endParaRPr lang="de-DE" noProof="1">
                 <a:latin typeface="Arial" panose="020B0604020202020204" pitchFamily="34" charset="0"/>
                 <a:cs typeface="Arial" panose="020B0604020202020204" pitchFamily="34" charset="0"/>
               </a:endParaRPr>
@@ -27735,7 +27651,7 @@
             </a:bodyPr>
             <a:lstStyle/>
             <a:p>
-              <a:endParaRPr lang="de-DE">
+              <a:endParaRPr lang="de-DE" noProof="1">
                 <a:latin typeface="Arial" panose="020B0604020202020204" pitchFamily="34" charset="0"/>
                 <a:cs typeface="Arial" panose="020B0604020202020204" pitchFamily="34" charset="0"/>
               </a:endParaRPr>
@@ -27844,7 +27760,7 @@
             </a:bodyPr>
             <a:lstStyle/>
             <a:p>
-              <a:endParaRPr lang="de-DE">
+              <a:endParaRPr lang="de-DE" noProof="1">
                 <a:latin typeface="Arial" panose="020B0604020202020204" pitchFamily="34" charset="0"/>
                 <a:cs typeface="Arial" panose="020B0604020202020204" pitchFamily="34" charset="0"/>
               </a:endParaRPr>
@@ -27997,7 +27913,7 @@
             </a:bodyPr>
             <a:lstStyle/>
             <a:p>
-              <a:endParaRPr lang="de-DE">
+              <a:endParaRPr lang="de-DE" noProof="1">
                 <a:latin typeface="Arial" panose="020B0604020202020204" pitchFamily="34" charset="0"/>
                 <a:cs typeface="Arial" panose="020B0604020202020204" pitchFamily="34" charset="0"/>
               </a:endParaRPr>
@@ -28277,10 +28193,10 @@
           <p:nvPr/>
         </p:nvPicPr>
         <p:blipFill>
-          <a:blip r:embed="rId13">
+          <a:blip r:embed="rId14">
             <a:extLst>
               <a:ext uri="{96DAC541-7B7A-43D3-8B79-37D633B846F1}">
-                <asvg:svgBlip xmlns:asvg="http://schemas.microsoft.com/office/drawing/2016/SVG/main" r:embed="rId14"/>
+                <asvg:svgBlip xmlns:asvg="http://schemas.microsoft.com/office/drawing/2016/SVG/main" r:embed="rId15"/>
               </a:ext>
             </a:extLst>
           </a:blip>
@@ -28413,7 +28329,7 @@
               <a:tabLst/>
             </a:pPr>
             <a:r>
-              <a:rPr kumimoji="0" lang="de-DE" altLang="de-DE" sz="1100" b="0" i="0" u="none" strike="noStrike" cap="none" normalizeH="0" baseline="0" dirty="0">
+              <a:rPr kumimoji="0" lang="de-DE" sz="1100" b="0" i="0" u="none" strike="noStrike" cap="none" normalizeH="0" baseline="0" noProof="1">
                 <a:ln>
                   <a:noFill/>
                 </a:ln>
@@ -28427,7 +28343,7 @@
               </a:rPr>
               <a:t>Treppen- haus</a:t>
             </a:r>
-            <a:endParaRPr kumimoji="0" lang="de-DE" altLang="de-DE" sz="1100" b="0" i="0" u="none" strike="noStrike" cap="none" normalizeH="0" baseline="0" dirty="0">
+            <a:endParaRPr kumimoji="0" lang="de-DE" sz="1100" b="0" i="0" u="none" strike="noStrike" cap="none" normalizeH="0" baseline="0" noProof="1">
               <a:ln>
                 <a:noFill/>
               </a:ln>
@@ -28490,7 +28406,7 @@
           </a:bodyPr>
           <a:lstStyle/>
           <a:p>
-            <a:endParaRPr lang="de-DE">
+            <a:endParaRPr lang="de-DE" noProof="1">
               <a:latin typeface="Arial" panose="020B0604020202020204" pitchFamily="34" charset="0"/>
               <a:cs typeface="Arial" panose="020B0604020202020204" pitchFamily="34" charset="0"/>
             </a:endParaRPr>
@@ -28568,7 +28484,7 @@
               <a:tabLst/>
             </a:pPr>
             <a:r>
-              <a:rPr kumimoji="0" lang="de-DE" altLang="de-DE" sz="1400" b="0" i="0" u="none" strike="noStrike" cap="none" normalizeH="0" baseline="0">
+              <a:rPr kumimoji="0" lang="de-DE" sz="1400" b="0" i="0" u="none" strike="noStrike" cap="none" normalizeH="0" baseline="0" noProof="1">
                 <a:ln>
                   <a:noFill/>
                 </a:ln>
@@ -28582,7 +28498,7 @@
               </a:rPr>
               <a:t>Aktionspunkt</a:t>
             </a:r>
-            <a:endParaRPr kumimoji="0" lang="de-DE" altLang="de-DE" sz="1800" b="0" i="0" u="none" strike="noStrike" cap="none" normalizeH="0" baseline="0">
+            <a:endParaRPr kumimoji="0" lang="de-DE" sz="1800" b="0" i="0" u="none" strike="noStrike" cap="none" normalizeH="0" baseline="0" noProof="1">
               <a:ln>
                 <a:noFill/>
               </a:ln>
@@ -28596,68 +28512,6 @@
           </a:p>
         </p:txBody>
       </p:sp>
-      <p:sp>
-        <p:nvSpPr>
-          <p:cNvPr id="3431" name="Textfeld 2">
-            <a:extLst>
-              <a:ext uri="{FF2B5EF4-FFF2-40B4-BE49-F238E27FC236}">
-                <a16:creationId xmlns:a16="http://schemas.microsoft.com/office/drawing/2014/main" id="{7BB0DC55-B47D-6DCB-D814-E6835CD1E4E4}"/>
-              </a:ext>
-            </a:extLst>
-          </p:cNvPr>
-          <p:cNvSpPr txBox="1">
-            <a:spLocks noChangeArrowheads="1"/>
-          </p:cNvSpPr>
-          <p:nvPr/>
-        </p:nvSpPr>
-        <p:spPr bwMode="auto">
-          <a:xfrm>
-            <a:off x="1936750" y="11065510"/>
-            <a:ext cx="2992120" cy="403860"/>
-          </a:xfrm>
-          <a:prstGeom prst="rect">
-            <a:avLst/>
-          </a:prstGeom>
-          <a:noFill/>
-          <a:ln w="9525">
-            <a:noFill/>
-            <a:miter lim="800000"/>
-            <a:headEnd/>
-            <a:tailEnd/>
-          </a:ln>
-        </p:spPr>
-        <p:txBody>
-          <a:bodyPr rot="0" vert="horz" wrap="square" lIns="91440" tIns="45720" rIns="91440" bIns="45720" anchor="t" anchorCtr="0">
-            <a:noAutofit/>
-          </a:bodyPr>
-          <a:lstStyle/>
-          <a:p>
-            <a:pPr>
-              <a:lnSpc>
-                <a:spcPct val="115000"/>
-              </a:lnSpc>
-              <a:spcAft>
-                <a:spcPts val="800"/>
-              </a:spcAft>
-            </a:pPr>
-            <a:r>
-              <a:rPr lang="de-DE" sz="1400" kern="100">
-                <a:effectLst/>
-                <a:latin typeface="Arial" panose="020B0604020202020204" pitchFamily="34" charset="0"/>
-                <a:ea typeface="Aptos" panose="020B0004020202020204" pitchFamily="34" charset="0"/>
-                <a:cs typeface="Arial" panose="020B0604020202020204" pitchFamily="34" charset="0"/>
-              </a:rPr>
-              <a:t> </a:t>
-            </a:r>
-            <a:endParaRPr lang="de-DE" sz="1200" kern="100">
-              <a:effectLst/>
-              <a:latin typeface="Arial" panose="020B0604020202020204" pitchFamily="34" charset="0"/>
-              <a:ea typeface="Aptos" panose="020B0004020202020204" pitchFamily="34" charset="0"/>
-              <a:cs typeface="Arial" panose="020B0604020202020204" pitchFamily="34" charset="0"/>
-            </a:endParaRPr>
-          </a:p>
-        </p:txBody>
-      </p:sp>
       <p:pic>
         <p:nvPicPr>
           <p:cNvPr id="3432" name="Grafik 3431" descr="Eingabe mit einfarbiger Füllung">
@@ -28673,10 +28527,10 @@
           <p:nvPr/>
         </p:nvPicPr>
         <p:blipFill>
-          <a:blip r:embed="rId4">
+          <a:blip r:embed="rId5">
             <a:extLst>
               <a:ext uri="{96DAC541-7B7A-43D3-8B79-37D633B846F1}">
-                <asvg:svgBlip xmlns:asvg="http://schemas.microsoft.com/office/drawing/2016/SVG/main" r:embed="rId5"/>
+                <asvg:svgBlip xmlns:asvg="http://schemas.microsoft.com/office/drawing/2016/SVG/main" r:embed="rId6"/>
               </a:ext>
             </a:extLst>
           </a:blip>
@@ -28765,7 +28619,7 @@
               <a:tabLst/>
             </a:pPr>
             <a:r>
-              <a:rPr kumimoji="0" lang="de-DE" altLang="de-DE" sz="1400" b="0" i="0" u="none" strike="noStrike" cap="none" normalizeH="0" baseline="0">
+              <a:rPr kumimoji="0" lang="de-DE" sz="1400" b="0" i="0" u="none" strike="noStrike" cap="none" normalizeH="0" baseline="0" noProof="1">
                 <a:ln>
                   <a:noFill/>
                 </a:ln>
@@ -28779,7 +28633,7 @@
               </a:rPr>
               <a:t>Fluchtweg / Notausgang</a:t>
             </a:r>
-            <a:endParaRPr kumimoji="0" lang="de-DE" altLang="de-DE" sz="1800" b="0" i="0" u="none" strike="noStrike" cap="none" normalizeH="0" baseline="0">
+            <a:endParaRPr kumimoji="0" lang="de-DE" sz="1800" b="0" i="0" u="none" strike="noStrike" cap="none" normalizeH="0" baseline="0" noProof="1">
               <a:ln>
                 <a:noFill/>
               </a:ln>
@@ -28864,7 +28718,7 @@
               <a:tabLst/>
             </a:pPr>
             <a:r>
-              <a:rPr kumimoji="0" lang="de-DE" altLang="de-DE" sz="1000" b="0" i="0" u="none" strike="noStrike" cap="none" normalizeH="0" baseline="0" dirty="0">
+              <a:rPr kumimoji="0" lang="de-DE" sz="1000" b="0" i="0" u="none" strike="noStrike" cap="none" normalizeH="0" baseline="0" noProof="1">
                 <a:ln>
                   <a:noFill/>
                 </a:ln>
@@ -28878,7 +28732,7 @@
               </a:rPr>
               <a:t>WC</a:t>
             </a:r>
-            <a:endParaRPr kumimoji="0" lang="de-DE" altLang="de-DE" sz="1800" b="0" i="0" u="none" strike="noStrike" cap="none" normalizeH="0" baseline="0" dirty="0">
+            <a:endParaRPr kumimoji="0" lang="de-DE" sz="1800" b="0" i="0" u="none" strike="noStrike" cap="none" normalizeH="0" baseline="0" noProof="1">
               <a:ln>
                 <a:noFill/>
               </a:ln>
@@ -28963,7 +28817,7 @@
               <a:tabLst/>
             </a:pPr>
             <a:r>
-              <a:rPr kumimoji="0" lang="de-DE" altLang="de-DE" sz="1000" b="0" i="0" u="none" strike="noStrike" cap="none" normalizeH="0" baseline="0" dirty="0">
+              <a:rPr kumimoji="0" lang="de-DE" sz="1000" b="0" i="0" u="none" strike="noStrike" cap="none" normalizeH="0" baseline="0" noProof="1">
                 <a:ln>
                   <a:noFill/>
                 </a:ln>
@@ -28977,7 +28831,7 @@
               </a:rPr>
               <a:t>WC</a:t>
             </a:r>
-            <a:endParaRPr kumimoji="0" lang="de-DE" altLang="de-DE" sz="1800" b="0" i="0" u="none" strike="noStrike" cap="none" normalizeH="0" baseline="0" dirty="0">
+            <a:endParaRPr kumimoji="0" lang="de-DE" sz="1800" b="0" i="0" u="none" strike="noStrike" cap="none" normalizeH="0" baseline="0" noProof="1">
               <a:ln>
                 <a:noFill/>
               </a:ln>
@@ -29062,7 +28916,7 @@
               <a:tabLst/>
             </a:pPr>
             <a:r>
-              <a:rPr kumimoji="0" lang="de-DE" altLang="de-DE" sz="1000" b="0" i="0" u="none" strike="noStrike" cap="none" normalizeH="0" baseline="0" dirty="0">
+              <a:rPr kumimoji="0" lang="de-DE" sz="1000" b="0" i="0" u="none" strike="noStrike" cap="none" normalizeH="0" baseline="0" noProof="1">
                 <a:ln>
                   <a:noFill/>
                 </a:ln>
@@ -29076,7 +28930,7 @@
               </a:rPr>
               <a:t>WC</a:t>
             </a:r>
-            <a:endParaRPr kumimoji="0" lang="de-DE" altLang="de-DE" sz="1800" b="0" i="0" u="none" strike="noStrike" cap="none" normalizeH="0" baseline="0" dirty="0">
+            <a:endParaRPr kumimoji="0" lang="de-DE" sz="1800" b="0" i="0" u="none" strike="noStrike" cap="none" normalizeH="0" baseline="0" noProof="1">
               <a:ln>
                 <a:noFill/>
               </a:ln>
@@ -29161,7 +29015,7 @@
               <a:tabLst/>
             </a:pPr>
             <a:r>
-              <a:rPr kumimoji="0" lang="de-DE" altLang="de-DE" sz="1000" b="0" i="0" u="none" strike="noStrike" cap="none" normalizeH="0" baseline="0" dirty="0">
+              <a:rPr kumimoji="0" lang="de-DE" sz="1000" b="0" i="0" u="none" strike="noStrike" cap="none" normalizeH="0" baseline="0" noProof="1">
                 <a:ln>
                   <a:noFill/>
                 </a:ln>
@@ -29175,7 +29029,7 @@
               </a:rPr>
               <a:t>WC</a:t>
             </a:r>
-            <a:endParaRPr kumimoji="0" lang="de-DE" altLang="de-DE" sz="1800" b="0" i="0" u="none" strike="noStrike" cap="none" normalizeH="0" baseline="0" dirty="0">
+            <a:endParaRPr kumimoji="0" lang="de-DE" sz="1800" b="0" i="0" u="none" strike="noStrike" cap="none" normalizeH="0" baseline="0" noProof="1">
               <a:ln>
                 <a:noFill/>
               </a:ln>
@@ -29248,10 +29102,10 @@
           <p:nvPr/>
         </p:nvPicPr>
         <p:blipFill>
-          <a:blip r:embed="rId15">
+          <a:blip r:embed="rId16">
             <a:extLst>
               <a:ext uri="{96DAC541-7B7A-43D3-8B79-37D633B846F1}">
-                <asvg:svgBlip xmlns:asvg="http://schemas.microsoft.com/office/drawing/2016/SVG/main" r:embed="rId16"/>
+                <asvg:svgBlip xmlns:asvg="http://schemas.microsoft.com/office/drawing/2016/SVG/main" r:embed="rId17"/>
               </a:ext>
             </a:extLst>
           </a:blip>
@@ -29333,7 +29187,7 @@
             </a:bodyPr>
             <a:lstStyle/>
             <a:p>
-              <a:endParaRPr lang="de-DE">
+              <a:endParaRPr lang="de-DE" noProof="1">
                 <a:latin typeface="Arial" panose="020B0604020202020204" pitchFamily="34" charset="0"/>
                 <a:cs typeface="Arial" panose="020B0604020202020204" pitchFamily="34" charset="0"/>
               </a:endParaRPr>
@@ -29581,7 +29435,7 @@
               <a:tabLst/>
             </a:pPr>
             <a:r>
-              <a:rPr kumimoji="0" lang="de-DE" altLang="de-DE" sz="1100" b="0" i="0" u="none" strike="noStrike" cap="none" normalizeH="0" baseline="0" dirty="0">
+              <a:rPr kumimoji="0" lang="de-DE" sz="1100" b="0" i="0" u="none" strike="noStrike" cap="none" normalizeH="0" baseline="0" noProof="1">
                 <a:ln>
                   <a:noFill/>
                 </a:ln>
@@ -29593,24 +29447,9 @@
                 <a:ea typeface="Aptos" panose="020B0004020202020204" pitchFamily="34" charset="0"/>
                 <a:cs typeface="Arial" panose="020B0604020202020204" pitchFamily="34" charset="0"/>
               </a:rPr>
-              <a:t>Haupt- </a:t>
+              <a:t>Haupt- eingang</a:t>
             </a:r>
-            <a:r>
-              <a:rPr kumimoji="0" lang="de-DE" altLang="de-DE" sz="1100" b="0" i="0" u="none" strike="noStrike" cap="none" normalizeH="0" baseline="0" dirty="0" err="1">
-                <a:ln>
-                  <a:noFill/>
-                </a:ln>
-                <a:solidFill>
-                  <a:schemeClr val="tx1"/>
-                </a:solidFill>
-                <a:effectLst/>
-                <a:latin typeface="Arial" panose="020B0604020202020204" pitchFamily="34" charset="0"/>
-                <a:ea typeface="Aptos" panose="020B0004020202020204" pitchFamily="34" charset="0"/>
-                <a:cs typeface="Arial" panose="020B0604020202020204" pitchFamily="34" charset="0"/>
-              </a:rPr>
-              <a:t>eingang</a:t>
-            </a:r>
-            <a:endParaRPr kumimoji="0" lang="de-DE" altLang="de-DE" sz="1100" b="0" i="0" u="none" strike="noStrike" cap="none" normalizeH="0" baseline="0" dirty="0">
+            <a:endParaRPr kumimoji="0" lang="de-DE" sz="1100" b="0" i="0" u="none" strike="noStrike" cap="none" normalizeH="0" baseline="0" noProof="1">
               <a:ln>
                 <a:noFill/>
               </a:ln>
@@ -29984,22 +29823,7 @@
           </a:bodyPr>
           <a:lstStyle/>
           <a:p>
-            <a:r>
-              <a:rPr kumimoji="0" lang="de-DE" altLang="de-DE" sz="900" b="0" i="0" u="none" strike="noStrike" cap="none" normalizeH="0" baseline="0" dirty="0">
-                <a:ln>
-                  <a:noFill/>
-                </a:ln>
-                <a:solidFill>
-                  <a:schemeClr val="tx1"/>
-                </a:solidFill>
-                <a:effectLst/>
-                <a:latin typeface="Arial" panose="020B0604020202020204" pitchFamily="34" charset="0"/>
-                <a:ea typeface="Aptos" panose="020B0004020202020204" pitchFamily="34" charset="0"/>
-                <a:cs typeface="Arial" panose="020B0604020202020204" pitchFamily="34" charset="0"/>
-              </a:rPr>
-              <a:t>Mensch ärgere dich nicht</a:t>
-            </a:r>
-            <a:endParaRPr kumimoji="0" lang="de-DE" altLang="de-DE" sz="900" b="0" i="0" u="none" strike="noStrike" cap="none" normalizeH="0" baseline="0" dirty="0">
+            <a:endParaRPr kumimoji="0" lang="de-DE" sz="900" b="0" i="0" u="none" strike="noStrike" cap="none" normalizeH="0" baseline="0" noProof="1">
               <a:ln>
                 <a:noFill/>
               </a:ln>
@@ -30027,7 +29851,7 @@
         </p:nvSpPr>
         <p:spPr>
           <a:xfrm>
-            <a:off x="4657725" y="8271510"/>
+            <a:off x="4705985" y="8264525"/>
             <a:ext cx="361950" cy="342900"/>
           </a:xfrm>
           <a:prstGeom prst="irregularSeal1">
@@ -30062,7 +29886,7 @@
           </a:bodyPr>
           <a:lstStyle/>
           <a:p>
-            <a:endParaRPr lang="de-DE">
+            <a:endParaRPr lang="de-DE" noProof="1">
               <a:latin typeface="Arial" panose="020B0604020202020204" pitchFamily="34" charset="0"/>
               <a:cs typeface="Arial" panose="020B0604020202020204" pitchFamily="34" charset="0"/>
             </a:endParaRPr>
@@ -30083,7 +29907,7 @@
         </p:nvSpPr>
         <p:spPr>
           <a:xfrm>
-            <a:off x="6533572" y="4978544"/>
+            <a:off x="6972300" y="5348485"/>
             <a:ext cx="361950" cy="342900"/>
           </a:xfrm>
           <a:prstGeom prst="irregularSeal1">
@@ -30118,7 +29942,7 @@
           </a:bodyPr>
           <a:lstStyle/>
           <a:p>
-            <a:endParaRPr lang="de-DE">
+            <a:endParaRPr lang="de-DE" noProof="1">
               <a:latin typeface="Arial" panose="020B0604020202020204" pitchFamily="34" charset="0"/>
               <a:cs typeface="Arial" panose="020B0604020202020204" pitchFamily="34" charset="0"/>
             </a:endParaRPr>
@@ -30140,10 +29964,10 @@
           <p:nvPr/>
         </p:nvPicPr>
         <p:blipFill>
-          <a:blip r:embed="rId17">
+          <a:blip r:embed="rId18">
             <a:extLst>
               <a:ext uri="{96DAC541-7B7A-43D3-8B79-37D633B846F1}">
-                <asvg:svgBlip xmlns:asvg="http://schemas.microsoft.com/office/drawing/2016/SVG/main" r:embed="rId18"/>
+                <asvg:svgBlip xmlns:asvg="http://schemas.microsoft.com/office/drawing/2016/SVG/main" r:embed="rId19"/>
               </a:ext>
             </a:extLst>
           </a:blip>
@@ -30232,7 +30056,7 @@
               <a:tabLst/>
             </a:pPr>
             <a:r>
-              <a:rPr kumimoji="0" lang="de-DE" altLang="de-DE" sz="1000" b="0" i="0" u="none" strike="noStrike" cap="none" normalizeH="0" baseline="0" dirty="0">
+              <a:rPr kumimoji="0" lang="de-DE" sz="1000" b="0" i="0" u="none" strike="noStrike" cap="none" normalizeH="0" baseline="0" noProof="1">
                 <a:ln>
                   <a:noFill/>
                 </a:ln>
@@ -30246,7 +30070,7 @@
               </a:rPr>
               <a:t>WC</a:t>
             </a:r>
-            <a:endParaRPr kumimoji="0" lang="de-DE" altLang="de-DE" sz="1800" b="0" i="0" u="none" strike="noStrike" cap="none" normalizeH="0" baseline="0" dirty="0">
+            <a:endParaRPr kumimoji="0" lang="de-DE" sz="1800" b="0" i="0" u="none" strike="noStrike" cap="none" normalizeH="0" baseline="0" noProof="1">
               <a:ln>
                 <a:noFill/>
               </a:ln>
@@ -30260,6 +30084,2376 @@
           </a:p>
         </p:txBody>
       </p:sp>
+      <p:pic>
+        <p:nvPicPr>
+          <p:cNvPr id="2" name="Grafik 15" descr="Ein Bild, das Screenshot, Schwarz enthält.&#10;&#10;Automatisch generierte Beschreibung">
+            <a:extLst>
+              <a:ext uri="{FF2B5EF4-FFF2-40B4-BE49-F238E27FC236}">
+                <a16:creationId xmlns:a16="http://schemas.microsoft.com/office/drawing/2014/main" id="{F1BF3C25-819A-AED2-D805-168377AA6191}"/>
+              </a:ext>
+            </a:extLst>
+          </p:cNvPr>
+          <p:cNvPicPr>
+            <a:picLocks noChangeAspect="1" noChangeArrowheads="1"/>
+          </p:cNvPicPr>
+          <p:nvPr/>
+        </p:nvPicPr>
+        <p:blipFill>
+          <a:blip r:embed="rId13">
+            <a:extLst>
+              <a:ext uri="{28A0092B-C50C-407E-A947-70E740481C1C}">
+                <a14:useLocalDpi xmlns:a14="http://schemas.microsoft.com/office/drawing/2010/main" val="0"/>
+              </a:ext>
+            </a:extLst>
+          </a:blip>
+          <a:srcRect/>
+          <a:stretch>
+            <a:fillRect/>
+          </a:stretch>
+        </p:blipFill>
+        <p:spPr bwMode="auto">
+          <a:xfrm>
+            <a:off x="7029450" y="2227898"/>
+            <a:ext cx="669925" cy="247650"/>
+          </a:xfrm>
+          <a:prstGeom prst="rect">
+            <a:avLst/>
+          </a:prstGeom>
+          <a:noFill/>
+          <a:extLst>
+            <a:ext uri="{909E8E84-426E-40DD-AFC4-6F175D3DCCD1}">
+              <a14:hiddenFill xmlns:a14="http://schemas.microsoft.com/office/drawing/2010/main">
+                <a:solidFill>
+                  <a:srgbClr val="FFFFFF"/>
+                </a:solidFill>
+              </a14:hiddenFill>
+            </a:ext>
+          </a:extLst>
+        </p:spPr>
+      </p:pic>
+      <p:sp>
+        <p:nvSpPr>
+          <p:cNvPr id="3" name="Textfeld 2">
+            <a:extLst>
+              <a:ext uri="{FF2B5EF4-FFF2-40B4-BE49-F238E27FC236}">
+                <a16:creationId xmlns:a16="http://schemas.microsoft.com/office/drawing/2014/main" id="{B270FBF9-6DF1-2478-054B-CE98D943AA70}"/>
+              </a:ext>
+            </a:extLst>
+          </p:cNvPr>
+          <p:cNvSpPr txBox="1"/>
+          <p:nvPr/>
+        </p:nvSpPr>
+        <p:spPr>
+          <a:xfrm>
+            <a:off x="8238119" y="1700544"/>
+            <a:ext cx="857927" cy="261610"/>
+          </a:xfrm>
+          <a:prstGeom prst="rect">
+            <a:avLst/>
+          </a:prstGeom>
+          <a:noFill/>
+        </p:spPr>
+        <p:txBody>
+          <a:bodyPr wrap="none" rtlCol="0">
+            <a:spAutoFit/>
+          </a:bodyPr>
+          <a:lstStyle/>
+          <a:p>
+            <a:r>
+              <a:rPr lang="de-DE" sz="1100" noProof="1">
+                <a:latin typeface="Arial" panose="020B0604020202020204" pitchFamily="34" charset="0"/>
+                <a:cs typeface="Arial" panose="020B0604020202020204" pitchFamily="34" charset="0"/>
+              </a:rPr>
+              <a:t>Garderobe</a:t>
+            </a:r>
+            <a:endParaRPr lang="de-DE" noProof="1">
+              <a:latin typeface="Arial" panose="020B0604020202020204" pitchFamily="34" charset="0"/>
+              <a:cs typeface="Arial" panose="020B0604020202020204" pitchFamily="34" charset="0"/>
+            </a:endParaRPr>
+          </a:p>
+        </p:txBody>
+      </p:sp>
+      <p:sp>
+        <p:nvSpPr>
+          <p:cNvPr id="4" name="Textfeld 2">
+            <a:extLst>
+              <a:ext uri="{FF2B5EF4-FFF2-40B4-BE49-F238E27FC236}">
+                <a16:creationId xmlns:a16="http://schemas.microsoft.com/office/drawing/2014/main" id="{61C57F18-17A4-5D89-CA00-2C25232CC900}"/>
+              </a:ext>
+            </a:extLst>
+          </p:cNvPr>
+          <p:cNvSpPr txBox="1">
+            <a:spLocks noChangeArrowheads="1"/>
+          </p:cNvSpPr>
+          <p:nvPr/>
+        </p:nvSpPr>
+        <p:spPr bwMode="auto">
+          <a:xfrm>
+            <a:off x="5363617" y="3567786"/>
+            <a:ext cx="993775" cy="220636"/>
+          </a:xfrm>
+          <a:prstGeom prst="rect">
+            <a:avLst/>
+          </a:prstGeom>
+          <a:noFill/>
+          <a:ln>
+            <a:noFill/>
+          </a:ln>
+          <a:extLst>
+            <a:ext uri="{909E8E84-426E-40DD-AFC4-6F175D3DCCD1}">
+              <a14:hiddenFill xmlns:a14="http://schemas.microsoft.com/office/drawing/2010/main">
+                <a:solidFill>
+                  <a:srgbClr val="FFFFFF"/>
+                </a:solidFill>
+              </a14:hiddenFill>
+            </a:ext>
+            <a:ext uri="{91240B29-F687-4F45-9708-019B960494DF}">
+              <a14:hiddenLine xmlns:a14="http://schemas.microsoft.com/office/drawing/2010/main" w="9525">
+                <a:solidFill>
+                  <a:srgbClr val="000000"/>
+                </a:solidFill>
+                <a:miter lim="800000"/>
+                <a:headEnd/>
+                <a:tailEnd/>
+              </a14:hiddenLine>
+            </a:ext>
+          </a:extLst>
+        </p:spPr>
+        <p:txBody>
+          <a:bodyPr vert="horz" wrap="square" lIns="91440" tIns="45720" rIns="91440" bIns="45720" numCol="1" anchor="t" anchorCtr="0" compatLnSpc="1">
+            <a:prstTxWarp prst="textNoShape">
+              <a:avLst/>
+            </a:prstTxWarp>
+          </a:bodyPr>
+          <a:lstStyle/>
+          <a:p>
+            <a:pPr marL="0" marR="0" lvl="0" indent="0" defTabSz="914400" rtl="0" eaLnBrk="0" fontAlgn="base" latinLnBrk="0" hangingPunct="0">
+              <a:lnSpc>
+                <a:spcPct val="100000"/>
+              </a:lnSpc>
+              <a:spcBef>
+                <a:spcPct val="0"/>
+              </a:spcBef>
+              <a:spcAft>
+                <a:spcPct val="0"/>
+              </a:spcAft>
+              <a:buClrTx/>
+              <a:buSzTx/>
+              <a:buFontTx/>
+              <a:buNone/>
+              <a:tabLst/>
+            </a:pPr>
+            <a:r>
+              <a:rPr kumimoji="0" lang="de-DE" sz="900" b="0" i="0" u="none" strike="noStrike" cap="none" normalizeH="0" baseline="0" noProof="1">
+                <a:ln>
+                  <a:noFill/>
+                </a:ln>
+                <a:solidFill>
+                  <a:schemeClr val="tx1"/>
+                </a:solidFill>
+                <a:effectLst/>
+                <a:latin typeface="Arial" panose="020B0604020202020204" pitchFamily="34" charset="0"/>
+                <a:ea typeface="Aptos" panose="020B0004020202020204" pitchFamily="34" charset="0"/>
+                <a:cs typeface="Arial" panose="020B0604020202020204" pitchFamily="34" charset="0"/>
+              </a:rPr>
+              <a:t>Give-Away</a:t>
+            </a:r>
+            <a:br>
+              <a:rPr kumimoji="0" lang="de-DE" sz="900" b="0" i="0" u="none" strike="noStrike" cap="none" normalizeH="0" baseline="0" noProof="1">
+                <a:ln>
+                  <a:noFill/>
+                </a:ln>
+                <a:solidFill>
+                  <a:schemeClr val="tx1"/>
+                </a:solidFill>
+                <a:effectLst/>
+                <a:latin typeface="Arial" panose="020B0604020202020204" pitchFamily="34" charset="0"/>
+                <a:ea typeface="Aptos" panose="020B0004020202020204" pitchFamily="34" charset="0"/>
+                <a:cs typeface="Arial" panose="020B0604020202020204" pitchFamily="34" charset="0"/>
+              </a:rPr>
+            </a:br>
+            <a:r>
+              <a:rPr kumimoji="0" lang="de-DE" sz="900" b="0" i="0" u="none" strike="noStrike" cap="none" normalizeH="0" baseline="0" noProof="1">
+                <a:ln>
+                  <a:noFill/>
+                </a:ln>
+                <a:solidFill>
+                  <a:schemeClr val="tx1"/>
+                </a:solidFill>
+                <a:effectLst/>
+                <a:latin typeface="Arial" panose="020B0604020202020204" pitchFamily="34" charset="0"/>
+                <a:ea typeface="Aptos" panose="020B0004020202020204" pitchFamily="34" charset="0"/>
+                <a:cs typeface="Arial" panose="020B0604020202020204" pitchFamily="34" charset="0"/>
+              </a:rPr>
+              <a:t>„Kugelwürfel“ </a:t>
+            </a:r>
+            <a:endParaRPr kumimoji="0" lang="de-DE" sz="900" b="0" i="0" u="none" strike="noStrike" cap="none" normalizeH="0" baseline="0" noProof="1">
+              <a:ln>
+                <a:noFill/>
+              </a:ln>
+              <a:solidFill>
+                <a:schemeClr val="tx1"/>
+              </a:solidFill>
+              <a:effectLst/>
+              <a:latin typeface="Arial" panose="020B0604020202020204" pitchFamily="34" charset="0"/>
+              <a:cs typeface="Arial" panose="020B0604020202020204" pitchFamily="34" charset="0"/>
+            </a:endParaRPr>
+          </a:p>
+        </p:txBody>
+      </p:sp>
+      <p:sp>
+        <p:nvSpPr>
+          <p:cNvPr id="7" name="Explosion: 8 Zacken 6">
+            <a:extLst>
+              <a:ext uri="{FF2B5EF4-FFF2-40B4-BE49-F238E27FC236}">
+                <a16:creationId xmlns:a16="http://schemas.microsoft.com/office/drawing/2014/main" id="{0B2AF929-72AF-11B7-2164-631F3D50F0B6}"/>
+              </a:ext>
+            </a:extLst>
+          </p:cNvPr>
+          <p:cNvSpPr/>
+          <p:nvPr/>
+        </p:nvSpPr>
+        <p:spPr>
+          <a:xfrm>
+            <a:off x="5040276" y="3588232"/>
+            <a:ext cx="361950" cy="342900"/>
+          </a:xfrm>
+          <a:prstGeom prst="irregularSeal1">
+            <a:avLst/>
+          </a:prstGeom>
+          <a:solidFill>
+            <a:srgbClr val="FFFF00"/>
+          </a:solidFill>
+        </p:spPr>
+        <p:style>
+          <a:lnRef idx="2">
+            <a:schemeClr val="accent1">
+              <a:shade val="15000"/>
+            </a:schemeClr>
+          </a:lnRef>
+          <a:fillRef idx="1">
+            <a:schemeClr val="accent1"/>
+          </a:fillRef>
+          <a:effectRef idx="0">
+            <a:schemeClr val="accent1"/>
+          </a:effectRef>
+          <a:fontRef idx="minor">
+            <a:schemeClr val="lt1"/>
+          </a:fontRef>
+        </p:style>
+        <p:txBody>
+          <a:bodyPr rot="0" spcFirstLastPara="0" vert="horz" wrap="square" lIns="91440" tIns="45720" rIns="91440" bIns="45720" numCol="1" spcCol="0" rtlCol="0" fromWordArt="0" anchor="ctr" anchorCtr="0" forceAA="0" compatLnSpc="1">
+            <a:prstTxWarp prst="textNoShape">
+              <a:avLst/>
+            </a:prstTxWarp>
+            <a:noAutofit/>
+          </a:bodyPr>
+          <a:lstStyle/>
+          <a:p>
+            <a:endParaRPr lang="de-DE" noProof="1">
+              <a:latin typeface="Arial" panose="020B0604020202020204" pitchFamily="34" charset="0"/>
+              <a:cs typeface="Arial" panose="020B0604020202020204" pitchFamily="34" charset="0"/>
+            </a:endParaRPr>
+          </a:p>
+        </p:txBody>
+      </p:sp>
+      <p:sp>
+        <p:nvSpPr>
+          <p:cNvPr id="8" name="Textfeld 7">
+            <a:extLst>
+              <a:ext uri="{FF2B5EF4-FFF2-40B4-BE49-F238E27FC236}">
+                <a16:creationId xmlns:a16="http://schemas.microsoft.com/office/drawing/2014/main" id="{89A8B8B1-0D69-1A47-ACBF-9105B337B220}"/>
+              </a:ext>
+            </a:extLst>
+          </p:cNvPr>
+          <p:cNvSpPr txBox="1"/>
+          <p:nvPr/>
+        </p:nvSpPr>
+        <p:spPr>
+          <a:xfrm>
+            <a:off x="6164178" y="4839753"/>
+            <a:ext cx="1133644" cy="430887"/>
+          </a:xfrm>
+          <a:prstGeom prst="rect">
+            <a:avLst/>
+          </a:prstGeom>
+          <a:noFill/>
+        </p:spPr>
+        <p:txBody>
+          <a:bodyPr wrap="none" rtlCol="0">
+            <a:spAutoFit/>
+          </a:bodyPr>
+          <a:lstStyle/>
+          <a:p>
+            <a:pPr algn="ctr"/>
+            <a:r>
+              <a:rPr lang="de-DE" sz="1100" noProof="1">
+                <a:latin typeface="Arial" panose="020B0604020202020204" pitchFamily="34" charset="0"/>
+                <a:ea typeface="Aptos" panose="020B0004020202020204" pitchFamily="34" charset="0"/>
+                <a:cs typeface="Arial" panose="020B0604020202020204" pitchFamily="34" charset="0"/>
+              </a:rPr>
+              <a:t>E-Technik für</a:t>
+            </a:r>
+            <a:br>
+              <a:rPr lang="de-DE" sz="1100" noProof="1">
+                <a:latin typeface="Arial" panose="020B0604020202020204" pitchFamily="34" charset="0"/>
+                <a:ea typeface="Aptos" panose="020B0004020202020204" pitchFamily="34" charset="0"/>
+                <a:cs typeface="Arial" panose="020B0604020202020204" pitchFamily="34" charset="0"/>
+              </a:rPr>
+            </a:br>
+            <a:r>
+              <a:rPr lang="de-DE" sz="1100" noProof="1">
+                <a:latin typeface="Arial" panose="020B0604020202020204" pitchFamily="34" charset="0"/>
+                <a:ea typeface="Aptos" panose="020B0004020202020204" pitchFamily="34" charset="0"/>
+                <a:cs typeface="Arial" panose="020B0604020202020204" pitchFamily="34" charset="0"/>
+              </a:rPr>
+              <a:t>Groß und Klein</a:t>
+            </a:r>
+            <a:endParaRPr lang="de-DE" sz="1100" noProof="1">
+              <a:latin typeface="Arial" panose="020B0604020202020204" pitchFamily="34" charset="0"/>
+              <a:cs typeface="Arial" panose="020B0604020202020204" pitchFamily="34" charset="0"/>
+            </a:endParaRPr>
+          </a:p>
+        </p:txBody>
+      </p:sp>
+      <p:sp>
+        <p:nvSpPr>
+          <p:cNvPr id="9" name="Textfeld 2">
+            <a:extLst>
+              <a:ext uri="{FF2B5EF4-FFF2-40B4-BE49-F238E27FC236}">
+                <a16:creationId xmlns:a16="http://schemas.microsoft.com/office/drawing/2014/main" id="{C5B3B9F4-8393-0117-5E36-5EE01D8F4C9B}"/>
+              </a:ext>
+            </a:extLst>
+          </p:cNvPr>
+          <p:cNvSpPr txBox="1">
+            <a:spLocks noChangeArrowheads="1"/>
+          </p:cNvSpPr>
+          <p:nvPr/>
+        </p:nvSpPr>
+        <p:spPr bwMode="auto">
+          <a:xfrm>
+            <a:off x="6218872" y="5280398"/>
+            <a:ext cx="993775" cy="220636"/>
+          </a:xfrm>
+          <a:prstGeom prst="rect">
+            <a:avLst/>
+          </a:prstGeom>
+          <a:noFill/>
+          <a:ln>
+            <a:noFill/>
+          </a:ln>
+          <a:extLst>
+            <a:ext uri="{909E8E84-426E-40DD-AFC4-6F175D3DCCD1}">
+              <a14:hiddenFill xmlns:a14="http://schemas.microsoft.com/office/drawing/2010/main">
+                <a:solidFill>
+                  <a:srgbClr val="FFFFFF"/>
+                </a:solidFill>
+              </a14:hiddenFill>
+            </a:ext>
+            <a:ext uri="{91240B29-F687-4F45-9708-019B960494DF}">
+              <a14:hiddenLine xmlns:a14="http://schemas.microsoft.com/office/drawing/2010/main" w="9525">
+                <a:solidFill>
+                  <a:srgbClr val="000000"/>
+                </a:solidFill>
+                <a:miter lim="800000"/>
+                <a:headEnd/>
+                <a:tailEnd/>
+              </a14:hiddenLine>
+            </a:ext>
+          </a:extLst>
+        </p:spPr>
+        <p:txBody>
+          <a:bodyPr vert="horz" wrap="square" lIns="91440" tIns="45720" rIns="91440" bIns="45720" numCol="1" anchor="t" anchorCtr="0" compatLnSpc="1">
+            <a:prstTxWarp prst="textNoShape">
+              <a:avLst/>
+            </a:prstTxWarp>
+          </a:bodyPr>
+          <a:lstStyle/>
+          <a:p>
+            <a:pPr marL="0" marR="0" lvl="0" indent="0" defTabSz="914400" rtl="0" eaLnBrk="0" fontAlgn="base" latinLnBrk="0" hangingPunct="0">
+              <a:lnSpc>
+                <a:spcPct val="100000"/>
+              </a:lnSpc>
+              <a:spcBef>
+                <a:spcPct val="0"/>
+              </a:spcBef>
+              <a:spcAft>
+                <a:spcPct val="0"/>
+              </a:spcAft>
+              <a:buClrTx/>
+              <a:buSzTx/>
+              <a:buFontTx/>
+              <a:buNone/>
+              <a:tabLst/>
+            </a:pPr>
+            <a:r>
+              <a:rPr kumimoji="0" lang="de-DE" sz="900" b="0" i="0" u="none" strike="noStrike" cap="none" normalizeH="0" baseline="0" noProof="1">
+                <a:ln>
+                  <a:noFill/>
+                </a:ln>
+                <a:solidFill>
+                  <a:schemeClr val="tx1"/>
+                </a:solidFill>
+                <a:effectLst/>
+                <a:latin typeface="Arial" panose="020B0604020202020204" pitchFamily="34" charset="0"/>
+                <a:ea typeface="Aptos" panose="020B0004020202020204" pitchFamily="34" charset="0"/>
+                <a:cs typeface="Arial" panose="020B0604020202020204" pitchFamily="34" charset="0"/>
+              </a:rPr>
+              <a:t>Lötübung</a:t>
+            </a:r>
+            <a:br>
+              <a:rPr kumimoji="0" lang="de-DE" sz="900" b="0" i="0" u="none" strike="noStrike" cap="none" normalizeH="0" baseline="0" noProof="1">
+                <a:ln>
+                  <a:noFill/>
+                </a:ln>
+                <a:solidFill>
+                  <a:schemeClr val="tx1"/>
+                </a:solidFill>
+                <a:effectLst/>
+                <a:latin typeface="Arial" panose="020B0604020202020204" pitchFamily="34" charset="0"/>
+                <a:ea typeface="Aptos" panose="020B0004020202020204" pitchFamily="34" charset="0"/>
+                <a:cs typeface="Arial" panose="020B0604020202020204" pitchFamily="34" charset="0"/>
+              </a:rPr>
+            </a:br>
+            <a:r>
+              <a:rPr kumimoji="0" lang="de-DE" sz="900" b="0" i="0" u="none" strike="noStrike" cap="none" normalizeH="0" baseline="0" noProof="1">
+                <a:ln>
+                  <a:noFill/>
+                </a:ln>
+                <a:solidFill>
+                  <a:schemeClr val="tx1"/>
+                </a:solidFill>
+                <a:effectLst/>
+                <a:latin typeface="Arial" panose="020B0604020202020204" pitchFamily="34" charset="0"/>
+                <a:ea typeface="Aptos" panose="020B0004020202020204" pitchFamily="34" charset="0"/>
+                <a:cs typeface="Arial" panose="020B0604020202020204" pitchFamily="34" charset="0"/>
+              </a:rPr>
+              <a:t>Give-Away</a:t>
+            </a:r>
+            <a:br>
+              <a:rPr kumimoji="0" lang="de-DE" sz="900" b="0" i="0" u="none" strike="noStrike" cap="none" normalizeH="0" baseline="0" noProof="1">
+                <a:ln>
+                  <a:noFill/>
+                </a:ln>
+                <a:solidFill>
+                  <a:schemeClr val="tx1"/>
+                </a:solidFill>
+                <a:effectLst/>
+                <a:latin typeface="Arial" panose="020B0604020202020204" pitchFamily="34" charset="0"/>
+                <a:ea typeface="Aptos" panose="020B0004020202020204" pitchFamily="34" charset="0"/>
+                <a:cs typeface="Arial" panose="020B0604020202020204" pitchFamily="34" charset="0"/>
+              </a:rPr>
+            </a:br>
+            <a:r>
+              <a:rPr kumimoji="0" lang="de-DE" sz="900" b="0" i="0" u="none" strike="noStrike" cap="none" normalizeH="0" baseline="0" noProof="1">
+                <a:ln>
+                  <a:noFill/>
+                </a:ln>
+                <a:solidFill>
+                  <a:schemeClr val="tx1"/>
+                </a:solidFill>
+                <a:effectLst/>
+                <a:latin typeface="Arial" panose="020B0604020202020204" pitchFamily="34" charset="0"/>
+                <a:ea typeface="Aptos" panose="020B0004020202020204" pitchFamily="34" charset="0"/>
+                <a:cs typeface="Arial" panose="020B0604020202020204" pitchFamily="34" charset="0"/>
+              </a:rPr>
+              <a:t>„LED-Platine“ </a:t>
+            </a:r>
+            <a:endParaRPr kumimoji="0" lang="de-DE" sz="900" b="0" i="0" u="none" strike="noStrike" cap="none" normalizeH="0" baseline="0" noProof="1">
+              <a:ln>
+                <a:noFill/>
+              </a:ln>
+              <a:solidFill>
+                <a:schemeClr val="tx1"/>
+              </a:solidFill>
+              <a:effectLst/>
+              <a:latin typeface="Arial" panose="020B0604020202020204" pitchFamily="34" charset="0"/>
+              <a:cs typeface="Arial" panose="020B0604020202020204" pitchFamily="34" charset="0"/>
+            </a:endParaRPr>
+          </a:p>
+        </p:txBody>
+      </p:sp>
+      <p:sp>
+        <p:nvSpPr>
+          <p:cNvPr id="10" name="Textfeld 9">
+            <a:extLst>
+              <a:ext uri="{FF2B5EF4-FFF2-40B4-BE49-F238E27FC236}">
+                <a16:creationId xmlns:a16="http://schemas.microsoft.com/office/drawing/2014/main" id="{3F275339-BBD9-4DDE-8DFB-4919B547C640}"/>
+              </a:ext>
+            </a:extLst>
+          </p:cNvPr>
+          <p:cNvSpPr txBox="1"/>
+          <p:nvPr/>
+        </p:nvSpPr>
+        <p:spPr>
+          <a:xfrm>
+            <a:off x="8620090" y="4838065"/>
+            <a:ext cx="1305165" cy="430887"/>
+          </a:xfrm>
+          <a:prstGeom prst="rect">
+            <a:avLst/>
+          </a:prstGeom>
+          <a:noFill/>
+        </p:spPr>
+        <p:txBody>
+          <a:bodyPr wrap="none" rtlCol="0">
+            <a:spAutoFit/>
+          </a:bodyPr>
+          <a:lstStyle/>
+          <a:p>
+            <a:pPr algn="ctr"/>
+            <a:r>
+              <a:rPr lang="de-DE" sz="1100" noProof="1">
+                <a:latin typeface="Arial" panose="020B0604020202020204" pitchFamily="34" charset="0"/>
+                <a:ea typeface="Aptos" panose="020B0004020202020204" pitchFamily="34" charset="0"/>
+                <a:cs typeface="Arial" panose="020B0604020202020204" pitchFamily="34" charset="0"/>
+              </a:rPr>
+              <a:t>Technischer</a:t>
+            </a:r>
+            <a:br>
+              <a:rPr lang="de-DE" sz="1100" noProof="1">
+                <a:latin typeface="Arial" panose="020B0604020202020204" pitchFamily="34" charset="0"/>
+                <a:ea typeface="Aptos" panose="020B0004020202020204" pitchFamily="34" charset="0"/>
+                <a:cs typeface="Arial" panose="020B0604020202020204" pitchFamily="34" charset="0"/>
+              </a:rPr>
+            </a:br>
+            <a:r>
+              <a:rPr lang="de-DE" sz="1100" noProof="1">
+                <a:latin typeface="Arial" panose="020B0604020202020204" pitchFamily="34" charset="0"/>
+                <a:ea typeface="Aptos" panose="020B0004020202020204" pitchFamily="34" charset="0"/>
+                <a:cs typeface="Arial" panose="020B0604020202020204" pitchFamily="34" charset="0"/>
+              </a:rPr>
+              <a:t>Produktdesigner*</a:t>
+            </a:r>
+            <a:endParaRPr lang="de-DE" sz="1100" noProof="1">
+              <a:latin typeface="Arial" panose="020B0604020202020204" pitchFamily="34" charset="0"/>
+              <a:cs typeface="Arial" panose="020B0604020202020204" pitchFamily="34" charset="0"/>
+            </a:endParaRPr>
+          </a:p>
+        </p:txBody>
+      </p:sp>
+      <p:sp>
+        <p:nvSpPr>
+          <p:cNvPr id="11" name="Explosion: 8 Zacken 10">
+            <a:extLst>
+              <a:ext uri="{FF2B5EF4-FFF2-40B4-BE49-F238E27FC236}">
+                <a16:creationId xmlns:a16="http://schemas.microsoft.com/office/drawing/2014/main" id="{33407725-3C9F-F5EE-7E56-66DC5F5949DD}"/>
+              </a:ext>
+            </a:extLst>
+          </p:cNvPr>
+          <p:cNvSpPr/>
+          <p:nvPr/>
+        </p:nvSpPr>
+        <p:spPr>
+          <a:xfrm>
+            <a:off x="8761724" y="5250180"/>
+            <a:ext cx="361950" cy="342900"/>
+          </a:xfrm>
+          <a:prstGeom prst="irregularSeal1">
+            <a:avLst/>
+          </a:prstGeom>
+          <a:solidFill>
+            <a:srgbClr val="FFFF00"/>
+          </a:solidFill>
+        </p:spPr>
+        <p:style>
+          <a:lnRef idx="2">
+            <a:schemeClr val="accent1">
+              <a:shade val="15000"/>
+            </a:schemeClr>
+          </a:lnRef>
+          <a:fillRef idx="1">
+            <a:schemeClr val="accent1"/>
+          </a:fillRef>
+          <a:effectRef idx="0">
+            <a:schemeClr val="accent1"/>
+          </a:effectRef>
+          <a:fontRef idx="minor">
+            <a:schemeClr val="lt1"/>
+          </a:fontRef>
+        </p:style>
+        <p:txBody>
+          <a:bodyPr rot="0" spcFirstLastPara="0" vert="horz" wrap="square" lIns="91440" tIns="45720" rIns="91440" bIns="45720" numCol="1" spcCol="0" rtlCol="0" fromWordArt="0" anchor="ctr" anchorCtr="0" forceAA="0" compatLnSpc="1">
+            <a:prstTxWarp prst="textNoShape">
+              <a:avLst/>
+            </a:prstTxWarp>
+            <a:noAutofit/>
+          </a:bodyPr>
+          <a:lstStyle/>
+          <a:p>
+            <a:endParaRPr lang="de-DE" noProof="1">
+              <a:latin typeface="Arial" panose="020B0604020202020204" pitchFamily="34" charset="0"/>
+              <a:cs typeface="Arial" panose="020B0604020202020204" pitchFamily="34" charset="0"/>
+            </a:endParaRPr>
+          </a:p>
+        </p:txBody>
+      </p:sp>
+      <p:sp>
+        <p:nvSpPr>
+          <p:cNvPr id="12" name="Textfeld 2">
+            <a:extLst>
+              <a:ext uri="{FF2B5EF4-FFF2-40B4-BE49-F238E27FC236}">
+                <a16:creationId xmlns:a16="http://schemas.microsoft.com/office/drawing/2014/main" id="{279DE03C-767B-4718-809E-F61974E84723}"/>
+              </a:ext>
+            </a:extLst>
+          </p:cNvPr>
+          <p:cNvSpPr txBox="1">
+            <a:spLocks noChangeArrowheads="1"/>
+          </p:cNvSpPr>
+          <p:nvPr/>
+        </p:nvSpPr>
+        <p:spPr bwMode="auto">
+          <a:xfrm>
+            <a:off x="8649596" y="5565948"/>
+            <a:ext cx="993775" cy="220636"/>
+          </a:xfrm>
+          <a:prstGeom prst="rect">
+            <a:avLst/>
+          </a:prstGeom>
+          <a:noFill/>
+          <a:ln>
+            <a:noFill/>
+          </a:ln>
+          <a:extLst>
+            <a:ext uri="{909E8E84-426E-40DD-AFC4-6F175D3DCCD1}">
+              <a14:hiddenFill xmlns:a14="http://schemas.microsoft.com/office/drawing/2010/main">
+                <a:solidFill>
+                  <a:srgbClr val="FFFFFF"/>
+                </a:solidFill>
+              </a14:hiddenFill>
+            </a:ext>
+            <a:ext uri="{91240B29-F687-4F45-9708-019B960494DF}">
+              <a14:hiddenLine xmlns:a14="http://schemas.microsoft.com/office/drawing/2010/main" w="9525">
+                <a:solidFill>
+                  <a:srgbClr val="000000"/>
+                </a:solidFill>
+                <a:miter lim="800000"/>
+                <a:headEnd/>
+                <a:tailEnd/>
+              </a14:hiddenLine>
+            </a:ext>
+          </a:extLst>
+        </p:spPr>
+        <p:txBody>
+          <a:bodyPr vert="horz" wrap="square" lIns="91440" tIns="45720" rIns="91440" bIns="45720" numCol="1" anchor="t" anchorCtr="0" compatLnSpc="1">
+            <a:prstTxWarp prst="textNoShape">
+              <a:avLst/>
+            </a:prstTxWarp>
+          </a:bodyPr>
+          <a:lstStyle/>
+          <a:p>
+            <a:pPr marL="0" marR="0" lvl="0" indent="0" defTabSz="914400" rtl="0" eaLnBrk="0" fontAlgn="base" latinLnBrk="0" hangingPunct="0">
+              <a:lnSpc>
+                <a:spcPct val="100000"/>
+              </a:lnSpc>
+              <a:spcBef>
+                <a:spcPct val="0"/>
+              </a:spcBef>
+              <a:spcAft>
+                <a:spcPct val="0"/>
+              </a:spcAft>
+              <a:buClrTx/>
+              <a:buSzTx/>
+              <a:buFontTx/>
+              <a:buNone/>
+              <a:tabLst/>
+            </a:pPr>
+            <a:r>
+              <a:rPr kumimoji="0" lang="de-DE" sz="900" b="0" i="0" u="none" strike="noStrike" cap="none" normalizeH="0" baseline="0" noProof="1">
+                <a:ln>
+                  <a:noFill/>
+                </a:ln>
+                <a:solidFill>
+                  <a:schemeClr val="tx1"/>
+                </a:solidFill>
+                <a:effectLst/>
+                <a:latin typeface="Arial" panose="020B0604020202020204" pitchFamily="34" charset="0"/>
+                <a:ea typeface="Aptos" panose="020B0004020202020204" pitchFamily="34" charset="0"/>
+                <a:cs typeface="Arial" panose="020B0604020202020204" pitchFamily="34" charset="0"/>
+              </a:rPr>
+              <a:t>3D-Scanner </a:t>
+            </a:r>
+            <a:endParaRPr kumimoji="0" lang="de-DE" sz="900" b="0" i="0" u="none" strike="noStrike" cap="none" normalizeH="0" baseline="0" noProof="1">
+              <a:ln>
+                <a:noFill/>
+              </a:ln>
+              <a:solidFill>
+                <a:schemeClr val="tx1"/>
+              </a:solidFill>
+              <a:effectLst/>
+              <a:latin typeface="Arial" panose="020B0604020202020204" pitchFamily="34" charset="0"/>
+              <a:cs typeface="Arial" panose="020B0604020202020204" pitchFamily="34" charset="0"/>
+            </a:endParaRPr>
+          </a:p>
+        </p:txBody>
+      </p:sp>
+      <p:sp>
+        <p:nvSpPr>
+          <p:cNvPr id="13" name="Explosion: 8 Zacken 12">
+            <a:extLst>
+              <a:ext uri="{FF2B5EF4-FFF2-40B4-BE49-F238E27FC236}">
+                <a16:creationId xmlns:a16="http://schemas.microsoft.com/office/drawing/2014/main" id="{CB28E028-C52D-5040-EBE8-F7388263C8C4}"/>
+              </a:ext>
+            </a:extLst>
+          </p:cNvPr>
+          <p:cNvSpPr/>
+          <p:nvPr/>
+        </p:nvSpPr>
+        <p:spPr>
+          <a:xfrm>
+            <a:off x="9433620" y="5567045"/>
+            <a:ext cx="361950" cy="342900"/>
+          </a:xfrm>
+          <a:prstGeom prst="irregularSeal1">
+            <a:avLst/>
+          </a:prstGeom>
+          <a:solidFill>
+            <a:srgbClr val="FFFF00"/>
+          </a:solidFill>
+        </p:spPr>
+        <p:style>
+          <a:lnRef idx="2">
+            <a:schemeClr val="accent1">
+              <a:shade val="15000"/>
+            </a:schemeClr>
+          </a:lnRef>
+          <a:fillRef idx="1">
+            <a:schemeClr val="accent1"/>
+          </a:fillRef>
+          <a:effectRef idx="0">
+            <a:schemeClr val="accent1"/>
+          </a:effectRef>
+          <a:fontRef idx="minor">
+            <a:schemeClr val="lt1"/>
+          </a:fontRef>
+        </p:style>
+        <p:txBody>
+          <a:bodyPr rot="0" spcFirstLastPara="0" vert="horz" wrap="square" lIns="91440" tIns="45720" rIns="91440" bIns="45720" numCol="1" spcCol="0" rtlCol="0" fromWordArt="0" anchor="ctr" anchorCtr="0" forceAA="0" compatLnSpc="1">
+            <a:prstTxWarp prst="textNoShape">
+              <a:avLst/>
+            </a:prstTxWarp>
+            <a:noAutofit/>
+          </a:bodyPr>
+          <a:lstStyle/>
+          <a:p>
+            <a:endParaRPr lang="de-DE" noProof="1">
+              <a:latin typeface="Arial" panose="020B0604020202020204" pitchFamily="34" charset="0"/>
+              <a:cs typeface="Arial" panose="020B0604020202020204" pitchFamily="34" charset="0"/>
+            </a:endParaRPr>
+          </a:p>
+        </p:txBody>
+      </p:sp>
+      <p:sp>
+        <p:nvSpPr>
+          <p:cNvPr id="14" name="Textfeld 2">
+            <a:extLst>
+              <a:ext uri="{FF2B5EF4-FFF2-40B4-BE49-F238E27FC236}">
+                <a16:creationId xmlns:a16="http://schemas.microsoft.com/office/drawing/2014/main" id="{DBEC6760-E270-46A5-3F60-E080B005BDEB}"/>
+              </a:ext>
+            </a:extLst>
+          </p:cNvPr>
+          <p:cNvSpPr txBox="1">
+            <a:spLocks noChangeArrowheads="1"/>
+          </p:cNvSpPr>
+          <p:nvPr/>
+        </p:nvSpPr>
+        <p:spPr bwMode="auto">
+          <a:xfrm>
+            <a:off x="8970645" y="5885993"/>
+            <a:ext cx="993775" cy="220636"/>
+          </a:xfrm>
+          <a:prstGeom prst="rect">
+            <a:avLst/>
+          </a:prstGeom>
+          <a:noFill/>
+          <a:ln>
+            <a:noFill/>
+          </a:ln>
+          <a:extLst>
+            <a:ext uri="{909E8E84-426E-40DD-AFC4-6F175D3DCCD1}">
+              <a14:hiddenFill xmlns:a14="http://schemas.microsoft.com/office/drawing/2010/main">
+                <a:solidFill>
+                  <a:srgbClr val="FFFFFF"/>
+                </a:solidFill>
+              </a14:hiddenFill>
+            </a:ext>
+            <a:ext uri="{91240B29-F687-4F45-9708-019B960494DF}">
+              <a14:hiddenLine xmlns:a14="http://schemas.microsoft.com/office/drawing/2010/main" w="9525">
+                <a:solidFill>
+                  <a:srgbClr val="000000"/>
+                </a:solidFill>
+                <a:miter lim="800000"/>
+                <a:headEnd/>
+                <a:tailEnd/>
+              </a14:hiddenLine>
+            </a:ext>
+          </a:extLst>
+        </p:spPr>
+        <p:txBody>
+          <a:bodyPr vert="horz" wrap="square" lIns="91440" tIns="45720" rIns="91440" bIns="45720" numCol="1" anchor="t" anchorCtr="0" compatLnSpc="1">
+            <a:prstTxWarp prst="textNoShape">
+              <a:avLst/>
+            </a:prstTxWarp>
+          </a:bodyPr>
+          <a:lstStyle/>
+          <a:p>
+            <a:pPr marL="0" marR="0" lvl="0" indent="0" defTabSz="914400" rtl="0" eaLnBrk="0" fontAlgn="base" latinLnBrk="0" hangingPunct="0">
+              <a:lnSpc>
+                <a:spcPct val="100000"/>
+              </a:lnSpc>
+              <a:spcBef>
+                <a:spcPct val="0"/>
+              </a:spcBef>
+              <a:spcAft>
+                <a:spcPct val="0"/>
+              </a:spcAft>
+              <a:buClrTx/>
+              <a:buSzTx/>
+              <a:buFontTx/>
+              <a:buNone/>
+              <a:tabLst/>
+            </a:pPr>
+            <a:r>
+              <a:rPr kumimoji="0" lang="de-DE" sz="900" b="0" i="0" u="none" strike="noStrike" cap="none" normalizeH="0" baseline="0" noProof="1">
+                <a:ln>
+                  <a:noFill/>
+                </a:ln>
+                <a:solidFill>
+                  <a:schemeClr val="tx1"/>
+                </a:solidFill>
+                <a:effectLst/>
+                <a:latin typeface="Arial" panose="020B0604020202020204" pitchFamily="34" charset="0"/>
+                <a:ea typeface="Aptos" panose="020B0004020202020204" pitchFamily="34" charset="0"/>
+                <a:cs typeface="Arial" panose="020B0604020202020204" pitchFamily="34" charset="0"/>
+              </a:rPr>
+              <a:t>„Spacemouse Führerschein“ </a:t>
+            </a:r>
+            <a:endParaRPr kumimoji="0" lang="de-DE" sz="900" b="0" i="0" u="none" strike="noStrike" cap="none" normalizeH="0" baseline="0" noProof="1">
+              <a:ln>
+                <a:noFill/>
+              </a:ln>
+              <a:solidFill>
+                <a:schemeClr val="tx1"/>
+              </a:solidFill>
+              <a:effectLst/>
+              <a:latin typeface="Arial" panose="020B0604020202020204" pitchFamily="34" charset="0"/>
+              <a:cs typeface="Arial" panose="020B0604020202020204" pitchFamily="34" charset="0"/>
+            </a:endParaRPr>
+          </a:p>
+        </p:txBody>
+      </p:sp>
+      <p:sp>
+        <p:nvSpPr>
+          <p:cNvPr id="15" name="Text Box 377">
+            <a:extLst>
+              <a:ext uri="{FF2B5EF4-FFF2-40B4-BE49-F238E27FC236}">
+                <a16:creationId xmlns:a16="http://schemas.microsoft.com/office/drawing/2014/main" id="{3F3F12DE-6735-3FC4-5F65-D2A7C07FEF4B}"/>
+              </a:ext>
+            </a:extLst>
+          </p:cNvPr>
+          <p:cNvSpPr txBox="1">
+            <a:spLocks noChangeArrowheads="1"/>
+          </p:cNvSpPr>
+          <p:nvPr/>
+        </p:nvSpPr>
+        <p:spPr bwMode="auto">
+          <a:xfrm>
+            <a:off x="3964623" y="8230870"/>
+            <a:ext cx="876300" cy="485775"/>
+          </a:xfrm>
+          <a:prstGeom prst="rect">
+            <a:avLst/>
+          </a:prstGeom>
+          <a:noFill/>
+          <a:ln>
+            <a:noFill/>
+          </a:ln>
+          <a:extLst>
+            <a:ext uri="{909E8E84-426E-40DD-AFC4-6F175D3DCCD1}">
+              <a14:hiddenFill xmlns:a14="http://schemas.microsoft.com/office/drawing/2010/main">
+                <a:solidFill>
+                  <a:srgbClr val="FFFFFF"/>
+                </a:solidFill>
+              </a14:hiddenFill>
+            </a:ext>
+            <a:ext uri="{91240B29-F687-4F45-9708-019B960494DF}">
+              <a14:hiddenLine xmlns:a14="http://schemas.microsoft.com/office/drawing/2010/main" w="9525">
+                <a:solidFill>
+                  <a:srgbClr val="000000"/>
+                </a:solidFill>
+                <a:miter lim="800000"/>
+                <a:headEnd/>
+                <a:tailEnd/>
+              </a14:hiddenLine>
+            </a:ext>
+          </a:extLst>
+        </p:spPr>
+        <p:txBody>
+          <a:bodyPr vert="horz" wrap="square" lIns="91440" tIns="45720" rIns="91440" bIns="45720" numCol="1" anchor="t" anchorCtr="0" compatLnSpc="1">
+            <a:prstTxWarp prst="textNoShape">
+              <a:avLst/>
+            </a:prstTxWarp>
+          </a:bodyPr>
+          <a:lstStyle/>
+          <a:p>
+            <a:pPr marL="0" marR="0" lvl="0" indent="0" algn="ctr" defTabSz="914400" rtl="0" eaLnBrk="0" fontAlgn="base" latinLnBrk="0" hangingPunct="0">
+              <a:lnSpc>
+                <a:spcPct val="100000"/>
+              </a:lnSpc>
+              <a:spcBef>
+                <a:spcPct val="0"/>
+              </a:spcBef>
+              <a:spcAft>
+                <a:spcPct val="0"/>
+              </a:spcAft>
+              <a:buClrTx/>
+              <a:buSzTx/>
+              <a:buFontTx/>
+              <a:buNone/>
+              <a:tabLst/>
+            </a:pPr>
+            <a:r>
+              <a:rPr kumimoji="0" lang="de-DE" sz="900" b="0" i="0" u="none" strike="noStrike" cap="none" normalizeH="0" baseline="0" noProof="1">
+                <a:ln>
+                  <a:noFill/>
+                </a:ln>
+                <a:solidFill>
+                  <a:schemeClr val="tx1"/>
+                </a:solidFill>
+                <a:effectLst/>
+                <a:latin typeface="Arial" panose="020B0604020202020204" pitchFamily="34" charset="0"/>
+                <a:ea typeface="Aptos" panose="020B0004020202020204" pitchFamily="34" charset="0"/>
+                <a:cs typeface="Arial" panose="020B0604020202020204" pitchFamily="34" charset="0"/>
+              </a:rPr>
+              <a:t>Exponat</a:t>
+            </a:r>
+            <a:br>
+              <a:rPr kumimoji="0" lang="de-DE" sz="900" b="0" i="0" u="none" strike="noStrike" cap="none" normalizeH="0" baseline="0" noProof="1">
+                <a:ln>
+                  <a:noFill/>
+                </a:ln>
+                <a:solidFill>
+                  <a:schemeClr val="tx1"/>
+                </a:solidFill>
+                <a:effectLst/>
+                <a:latin typeface="Arial" panose="020B0604020202020204" pitchFamily="34" charset="0"/>
+                <a:ea typeface="Aptos" panose="020B0004020202020204" pitchFamily="34" charset="0"/>
+                <a:cs typeface="Arial" panose="020B0604020202020204" pitchFamily="34" charset="0"/>
+              </a:rPr>
+            </a:br>
+            <a:r>
+              <a:rPr kumimoji="0" lang="de-DE" sz="900" b="0" i="0" u="none" strike="noStrike" cap="none" normalizeH="0" baseline="0" noProof="1">
+                <a:ln>
+                  <a:noFill/>
+                </a:ln>
+                <a:solidFill>
+                  <a:schemeClr val="tx1"/>
+                </a:solidFill>
+                <a:effectLst/>
+                <a:latin typeface="Arial" panose="020B0604020202020204" pitchFamily="34" charset="0"/>
+                <a:ea typeface="Aptos" panose="020B0004020202020204" pitchFamily="34" charset="0"/>
+                <a:cs typeface="Arial" panose="020B0604020202020204" pitchFamily="34" charset="0"/>
+              </a:rPr>
+              <a:t>„Smart Grid“</a:t>
+            </a:r>
+            <a:endParaRPr kumimoji="0" lang="de-DE" sz="900" b="0" i="0" u="none" strike="noStrike" cap="none" normalizeH="0" baseline="0" noProof="1">
+              <a:ln>
+                <a:noFill/>
+              </a:ln>
+              <a:solidFill>
+                <a:schemeClr val="tx1"/>
+              </a:solidFill>
+              <a:effectLst/>
+              <a:latin typeface="Arial" panose="020B0604020202020204" pitchFamily="34" charset="0"/>
+              <a:cs typeface="Arial" panose="020B0604020202020204" pitchFamily="34" charset="0"/>
+            </a:endParaRPr>
+          </a:p>
+        </p:txBody>
+      </p:sp>
+      <p:sp>
+        <p:nvSpPr>
+          <p:cNvPr id="16" name="Explosion: 8 Zacken 15">
+            <a:extLst>
+              <a:ext uri="{FF2B5EF4-FFF2-40B4-BE49-F238E27FC236}">
+                <a16:creationId xmlns:a16="http://schemas.microsoft.com/office/drawing/2014/main" id="{C6746620-5689-9BAA-F624-5FFD039069CD}"/>
+              </a:ext>
+            </a:extLst>
+          </p:cNvPr>
+          <p:cNvSpPr/>
+          <p:nvPr/>
+        </p:nvSpPr>
+        <p:spPr>
+          <a:xfrm>
+            <a:off x="4391025" y="7510145"/>
+            <a:ext cx="361950" cy="342900"/>
+          </a:xfrm>
+          <a:prstGeom prst="irregularSeal1">
+            <a:avLst/>
+          </a:prstGeom>
+          <a:solidFill>
+            <a:srgbClr val="FFFF00"/>
+          </a:solidFill>
+        </p:spPr>
+        <p:style>
+          <a:lnRef idx="2">
+            <a:schemeClr val="accent1">
+              <a:shade val="15000"/>
+            </a:schemeClr>
+          </a:lnRef>
+          <a:fillRef idx="1">
+            <a:schemeClr val="accent1"/>
+          </a:fillRef>
+          <a:effectRef idx="0">
+            <a:schemeClr val="accent1"/>
+          </a:effectRef>
+          <a:fontRef idx="minor">
+            <a:schemeClr val="lt1"/>
+          </a:fontRef>
+        </p:style>
+        <p:txBody>
+          <a:bodyPr rot="0" spcFirstLastPara="0" vert="horz" wrap="square" lIns="91440" tIns="45720" rIns="91440" bIns="45720" numCol="1" spcCol="0" rtlCol="0" fromWordArt="0" anchor="ctr" anchorCtr="0" forceAA="0" compatLnSpc="1">
+            <a:prstTxWarp prst="textNoShape">
+              <a:avLst/>
+            </a:prstTxWarp>
+            <a:noAutofit/>
+          </a:bodyPr>
+          <a:lstStyle/>
+          <a:p>
+            <a:endParaRPr lang="de-DE" noProof="1">
+              <a:latin typeface="Arial" panose="020B0604020202020204" pitchFamily="34" charset="0"/>
+              <a:cs typeface="Arial" panose="020B0604020202020204" pitchFamily="34" charset="0"/>
+            </a:endParaRPr>
+          </a:p>
+        </p:txBody>
+      </p:sp>
+      <p:sp>
+        <p:nvSpPr>
+          <p:cNvPr id="17" name="Text Box 377">
+            <a:extLst>
+              <a:ext uri="{FF2B5EF4-FFF2-40B4-BE49-F238E27FC236}">
+                <a16:creationId xmlns:a16="http://schemas.microsoft.com/office/drawing/2014/main" id="{5EA2B35A-6C8F-963F-F23A-ECF3788F1242}"/>
+              </a:ext>
+            </a:extLst>
+          </p:cNvPr>
+          <p:cNvSpPr txBox="1">
+            <a:spLocks noChangeArrowheads="1"/>
+          </p:cNvSpPr>
+          <p:nvPr/>
+        </p:nvSpPr>
+        <p:spPr bwMode="auto">
+          <a:xfrm>
+            <a:off x="3779459" y="7088187"/>
+            <a:ext cx="876300" cy="485775"/>
+          </a:xfrm>
+          <a:prstGeom prst="rect">
+            <a:avLst/>
+          </a:prstGeom>
+          <a:noFill/>
+          <a:ln>
+            <a:noFill/>
+          </a:ln>
+          <a:extLst>
+            <a:ext uri="{909E8E84-426E-40DD-AFC4-6F175D3DCCD1}">
+              <a14:hiddenFill xmlns:a14="http://schemas.microsoft.com/office/drawing/2010/main">
+                <a:solidFill>
+                  <a:srgbClr val="FFFFFF"/>
+                </a:solidFill>
+              </a14:hiddenFill>
+            </a:ext>
+            <a:ext uri="{91240B29-F687-4F45-9708-019B960494DF}">
+              <a14:hiddenLine xmlns:a14="http://schemas.microsoft.com/office/drawing/2010/main" w="9525">
+                <a:solidFill>
+                  <a:srgbClr val="000000"/>
+                </a:solidFill>
+                <a:miter lim="800000"/>
+                <a:headEnd/>
+                <a:tailEnd/>
+              </a14:hiddenLine>
+            </a:ext>
+          </a:extLst>
+        </p:spPr>
+        <p:txBody>
+          <a:bodyPr vert="horz" wrap="square" lIns="91440" tIns="45720" rIns="91440" bIns="45720" numCol="1" anchor="t" anchorCtr="0" compatLnSpc="1">
+            <a:prstTxWarp prst="textNoShape">
+              <a:avLst/>
+            </a:prstTxWarp>
+          </a:bodyPr>
+          <a:lstStyle/>
+          <a:p>
+            <a:pPr marL="0" marR="0" lvl="0" indent="0" algn="ctr" defTabSz="914400" rtl="0" eaLnBrk="0" fontAlgn="base" latinLnBrk="0" hangingPunct="0">
+              <a:lnSpc>
+                <a:spcPct val="100000"/>
+              </a:lnSpc>
+              <a:spcBef>
+                <a:spcPct val="0"/>
+              </a:spcBef>
+              <a:spcAft>
+                <a:spcPct val="0"/>
+              </a:spcAft>
+              <a:buClrTx/>
+              <a:buSzTx/>
+              <a:buFontTx/>
+              <a:buNone/>
+              <a:tabLst/>
+            </a:pPr>
+            <a:r>
+              <a:rPr kumimoji="0" lang="de-DE" sz="900" b="0" i="0" u="none" strike="noStrike" cap="none" normalizeH="0" baseline="0" noProof="1">
+                <a:ln>
+                  <a:noFill/>
+                </a:ln>
+                <a:solidFill>
+                  <a:schemeClr val="tx1"/>
+                </a:solidFill>
+                <a:effectLst/>
+                <a:latin typeface="Arial" panose="020B0604020202020204" pitchFamily="34" charset="0"/>
+                <a:ea typeface="Aptos" panose="020B0004020202020204" pitchFamily="34" charset="0"/>
+                <a:cs typeface="Arial" panose="020B0604020202020204" pitchFamily="34" charset="0"/>
+              </a:rPr>
+              <a:t>Exponat</a:t>
+            </a:r>
+            <a:br>
+              <a:rPr kumimoji="0" lang="de-DE" sz="900" b="0" i="0" u="none" strike="noStrike" cap="none" normalizeH="0" baseline="0" noProof="1">
+                <a:ln>
+                  <a:noFill/>
+                </a:ln>
+                <a:solidFill>
+                  <a:schemeClr val="tx1"/>
+                </a:solidFill>
+                <a:effectLst/>
+                <a:latin typeface="Arial" panose="020B0604020202020204" pitchFamily="34" charset="0"/>
+                <a:ea typeface="Aptos" panose="020B0004020202020204" pitchFamily="34" charset="0"/>
+                <a:cs typeface="Arial" panose="020B0604020202020204" pitchFamily="34" charset="0"/>
+              </a:rPr>
+            </a:br>
+            <a:r>
+              <a:rPr kumimoji="0" lang="de-DE" sz="900" b="0" i="0" u="none" strike="noStrike" cap="none" normalizeH="0" baseline="0" noProof="1">
+                <a:ln>
+                  <a:noFill/>
+                </a:ln>
+                <a:solidFill>
+                  <a:schemeClr val="tx1"/>
+                </a:solidFill>
+                <a:effectLst/>
+                <a:latin typeface="Arial" panose="020B0604020202020204" pitchFamily="34" charset="0"/>
+                <a:ea typeface="Aptos" panose="020B0004020202020204" pitchFamily="34" charset="0"/>
+                <a:cs typeface="Arial" panose="020B0604020202020204" pitchFamily="34" charset="0"/>
+              </a:rPr>
+              <a:t>„Mensch Ärgere Dich Nicht“</a:t>
+            </a:r>
+            <a:endParaRPr kumimoji="0" lang="de-DE" sz="900" b="0" i="0" u="none" strike="noStrike" cap="none" normalizeH="0" baseline="0" noProof="1">
+              <a:ln>
+                <a:noFill/>
+              </a:ln>
+              <a:solidFill>
+                <a:schemeClr val="tx1"/>
+              </a:solidFill>
+              <a:effectLst/>
+              <a:latin typeface="Arial" panose="020B0604020202020204" pitchFamily="34" charset="0"/>
+              <a:cs typeface="Arial" panose="020B0604020202020204" pitchFamily="34" charset="0"/>
+            </a:endParaRPr>
+          </a:p>
+        </p:txBody>
+      </p:sp>
+      <p:sp>
+        <p:nvSpPr>
+          <p:cNvPr id="18" name="Explosion: 8 Zacken 17">
+            <a:extLst>
+              <a:ext uri="{FF2B5EF4-FFF2-40B4-BE49-F238E27FC236}">
+                <a16:creationId xmlns:a16="http://schemas.microsoft.com/office/drawing/2014/main" id="{710000A2-ABD0-2E3A-BC60-F7D32CEFC224}"/>
+              </a:ext>
+            </a:extLst>
+          </p:cNvPr>
+          <p:cNvSpPr/>
+          <p:nvPr/>
+        </p:nvSpPr>
+        <p:spPr>
+          <a:xfrm>
+            <a:off x="3290252" y="8264525"/>
+            <a:ext cx="361950" cy="342900"/>
+          </a:xfrm>
+          <a:prstGeom prst="irregularSeal1">
+            <a:avLst/>
+          </a:prstGeom>
+          <a:solidFill>
+            <a:srgbClr val="FFFF00"/>
+          </a:solidFill>
+        </p:spPr>
+        <p:style>
+          <a:lnRef idx="2">
+            <a:schemeClr val="accent1">
+              <a:shade val="15000"/>
+            </a:schemeClr>
+          </a:lnRef>
+          <a:fillRef idx="1">
+            <a:schemeClr val="accent1"/>
+          </a:fillRef>
+          <a:effectRef idx="0">
+            <a:schemeClr val="accent1"/>
+          </a:effectRef>
+          <a:fontRef idx="minor">
+            <a:schemeClr val="lt1"/>
+          </a:fontRef>
+        </p:style>
+        <p:txBody>
+          <a:bodyPr rot="0" spcFirstLastPara="0" vert="horz" wrap="square" lIns="91440" tIns="45720" rIns="91440" bIns="45720" numCol="1" spcCol="0" rtlCol="0" fromWordArt="0" anchor="ctr" anchorCtr="0" forceAA="0" compatLnSpc="1">
+            <a:prstTxWarp prst="textNoShape">
+              <a:avLst/>
+            </a:prstTxWarp>
+            <a:noAutofit/>
+          </a:bodyPr>
+          <a:lstStyle/>
+          <a:p>
+            <a:endParaRPr lang="de-DE" noProof="1">
+              <a:latin typeface="Arial" panose="020B0604020202020204" pitchFamily="34" charset="0"/>
+              <a:cs typeface="Arial" panose="020B0604020202020204" pitchFamily="34" charset="0"/>
+            </a:endParaRPr>
+          </a:p>
+        </p:txBody>
+      </p:sp>
+      <p:sp>
+        <p:nvSpPr>
+          <p:cNvPr id="19" name="Text Box 377">
+            <a:extLst>
+              <a:ext uri="{FF2B5EF4-FFF2-40B4-BE49-F238E27FC236}">
+                <a16:creationId xmlns:a16="http://schemas.microsoft.com/office/drawing/2014/main" id="{4B0E94DC-F73F-5E58-E730-24C4E669E641}"/>
+              </a:ext>
+            </a:extLst>
+          </p:cNvPr>
+          <p:cNvSpPr txBox="1">
+            <a:spLocks noChangeArrowheads="1"/>
+          </p:cNvSpPr>
+          <p:nvPr/>
+        </p:nvSpPr>
+        <p:spPr bwMode="auto">
+          <a:xfrm>
+            <a:off x="2898978" y="7967980"/>
+            <a:ext cx="1303883" cy="485775"/>
+          </a:xfrm>
+          <a:prstGeom prst="rect">
+            <a:avLst/>
+          </a:prstGeom>
+          <a:noFill/>
+          <a:ln>
+            <a:noFill/>
+          </a:ln>
+          <a:extLst>
+            <a:ext uri="{909E8E84-426E-40DD-AFC4-6F175D3DCCD1}">
+              <a14:hiddenFill xmlns:a14="http://schemas.microsoft.com/office/drawing/2010/main">
+                <a:solidFill>
+                  <a:srgbClr val="FFFFFF"/>
+                </a:solidFill>
+              </a14:hiddenFill>
+            </a:ext>
+            <a:ext uri="{91240B29-F687-4F45-9708-019B960494DF}">
+              <a14:hiddenLine xmlns:a14="http://schemas.microsoft.com/office/drawing/2010/main" w="9525">
+                <a:solidFill>
+                  <a:srgbClr val="000000"/>
+                </a:solidFill>
+                <a:miter lim="800000"/>
+                <a:headEnd/>
+                <a:tailEnd/>
+              </a14:hiddenLine>
+            </a:ext>
+          </a:extLst>
+        </p:spPr>
+        <p:txBody>
+          <a:bodyPr vert="horz" wrap="square" lIns="91440" tIns="45720" rIns="91440" bIns="45720" numCol="1" anchor="t" anchorCtr="0" compatLnSpc="1">
+            <a:prstTxWarp prst="textNoShape">
+              <a:avLst/>
+            </a:prstTxWarp>
+          </a:bodyPr>
+          <a:lstStyle/>
+          <a:p>
+            <a:pPr marL="0" marR="0" lvl="0" indent="0" algn="ctr" defTabSz="914400" rtl="0" eaLnBrk="0" fontAlgn="base" latinLnBrk="0" hangingPunct="0">
+              <a:lnSpc>
+                <a:spcPct val="100000"/>
+              </a:lnSpc>
+              <a:spcBef>
+                <a:spcPct val="0"/>
+              </a:spcBef>
+              <a:spcAft>
+                <a:spcPct val="0"/>
+              </a:spcAft>
+              <a:buClrTx/>
+              <a:buSzTx/>
+              <a:buFontTx/>
+              <a:buNone/>
+              <a:tabLst/>
+            </a:pPr>
+            <a:r>
+              <a:rPr kumimoji="0" lang="de-DE" sz="900" b="0" i="0" u="none" strike="noStrike" cap="none" normalizeH="0" baseline="0" noProof="1">
+                <a:ln>
+                  <a:noFill/>
+                </a:ln>
+                <a:solidFill>
+                  <a:schemeClr val="tx1"/>
+                </a:solidFill>
+                <a:effectLst/>
+                <a:latin typeface="Arial" panose="020B0604020202020204" pitchFamily="34" charset="0"/>
+                <a:ea typeface="Aptos" panose="020B0004020202020204" pitchFamily="34" charset="0"/>
+                <a:cs typeface="Arial" panose="020B0604020202020204" pitchFamily="34" charset="0"/>
+              </a:rPr>
+              <a:t>Leitungszuordnungs-Quiz</a:t>
+            </a:r>
+            <a:endParaRPr kumimoji="0" lang="de-DE" sz="900" b="0" i="0" u="none" strike="noStrike" cap="none" normalizeH="0" baseline="0" noProof="1">
+              <a:ln>
+                <a:noFill/>
+              </a:ln>
+              <a:solidFill>
+                <a:schemeClr val="tx1"/>
+              </a:solidFill>
+              <a:effectLst/>
+              <a:latin typeface="Arial" panose="020B0604020202020204" pitchFamily="34" charset="0"/>
+              <a:cs typeface="Arial" panose="020B0604020202020204" pitchFamily="34" charset="0"/>
+            </a:endParaRPr>
+          </a:p>
+        </p:txBody>
+      </p:sp>
+      <p:sp>
+        <p:nvSpPr>
+          <p:cNvPr id="20" name="Text Box 346">
+            <a:extLst>
+              <a:ext uri="{FF2B5EF4-FFF2-40B4-BE49-F238E27FC236}">
+                <a16:creationId xmlns:a16="http://schemas.microsoft.com/office/drawing/2014/main" id="{3CF245BD-3031-045F-8651-76237C20264C}"/>
+              </a:ext>
+            </a:extLst>
+          </p:cNvPr>
+          <p:cNvSpPr txBox="1">
+            <a:spLocks noChangeArrowheads="1"/>
+          </p:cNvSpPr>
+          <p:nvPr/>
+        </p:nvSpPr>
+        <p:spPr bwMode="auto">
+          <a:xfrm>
+            <a:off x="5979317" y="6885305"/>
+            <a:ext cx="2313624" cy="1009650"/>
+          </a:xfrm>
+          <a:prstGeom prst="rect">
+            <a:avLst/>
+          </a:prstGeom>
+          <a:noFill/>
+          <a:ln>
+            <a:noFill/>
+          </a:ln>
+          <a:extLst>
+            <a:ext uri="{909E8E84-426E-40DD-AFC4-6F175D3DCCD1}">
+              <a14:hiddenFill xmlns:a14="http://schemas.microsoft.com/office/drawing/2010/main">
+                <a:solidFill>
+                  <a:srgbClr val="FFFFFF"/>
+                </a:solidFill>
+              </a14:hiddenFill>
+            </a:ext>
+            <a:ext uri="{91240B29-F687-4F45-9708-019B960494DF}">
+              <a14:hiddenLine xmlns:a14="http://schemas.microsoft.com/office/drawing/2010/main" w="9525">
+                <a:solidFill>
+                  <a:srgbClr val="000000"/>
+                </a:solidFill>
+                <a:miter lim="800000"/>
+                <a:headEnd/>
+                <a:tailEnd/>
+              </a14:hiddenLine>
+            </a:ext>
+          </a:extLst>
+        </p:spPr>
+        <p:txBody>
+          <a:bodyPr vert="horz" wrap="square" lIns="91440" tIns="45720" rIns="91440" bIns="45720" numCol="1" anchor="t" anchorCtr="0" compatLnSpc="1">
+            <a:prstTxWarp prst="textNoShape">
+              <a:avLst/>
+            </a:prstTxWarp>
+          </a:bodyPr>
+          <a:lstStyle/>
+          <a:p>
+            <a:pPr marL="0" marR="0" lvl="0" indent="0" algn="l" defTabSz="914400" rtl="0" eaLnBrk="0" fontAlgn="base" latinLnBrk="0" hangingPunct="0">
+              <a:spcBef>
+                <a:spcPct val="0"/>
+              </a:spcBef>
+              <a:spcAft>
+                <a:spcPct val="0"/>
+              </a:spcAft>
+              <a:buClrTx/>
+              <a:buSzTx/>
+              <a:buFontTx/>
+              <a:buChar char="•"/>
+              <a:tabLst/>
+            </a:pPr>
+            <a:r>
+              <a:rPr kumimoji="0" lang="de-DE" sz="1100" b="0" i="0" u="none" strike="noStrike" cap="none" normalizeH="0" baseline="0" noProof="1">
+                <a:ln>
+                  <a:noFill/>
+                </a:ln>
+                <a:solidFill>
+                  <a:schemeClr val="tx1"/>
+                </a:solidFill>
+                <a:effectLst/>
+                <a:latin typeface="Arial" panose="020B0604020202020204" pitchFamily="34" charset="0"/>
+                <a:ea typeface="Aptos" panose="020B0004020202020204" pitchFamily="34" charset="0"/>
+                <a:cs typeface="Arial" panose="020B0604020202020204" pitchFamily="34" charset="0"/>
+              </a:rPr>
+              <a:t> Industriemechaniker*</a:t>
+            </a:r>
+            <a:endParaRPr kumimoji="0" lang="de-DE" sz="1100" b="0" i="0" u="none" strike="noStrike" cap="none" normalizeH="0" baseline="0" noProof="1">
+              <a:ln>
+                <a:noFill/>
+              </a:ln>
+              <a:solidFill>
+                <a:schemeClr val="tx1"/>
+              </a:solidFill>
+              <a:effectLst/>
+              <a:latin typeface="Arial" panose="020B0604020202020204" pitchFamily="34" charset="0"/>
+              <a:cs typeface="Arial" panose="020B0604020202020204" pitchFamily="34" charset="0"/>
+            </a:endParaRPr>
+          </a:p>
+          <a:p>
+            <a:pPr marL="0" marR="0" lvl="0" indent="0" algn="l" defTabSz="914400" rtl="0" eaLnBrk="0" fontAlgn="base" latinLnBrk="0" hangingPunct="0">
+              <a:spcBef>
+                <a:spcPct val="0"/>
+              </a:spcBef>
+              <a:spcAft>
+                <a:spcPct val="0"/>
+              </a:spcAft>
+              <a:buClrTx/>
+              <a:buSzTx/>
+              <a:buFontTx/>
+              <a:buChar char="•"/>
+              <a:tabLst/>
+            </a:pPr>
+            <a:r>
+              <a:rPr kumimoji="0" lang="de-DE" sz="1100" b="0" i="0" u="none" strike="noStrike" cap="none" normalizeH="0" baseline="0" noProof="1">
+                <a:ln>
+                  <a:noFill/>
+                </a:ln>
+                <a:solidFill>
+                  <a:schemeClr val="tx1"/>
+                </a:solidFill>
+                <a:effectLst/>
+                <a:latin typeface="Arial" panose="020B0604020202020204" pitchFamily="34" charset="0"/>
+                <a:ea typeface="Aptos" panose="020B0004020202020204" pitchFamily="34" charset="0"/>
+                <a:cs typeface="Arial" panose="020B0604020202020204" pitchFamily="34" charset="0"/>
+              </a:rPr>
+              <a:t> Maschinen- und Anlagenführer*</a:t>
+            </a:r>
+            <a:endParaRPr kumimoji="0" lang="de-DE" sz="1100" b="0" i="0" u="none" strike="noStrike" cap="none" normalizeH="0" baseline="0" noProof="1">
+              <a:ln>
+                <a:noFill/>
+              </a:ln>
+              <a:solidFill>
+                <a:schemeClr val="tx1"/>
+              </a:solidFill>
+              <a:effectLst/>
+              <a:latin typeface="Arial" panose="020B0604020202020204" pitchFamily="34" charset="0"/>
+              <a:cs typeface="Arial" panose="020B0604020202020204" pitchFamily="34" charset="0"/>
+            </a:endParaRPr>
+          </a:p>
+        </p:txBody>
+      </p:sp>
+      <p:sp>
+        <p:nvSpPr>
+          <p:cNvPr id="21" name="Explosion: 8 Zacken 20">
+            <a:extLst>
+              <a:ext uri="{FF2B5EF4-FFF2-40B4-BE49-F238E27FC236}">
+                <a16:creationId xmlns:a16="http://schemas.microsoft.com/office/drawing/2014/main" id="{7584C64E-03C6-F9D7-B0AC-1067C824D0FF}"/>
+              </a:ext>
+            </a:extLst>
+          </p:cNvPr>
+          <p:cNvSpPr/>
+          <p:nvPr/>
+        </p:nvSpPr>
+        <p:spPr>
+          <a:xfrm>
+            <a:off x="8873808" y="9442451"/>
+            <a:ext cx="361950" cy="342900"/>
+          </a:xfrm>
+          <a:prstGeom prst="irregularSeal1">
+            <a:avLst/>
+          </a:prstGeom>
+          <a:solidFill>
+            <a:srgbClr val="FFFF00"/>
+          </a:solidFill>
+        </p:spPr>
+        <p:style>
+          <a:lnRef idx="2">
+            <a:schemeClr val="accent1">
+              <a:shade val="15000"/>
+            </a:schemeClr>
+          </a:lnRef>
+          <a:fillRef idx="1">
+            <a:schemeClr val="accent1"/>
+          </a:fillRef>
+          <a:effectRef idx="0">
+            <a:schemeClr val="accent1"/>
+          </a:effectRef>
+          <a:fontRef idx="minor">
+            <a:schemeClr val="lt1"/>
+          </a:fontRef>
+        </p:style>
+        <p:txBody>
+          <a:bodyPr rot="0" spcFirstLastPara="0" vert="horz" wrap="square" lIns="91440" tIns="45720" rIns="91440" bIns="45720" numCol="1" spcCol="0" rtlCol="0" fromWordArt="0" anchor="ctr" anchorCtr="0" forceAA="0" compatLnSpc="1">
+            <a:prstTxWarp prst="textNoShape">
+              <a:avLst/>
+            </a:prstTxWarp>
+            <a:noAutofit/>
+          </a:bodyPr>
+          <a:lstStyle/>
+          <a:p>
+            <a:endParaRPr lang="de-DE" noProof="1">
+              <a:latin typeface="Arial" panose="020B0604020202020204" pitchFamily="34" charset="0"/>
+              <a:cs typeface="Arial" panose="020B0604020202020204" pitchFamily="34" charset="0"/>
+            </a:endParaRPr>
+          </a:p>
+        </p:txBody>
+      </p:sp>
+      <p:sp>
+        <p:nvSpPr>
+          <p:cNvPr id="22" name="Text Box 377">
+            <a:extLst>
+              <a:ext uri="{FF2B5EF4-FFF2-40B4-BE49-F238E27FC236}">
+                <a16:creationId xmlns:a16="http://schemas.microsoft.com/office/drawing/2014/main" id="{72BF620D-DE9A-4F48-6627-B0E10621C2FE}"/>
+              </a:ext>
+            </a:extLst>
+          </p:cNvPr>
+          <p:cNvSpPr txBox="1">
+            <a:spLocks noChangeArrowheads="1"/>
+          </p:cNvSpPr>
+          <p:nvPr/>
+        </p:nvSpPr>
+        <p:spPr bwMode="auto">
+          <a:xfrm>
+            <a:off x="8251071" y="8922807"/>
+            <a:ext cx="1303883" cy="485775"/>
+          </a:xfrm>
+          <a:prstGeom prst="rect">
+            <a:avLst/>
+          </a:prstGeom>
+          <a:noFill/>
+          <a:ln>
+            <a:noFill/>
+          </a:ln>
+          <a:extLst>
+            <a:ext uri="{909E8E84-426E-40DD-AFC4-6F175D3DCCD1}">
+              <a14:hiddenFill xmlns:a14="http://schemas.microsoft.com/office/drawing/2010/main">
+                <a:solidFill>
+                  <a:srgbClr val="FFFFFF"/>
+                </a:solidFill>
+              </a14:hiddenFill>
+            </a:ext>
+            <a:ext uri="{91240B29-F687-4F45-9708-019B960494DF}">
+              <a14:hiddenLine xmlns:a14="http://schemas.microsoft.com/office/drawing/2010/main" w="9525">
+                <a:solidFill>
+                  <a:srgbClr val="000000"/>
+                </a:solidFill>
+                <a:miter lim="800000"/>
+                <a:headEnd/>
+                <a:tailEnd/>
+              </a14:hiddenLine>
+            </a:ext>
+          </a:extLst>
+        </p:spPr>
+        <p:txBody>
+          <a:bodyPr vert="horz" wrap="square" lIns="91440" tIns="45720" rIns="91440" bIns="45720" numCol="1" anchor="t" anchorCtr="0" compatLnSpc="1">
+            <a:prstTxWarp prst="textNoShape">
+              <a:avLst/>
+            </a:prstTxWarp>
+          </a:bodyPr>
+          <a:lstStyle/>
+          <a:p>
+            <a:pPr marL="0" marR="0" lvl="0" indent="0" algn="ctr" defTabSz="914400" rtl="0" eaLnBrk="0" fontAlgn="base" latinLnBrk="0" hangingPunct="0">
+              <a:lnSpc>
+                <a:spcPct val="100000"/>
+              </a:lnSpc>
+              <a:spcBef>
+                <a:spcPct val="0"/>
+              </a:spcBef>
+              <a:spcAft>
+                <a:spcPct val="0"/>
+              </a:spcAft>
+              <a:buClrTx/>
+              <a:buSzTx/>
+              <a:buFontTx/>
+              <a:buNone/>
+              <a:tabLst/>
+            </a:pPr>
+            <a:r>
+              <a:rPr kumimoji="0" lang="de-DE" sz="900" b="0" i="0" u="none" strike="noStrike" cap="none" normalizeH="0" baseline="0" noProof="1">
+                <a:ln>
+                  <a:noFill/>
+                </a:ln>
+                <a:solidFill>
+                  <a:schemeClr val="tx1"/>
+                </a:solidFill>
+                <a:effectLst/>
+                <a:latin typeface="Arial" panose="020B0604020202020204" pitchFamily="34" charset="0"/>
+                <a:ea typeface="Aptos" panose="020B0004020202020204" pitchFamily="34" charset="0"/>
+                <a:cs typeface="Arial" panose="020B0604020202020204" pitchFamily="34" charset="0"/>
+              </a:rPr>
+              <a:t>Spindelpresse</a:t>
+            </a:r>
+          </a:p>
+          <a:p>
+            <a:pPr marL="0" marR="0" lvl="0" indent="0" algn="ctr" defTabSz="914400" rtl="0" eaLnBrk="0" fontAlgn="base" latinLnBrk="0" hangingPunct="0">
+              <a:lnSpc>
+                <a:spcPct val="100000"/>
+              </a:lnSpc>
+              <a:spcBef>
+                <a:spcPct val="0"/>
+              </a:spcBef>
+              <a:spcAft>
+                <a:spcPct val="0"/>
+              </a:spcAft>
+              <a:buClrTx/>
+              <a:buSzTx/>
+              <a:buFontTx/>
+              <a:buNone/>
+              <a:tabLst/>
+            </a:pPr>
+            <a:r>
+              <a:rPr kumimoji="0" lang="de-DE" sz="900" b="0" i="0" u="none" strike="noStrike" cap="none" normalizeH="0" baseline="0" noProof="1">
+                <a:ln>
+                  <a:noFill/>
+                </a:ln>
+                <a:solidFill>
+                  <a:schemeClr val="tx1"/>
+                </a:solidFill>
+                <a:effectLst/>
+                <a:latin typeface="Arial" panose="020B0604020202020204" pitchFamily="34" charset="0"/>
+                <a:cs typeface="Arial" panose="020B0604020202020204" pitchFamily="34" charset="0"/>
+              </a:rPr>
+              <a:t>Give-Away</a:t>
+            </a:r>
+            <a:br>
+              <a:rPr kumimoji="0" lang="de-DE" sz="900" b="0" i="0" u="none" strike="noStrike" cap="none" normalizeH="0" baseline="0" noProof="1">
+                <a:ln>
+                  <a:noFill/>
+                </a:ln>
+                <a:solidFill>
+                  <a:schemeClr val="tx1"/>
+                </a:solidFill>
+                <a:effectLst/>
+                <a:latin typeface="Arial" panose="020B0604020202020204" pitchFamily="34" charset="0"/>
+                <a:cs typeface="Arial" panose="020B0604020202020204" pitchFamily="34" charset="0"/>
+              </a:rPr>
+            </a:br>
+            <a:r>
+              <a:rPr kumimoji="0" lang="de-DE" sz="900" b="0" i="0" u="none" strike="noStrike" cap="none" normalizeH="0" baseline="0" noProof="1">
+                <a:ln>
+                  <a:noFill/>
+                </a:ln>
+                <a:solidFill>
+                  <a:schemeClr val="tx1"/>
+                </a:solidFill>
+                <a:effectLst/>
+                <a:latin typeface="Arial" panose="020B0604020202020204" pitchFamily="34" charset="0"/>
+                <a:cs typeface="Arial" panose="020B0604020202020204" pitchFamily="34" charset="0"/>
+              </a:rPr>
+              <a:t>„Einkaufswagenchip“</a:t>
+            </a:r>
+          </a:p>
+        </p:txBody>
+      </p:sp>
+      <p:cxnSp>
+        <p:nvCxnSpPr>
+          <p:cNvPr id="23" name="Gerader Verbinder 22">
+            <a:extLst>
+              <a:ext uri="{FF2B5EF4-FFF2-40B4-BE49-F238E27FC236}">
+                <a16:creationId xmlns:a16="http://schemas.microsoft.com/office/drawing/2014/main" id="{F9AD6367-F4E0-7D1F-BA8F-8D565CB62B6B}"/>
+              </a:ext>
+            </a:extLst>
+          </p:cNvPr>
+          <p:cNvCxnSpPr/>
+          <p:nvPr/>
+        </p:nvCxnSpPr>
+        <p:spPr>
+          <a:xfrm flipH="1">
+            <a:off x="9041130" y="12477163"/>
+            <a:ext cx="0" cy="784860"/>
+          </a:xfrm>
+          <a:prstGeom prst="line">
+            <a:avLst/>
+          </a:prstGeom>
+          <a:ln w="57150">
+            <a:solidFill>
+              <a:schemeClr val="tx1">
+                <a:lumMod val="65000"/>
+                <a:lumOff val="35000"/>
+              </a:schemeClr>
+            </a:solidFill>
+          </a:ln>
+        </p:spPr>
+        <p:style>
+          <a:lnRef idx="1">
+            <a:schemeClr val="accent2"/>
+          </a:lnRef>
+          <a:fillRef idx="0">
+            <a:schemeClr val="accent2"/>
+          </a:fillRef>
+          <a:effectRef idx="0">
+            <a:schemeClr val="accent2"/>
+          </a:effectRef>
+          <a:fontRef idx="minor">
+            <a:schemeClr val="tx1"/>
+          </a:fontRef>
+        </p:style>
+      </p:cxnSp>
+      <p:sp>
+        <p:nvSpPr>
+          <p:cNvPr id="25" name="Explosion: 8 Zacken 24">
+            <a:extLst>
+              <a:ext uri="{FF2B5EF4-FFF2-40B4-BE49-F238E27FC236}">
+                <a16:creationId xmlns:a16="http://schemas.microsoft.com/office/drawing/2014/main" id="{C20895D0-0D54-D6E5-2924-01F06E24E2E1}"/>
+              </a:ext>
+            </a:extLst>
+          </p:cNvPr>
+          <p:cNvSpPr/>
+          <p:nvPr/>
+        </p:nvSpPr>
+        <p:spPr>
+          <a:xfrm>
+            <a:off x="8471602" y="12828814"/>
+            <a:ext cx="361950" cy="342900"/>
+          </a:xfrm>
+          <a:prstGeom prst="irregularSeal1">
+            <a:avLst/>
+          </a:prstGeom>
+          <a:solidFill>
+            <a:srgbClr val="FFFF00"/>
+          </a:solidFill>
+        </p:spPr>
+        <p:style>
+          <a:lnRef idx="2">
+            <a:schemeClr val="accent1">
+              <a:shade val="15000"/>
+            </a:schemeClr>
+          </a:lnRef>
+          <a:fillRef idx="1">
+            <a:schemeClr val="accent1"/>
+          </a:fillRef>
+          <a:effectRef idx="0">
+            <a:schemeClr val="accent1"/>
+          </a:effectRef>
+          <a:fontRef idx="minor">
+            <a:schemeClr val="lt1"/>
+          </a:fontRef>
+        </p:style>
+        <p:txBody>
+          <a:bodyPr rot="0" spcFirstLastPara="0" vert="horz" wrap="square" lIns="91440" tIns="45720" rIns="91440" bIns="45720" numCol="1" spcCol="0" rtlCol="0" fromWordArt="0" anchor="ctr" anchorCtr="0" forceAA="0" compatLnSpc="1">
+            <a:prstTxWarp prst="textNoShape">
+              <a:avLst/>
+            </a:prstTxWarp>
+            <a:noAutofit/>
+          </a:bodyPr>
+          <a:lstStyle/>
+          <a:p>
+            <a:endParaRPr lang="de-DE" noProof="1">
+              <a:latin typeface="Arial" panose="020B0604020202020204" pitchFamily="34" charset="0"/>
+              <a:cs typeface="Arial" panose="020B0604020202020204" pitchFamily="34" charset="0"/>
+            </a:endParaRPr>
+          </a:p>
+        </p:txBody>
+      </p:sp>
+      <p:sp>
+        <p:nvSpPr>
+          <p:cNvPr id="26" name="Text Box 374">
+            <a:extLst>
+              <a:ext uri="{FF2B5EF4-FFF2-40B4-BE49-F238E27FC236}">
+                <a16:creationId xmlns:a16="http://schemas.microsoft.com/office/drawing/2014/main" id="{360CF01F-11C7-BAAA-CDC6-3C87285AB9D8}"/>
+              </a:ext>
+            </a:extLst>
+          </p:cNvPr>
+          <p:cNvSpPr txBox="1">
+            <a:spLocks noChangeArrowheads="1"/>
+          </p:cNvSpPr>
+          <p:nvPr/>
+        </p:nvSpPr>
+        <p:spPr bwMode="auto">
+          <a:xfrm>
+            <a:off x="8270190" y="12589827"/>
+            <a:ext cx="885825" cy="504825"/>
+          </a:xfrm>
+          <a:prstGeom prst="rect">
+            <a:avLst/>
+          </a:prstGeom>
+          <a:noFill/>
+          <a:ln>
+            <a:noFill/>
+          </a:ln>
+          <a:extLst>
+            <a:ext uri="{909E8E84-426E-40DD-AFC4-6F175D3DCCD1}">
+              <a14:hiddenFill xmlns:a14="http://schemas.microsoft.com/office/drawing/2010/main">
+                <a:solidFill>
+                  <a:srgbClr val="FFFFFF"/>
+                </a:solidFill>
+              </a14:hiddenFill>
+            </a:ext>
+            <a:ext uri="{91240B29-F687-4F45-9708-019B960494DF}">
+              <a14:hiddenLine xmlns:a14="http://schemas.microsoft.com/office/drawing/2010/main" w="9525">
+                <a:solidFill>
+                  <a:srgbClr val="000000"/>
+                </a:solidFill>
+                <a:miter lim="800000"/>
+                <a:headEnd/>
+                <a:tailEnd/>
+              </a14:hiddenLine>
+            </a:ext>
+          </a:extLst>
+        </p:spPr>
+        <p:txBody>
+          <a:bodyPr vert="horz" wrap="square" lIns="91440" tIns="45720" rIns="91440" bIns="45720" numCol="1" anchor="t" anchorCtr="0" compatLnSpc="1">
+            <a:prstTxWarp prst="textNoShape">
+              <a:avLst/>
+            </a:prstTxWarp>
+          </a:bodyPr>
+          <a:lstStyle/>
+          <a:p>
+            <a:pPr marL="0" marR="0" lvl="0" indent="0" algn="l" defTabSz="914400" rtl="0" eaLnBrk="0" fontAlgn="base" latinLnBrk="0" hangingPunct="0">
+              <a:lnSpc>
+                <a:spcPct val="100000"/>
+              </a:lnSpc>
+              <a:spcBef>
+                <a:spcPct val="0"/>
+              </a:spcBef>
+              <a:spcAft>
+                <a:spcPct val="0"/>
+              </a:spcAft>
+              <a:buClrTx/>
+              <a:buSzTx/>
+              <a:buFontTx/>
+              <a:buNone/>
+              <a:tabLst/>
+            </a:pPr>
+            <a:r>
+              <a:rPr kumimoji="0" lang="de-DE" sz="900" b="0" i="0" u="none" strike="noStrike" cap="none" normalizeH="0" baseline="0" noProof="1">
+                <a:ln>
+                  <a:noFill/>
+                </a:ln>
+                <a:solidFill>
+                  <a:schemeClr val="tx1"/>
+                </a:solidFill>
+                <a:effectLst/>
+                <a:latin typeface="Arial" panose="020B0604020202020204" pitchFamily="34" charset="0"/>
+                <a:ea typeface="Aptos" panose="020B0004020202020204" pitchFamily="34" charset="0"/>
+                <a:cs typeface="Arial" panose="020B0604020202020204" pitchFamily="34" charset="0"/>
+              </a:rPr>
+              <a:t>3D-Drucker</a:t>
+            </a:r>
+            <a:endParaRPr kumimoji="0" lang="de-DE" sz="900" b="0" i="0" u="none" strike="noStrike" cap="none" normalizeH="0" baseline="0" noProof="1">
+              <a:ln>
+                <a:noFill/>
+              </a:ln>
+              <a:solidFill>
+                <a:schemeClr val="tx1"/>
+              </a:solidFill>
+              <a:effectLst/>
+              <a:latin typeface="Arial" panose="020B0604020202020204" pitchFamily="34" charset="0"/>
+              <a:cs typeface="Arial" panose="020B0604020202020204" pitchFamily="34" charset="0"/>
+            </a:endParaRPr>
+          </a:p>
+        </p:txBody>
+      </p:sp>
+      <p:sp>
+        <p:nvSpPr>
+          <p:cNvPr id="27" name="Explosion: 8 Zacken 26">
+            <a:extLst>
+              <a:ext uri="{FF2B5EF4-FFF2-40B4-BE49-F238E27FC236}">
+                <a16:creationId xmlns:a16="http://schemas.microsoft.com/office/drawing/2014/main" id="{B4DF5095-DE34-3974-FD50-F975D82E7453}"/>
+              </a:ext>
+            </a:extLst>
+          </p:cNvPr>
+          <p:cNvSpPr/>
+          <p:nvPr/>
+        </p:nvSpPr>
+        <p:spPr>
+          <a:xfrm>
+            <a:off x="8930149" y="10807065"/>
+            <a:ext cx="361950" cy="342900"/>
+          </a:xfrm>
+          <a:prstGeom prst="irregularSeal1">
+            <a:avLst/>
+          </a:prstGeom>
+          <a:solidFill>
+            <a:srgbClr val="FFFF00"/>
+          </a:solidFill>
+        </p:spPr>
+        <p:style>
+          <a:lnRef idx="2">
+            <a:schemeClr val="accent1">
+              <a:shade val="15000"/>
+            </a:schemeClr>
+          </a:lnRef>
+          <a:fillRef idx="1">
+            <a:schemeClr val="accent1"/>
+          </a:fillRef>
+          <a:effectRef idx="0">
+            <a:schemeClr val="accent1"/>
+          </a:effectRef>
+          <a:fontRef idx="minor">
+            <a:schemeClr val="lt1"/>
+          </a:fontRef>
+        </p:style>
+        <p:txBody>
+          <a:bodyPr rot="0" spcFirstLastPara="0" vert="horz" wrap="square" lIns="91440" tIns="45720" rIns="91440" bIns="45720" numCol="1" spcCol="0" rtlCol="0" fromWordArt="0" anchor="ctr" anchorCtr="0" forceAA="0" compatLnSpc="1">
+            <a:prstTxWarp prst="textNoShape">
+              <a:avLst/>
+            </a:prstTxWarp>
+            <a:noAutofit/>
+          </a:bodyPr>
+          <a:lstStyle/>
+          <a:p>
+            <a:endParaRPr lang="de-DE" noProof="1">
+              <a:latin typeface="Arial" panose="020B0604020202020204" pitchFamily="34" charset="0"/>
+              <a:cs typeface="Arial" panose="020B0604020202020204" pitchFamily="34" charset="0"/>
+            </a:endParaRPr>
+          </a:p>
+        </p:txBody>
+      </p:sp>
+      <p:sp>
+        <p:nvSpPr>
+          <p:cNvPr id="28" name="Text Box 374">
+            <a:extLst>
+              <a:ext uri="{FF2B5EF4-FFF2-40B4-BE49-F238E27FC236}">
+                <a16:creationId xmlns:a16="http://schemas.microsoft.com/office/drawing/2014/main" id="{060F0394-5D5C-7EAD-58F2-11193382C576}"/>
+              </a:ext>
+            </a:extLst>
+          </p:cNvPr>
+          <p:cNvSpPr txBox="1">
+            <a:spLocks noChangeArrowheads="1"/>
+          </p:cNvSpPr>
+          <p:nvPr/>
+        </p:nvSpPr>
+        <p:spPr bwMode="auto">
+          <a:xfrm>
+            <a:off x="8601335" y="10315575"/>
+            <a:ext cx="1022407" cy="504825"/>
+          </a:xfrm>
+          <a:prstGeom prst="rect">
+            <a:avLst/>
+          </a:prstGeom>
+          <a:noFill/>
+          <a:ln>
+            <a:noFill/>
+          </a:ln>
+          <a:extLst>
+            <a:ext uri="{909E8E84-426E-40DD-AFC4-6F175D3DCCD1}">
+              <a14:hiddenFill xmlns:a14="http://schemas.microsoft.com/office/drawing/2010/main">
+                <a:solidFill>
+                  <a:srgbClr val="FFFFFF"/>
+                </a:solidFill>
+              </a14:hiddenFill>
+            </a:ext>
+            <a:ext uri="{91240B29-F687-4F45-9708-019B960494DF}">
+              <a14:hiddenLine xmlns:a14="http://schemas.microsoft.com/office/drawing/2010/main" w="9525">
+                <a:solidFill>
+                  <a:srgbClr val="000000"/>
+                </a:solidFill>
+                <a:miter lim="800000"/>
+                <a:headEnd/>
+                <a:tailEnd/>
+              </a14:hiddenLine>
+            </a:ext>
+          </a:extLst>
+        </p:spPr>
+        <p:txBody>
+          <a:bodyPr vert="horz" wrap="square" lIns="91440" tIns="45720" rIns="91440" bIns="45720" numCol="1" anchor="t" anchorCtr="0" compatLnSpc="1">
+            <a:prstTxWarp prst="textNoShape">
+              <a:avLst/>
+            </a:prstTxWarp>
+          </a:bodyPr>
+          <a:lstStyle/>
+          <a:p>
+            <a:pPr marL="0" marR="0" lvl="0" indent="0" algn="ctr" defTabSz="914400" rtl="0" eaLnBrk="0" fontAlgn="base" latinLnBrk="0" hangingPunct="0">
+              <a:lnSpc>
+                <a:spcPct val="100000"/>
+              </a:lnSpc>
+              <a:spcBef>
+                <a:spcPct val="0"/>
+              </a:spcBef>
+              <a:spcAft>
+                <a:spcPct val="0"/>
+              </a:spcAft>
+              <a:buClrTx/>
+              <a:buSzTx/>
+              <a:buFontTx/>
+              <a:buNone/>
+              <a:tabLst/>
+            </a:pPr>
+            <a:r>
+              <a:rPr kumimoji="0" lang="de-DE" sz="900" b="0" i="0" u="none" strike="noStrike" cap="none" normalizeH="0" baseline="0" noProof="1">
+                <a:ln>
+                  <a:noFill/>
+                </a:ln>
+                <a:solidFill>
+                  <a:schemeClr val="tx1"/>
+                </a:solidFill>
+                <a:effectLst/>
+                <a:latin typeface="Arial" panose="020B0604020202020204" pitchFamily="34" charset="0"/>
+                <a:ea typeface="Aptos" panose="020B0004020202020204" pitchFamily="34" charset="0"/>
+                <a:cs typeface="Arial" panose="020B0604020202020204" pitchFamily="34" charset="0"/>
+              </a:rPr>
+              <a:t>5-Achs-</a:t>
+            </a:r>
+            <a:br>
+              <a:rPr kumimoji="0" lang="de-DE" sz="900" b="0" i="0" u="none" strike="noStrike" cap="none" normalizeH="0" baseline="0" noProof="1">
+                <a:ln>
+                  <a:noFill/>
+                </a:ln>
+                <a:solidFill>
+                  <a:schemeClr val="tx1"/>
+                </a:solidFill>
+                <a:effectLst/>
+                <a:latin typeface="Arial" panose="020B0604020202020204" pitchFamily="34" charset="0"/>
+                <a:ea typeface="Aptos" panose="020B0004020202020204" pitchFamily="34" charset="0"/>
+                <a:cs typeface="Arial" panose="020B0604020202020204" pitchFamily="34" charset="0"/>
+              </a:rPr>
+            </a:br>
+            <a:r>
+              <a:rPr kumimoji="0" lang="de-DE" sz="900" b="0" i="0" u="none" strike="noStrike" cap="none" normalizeH="0" baseline="0" noProof="1">
+                <a:ln>
+                  <a:noFill/>
+                </a:ln>
+                <a:solidFill>
+                  <a:schemeClr val="tx1"/>
+                </a:solidFill>
+                <a:effectLst/>
+                <a:latin typeface="Arial" panose="020B0604020202020204" pitchFamily="34" charset="0"/>
+                <a:ea typeface="Aptos" panose="020B0004020202020204" pitchFamily="34" charset="0"/>
+                <a:cs typeface="Arial" panose="020B0604020202020204" pitchFamily="34" charset="0"/>
+              </a:rPr>
+              <a:t>Fräsmaschine</a:t>
+            </a:r>
+            <a:br>
+              <a:rPr kumimoji="0" lang="de-DE" sz="900" b="0" i="0" u="none" strike="noStrike" cap="none" normalizeH="0" baseline="0" noProof="1">
+                <a:ln>
+                  <a:noFill/>
+                </a:ln>
+                <a:solidFill>
+                  <a:schemeClr val="tx1"/>
+                </a:solidFill>
+                <a:effectLst/>
+                <a:latin typeface="Arial" panose="020B0604020202020204" pitchFamily="34" charset="0"/>
+                <a:ea typeface="Aptos" panose="020B0004020202020204" pitchFamily="34" charset="0"/>
+                <a:cs typeface="Arial" panose="020B0604020202020204" pitchFamily="34" charset="0"/>
+              </a:rPr>
+            </a:br>
+            <a:r>
+              <a:rPr kumimoji="0" lang="de-DE" sz="900" b="0" i="0" u="none" strike="noStrike" cap="none" normalizeH="0" baseline="0" noProof="1">
+                <a:ln>
+                  <a:noFill/>
+                </a:ln>
+                <a:solidFill>
+                  <a:schemeClr val="tx1"/>
+                </a:solidFill>
+                <a:effectLst/>
+                <a:latin typeface="Arial" panose="020B0604020202020204" pitchFamily="34" charset="0"/>
+                <a:ea typeface="Aptos" panose="020B0004020202020204" pitchFamily="34" charset="0"/>
+                <a:cs typeface="Arial" panose="020B0604020202020204" pitchFamily="34" charset="0"/>
+              </a:rPr>
+              <a:t>HURCO</a:t>
+            </a:r>
+            <a:endParaRPr kumimoji="0" lang="de-DE" sz="900" b="0" i="0" u="none" strike="noStrike" cap="none" normalizeH="0" baseline="0" noProof="1">
+              <a:ln>
+                <a:noFill/>
+              </a:ln>
+              <a:solidFill>
+                <a:schemeClr val="tx1"/>
+              </a:solidFill>
+              <a:effectLst/>
+              <a:latin typeface="Arial" panose="020B0604020202020204" pitchFamily="34" charset="0"/>
+              <a:cs typeface="Arial" panose="020B0604020202020204" pitchFamily="34" charset="0"/>
+            </a:endParaRPr>
+          </a:p>
+        </p:txBody>
+      </p:sp>
+      <p:sp>
+        <p:nvSpPr>
+          <p:cNvPr id="29" name="Text Box 374">
+            <a:extLst>
+              <a:ext uri="{FF2B5EF4-FFF2-40B4-BE49-F238E27FC236}">
+                <a16:creationId xmlns:a16="http://schemas.microsoft.com/office/drawing/2014/main" id="{8A367D26-E39B-508B-7281-F5A406FD6A13}"/>
+              </a:ext>
+            </a:extLst>
+          </p:cNvPr>
+          <p:cNvSpPr txBox="1">
+            <a:spLocks noChangeArrowheads="1"/>
+          </p:cNvSpPr>
+          <p:nvPr/>
+        </p:nvSpPr>
+        <p:spPr bwMode="auto">
+          <a:xfrm>
+            <a:off x="7371589" y="8482330"/>
+            <a:ext cx="885825" cy="504825"/>
+          </a:xfrm>
+          <a:prstGeom prst="rect">
+            <a:avLst/>
+          </a:prstGeom>
+          <a:noFill/>
+          <a:ln>
+            <a:noFill/>
+          </a:ln>
+          <a:extLst>
+            <a:ext uri="{909E8E84-426E-40DD-AFC4-6F175D3DCCD1}">
+              <a14:hiddenFill xmlns:a14="http://schemas.microsoft.com/office/drawing/2010/main">
+                <a:solidFill>
+                  <a:srgbClr val="FFFFFF"/>
+                </a:solidFill>
+              </a14:hiddenFill>
+            </a:ext>
+            <a:ext uri="{91240B29-F687-4F45-9708-019B960494DF}">
+              <a14:hiddenLine xmlns:a14="http://schemas.microsoft.com/office/drawing/2010/main" w="9525">
+                <a:solidFill>
+                  <a:srgbClr val="000000"/>
+                </a:solidFill>
+                <a:miter lim="800000"/>
+                <a:headEnd/>
+                <a:tailEnd/>
+              </a14:hiddenLine>
+            </a:ext>
+          </a:extLst>
+        </p:spPr>
+        <p:txBody>
+          <a:bodyPr vert="horz" wrap="square" lIns="91440" tIns="45720" rIns="91440" bIns="45720" numCol="1" anchor="t" anchorCtr="0" compatLnSpc="1">
+            <a:prstTxWarp prst="textNoShape">
+              <a:avLst/>
+            </a:prstTxWarp>
+          </a:bodyPr>
+          <a:lstStyle/>
+          <a:p>
+            <a:pPr marL="0" marR="0" lvl="0" indent="0" algn="ctr" defTabSz="914400" rtl="0" eaLnBrk="0" fontAlgn="base" latinLnBrk="0" hangingPunct="0">
+              <a:lnSpc>
+                <a:spcPct val="100000"/>
+              </a:lnSpc>
+              <a:spcBef>
+                <a:spcPct val="0"/>
+              </a:spcBef>
+              <a:spcAft>
+                <a:spcPct val="0"/>
+              </a:spcAft>
+              <a:buClrTx/>
+              <a:buSzTx/>
+              <a:buFontTx/>
+              <a:buNone/>
+              <a:tabLst/>
+            </a:pPr>
+            <a:r>
+              <a:rPr kumimoji="0" lang="de-DE" sz="900" b="0" i="0" u="none" strike="noStrike" cap="none" normalizeH="0" baseline="0" noProof="1">
+                <a:ln>
+                  <a:noFill/>
+                </a:ln>
+                <a:solidFill>
+                  <a:schemeClr val="tx1"/>
+                </a:solidFill>
+                <a:effectLst/>
+                <a:latin typeface="Arial" panose="020B0604020202020204" pitchFamily="34" charset="0"/>
+                <a:ea typeface="Aptos" panose="020B0004020202020204" pitchFamily="34" charset="0"/>
+                <a:cs typeface="Arial" panose="020B0604020202020204" pitchFamily="34" charset="0"/>
+              </a:rPr>
+              <a:t>Exponat</a:t>
+            </a:r>
+            <a:br>
+              <a:rPr kumimoji="0" lang="de-DE" sz="900" b="0" i="0" u="none" strike="noStrike" cap="none" normalizeH="0" baseline="0" noProof="1">
+                <a:ln>
+                  <a:noFill/>
+                </a:ln>
+                <a:solidFill>
+                  <a:schemeClr val="tx1"/>
+                </a:solidFill>
+                <a:effectLst/>
+                <a:latin typeface="Arial" panose="020B0604020202020204" pitchFamily="34" charset="0"/>
+                <a:ea typeface="Aptos" panose="020B0004020202020204" pitchFamily="34" charset="0"/>
+                <a:cs typeface="Arial" panose="020B0604020202020204" pitchFamily="34" charset="0"/>
+              </a:rPr>
+            </a:br>
+            <a:r>
+              <a:rPr kumimoji="0" lang="de-DE" sz="900" b="0" i="0" u="none" strike="noStrike" cap="none" normalizeH="0" baseline="0" noProof="1">
+                <a:ln>
+                  <a:noFill/>
+                </a:ln>
+                <a:solidFill>
+                  <a:schemeClr val="tx1"/>
+                </a:solidFill>
+                <a:effectLst/>
+                <a:latin typeface="Arial" panose="020B0604020202020204" pitchFamily="34" charset="0"/>
+                <a:ea typeface="Aptos" panose="020B0004020202020204" pitchFamily="34" charset="0"/>
+                <a:cs typeface="Arial" panose="020B0604020202020204" pitchFamily="34" charset="0"/>
+              </a:rPr>
+              <a:t>„Lochstanze“</a:t>
+            </a:r>
+            <a:endParaRPr kumimoji="0" lang="de-DE" sz="900" b="0" i="0" u="none" strike="noStrike" cap="none" normalizeH="0" baseline="0" noProof="1">
+              <a:ln>
+                <a:noFill/>
+              </a:ln>
+              <a:solidFill>
+                <a:schemeClr val="tx1"/>
+              </a:solidFill>
+              <a:effectLst/>
+              <a:latin typeface="Arial" panose="020B0604020202020204" pitchFamily="34" charset="0"/>
+              <a:cs typeface="Arial" panose="020B0604020202020204" pitchFamily="34" charset="0"/>
+            </a:endParaRPr>
+          </a:p>
+        </p:txBody>
+      </p:sp>
+      <p:sp>
+        <p:nvSpPr>
+          <p:cNvPr id="30" name="Explosion: 8 Zacken 29">
+            <a:extLst>
+              <a:ext uri="{FF2B5EF4-FFF2-40B4-BE49-F238E27FC236}">
+                <a16:creationId xmlns:a16="http://schemas.microsoft.com/office/drawing/2014/main" id="{9ECC895E-BA42-A7D6-46F5-6E6221A955EE}"/>
+              </a:ext>
+            </a:extLst>
+          </p:cNvPr>
+          <p:cNvSpPr/>
+          <p:nvPr/>
+        </p:nvSpPr>
+        <p:spPr>
+          <a:xfrm>
+            <a:off x="7641818" y="8829675"/>
+            <a:ext cx="361950" cy="342900"/>
+          </a:xfrm>
+          <a:prstGeom prst="irregularSeal1">
+            <a:avLst/>
+          </a:prstGeom>
+          <a:solidFill>
+            <a:srgbClr val="FFFF00"/>
+          </a:solidFill>
+        </p:spPr>
+        <p:style>
+          <a:lnRef idx="2">
+            <a:schemeClr val="accent1">
+              <a:shade val="15000"/>
+            </a:schemeClr>
+          </a:lnRef>
+          <a:fillRef idx="1">
+            <a:schemeClr val="accent1"/>
+          </a:fillRef>
+          <a:effectRef idx="0">
+            <a:schemeClr val="accent1"/>
+          </a:effectRef>
+          <a:fontRef idx="minor">
+            <a:schemeClr val="lt1"/>
+          </a:fontRef>
+        </p:style>
+        <p:txBody>
+          <a:bodyPr rot="0" spcFirstLastPara="0" vert="horz" wrap="square" lIns="91440" tIns="45720" rIns="91440" bIns="45720" numCol="1" spcCol="0" rtlCol="0" fromWordArt="0" anchor="ctr" anchorCtr="0" forceAA="0" compatLnSpc="1">
+            <a:prstTxWarp prst="textNoShape">
+              <a:avLst/>
+            </a:prstTxWarp>
+            <a:noAutofit/>
+          </a:bodyPr>
+          <a:lstStyle/>
+          <a:p>
+            <a:endParaRPr lang="de-DE" noProof="1">
+              <a:latin typeface="Arial" panose="020B0604020202020204" pitchFamily="34" charset="0"/>
+              <a:cs typeface="Arial" panose="020B0604020202020204" pitchFamily="34" charset="0"/>
+            </a:endParaRPr>
+          </a:p>
+        </p:txBody>
+      </p:sp>
+      <p:grpSp>
+        <p:nvGrpSpPr>
+          <p:cNvPr id="31" name="Gruppieren 30">
+            <a:extLst>
+              <a:ext uri="{FF2B5EF4-FFF2-40B4-BE49-F238E27FC236}">
+                <a16:creationId xmlns:a16="http://schemas.microsoft.com/office/drawing/2014/main" id="{CD3BBCCE-86B5-992D-24A9-1D508C74CE68}"/>
+              </a:ext>
+            </a:extLst>
+          </p:cNvPr>
+          <p:cNvGrpSpPr/>
+          <p:nvPr/>
+        </p:nvGrpSpPr>
+        <p:grpSpPr>
+          <a:xfrm rot="16200000">
+            <a:off x="7991726" y="12609829"/>
+            <a:ext cx="448310" cy="448310"/>
+            <a:chOff x="0" y="0"/>
+            <a:chExt cx="914400" cy="914400"/>
+          </a:xfrm>
+        </p:grpSpPr>
+        <p:sp>
+          <p:nvSpPr>
+            <p:cNvPr id="32" name="Bogen 31">
+              <a:extLst>
+                <a:ext uri="{FF2B5EF4-FFF2-40B4-BE49-F238E27FC236}">
+                  <a16:creationId xmlns:a16="http://schemas.microsoft.com/office/drawing/2014/main" id="{A40C2144-A05A-C201-F04B-36CD04873874}"/>
+                </a:ext>
+              </a:extLst>
+            </p:cNvPr>
+            <p:cNvSpPr/>
+            <p:nvPr/>
+          </p:nvSpPr>
+          <p:spPr>
+            <a:xfrm>
+              <a:off x="0" y="0"/>
+              <a:ext cx="914400" cy="914400"/>
+            </a:xfrm>
+            <a:prstGeom prst="arc">
+              <a:avLst/>
+            </a:prstGeom>
+          </p:spPr>
+          <p:style>
+            <a:lnRef idx="1">
+              <a:schemeClr val="dk1"/>
+            </a:lnRef>
+            <a:fillRef idx="0">
+              <a:schemeClr val="dk1"/>
+            </a:fillRef>
+            <a:effectRef idx="0">
+              <a:schemeClr val="dk1"/>
+            </a:effectRef>
+            <a:fontRef idx="minor">
+              <a:schemeClr val="tx1"/>
+            </a:fontRef>
+          </p:style>
+          <p:txBody>
+            <a:bodyPr rot="0" spcFirstLastPara="0" vert="horz" wrap="square" lIns="91440" tIns="45720" rIns="91440" bIns="45720" numCol="1" spcCol="0" rtlCol="0" fromWordArt="0" anchor="ctr" anchorCtr="0" forceAA="0" compatLnSpc="1">
+              <a:prstTxWarp prst="textNoShape">
+                <a:avLst/>
+              </a:prstTxWarp>
+              <a:noAutofit/>
+            </a:bodyPr>
+            <a:lstStyle/>
+            <a:p>
+              <a:endParaRPr lang="de-DE" noProof="1">
+                <a:latin typeface="Arial" panose="020B0604020202020204" pitchFamily="34" charset="0"/>
+                <a:cs typeface="Arial" panose="020B0604020202020204" pitchFamily="34" charset="0"/>
+              </a:endParaRPr>
+            </a:p>
+          </p:txBody>
+        </p:sp>
+        <p:cxnSp>
+          <p:nvCxnSpPr>
+            <p:cNvPr id="33" name="Gerader Verbinder 32">
+              <a:extLst>
+                <a:ext uri="{FF2B5EF4-FFF2-40B4-BE49-F238E27FC236}">
+                  <a16:creationId xmlns:a16="http://schemas.microsoft.com/office/drawing/2014/main" id="{7CE33D51-BFCF-0519-5BF0-D237784CB0B1}"/>
+                </a:ext>
+              </a:extLst>
+            </p:cNvPr>
+            <p:cNvCxnSpPr/>
+            <p:nvPr/>
+          </p:nvCxnSpPr>
+          <p:spPr>
+            <a:xfrm>
+              <a:off x="467514" y="5824"/>
+              <a:ext cx="0" cy="431691"/>
+            </a:xfrm>
+            <a:prstGeom prst="line">
+              <a:avLst/>
+            </a:prstGeom>
+            <a:ln w="38100"/>
+          </p:spPr>
+          <p:style>
+            <a:lnRef idx="1">
+              <a:schemeClr val="dk1"/>
+            </a:lnRef>
+            <a:fillRef idx="0">
+              <a:schemeClr val="dk1"/>
+            </a:fillRef>
+            <a:effectRef idx="0">
+              <a:schemeClr val="dk1"/>
+            </a:effectRef>
+            <a:fontRef idx="minor">
+              <a:schemeClr val="tx1"/>
+            </a:fontRef>
+          </p:style>
+        </p:cxnSp>
+      </p:grpSp>
     </p:spTree>
     <p:extLst>
       <p:ext uri="{BB962C8B-B14F-4D97-AF65-F5344CB8AC3E}">
@@ -30365,7 +32559,7 @@
           <a:lstStyle/>
           <a:p>
             <a:pPr algn="ctr"/>
-            <a:endParaRPr lang="de-DE"/>
+            <a:endParaRPr lang="de-DE" noProof="1"/>
           </a:p>
         </p:txBody>
       </p:sp>
@@ -30398,16 +32592,16 @@
           <a:lstStyle/>
           <a:p>
             <a:r>
-              <a:rPr lang="de-DE" dirty="0"/>
+              <a:rPr lang="de-DE" noProof="1"/>
               <a:t>Farbauswahl; Auszug aus dem </a:t>
             </a:r>
             <a:r>
-              <a:rPr lang="de-DE" dirty="0">
+              <a:rPr lang="de-DE" noProof="1">
                 <a:hlinkClick r:id="rId3"/>
               </a:rPr>
               <a:t>WAGO-Katalog für Automation</a:t>
             </a:r>
-            <a:endParaRPr lang="de-DE" dirty="0"/>
+            <a:endParaRPr lang="de-DE" noProof="1"/>
           </a:p>
         </p:txBody>
       </p:sp>
@@ -30456,7 +32650,7 @@
           <a:lstStyle/>
           <a:p>
             <a:pPr algn="ctr"/>
-            <a:endParaRPr lang="de-DE"/>
+            <a:endParaRPr lang="de-DE" noProof="1"/>
           </a:p>
         </p:txBody>
       </p:sp>
@@ -30505,7 +32699,7 @@
           <a:lstStyle/>
           <a:p>
             <a:pPr algn="ctr"/>
-            <a:endParaRPr lang="de-DE"/>
+            <a:endParaRPr lang="de-DE" noProof="1"/>
           </a:p>
         </p:txBody>
       </p:sp>
@@ -30554,7 +32748,7 @@
           <a:lstStyle/>
           <a:p>
             <a:pPr algn="ctr"/>
-            <a:endParaRPr lang="de-DE"/>
+            <a:endParaRPr lang="de-DE" noProof="1"/>
           </a:p>
         </p:txBody>
       </p:sp>
@@ -30603,7 +32797,7 @@
           <a:lstStyle/>
           <a:p>
             <a:pPr algn="ctr"/>
-            <a:endParaRPr lang="de-DE"/>
+            <a:endParaRPr lang="de-DE" noProof="1"/>
           </a:p>
         </p:txBody>
       </p:sp>
